--- a/ePortfolio/JSWePort_copy.pptx
+++ b/ePortfolio/JSWePort_copy.pptx
@@ -123,6 +123,3168 @@
     </p:ext>
   </p:extLst>
 </p:presentation>
+</file>
+
+<file path=ppt/diagrams/colors1.xml><?xml version="1.0" encoding="utf-8"?>
+<dgm:colorsDef xmlns:dgm="http://schemas.openxmlformats.org/drawingml/2006/diagram" xmlns:a="http://schemas.openxmlformats.org/drawingml/2006/main" uniqueId="urn:microsoft.com/office/officeart/2005/8/colors/accent1_2">
+  <dgm:title val=""/>
+  <dgm:desc val=""/>
+  <dgm:catLst>
+    <dgm:cat type="accent1" pri="11200"/>
+  </dgm:catLst>
+  <dgm:styleLbl name="node0">
+    <dgm:fillClrLst meth="repeat">
+      <a:schemeClr val="accent1"/>
+    </dgm:fillClrLst>
+    <dgm:linClrLst meth="repeat">
+      <a:schemeClr val="lt1"/>
+    </dgm:linClrLst>
+    <dgm:effectClrLst/>
+    <dgm:txLinClrLst/>
+    <dgm:txFillClrLst/>
+    <dgm:txEffectClrLst/>
+  </dgm:styleLbl>
+  <dgm:styleLbl name="alignNode1">
+    <dgm:fillClrLst meth="repeat">
+      <a:schemeClr val="accent1"/>
+    </dgm:fillClrLst>
+    <dgm:linClrLst meth="repeat">
+      <a:schemeClr val="accent1"/>
+    </dgm:linClrLst>
+    <dgm:effectClrLst/>
+    <dgm:txLinClrLst/>
+    <dgm:txFillClrLst/>
+    <dgm:txEffectClrLst/>
+  </dgm:styleLbl>
+  <dgm:styleLbl name="node1">
+    <dgm:fillClrLst meth="repeat">
+      <a:schemeClr val="accent1"/>
+    </dgm:fillClrLst>
+    <dgm:linClrLst meth="repeat">
+      <a:schemeClr val="lt1"/>
+    </dgm:linClrLst>
+    <dgm:effectClrLst/>
+    <dgm:txLinClrLst/>
+    <dgm:txFillClrLst/>
+    <dgm:txEffectClrLst/>
+  </dgm:styleLbl>
+  <dgm:styleLbl name="lnNode1">
+    <dgm:fillClrLst meth="repeat">
+      <a:schemeClr val="accent1"/>
+    </dgm:fillClrLst>
+    <dgm:linClrLst meth="repeat">
+      <a:schemeClr val="lt1"/>
+    </dgm:linClrLst>
+    <dgm:effectClrLst/>
+    <dgm:txLinClrLst/>
+    <dgm:txFillClrLst/>
+    <dgm:txEffectClrLst/>
+  </dgm:styleLbl>
+  <dgm:styleLbl name="vennNode1">
+    <dgm:fillClrLst meth="repeat">
+      <a:schemeClr val="accent1">
+        <a:alpha val="50000"/>
+      </a:schemeClr>
+    </dgm:fillClrLst>
+    <dgm:linClrLst meth="repeat">
+      <a:schemeClr val="lt1"/>
+    </dgm:linClrLst>
+    <dgm:effectClrLst/>
+    <dgm:txLinClrLst/>
+    <dgm:txFillClrLst/>
+    <dgm:txEffectClrLst/>
+  </dgm:styleLbl>
+  <dgm:styleLbl name="node2">
+    <dgm:fillClrLst meth="repeat">
+      <a:schemeClr val="accent1"/>
+    </dgm:fillClrLst>
+    <dgm:linClrLst meth="repeat">
+      <a:schemeClr val="lt1"/>
+    </dgm:linClrLst>
+    <dgm:effectClrLst/>
+    <dgm:txLinClrLst/>
+    <dgm:txFillClrLst/>
+    <dgm:txEffectClrLst/>
+  </dgm:styleLbl>
+  <dgm:styleLbl name="node3">
+    <dgm:fillClrLst meth="repeat">
+      <a:schemeClr val="accent1"/>
+    </dgm:fillClrLst>
+    <dgm:linClrLst meth="repeat">
+      <a:schemeClr val="lt1"/>
+    </dgm:linClrLst>
+    <dgm:effectClrLst/>
+    <dgm:txLinClrLst/>
+    <dgm:txFillClrLst/>
+    <dgm:txEffectClrLst/>
+  </dgm:styleLbl>
+  <dgm:styleLbl name="node4">
+    <dgm:fillClrLst meth="repeat">
+      <a:schemeClr val="accent1"/>
+    </dgm:fillClrLst>
+    <dgm:linClrLst meth="repeat">
+      <a:schemeClr val="lt1"/>
+    </dgm:linClrLst>
+    <dgm:effectClrLst/>
+    <dgm:txLinClrLst/>
+    <dgm:txFillClrLst/>
+    <dgm:txEffectClrLst/>
+  </dgm:styleLbl>
+  <dgm:styleLbl name="fgImgPlace1">
+    <dgm:fillClrLst meth="repeat">
+      <a:schemeClr val="accent1">
+        <a:tint val="50000"/>
+      </a:schemeClr>
+    </dgm:fillClrLst>
+    <dgm:linClrLst meth="repeat">
+      <a:schemeClr val="lt1"/>
+    </dgm:linClrLst>
+    <dgm:effectClrLst/>
+    <dgm:txLinClrLst/>
+    <dgm:txFillClrLst meth="repeat">
+      <a:schemeClr val="lt1"/>
+    </dgm:txFillClrLst>
+    <dgm:txEffectClrLst/>
+  </dgm:styleLbl>
+  <dgm:styleLbl name="alignImgPlace1">
+    <dgm:fillClrLst meth="repeat">
+      <a:schemeClr val="accent1">
+        <a:tint val="50000"/>
+      </a:schemeClr>
+    </dgm:fillClrLst>
+    <dgm:linClrLst meth="repeat">
+      <a:schemeClr val="lt1"/>
+    </dgm:linClrLst>
+    <dgm:effectClrLst/>
+    <dgm:txLinClrLst/>
+    <dgm:txFillClrLst meth="repeat">
+      <a:schemeClr val="lt1"/>
+    </dgm:txFillClrLst>
+    <dgm:txEffectClrLst/>
+  </dgm:styleLbl>
+  <dgm:styleLbl name="bgImgPlace1">
+    <dgm:fillClrLst meth="repeat">
+      <a:schemeClr val="accent1">
+        <a:tint val="50000"/>
+      </a:schemeClr>
+    </dgm:fillClrLst>
+    <dgm:linClrLst meth="repeat">
+      <a:schemeClr val="lt1"/>
+    </dgm:linClrLst>
+    <dgm:effectClrLst/>
+    <dgm:txLinClrLst/>
+    <dgm:txFillClrLst meth="repeat">
+      <a:schemeClr val="lt1"/>
+    </dgm:txFillClrLst>
+    <dgm:txEffectClrLst/>
+  </dgm:styleLbl>
+  <dgm:styleLbl name="sibTrans2D1">
+    <dgm:fillClrLst meth="repeat">
+      <a:schemeClr val="accent1">
+        <a:tint val="60000"/>
+      </a:schemeClr>
+    </dgm:fillClrLst>
+    <dgm:linClrLst meth="repeat">
+      <a:schemeClr val="accent1">
+        <a:tint val="60000"/>
+      </a:schemeClr>
+    </dgm:linClrLst>
+    <dgm:effectClrLst/>
+    <dgm:txLinClrLst/>
+    <dgm:txFillClrLst/>
+    <dgm:txEffectClrLst/>
+  </dgm:styleLbl>
+  <dgm:styleLbl name="fgSibTrans2D1">
+    <dgm:fillClrLst meth="repeat">
+      <a:schemeClr val="accent1">
+        <a:tint val="60000"/>
+      </a:schemeClr>
+    </dgm:fillClrLst>
+    <dgm:linClrLst meth="repeat">
+      <a:schemeClr val="accent1">
+        <a:tint val="60000"/>
+      </a:schemeClr>
+    </dgm:linClrLst>
+    <dgm:effectClrLst/>
+    <dgm:txLinClrLst/>
+    <dgm:txFillClrLst/>
+    <dgm:txEffectClrLst/>
+  </dgm:styleLbl>
+  <dgm:styleLbl name="bgSibTrans2D1">
+    <dgm:fillClrLst meth="repeat">
+      <a:schemeClr val="accent1">
+        <a:tint val="60000"/>
+      </a:schemeClr>
+    </dgm:fillClrLst>
+    <dgm:linClrLst meth="repeat">
+      <a:schemeClr val="accent1">
+        <a:tint val="60000"/>
+      </a:schemeClr>
+    </dgm:linClrLst>
+    <dgm:effectClrLst/>
+    <dgm:txLinClrLst/>
+    <dgm:txFillClrLst/>
+    <dgm:txEffectClrLst/>
+  </dgm:styleLbl>
+  <dgm:styleLbl name="sibTrans1D1">
+    <dgm:fillClrLst meth="repeat">
+      <a:schemeClr val="accent1"/>
+    </dgm:fillClrLst>
+    <dgm:linClrLst meth="repeat">
+      <a:schemeClr val="accent1"/>
+    </dgm:linClrLst>
+    <dgm:effectClrLst/>
+    <dgm:txLinClrLst/>
+    <dgm:txFillClrLst meth="repeat">
+      <a:schemeClr val="tx1"/>
+    </dgm:txFillClrLst>
+    <dgm:txEffectClrLst/>
+  </dgm:styleLbl>
+  <dgm:styleLbl name="callout">
+    <dgm:fillClrLst meth="repeat">
+      <a:schemeClr val="accent1"/>
+    </dgm:fillClrLst>
+    <dgm:linClrLst meth="repeat">
+      <a:schemeClr val="accent1">
+        <a:tint val="50000"/>
+      </a:schemeClr>
+    </dgm:linClrLst>
+    <dgm:effectClrLst/>
+    <dgm:txLinClrLst/>
+    <dgm:txFillClrLst meth="repeat">
+      <a:schemeClr val="tx1"/>
+    </dgm:txFillClrLst>
+    <dgm:txEffectClrLst/>
+  </dgm:styleLbl>
+  <dgm:styleLbl name="asst0">
+    <dgm:fillClrLst meth="repeat">
+      <a:schemeClr val="accent1"/>
+    </dgm:fillClrLst>
+    <dgm:linClrLst meth="repeat">
+      <a:schemeClr val="lt1"/>
+    </dgm:linClrLst>
+    <dgm:effectClrLst/>
+    <dgm:txLinClrLst/>
+    <dgm:txFillClrLst/>
+    <dgm:txEffectClrLst/>
+  </dgm:styleLbl>
+  <dgm:styleLbl name="asst1">
+    <dgm:fillClrLst meth="repeat">
+      <a:schemeClr val="accent1"/>
+    </dgm:fillClrLst>
+    <dgm:linClrLst meth="repeat">
+      <a:schemeClr val="lt1"/>
+    </dgm:linClrLst>
+    <dgm:effectClrLst/>
+    <dgm:txLinClrLst/>
+    <dgm:txFillClrLst/>
+    <dgm:txEffectClrLst/>
+  </dgm:styleLbl>
+  <dgm:styleLbl name="asst2">
+    <dgm:fillClrLst meth="repeat">
+      <a:schemeClr val="accent1"/>
+    </dgm:fillClrLst>
+    <dgm:linClrLst meth="repeat">
+      <a:schemeClr val="lt1"/>
+    </dgm:linClrLst>
+    <dgm:effectClrLst/>
+    <dgm:txLinClrLst/>
+    <dgm:txFillClrLst/>
+    <dgm:txEffectClrLst/>
+  </dgm:styleLbl>
+  <dgm:styleLbl name="asst3">
+    <dgm:fillClrLst meth="repeat">
+      <a:schemeClr val="accent1"/>
+    </dgm:fillClrLst>
+    <dgm:linClrLst meth="repeat">
+      <a:schemeClr val="lt1"/>
+    </dgm:linClrLst>
+    <dgm:effectClrLst/>
+    <dgm:txLinClrLst/>
+    <dgm:txFillClrLst/>
+    <dgm:txEffectClrLst/>
+  </dgm:styleLbl>
+  <dgm:styleLbl name="asst4">
+    <dgm:fillClrLst meth="repeat">
+      <a:schemeClr val="accent1"/>
+    </dgm:fillClrLst>
+    <dgm:linClrLst meth="repeat">
+      <a:schemeClr val="lt1"/>
+    </dgm:linClrLst>
+    <dgm:effectClrLst/>
+    <dgm:txLinClrLst/>
+    <dgm:txFillClrLst/>
+    <dgm:txEffectClrLst/>
+  </dgm:styleLbl>
+  <dgm:styleLbl name="parChTrans2D1">
+    <dgm:fillClrLst meth="repeat">
+      <a:schemeClr val="accent1">
+        <a:tint val="60000"/>
+      </a:schemeClr>
+    </dgm:fillClrLst>
+    <dgm:linClrLst meth="repeat">
+      <a:schemeClr val="accent1">
+        <a:tint val="60000"/>
+      </a:schemeClr>
+    </dgm:linClrLst>
+    <dgm:effectClrLst/>
+    <dgm:txLinClrLst/>
+    <dgm:txFillClrLst meth="repeat">
+      <a:schemeClr val="lt1"/>
+    </dgm:txFillClrLst>
+    <dgm:txEffectClrLst/>
+  </dgm:styleLbl>
+  <dgm:styleLbl name="parChTrans2D2">
+    <dgm:fillClrLst meth="repeat">
+      <a:schemeClr val="accent1"/>
+    </dgm:fillClrLst>
+    <dgm:linClrLst meth="repeat">
+      <a:schemeClr val="accent1"/>
+    </dgm:linClrLst>
+    <dgm:effectClrLst/>
+    <dgm:txLinClrLst/>
+    <dgm:txFillClrLst meth="repeat">
+      <a:schemeClr val="lt1"/>
+    </dgm:txFillClrLst>
+    <dgm:txEffectClrLst/>
+  </dgm:styleLbl>
+  <dgm:styleLbl name="parChTrans2D3">
+    <dgm:fillClrLst meth="repeat">
+      <a:schemeClr val="accent1"/>
+    </dgm:fillClrLst>
+    <dgm:linClrLst meth="repeat">
+      <a:schemeClr val="accent1"/>
+    </dgm:linClrLst>
+    <dgm:effectClrLst/>
+    <dgm:txLinClrLst/>
+    <dgm:txFillClrLst meth="repeat">
+      <a:schemeClr val="lt1"/>
+    </dgm:txFillClrLst>
+    <dgm:txEffectClrLst/>
+  </dgm:styleLbl>
+  <dgm:styleLbl name="parChTrans2D4">
+    <dgm:fillClrLst meth="repeat">
+      <a:schemeClr val="accent1"/>
+    </dgm:fillClrLst>
+    <dgm:linClrLst meth="repeat">
+      <a:schemeClr val="accent1"/>
+    </dgm:linClrLst>
+    <dgm:effectClrLst/>
+    <dgm:txLinClrLst/>
+    <dgm:txFillClrLst meth="repeat">
+      <a:schemeClr val="lt1"/>
+    </dgm:txFillClrLst>
+    <dgm:txEffectClrLst/>
+  </dgm:styleLbl>
+  <dgm:styleLbl name="parChTrans1D1">
+    <dgm:fillClrLst meth="repeat">
+      <a:schemeClr val="accent1"/>
+    </dgm:fillClrLst>
+    <dgm:linClrLst meth="repeat">
+      <a:schemeClr val="accent1">
+        <a:shade val="60000"/>
+      </a:schemeClr>
+    </dgm:linClrLst>
+    <dgm:effectClrLst/>
+    <dgm:txLinClrLst/>
+    <dgm:txFillClrLst meth="repeat">
+      <a:schemeClr val="tx1"/>
+    </dgm:txFillClrLst>
+    <dgm:txEffectClrLst/>
+  </dgm:styleLbl>
+  <dgm:styleLbl name="parChTrans1D2">
+    <dgm:fillClrLst meth="repeat">
+      <a:schemeClr val="accent1"/>
+    </dgm:fillClrLst>
+    <dgm:linClrLst meth="repeat">
+      <a:schemeClr val="accent1">
+        <a:shade val="60000"/>
+      </a:schemeClr>
+    </dgm:linClrLst>
+    <dgm:effectClrLst/>
+    <dgm:txLinClrLst/>
+    <dgm:txFillClrLst meth="repeat">
+      <a:schemeClr val="tx1"/>
+    </dgm:txFillClrLst>
+    <dgm:txEffectClrLst/>
+  </dgm:styleLbl>
+  <dgm:styleLbl name="parChTrans1D3">
+    <dgm:fillClrLst meth="repeat">
+      <a:schemeClr val="accent1"/>
+    </dgm:fillClrLst>
+    <dgm:linClrLst meth="repeat">
+      <a:schemeClr val="accent1">
+        <a:shade val="80000"/>
+      </a:schemeClr>
+    </dgm:linClrLst>
+    <dgm:effectClrLst/>
+    <dgm:txLinClrLst/>
+    <dgm:txFillClrLst meth="repeat">
+      <a:schemeClr val="tx1"/>
+    </dgm:txFillClrLst>
+    <dgm:txEffectClrLst/>
+  </dgm:styleLbl>
+  <dgm:styleLbl name="parChTrans1D4">
+    <dgm:fillClrLst meth="repeat">
+      <a:schemeClr val="accent1"/>
+    </dgm:fillClrLst>
+    <dgm:linClrLst meth="repeat">
+      <a:schemeClr val="accent1">
+        <a:shade val="80000"/>
+      </a:schemeClr>
+    </dgm:linClrLst>
+    <dgm:effectClrLst/>
+    <dgm:txLinClrLst/>
+    <dgm:txFillClrLst meth="repeat">
+      <a:schemeClr val="tx1"/>
+    </dgm:txFillClrLst>
+    <dgm:txEffectClrLst/>
+  </dgm:styleLbl>
+  <dgm:styleLbl name="fgAcc1">
+    <dgm:fillClrLst meth="repeat">
+      <a:schemeClr val="lt1">
+        <a:alpha val="90000"/>
+      </a:schemeClr>
+    </dgm:fillClrLst>
+    <dgm:linClrLst meth="repeat">
+      <a:schemeClr val="accent1"/>
+    </dgm:linClrLst>
+    <dgm:effectClrLst/>
+    <dgm:txLinClrLst/>
+    <dgm:txFillClrLst meth="repeat">
+      <a:schemeClr val="dk1"/>
+    </dgm:txFillClrLst>
+    <dgm:txEffectClrLst/>
+  </dgm:styleLbl>
+  <dgm:styleLbl name="conFgAcc1">
+    <dgm:fillClrLst meth="repeat">
+      <a:schemeClr val="lt1">
+        <a:alpha val="90000"/>
+      </a:schemeClr>
+    </dgm:fillClrLst>
+    <dgm:linClrLst meth="repeat">
+      <a:schemeClr val="accent1"/>
+    </dgm:linClrLst>
+    <dgm:effectClrLst/>
+    <dgm:txLinClrLst/>
+    <dgm:txFillClrLst meth="repeat">
+      <a:schemeClr val="dk1"/>
+    </dgm:txFillClrLst>
+    <dgm:txEffectClrLst/>
+  </dgm:styleLbl>
+  <dgm:styleLbl name="alignAcc1">
+    <dgm:fillClrLst meth="repeat">
+      <a:schemeClr val="lt1">
+        <a:alpha val="90000"/>
+      </a:schemeClr>
+    </dgm:fillClrLst>
+    <dgm:linClrLst meth="repeat">
+      <a:schemeClr val="accent1"/>
+    </dgm:linClrLst>
+    <dgm:effectClrLst/>
+    <dgm:txLinClrLst/>
+    <dgm:txFillClrLst meth="repeat">
+      <a:schemeClr val="dk1"/>
+    </dgm:txFillClrLst>
+    <dgm:txEffectClrLst/>
+  </dgm:styleLbl>
+  <dgm:styleLbl name="trAlignAcc1">
+    <dgm:fillClrLst meth="repeat">
+      <a:schemeClr val="lt1">
+        <a:alpha val="40000"/>
+      </a:schemeClr>
+    </dgm:fillClrLst>
+    <dgm:linClrLst meth="repeat">
+      <a:schemeClr val="accent1"/>
+    </dgm:linClrLst>
+    <dgm:effectClrLst/>
+    <dgm:txLinClrLst/>
+    <dgm:txFillClrLst meth="repeat">
+      <a:schemeClr val="dk1"/>
+    </dgm:txFillClrLst>
+    <dgm:txEffectClrLst/>
+  </dgm:styleLbl>
+  <dgm:styleLbl name="bgAcc1">
+    <dgm:fillClrLst meth="repeat">
+      <a:schemeClr val="lt1">
+        <a:alpha val="90000"/>
+      </a:schemeClr>
+    </dgm:fillClrLst>
+    <dgm:linClrLst meth="repeat">
+      <a:schemeClr val="accent1"/>
+    </dgm:linClrLst>
+    <dgm:effectClrLst/>
+    <dgm:txLinClrLst/>
+    <dgm:txFillClrLst meth="repeat">
+      <a:schemeClr val="dk1"/>
+    </dgm:txFillClrLst>
+    <dgm:txEffectClrLst/>
+  </dgm:styleLbl>
+  <dgm:styleLbl name="solidFgAcc1">
+    <dgm:fillClrLst meth="repeat">
+      <a:schemeClr val="lt1"/>
+    </dgm:fillClrLst>
+    <dgm:linClrLst meth="repeat">
+      <a:schemeClr val="accent1"/>
+    </dgm:linClrLst>
+    <dgm:effectClrLst/>
+    <dgm:txLinClrLst/>
+    <dgm:txFillClrLst meth="repeat">
+      <a:schemeClr val="dk1"/>
+    </dgm:txFillClrLst>
+    <dgm:txEffectClrLst/>
+  </dgm:styleLbl>
+  <dgm:styleLbl name="solidAlignAcc1">
+    <dgm:fillClrLst meth="repeat">
+      <a:schemeClr val="lt1"/>
+    </dgm:fillClrLst>
+    <dgm:linClrLst meth="repeat">
+      <a:schemeClr val="accent1"/>
+    </dgm:linClrLst>
+    <dgm:effectClrLst/>
+    <dgm:txLinClrLst/>
+    <dgm:txFillClrLst meth="repeat">
+      <a:schemeClr val="dk1"/>
+    </dgm:txFillClrLst>
+    <dgm:txEffectClrLst/>
+  </dgm:styleLbl>
+  <dgm:styleLbl name="solidBgAcc1">
+    <dgm:fillClrLst meth="repeat">
+      <a:schemeClr val="lt1"/>
+    </dgm:fillClrLst>
+    <dgm:linClrLst meth="repeat">
+      <a:schemeClr val="accent1"/>
+    </dgm:linClrLst>
+    <dgm:effectClrLst/>
+    <dgm:txLinClrLst/>
+    <dgm:txFillClrLst meth="repeat">
+      <a:schemeClr val="dk1"/>
+    </dgm:txFillClrLst>
+    <dgm:txEffectClrLst/>
+  </dgm:styleLbl>
+  <dgm:styleLbl name="fgAccFollowNode1">
+    <dgm:fillClrLst meth="repeat">
+      <a:schemeClr val="accent1">
+        <a:alpha val="90000"/>
+        <a:tint val="40000"/>
+      </a:schemeClr>
+    </dgm:fillClrLst>
+    <dgm:linClrLst meth="repeat">
+      <a:schemeClr val="accent1">
+        <a:alpha val="90000"/>
+        <a:tint val="40000"/>
+      </a:schemeClr>
+    </dgm:linClrLst>
+    <dgm:effectClrLst/>
+    <dgm:txLinClrLst/>
+    <dgm:txFillClrLst meth="repeat">
+      <a:schemeClr val="dk1"/>
+    </dgm:txFillClrLst>
+    <dgm:txEffectClrLst/>
+  </dgm:styleLbl>
+  <dgm:styleLbl name="alignAccFollowNode1">
+    <dgm:fillClrLst meth="repeat">
+      <a:schemeClr val="accent1">
+        <a:alpha val="90000"/>
+        <a:tint val="40000"/>
+      </a:schemeClr>
+    </dgm:fillClrLst>
+    <dgm:linClrLst meth="repeat">
+      <a:schemeClr val="accent1">
+        <a:alpha val="90000"/>
+        <a:tint val="40000"/>
+      </a:schemeClr>
+    </dgm:linClrLst>
+    <dgm:effectClrLst/>
+    <dgm:txLinClrLst/>
+    <dgm:txFillClrLst meth="repeat">
+      <a:schemeClr val="dk1"/>
+    </dgm:txFillClrLst>
+    <dgm:txEffectClrLst/>
+  </dgm:styleLbl>
+  <dgm:styleLbl name="bgAccFollowNode1">
+    <dgm:fillClrLst meth="repeat">
+      <a:schemeClr val="accent1">
+        <a:alpha val="90000"/>
+        <a:tint val="40000"/>
+      </a:schemeClr>
+    </dgm:fillClrLst>
+    <dgm:linClrLst meth="repeat">
+      <a:schemeClr val="accent1">
+        <a:alpha val="90000"/>
+        <a:tint val="40000"/>
+      </a:schemeClr>
+    </dgm:linClrLst>
+    <dgm:effectClrLst/>
+    <dgm:txLinClrLst/>
+    <dgm:txFillClrLst meth="repeat">
+      <a:schemeClr val="dk1"/>
+    </dgm:txFillClrLst>
+    <dgm:txEffectClrLst/>
+  </dgm:styleLbl>
+  <dgm:styleLbl name="fgAcc0">
+    <dgm:fillClrLst meth="repeat">
+      <a:schemeClr val="lt1">
+        <a:alpha val="90000"/>
+      </a:schemeClr>
+    </dgm:fillClrLst>
+    <dgm:linClrLst meth="repeat">
+      <a:schemeClr val="accent1"/>
+    </dgm:linClrLst>
+    <dgm:effectClrLst/>
+    <dgm:txLinClrLst/>
+    <dgm:txFillClrLst meth="repeat">
+      <a:schemeClr val="dk1"/>
+    </dgm:txFillClrLst>
+    <dgm:txEffectClrLst/>
+  </dgm:styleLbl>
+  <dgm:styleLbl name="fgAcc2">
+    <dgm:fillClrLst meth="repeat">
+      <a:schemeClr val="lt1">
+        <a:alpha val="90000"/>
+      </a:schemeClr>
+    </dgm:fillClrLst>
+    <dgm:linClrLst meth="repeat">
+      <a:schemeClr val="accent1"/>
+    </dgm:linClrLst>
+    <dgm:effectClrLst/>
+    <dgm:txLinClrLst/>
+    <dgm:txFillClrLst meth="repeat">
+      <a:schemeClr val="dk1"/>
+    </dgm:txFillClrLst>
+    <dgm:txEffectClrLst/>
+  </dgm:styleLbl>
+  <dgm:styleLbl name="fgAcc3">
+    <dgm:fillClrLst meth="repeat">
+      <a:schemeClr val="lt1">
+        <a:alpha val="90000"/>
+      </a:schemeClr>
+    </dgm:fillClrLst>
+    <dgm:linClrLst meth="repeat">
+      <a:schemeClr val="accent1"/>
+    </dgm:linClrLst>
+    <dgm:effectClrLst/>
+    <dgm:txLinClrLst/>
+    <dgm:txFillClrLst meth="repeat">
+      <a:schemeClr val="dk1"/>
+    </dgm:txFillClrLst>
+    <dgm:txEffectClrLst/>
+  </dgm:styleLbl>
+  <dgm:styleLbl name="fgAcc4">
+    <dgm:fillClrLst meth="repeat">
+      <a:schemeClr val="lt1">
+        <a:alpha val="90000"/>
+      </a:schemeClr>
+    </dgm:fillClrLst>
+    <dgm:linClrLst meth="repeat">
+      <a:schemeClr val="accent1"/>
+    </dgm:linClrLst>
+    <dgm:effectClrLst/>
+    <dgm:txLinClrLst/>
+    <dgm:txFillClrLst meth="repeat">
+      <a:schemeClr val="dk1"/>
+    </dgm:txFillClrLst>
+    <dgm:txEffectClrLst/>
+  </dgm:styleLbl>
+  <dgm:styleLbl name="bgShp">
+    <dgm:fillClrLst meth="repeat">
+      <a:schemeClr val="accent1">
+        <a:tint val="40000"/>
+      </a:schemeClr>
+    </dgm:fillClrLst>
+    <dgm:linClrLst meth="repeat">
+      <a:schemeClr val="accent1"/>
+    </dgm:linClrLst>
+    <dgm:effectClrLst/>
+    <dgm:txLinClrLst/>
+    <dgm:txFillClrLst meth="repeat">
+      <a:schemeClr val="dk1"/>
+    </dgm:txFillClrLst>
+    <dgm:txEffectClrLst/>
+  </dgm:styleLbl>
+  <dgm:styleLbl name="dkBgShp">
+    <dgm:fillClrLst meth="repeat">
+      <a:schemeClr val="accent1">
+        <a:shade val="80000"/>
+      </a:schemeClr>
+    </dgm:fillClrLst>
+    <dgm:linClrLst meth="repeat">
+      <a:schemeClr val="accent1"/>
+    </dgm:linClrLst>
+    <dgm:effectClrLst/>
+    <dgm:txLinClrLst/>
+    <dgm:txFillClrLst meth="repeat">
+      <a:schemeClr val="lt1"/>
+    </dgm:txFillClrLst>
+    <dgm:txEffectClrLst/>
+  </dgm:styleLbl>
+  <dgm:styleLbl name="trBgShp">
+    <dgm:fillClrLst meth="repeat">
+      <a:schemeClr val="accent1">
+        <a:tint val="50000"/>
+        <a:alpha val="40000"/>
+      </a:schemeClr>
+    </dgm:fillClrLst>
+    <dgm:linClrLst meth="repeat">
+      <a:schemeClr val="accent1"/>
+    </dgm:linClrLst>
+    <dgm:effectClrLst/>
+    <dgm:txLinClrLst/>
+    <dgm:txFillClrLst meth="repeat">
+      <a:schemeClr val="lt1"/>
+    </dgm:txFillClrLst>
+    <dgm:txEffectClrLst/>
+  </dgm:styleLbl>
+  <dgm:styleLbl name="fgShp">
+    <dgm:fillClrLst meth="repeat">
+      <a:schemeClr val="accent1">
+        <a:tint val="60000"/>
+      </a:schemeClr>
+    </dgm:fillClrLst>
+    <dgm:linClrLst meth="repeat">
+      <a:schemeClr val="lt1"/>
+    </dgm:linClrLst>
+    <dgm:effectClrLst/>
+    <dgm:txLinClrLst/>
+    <dgm:txFillClrLst meth="repeat">
+      <a:schemeClr val="dk1"/>
+    </dgm:txFillClrLst>
+    <dgm:txEffectClrLst/>
+  </dgm:styleLbl>
+  <dgm:styleLbl name="revTx">
+    <dgm:fillClrLst meth="repeat">
+      <a:schemeClr val="lt1">
+        <a:alpha val="0"/>
+      </a:schemeClr>
+    </dgm:fillClrLst>
+    <dgm:linClrLst meth="repeat">
+      <a:schemeClr val="dk1">
+        <a:alpha val="0"/>
+      </a:schemeClr>
+    </dgm:linClrLst>
+    <dgm:effectClrLst/>
+    <dgm:txLinClrLst/>
+    <dgm:txFillClrLst meth="repeat">
+      <a:schemeClr val="tx1"/>
+    </dgm:txFillClrLst>
+    <dgm:txEffectClrLst/>
+  </dgm:styleLbl>
+</dgm:colorsDef>
+</file>
+
+<file path=ppt/diagrams/data1.xml><?xml version="1.0" encoding="utf-8"?>
+<dgm:dataModel xmlns:dgm="http://schemas.openxmlformats.org/drawingml/2006/diagram" xmlns:a="http://schemas.openxmlformats.org/drawingml/2006/main">
+  <dgm:ptLst>
+    <dgm:pt modelId="{DB7F5689-E485-4356-8099-F0991DEC5712}" type="doc">
+      <dgm:prSet loTypeId="urn:microsoft.com/office/officeart/2005/8/layout/vList2" loCatId="list" qsTypeId="urn:microsoft.com/office/officeart/2005/8/quickstyle/simple1" qsCatId="simple" csTypeId="urn:microsoft.com/office/officeart/2005/8/colors/accent1_2" csCatId="accent1"/>
+      <dgm:spPr/>
+      <dgm:t>
+        <a:bodyPr/>
+        <a:lstStyle/>
+        <a:p>
+          <a:endParaRPr lang="en-US"/>
+        </a:p>
+      </dgm:t>
+    </dgm:pt>
+    <dgm:pt modelId="{063D89AF-5176-4120-A558-7B36FCE6CA5E}">
+      <dgm:prSet/>
+      <dgm:spPr/>
+      <dgm:t>
+        <a:bodyPr/>
+        <a:lstStyle/>
+        <a:p>
+          <a:r>
+            <a:rPr lang="en-US"/>
+            <a:t>Resume</a:t>
+          </a:r>
+        </a:p>
+      </dgm:t>
+    </dgm:pt>
+    <dgm:pt modelId="{E4DD2C0F-F800-4194-9E4C-32DE160190F8}" type="parTrans" cxnId="{B3821FE6-9296-4C90-A21A-87BE373C7186}">
+      <dgm:prSet/>
+      <dgm:spPr/>
+      <dgm:t>
+        <a:bodyPr/>
+        <a:lstStyle/>
+        <a:p>
+          <a:endParaRPr lang="en-US"/>
+        </a:p>
+      </dgm:t>
+    </dgm:pt>
+    <dgm:pt modelId="{C03B3AF8-61F5-4F6B-9E6B-ABF42755BF83}" type="sibTrans" cxnId="{B3821FE6-9296-4C90-A21A-87BE373C7186}">
+      <dgm:prSet/>
+      <dgm:spPr/>
+      <dgm:t>
+        <a:bodyPr/>
+        <a:lstStyle/>
+        <a:p>
+          <a:endParaRPr lang="en-US"/>
+        </a:p>
+      </dgm:t>
+    </dgm:pt>
+    <dgm:pt modelId="{D4D42AB0-8E0B-42E9-B63B-DFEFEF600783}">
+      <dgm:prSet/>
+      <dgm:spPr/>
+      <dgm:t>
+        <a:bodyPr/>
+        <a:lstStyle/>
+        <a:p>
+          <a:r>
+            <a:rPr lang="en-US"/>
+            <a:t>Cover Letter</a:t>
+          </a:r>
+        </a:p>
+      </dgm:t>
+    </dgm:pt>
+    <dgm:pt modelId="{B0B4DC97-0442-4085-8608-553927A0FAC8}" type="parTrans" cxnId="{DC19744F-AA37-46A7-A438-109CE4D6381B}">
+      <dgm:prSet/>
+      <dgm:spPr/>
+      <dgm:t>
+        <a:bodyPr/>
+        <a:lstStyle/>
+        <a:p>
+          <a:endParaRPr lang="en-US"/>
+        </a:p>
+      </dgm:t>
+    </dgm:pt>
+    <dgm:pt modelId="{D5EA27FF-FEFF-4969-BA97-D87F68C61F75}" type="sibTrans" cxnId="{DC19744F-AA37-46A7-A438-109CE4D6381B}">
+      <dgm:prSet/>
+      <dgm:spPr/>
+      <dgm:t>
+        <a:bodyPr/>
+        <a:lstStyle/>
+        <a:p>
+          <a:endParaRPr lang="en-US"/>
+        </a:p>
+      </dgm:t>
+    </dgm:pt>
+    <dgm:pt modelId="{8FC89FC1-BD7C-4AE0-B669-F3C467DF533A}">
+      <dgm:prSet/>
+      <dgm:spPr/>
+      <dgm:t>
+        <a:bodyPr/>
+        <a:lstStyle/>
+        <a:p>
+          <a:r>
+            <a:rPr lang="en-US"/>
+            <a:t>Academic Plan</a:t>
+          </a:r>
+        </a:p>
+      </dgm:t>
+    </dgm:pt>
+    <dgm:pt modelId="{A07AC846-ABEC-472D-878A-5D6476A675A1}" type="parTrans" cxnId="{74EA4DB4-F814-466E-AB70-CAF21FB4BEC0}">
+      <dgm:prSet/>
+      <dgm:spPr/>
+      <dgm:t>
+        <a:bodyPr/>
+        <a:lstStyle/>
+        <a:p>
+          <a:endParaRPr lang="en-US"/>
+        </a:p>
+      </dgm:t>
+    </dgm:pt>
+    <dgm:pt modelId="{C56DD045-1C27-4CDB-8DEF-8971C4A773CD}" type="sibTrans" cxnId="{74EA4DB4-F814-466E-AB70-CAF21FB4BEC0}">
+      <dgm:prSet/>
+      <dgm:spPr/>
+      <dgm:t>
+        <a:bodyPr/>
+        <a:lstStyle/>
+        <a:p>
+          <a:endParaRPr lang="en-US"/>
+        </a:p>
+      </dgm:t>
+    </dgm:pt>
+    <dgm:pt modelId="{F79C61BD-9E18-4A89-A22D-5C0C373364E8}">
+      <dgm:prSet/>
+      <dgm:spPr/>
+      <dgm:t>
+        <a:bodyPr/>
+        <a:lstStyle/>
+        <a:p>
+          <a:r>
+            <a:rPr lang="en-US"/>
+            <a:t>Statement of Professional Goals</a:t>
+          </a:r>
+        </a:p>
+      </dgm:t>
+    </dgm:pt>
+    <dgm:pt modelId="{51EBA490-02B3-4494-872C-F45AB3BC57A0}" type="parTrans" cxnId="{245E8FB7-0876-49DB-8171-32ABE048AAD0}">
+      <dgm:prSet/>
+      <dgm:spPr/>
+      <dgm:t>
+        <a:bodyPr/>
+        <a:lstStyle/>
+        <a:p>
+          <a:endParaRPr lang="en-US"/>
+        </a:p>
+      </dgm:t>
+    </dgm:pt>
+    <dgm:pt modelId="{D981784A-D7C3-4D78-87FC-9C1F08CCB983}" type="sibTrans" cxnId="{245E8FB7-0876-49DB-8171-32ABE048AAD0}">
+      <dgm:prSet/>
+      <dgm:spPr/>
+      <dgm:t>
+        <a:bodyPr/>
+        <a:lstStyle/>
+        <a:p>
+          <a:endParaRPr lang="en-US"/>
+        </a:p>
+      </dgm:t>
+    </dgm:pt>
+    <dgm:pt modelId="{DA26E87C-0B5B-4B9C-8120-D1D275361E0E}">
+      <dgm:prSet/>
+      <dgm:spPr/>
+      <dgm:t>
+        <a:bodyPr/>
+        <a:lstStyle/>
+        <a:p>
+          <a:r>
+            <a:rPr lang="en-US"/>
+            <a:t>Personal Mission Statement</a:t>
+          </a:r>
+        </a:p>
+      </dgm:t>
+    </dgm:pt>
+    <dgm:pt modelId="{3627079D-FB15-4836-AEB8-934AF6EB7924}" type="parTrans" cxnId="{46659DD5-F25F-4C62-8A3E-B08D47E94455}">
+      <dgm:prSet/>
+      <dgm:spPr/>
+      <dgm:t>
+        <a:bodyPr/>
+        <a:lstStyle/>
+        <a:p>
+          <a:endParaRPr lang="en-US"/>
+        </a:p>
+      </dgm:t>
+    </dgm:pt>
+    <dgm:pt modelId="{AFA7489D-448E-435D-9CD3-B79FFBA07F84}" type="sibTrans" cxnId="{46659DD5-F25F-4C62-8A3E-B08D47E94455}">
+      <dgm:prSet/>
+      <dgm:spPr/>
+      <dgm:t>
+        <a:bodyPr/>
+        <a:lstStyle/>
+        <a:p>
+          <a:endParaRPr lang="en-US"/>
+        </a:p>
+      </dgm:t>
+    </dgm:pt>
+    <dgm:pt modelId="{4833CD16-288F-46C4-A2ED-8A589530245E}">
+      <dgm:prSet/>
+      <dgm:spPr/>
+      <dgm:t>
+        <a:bodyPr/>
+        <a:lstStyle/>
+        <a:p>
+          <a:r>
+            <a:rPr lang="en-US"/>
+            <a:t>Letters of Recommendation</a:t>
+          </a:r>
+        </a:p>
+      </dgm:t>
+    </dgm:pt>
+    <dgm:pt modelId="{DA254B0C-7B7D-45B8-9459-A5E9AE4B04FE}" type="parTrans" cxnId="{4BD901A8-FF48-488C-A625-AF8DF1B86195}">
+      <dgm:prSet/>
+      <dgm:spPr/>
+      <dgm:t>
+        <a:bodyPr/>
+        <a:lstStyle/>
+        <a:p>
+          <a:endParaRPr lang="en-US"/>
+        </a:p>
+      </dgm:t>
+    </dgm:pt>
+    <dgm:pt modelId="{C0FE1DD4-C6B7-4B8E-9E36-1F917823BF4B}" type="sibTrans" cxnId="{4BD901A8-FF48-488C-A625-AF8DF1B86195}">
+      <dgm:prSet/>
+      <dgm:spPr/>
+      <dgm:t>
+        <a:bodyPr/>
+        <a:lstStyle/>
+        <a:p>
+          <a:endParaRPr lang="en-US"/>
+        </a:p>
+      </dgm:t>
+    </dgm:pt>
+    <dgm:pt modelId="{C81544F1-42B0-4A0E-B925-B85B80F6353D}">
+      <dgm:prSet/>
+      <dgm:spPr/>
+      <dgm:t>
+        <a:bodyPr/>
+        <a:lstStyle/>
+        <a:p>
+          <a:r>
+            <a:rPr lang="en-US"/>
+            <a:t>References</a:t>
+          </a:r>
+        </a:p>
+      </dgm:t>
+    </dgm:pt>
+    <dgm:pt modelId="{4482C7C0-4BF9-4534-8970-D303C79FE4D4}" type="parTrans" cxnId="{61335E86-599A-49E2-806B-18C672429AE3}">
+      <dgm:prSet/>
+      <dgm:spPr/>
+      <dgm:t>
+        <a:bodyPr/>
+        <a:lstStyle/>
+        <a:p>
+          <a:endParaRPr lang="en-US"/>
+        </a:p>
+      </dgm:t>
+    </dgm:pt>
+    <dgm:pt modelId="{BABC9D52-77D2-4472-B0A4-6FD4404CA88C}" type="sibTrans" cxnId="{61335E86-599A-49E2-806B-18C672429AE3}">
+      <dgm:prSet/>
+      <dgm:spPr/>
+      <dgm:t>
+        <a:bodyPr/>
+        <a:lstStyle/>
+        <a:p>
+          <a:endParaRPr lang="en-US"/>
+        </a:p>
+      </dgm:t>
+    </dgm:pt>
+    <dgm:pt modelId="{B59D89CD-6E6A-47F6-AE34-89A17FC55C70}">
+      <dgm:prSet/>
+      <dgm:spPr/>
+      <dgm:t>
+        <a:bodyPr/>
+        <a:lstStyle/>
+        <a:p>
+          <a:r>
+            <a:rPr lang="en-US"/>
+            <a:t>Leadership Experience</a:t>
+          </a:r>
+        </a:p>
+      </dgm:t>
+    </dgm:pt>
+    <dgm:pt modelId="{48643F34-227C-46A0-A5E9-7455D68C40BC}" type="parTrans" cxnId="{645DF98B-20FD-49DF-997D-050A3D1F57D4}">
+      <dgm:prSet/>
+      <dgm:spPr/>
+      <dgm:t>
+        <a:bodyPr/>
+        <a:lstStyle/>
+        <a:p>
+          <a:endParaRPr lang="en-US"/>
+        </a:p>
+      </dgm:t>
+    </dgm:pt>
+    <dgm:pt modelId="{6AE19458-52C7-471D-A943-778D8089315E}" type="sibTrans" cxnId="{645DF98B-20FD-49DF-997D-050A3D1F57D4}">
+      <dgm:prSet/>
+      <dgm:spPr/>
+      <dgm:t>
+        <a:bodyPr/>
+        <a:lstStyle/>
+        <a:p>
+          <a:endParaRPr lang="en-US"/>
+        </a:p>
+      </dgm:t>
+    </dgm:pt>
+    <dgm:pt modelId="{37FFF7F9-63F1-441D-BB4A-6AC8816BF770}">
+      <dgm:prSet/>
+      <dgm:spPr/>
+      <dgm:t>
+        <a:bodyPr/>
+        <a:lstStyle/>
+        <a:p>
+          <a:r>
+            <a:rPr lang="en-US"/>
+            <a:t>Community Involvement</a:t>
+          </a:r>
+        </a:p>
+      </dgm:t>
+    </dgm:pt>
+    <dgm:pt modelId="{CCC46490-A45E-4BCC-8AF8-9DEB6E337367}" type="parTrans" cxnId="{C5E5F4E0-0AAC-44F5-993B-75A64F555021}">
+      <dgm:prSet/>
+      <dgm:spPr/>
+      <dgm:t>
+        <a:bodyPr/>
+        <a:lstStyle/>
+        <a:p>
+          <a:endParaRPr lang="en-US"/>
+        </a:p>
+      </dgm:t>
+    </dgm:pt>
+    <dgm:pt modelId="{E3C0B4E5-F577-41E9-B0C6-724BC70492D3}" type="sibTrans" cxnId="{C5E5F4E0-0AAC-44F5-993B-75A64F555021}">
+      <dgm:prSet/>
+      <dgm:spPr/>
+      <dgm:t>
+        <a:bodyPr/>
+        <a:lstStyle/>
+        <a:p>
+          <a:endParaRPr lang="en-US"/>
+        </a:p>
+      </dgm:t>
+    </dgm:pt>
+    <dgm:pt modelId="{79C44F55-4A29-4A40-953B-FE542866EF02}" type="pres">
+      <dgm:prSet presAssocID="{DB7F5689-E485-4356-8099-F0991DEC5712}" presName="linear" presStyleCnt="0">
+        <dgm:presLayoutVars>
+          <dgm:animLvl val="lvl"/>
+          <dgm:resizeHandles val="exact"/>
+        </dgm:presLayoutVars>
+      </dgm:prSet>
+      <dgm:spPr/>
+    </dgm:pt>
+    <dgm:pt modelId="{29E68795-73AA-41D6-9774-F16AB3EEF37B}" type="pres">
+      <dgm:prSet presAssocID="{063D89AF-5176-4120-A558-7B36FCE6CA5E}" presName="parentText" presStyleLbl="node1" presStyleIdx="0" presStyleCnt="9">
+        <dgm:presLayoutVars>
+          <dgm:chMax val="0"/>
+          <dgm:bulletEnabled val="1"/>
+        </dgm:presLayoutVars>
+      </dgm:prSet>
+      <dgm:spPr/>
+    </dgm:pt>
+    <dgm:pt modelId="{E8230B1D-F59C-473F-9B17-2C490D6711FD}" type="pres">
+      <dgm:prSet presAssocID="{C03B3AF8-61F5-4F6B-9E6B-ABF42755BF83}" presName="spacer" presStyleCnt="0"/>
+      <dgm:spPr/>
+    </dgm:pt>
+    <dgm:pt modelId="{C1A39EE0-4722-4C66-A426-0AAB3067946B}" type="pres">
+      <dgm:prSet presAssocID="{D4D42AB0-8E0B-42E9-B63B-DFEFEF600783}" presName="parentText" presStyleLbl="node1" presStyleIdx="1" presStyleCnt="9">
+        <dgm:presLayoutVars>
+          <dgm:chMax val="0"/>
+          <dgm:bulletEnabled val="1"/>
+        </dgm:presLayoutVars>
+      </dgm:prSet>
+      <dgm:spPr/>
+    </dgm:pt>
+    <dgm:pt modelId="{A4942F95-B09C-4E16-9A5F-B7C17070C00B}" type="pres">
+      <dgm:prSet presAssocID="{D5EA27FF-FEFF-4969-BA97-D87F68C61F75}" presName="spacer" presStyleCnt="0"/>
+      <dgm:spPr/>
+    </dgm:pt>
+    <dgm:pt modelId="{FC3DEF3C-DC01-44EE-AA85-F17B3E837227}" type="pres">
+      <dgm:prSet presAssocID="{8FC89FC1-BD7C-4AE0-B669-F3C467DF533A}" presName="parentText" presStyleLbl="node1" presStyleIdx="2" presStyleCnt="9">
+        <dgm:presLayoutVars>
+          <dgm:chMax val="0"/>
+          <dgm:bulletEnabled val="1"/>
+        </dgm:presLayoutVars>
+      </dgm:prSet>
+      <dgm:spPr/>
+    </dgm:pt>
+    <dgm:pt modelId="{E18F9925-8D92-4099-B9D9-92343C79BCDD}" type="pres">
+      <dgm:prSet presAssocID="{C56DD045-1C27-4CDB-8DEF-8971C4A773CD}" presName="spacer" presStyleCnt="0"/>
+      <dgm:spPr/>
+    </dgm:pt>
+    <dgm:pt modelId="{B114EB50-4CB9-4231-8B89-4C45A223F20A}" type="pres">
+      <dgm:prSet presAssocID="{F79C61BD-9E18-4A89-A22D-5C0C373364E8}" presName="parentText" presStyleLbl="node1" presStyleIdx="3" presStyleCnt="9">
+        <dgm:presLayoutVars>
+          <dgm:chMax val="0"/>
+          <dgm:bulletEnabled val="1"/>
+        </dgm:presLayoutVars>
+      </dgm:prSet>
+      <dgm:spPr/>
+    </dgm:pt>
+    <dgm:pt modelId="{2AC14D9B-BA69-497B-A74F-392260A28835}" type="pres">
+      <dgm:prSet presAssocID="{D981784A-D7C3-4D78-87FC-9C1F08CCB983}" presName="spacer" presStyleCnt="0"/>
+      <dgm:spPr/>
+    </dgm:pt>
+    <dgm:pt modelId="{D61D17C3-EBCB-431D-8786-F20563FF931A}" type="pres">
+      <dgm:prSet presAssocID="{DA26E87C-0B5B-4B9C-8120-D1D275361E0E}" presName="parentText" presStyleLbl="node1" presStyleIdx="4" presStyleCnt="9">
+        <dgm:presLayoutVars>
+          <dgm:chMax val="0"/>
+          <dgm:bulletEnabled val="1"/>
+        </dgm:presLayoutVars>
+      </dgm:prSet>
+      <dgm:spPr/>
+    </dgm:pt>
+    <dgm:pt modelId="{2F211F0C-94E0-46F2-903D-E42DC3519592}" type="pres">
+      <dgm:prSet presAssocID="{AFA7489D-448E-435D-9CD3-B79FFBA07F84}" presName="spacer" presStyleCnt="0"/>
+      <dgm:spPr/>
+    </dgm:pt>
+    <dgm:pt modelId="{59668FF1-5779-4ECF-8926-636E1ACF8DEE}" type="pres">
+      <dgm:prSet presAssocID="{4833CD16-288F-46C4-A2ED-8A589530245E}" presName="parentText" presStyleLbl="node1" presStyleIdx="5" presStyleCnt="9">
+        <dgm:presLayoutVars>
+          <dgm:chMax val="0"/>
+          <dgm:bulletEnabled val="1"/>
+        </dgm:presLayoutVars>
+      </dgm:prSet>
+      <dgm:spPr/>
+    </dgm:pt>
+    <dgm:pt modelId="{2CA7CD2D-1BC6-4D94-AC92-3B6891A2297E}" type="pres">
+      <dgm:prSet presAssocID="{C0FE1DD4-C6B7-4B8E-9E36-1F917823BF4B}" presName="spacer" presStyleCnt="0"/>
+      <dgm:spPr/>
+    </dgm:pt>
+    <dgm:pt modelId="{67EE9B3A-C9E2-46F9-911B-871D7A565EE0}" type="pres">
+      <dgm:prSet presAssocID="{C81544F1-42B0-4A0E-B925-B85B80F6353D}" presName="parentText" presStyleLbl="node1" presStyleIdx="6" presStyleCnt="9">
+        <dgm:presLayoutVars>
+          <dgm:chMax val="0"/>
+          <dgm:bulletEnabled val="1"/>
+        </dgm:presLayoutVars>
+      </dgm:prSet>
+      <dgm:spPr/>
+    </dgm:pt>
+    <dgm:pt modelId="{78608423-8D99-450E-93CB-76A532E023DF}" type="pres">
+      <dgm:prSet presAssocID="{BABC9D52-77D2-4472-B0A4-6FD4404CA88C}" presName="spacer" presStyleCnt="0"/>
+      <dgm:spPr/>
+    </dgm:pt>
+    <dgm:pt modelId="{866023F1-DC15-42DF-882D-A5F8F84D6776}" type="pres">
+      <dgm:prSet presAssocID="{B59D89CD-6E6A-47F6-AE34-89A17FC55C70}" presName="parentText" presStyleLbl="node1" presStyleIdx="7" presStyleCnt="9">
+        <dgm:presLayoutVars>
+          <dgm:chMax val="0"/>
+          <dgm:bulletEnabled val="1"/>
+        </dgm:presLayoutVars>
+      </dgm:prSet>
+      <dgm:spPr/>
+    </dgm:pt>
+    <dgm:pt modelId="{CF651C60-F6DF-4F59-BD53-6507FCA81AD8}" type="pres">
+      <dgm:prSet presAssocID="{6AE19458-52C7-471D-A943-778D8089315E}" presName="spacer" presStyleCnt="0"/>
+      <dgm:spPr/>
+    </dgm:pt>
+    <dgm:pt modelId="{F3C0A485-228A-479B-9988-254CA5E2D1E0}" type="pres">
+      <dgm:prSet presAssocID="{37FFF7F9-63F1-441D-BB4A-6AC8816BF770}" presName="parentText" presStyleLbl="node1" presStyleIdx="8" presStyleCnt="9">
+        <dgm:presLayoutVars>
+          <dgm:chMax val="0"/>
+          <dgm:bulletEnabled val="1"/>
+        </dgm:presLayoutVars>
+      </dgm:prSet>
+      <dgm:spPr/>
+    </dgm:pt>
+  </dgm:ptLst>
+  <dgm:cxnLst>
+    <dgm:cxn modelId="{3ED5AB02-C21C-4FB6-9149-A99C8D6F2A86}" type="presOf" srcId="{DB7F5689-E485-4356-8099-F0991DEC5712}" destId="{79C44F55-4A29-4A40-953B-FE542866EF02}" srcOrd="0" destOrd="0" presId="urn:microsoft.com/office/officeart/2005/8/layout/vList2"/>
+    <dgm:cxn modelId="{8AA7280B-6C39-4974-979E-5A568A6F05AC}" type="presOf" srcId="{063D89AF-5176-4120-A558-7B36FCE6CA5E}" destId="{29E68795-73AA-41D6-9774-F16AB3EEF37B}" srcOrd="0" destOrd="0" presId="urn:microsoft.com/office/officeart/2005/8/layout/vList2"/>
+    <dgm:cxn modelId="{3A5C2C19-BD03-4134-854B-BAF213132875}" type="presOf" srcId="{C81544F1-42B0-4A0E-B925-B85B80F6353D}" destId="{67EE9B3A-C9E2-46F9-911B-871D7A565EE0}" srcOrd="0" destOrd="0" presId="urn:microsoft.com/office/officeart/2005/8/layout/vList2"/>
+    <dgm:cxn modelId="{DC19744F-AA37-46A7-A438-109CE4D6381B}" srcId="{DB7F5689-E485-4356-8099-F0991DEC5712}" destId="{D4D42AB0-8E0B-42E9-B63B-DFEFEF600783}" srcOrd="1" destOrd="0" parTransId="{B0B4DC97-0442-4085-8608-553927A0FAC8}" sibTransId="{D5EA27FF-FEFF-4969-BA97-D87F68C61F75}"/>
+    <dgm:cxn modelId="{AAE9AB71-2FE4-44B2-9BDD-A55438C3B0AD}" type="presOf" srcId="{F79C61BD-9E18-4A89-A22D-5C0C373364E8}" destId="{B114EB50-4CB9-4231-8B89-4C45A223F20A}" srcOrd="0" destOrd="0" presId="urn:microsoft.com/office/officeart/2005/8/layout/vList2"/>
+    <dgm:cxn modelId="{EE126A76-F4A6-414D-89AB-13D956F93DDE}" type="presOf" srcId="{37FFF7F9-63F1-441D-BB4A-6AC8816BF770}" destId="{F3C0A485-228A-479B-9988-254CA5E2D1E0}" srcOrd="0" destOrd="0" presId="urn:microsoft.com/office/officeart/2005/8/layout/vList2"/>
+    <dgm:cxn modelId="{61335E86-599A-49E2-806B-18C672429AE3}" srcId="{DB7F5689-E485-4356-8099-F0991DEC5712}" destId="{C81544F1-42B0-4A0E-B925-B85B80F6353D}" srcOrd="6" destOrd="0" parTransId="{4482C7C0-4BF9-4534-8970-D303C79FE4D4}" sibTransId="{BABC9D52-77D2-4472-B0A4-6FD4404CA88C}"/>
+    <dgm:cxn modelId="{645DF98B-20FD-49DF-997D-050A3D1F57D4}" srcId="{DB7F5689-E485-4356-8099-F0991DEC5712}" destId="{B59D89CD-6E6A-47F6-AE34-89A17FC55C70}" srcOrd="7" destOrd="0" parTransId="{48643F34-227C-46A0-A5E9-7455D68C40BC}" sibTransId="{6AE19458-52C7-471D-A943-778D8089315E}"/>
+    <dgm:cxn modelId="{07376897-38EB-4962-B826-CD26802BAA25}" type="presOf" srcId="{8FC89FC1-BD7C-4AE0-B669-F3C467DF533A}" destId="{FC3DEF3C-DC01-44EE-AA85-F17B3E837227}" srcOrd="0" destOrd="0" presId="urn:microsoft.com/office/officeart/2005/8/layout/vList2"/>
+    <dgm:cxn modelId="{4041F7A2-B7FF-4509-A435-D5EDA5E3C542}" type="presOf" srcId="{DA26E87C-0B5B-4B9C-8120-D1D275361E0E}" destId="{D61D17C3-EBCB-431D-8786-F20563FF931A}" srcOrd="0" destOrd="0" presId="urn:microsoft.com/office/officeart/2005/8/layout/vList2"/>
+    <dgm:cxn modelId="{4BD901A8-FF48-488C-A625-AF8DF1B86195}" srcId="{DB7F5689-E485-4356-8099-F0991DEC5712}" destId="{4833CD16-288F-46C4-A2ED-8A589530245E}" srcOrd="5" destOrd="0" parTransId="{DA254B0C-7B7D-45B8-9459-A5E9AE4B04FE}" sibTransId="{C0FE1DD4-C6B7-4B8E-9E36-1F917823BF4B}"/>
+    <dgm:cxn modelId="{74EA4DB4-F814-466E-AB70-CAF21FB4BEC0}" srcId="{DB7F5689-E485-4356-8099-F0991DEC5712}" destId="{8FC89FC1-BD7C-4AE0-B669-F3C467DF533A}" srcOrd="2" destOrd="0" parTransId="{A07AC846-ABEC-472D-878A-5D6476A675A1}" sibTransId="{C56DD045-1C27-4CDB-8DEF-8971C4A773CD}"/>
+    <dgm:cxn modelId="{245E8FB7-0876-49DB-8171-32ABE048AAD0}" srcId="{DB7F5689-E485-4356-8099-F0991DEC5712}" destId="{F79C61BD-9E18-4A89-A22D-5C0C373364E8}" srcOrd="3" destOrd="0" parTransId="{51EBA490-02B3-4494-872C-F45AB3BC57A0}" sibTransId="{D981784A-D7C3-4D78-87FC-9C1F08CCB983}"/>
+    <dgm:cxn modelId="{46659DD5-F25F-4C62-8A3E-B08D47E94455}" srcId="{DB7F5689-E485-4356-8099-F0991DEC5712}" destId="{DA26E87C-0B5B-4B9C-8120-D1D275361E0E}" srcOrd="4" destOrd="0" parTransId="{3627079D-FB15-4836-AEB8-934AF6EB7924}" sibTransId="{AFA7489D-448E-435D-9CD3-B79FFBA07F84}"/>
+    <dgm:cxn modelId="{6E560ED6-3210-4D41-B31C-1A6F466BD98E}" type="presOf" srcId="{D4D42AB0-8E0B-42E9-B63B-DFEFEF600783}" destId="{C1A39EE0-4722-4C66-A426-0AAB3067946B}" srcOrd="0" destOrd="0" presId="urn:microsoft.com/office/officeart/2005/8/layout/vList2"/>
+    <dgm:cxn modelId="{353568E0-2A05-4D42-A040-12E2551BECF1}" type="presOf" srcId="{4833CD16-288F-46C4-A2ED-8A589530245E}" destId="{59668FF1-5779-4ECF-8926-636E1ACF8DEE}" srcOrd="0" destOrd="0" presId="urn:microsoft.com/office/officeart/2005/8/layout/vList2"/>
+    <dgm:cxn modelId="{C5E5F4E0-0AAC-44F5-993B-75A64F555021}" srcId="{DB7F5689-E485-4356-8099-F0991DEC5712}" destId="{37FFF7F9-63F1-441D-BB4A-6AC8816BF770}" srcOrd="8" destOrd="0" parTransId="{CCC46490-A45E-4BCC-8AF8-9DEB6E337367}" sibTransId="{E3C0B4E5-F577-41E9-B0C6-724BC70492D3}"/>
+    <dgm:cxn modelId="{B3821FE6-9296-4C90-A21A-87BE373C7186}" srcId="{DB7F5689-E485-4356-8099-F0991DEC5712}" destId="{063D89AF-5176-4120-A558-7B36FCE6CA5E}" srcOrd="0" destOrd="0" parTransId="{E4DD2C0F-F800-4194-9E4C-32DE160190F8}" sibTransId="{C03B3AF8-61F5-4F6B-9E6B-ABF42755BF83}"/>
+    <dgm:cxn modelId="{7E17AAFA-0AAE-46C2-861C-E70D84962164}" type="presOf" srcId="{B59D89CD-6E6A-47F6-AE34-89A17FC55C70}" destId="{866023F1-DC15-42DF-882D-A5F8F84D6776}" srcOrd="0" destOrd="0" presId="urn:microsoft.com/office/officeart/2005/8/layout/vList2"/>
+    <dgm:cxn modelId="{09896564-58C6-4085-8FB6-8B4D3514D7D1}" type="presParOf" srcId="{79C44F55-4A29-4A40-953B-FE542866EF02}" destId="{29E68795-73AA-41D6-9774-F16AB3EEF37B}" srcOrd="0" destOrd="0" presId="urn:microsoft.com/office/officeart/2005/8/layout/vList2"/>
+    <dgm:cxn modelId="{C653B82B-7780-4780-B81F-3EE50A83DE97}" type="presParOf" srcId="{79C44F55-4A29-4A40-953B-FE542866EF02}" destId="{E8230B1D-F59C-473F-9B17-2C490D6711FD}" srcOrd="1" destOrd="0" presId="urn:microsoft.com/office/officeart/2005/8/layout/vList2"/>
+    <dgm:cxn modelId="{AF8321F9-A0B9-40E9-AF14-8D2F63ADDFE7}" type="presParOf" srcId="{79C44F55-4A29-4A40-953B-FE542866EF02}" destId="{C1A39EE0-4722-4C66-A426-0AAB3067946B}" srcOrd="2" destOrd="0" presId="urn:microsoft.com/office/officeart/2005/8/layout/vList2"/>
+    <dgm:cxn modelId="{AE56E6FB-612A-48F6-A9FA-A89ABB6FEA72}" type="presParOf" srcId="{79C44F55-4A29-4A40-953B-FE542866EF02}" destId="{A4942F95-B09C-4E16-9A5F-B7C17070C00B}" srcOrd="3" destOrd="0" presId="urn:microsoft.com/office/officeart/2005/8/layout/vList2"/>
+    <dgm:cxn modelId="{FF0AB5E8-8A29-4870-B17E-46783E6313BE}" type="presParOf" srcId="{79C44F55-4A29-4A40-953B-FE542866EF02}" destId="{FC3DEF3C-DC01-44EE-AA85-F17B3E837227}" srcOrd="4" destOrd="0" presId="urn:microsoft.com/office/officeart/2005/8/layout/vList2"/>
+    <dgm:cxn modelId="{D7D26FE5-3A18-4FCF-AB81-D06D46BB3821}" type="presParOf" srcId="{79C44F55-4A29-4A40-953B-FE542866EF02}" destId="{E18F9925-8D92-4099-B9D9-92343C79BCDD}" srcOrd="5" destOrd="0" presId="urn:microsoft.com/office/officeart/2005/8/layout/vList2"/>
+    <dgm:cxn modelId="{961EC8A4-9304-439E-999F-B93E293F217B}" type="presParOf" srcId="{79C44F55-4A29-4A40-953B-FE542866EF02}" destId="{B114EB50-4CB9-4231-8B89-4C45A223F20A}" srcOrd="6" destOrd="0" presId="urn:microsoft.com/office/officeart/2005/8/layout/vList2"/>
+    <dgm:cxn modelId="{2DE4452B-06A9-4DF6-91FF-E17528C98AA0}" type="presParOf" srcId="{79C44F55-4A29-4A40-953B-FE542866EF02}" destId="{2AC14D9B-BA69-497B-A74F-392260A28835}" srcOrd="7" destOrd="0" presId="urn:microsoft.com/office/officeart/2005/8/layout/vList2"/>
+    <dgm:cxn modelId="{782D21F6-79E0-4086-9FA4-7B98CDFDAF07}" type="presParOf" srcId="{79C44F55-4A29-4A40-953B-FE542866EF02}" destId="{D61D17C3-EBCB-431D-8786-F20563FF931A}" srcOrd="8" destOrd="0" presId="urn:microsoft.com/office/officeart/2005/8/layout/vList2"/>
+    <dgm:cxn modelId="{B841644E-1CB1-4497-A6D9-244BAEE1B71F}" type="presParOf" srcId="{79C44F55-4A29-4A40-953B-FE542866EF02}" destId="{2F211F0C-94E0-46F2-903D-E42DC3519592}" srcOrd="9" destOrd="0" presId="urn:microsoft.com/office/officeart/2005/8/layout/vList2"/>
+    <dgm:cxn modelId="{806F5D6A-B4E7-42E8-B06A-E31C7AC8D45C}" type="presParOf" srcId="{79C44F55-4A29-4A40-953B-FE542866EF02}" destId="{59668FF1-5779-4ECF-8926-636E1ACF8DEE}" srcOrd="10" destOrd="0" presId="urn:microsoft.com/office/officeart/2005/8/layout/vList2"/>
+    <dgm:cxn modelId="{7AC66664-CE13-46FD-82A1-288F957759A0}" type="presParOf" srcId="{79C44F55-4A29-4A40-953B-FE542866EF02}" destId="{2CA7CD2D-1BC6-4D94-AC92-3B6891A2297E}" srcOrd="11" destOrd="0" presId="urn:microsoft.com/office/officeart/2005/8/layout/vList2"/>
+    <dgm:cxn modelId="{D54F6F43-8A26-453E-9961-1D32CE007169}" type="presParOf" srcId="{79C44F55-4A29-4A40-953B-FE542866EF02}" destId="{67EE9B3A-C9E2-46F9-911B-871D7A565EE0}" srcOrd="12" destOrd="0" presId="urn:microsoft.com/office/officeart/2005/8/layout/vList2"/>
+    <dgm:cxn modelId="{DB154527-2F78-40E4-8C04-D6451BC84905}" type="presParOf" srcId="{79C44F55-4A29-4A40-953B-FE542866EF02}" destId="{78608423-8D99-450E-93CB-76A532E023DF}" srcOrd="13" destOrd="0" presId="urn:microsoft.com/office/officeart/2005/8/layout/vList2"/>
+    <dgm:cxn modelId="{0735F60A-D64C-4D35-98FE-9F96D3100164}" type="presParOf" srcId="{79C44F55-4A29-4A40-953B-FE542866EF02}" destId="{866023F1-DC15-42DF-882D-A5F8F84D6776}" srcOrd="14" destOrd="0" presId="urn:microsoft.com/office/officeart/2005/8/layout/vList2"/>
+    <dgm:cxn modelId="{8FA72D56-E9EE-4FCA-A4D8-B6FDBD45CFDA}" type="presParOf" srcId="{79C44F55-4A29-4A40-953B-FE542866EF02}" destId="{CF651C60-F6DF-4F59-BD53-6507FCA81AD8}" srcOrd="15" destOrd="0" presId="urn:microsoft.com/office/officeart/2005/8/layout/vList2"/>
+    <dgm:cxn modelId="{4F4696B6-D1DD-4436-B307-EB309D6E6D94}" type="presParOf" srcId="{79C44F55-4A29-4A40-953B-FE542866EF02}" destId="{F3C0A485-228A-479B-9988-254CA5E2D1E0}" srcOrd="16" destOrd="0" presId="urn:microsoft.com/office/officeart/2005/8/layout/vList2"/>
+  </dgm:cxnLst>
+  <dgm:bg/>
+  <dgm:whole/>
+  <dgm:extLst>
+    <a:ext uri="http://schemas.microsoft.com/office/drawing/2008/diagram">
+      <dsp:dataModelExt xmlns:dsp="http://schemas.microsoft.com/office/drawing/2008/diagram" relId="rId6" minVer="http://schemas.openxmlformats.org/drawingml/2006/diagram"/>
+    </a:ext>
+  </dgm:extLst>
+</dgm:dataModel>
+</file>
+
+<file path=ppt/diagrams/drawing1.xml><?xml version="1.0" encoding="utf-8"?>
+<dsp:drawing xmlns:dgm="http://schemas.openxmlformats.org/drawingml/2006/diagram" xmlns:dsp="http://schemas.microsoft.com/office/drawing/2008/diagram" xmlns:a="http://schemas.openxmlformats.org/drawingml/2006/main">
+  <dsp:spTree>
+    <dsp:nvGrpSpPr>
+      <dsp:cNvPr id="0" name=""/>
+      <dsp:cNvGrpSpPr/>
+    </dsp:nvGrpSpPr>
+    <dsp:grpSpPr/>
+    <dsp:sp modelId="{29E68795-73AA-41D6-9774-F16AB3EEF37B}">
+      <dsp:nvSpPr>
+        <dsp:cNvPr id="0" name=""/>
+        <dsp:cNvSpPr/>
+      </dsp:nvSpPr>
+      <dsp:spPr>
+        <a:xfrm>
+          <a:off x="0" y="30387"/>
+          <a:ext cx="5057396" cy="456300"/>
+        </a:xfrm>
+        <a:prstGeom prst="roundRect">
+          <a:avLst/>
+        </a:prstGeom>
+        <a:solidFill>
+          <a:schemeClr val="accent1">
+            <a:hueOff val="0"/>
+            <a:satOff val="0"/>
+            <a:lumOff val="0"/>
+            <a:alphaOff val="0"/>
+          </a:schemeClr>
+        </a:solidFill>
+        <a:ln w="15875" cap="flat" cmpd="sng" algn="ctr">
+          <a:solidFill>
+            <a:schemeClr val="lt1">
+              <a:hueOff val="0"/>
+              <a:satOff val="0"/>
+              <a:lumOff val="0"/>
+              <a:alphaOff val="0"/>
+            </a:schemeClr>
+          </a:solidFill>
+          <a:prstDash val="solid"/>
+        </a:ln>
+        <a:effectLst/>
+      </dsp:spPr>
+      <dsp:style>
+        <a:lnRef idx="2">
+          <a:scrgbClr r="0" g="0" b="0"/>
+        </a:lnRef>
+        <a:fillRef idx="1">
+          <a:scrgbClr r="0" g="0" b="0"/>
+        </a:fillRef>
+        <a:effectRef idx="0">
+          <a:scrgbClr r="0" g="0" b="0"/>
+        </a:effectRef>
+        <a:fontRef idx="minor">
+          <a:schemeClr val="lt1"/>
+        </a:fontRef>
+      </dsp:style>
+      <dsp:txBody>
+        <a:bodyPr spcFirstLastPara="0" vert="horz" wrap="square" lIns="76200" tIns="76200" rIns="76200" bIns="76200" numCol="1" spcCol="1270" anchor="ctr" anchorCtr="0">
+          <a:noAutofit/>
+        </a:bodyPr>
+        <a:lstStyle/>
+        <a:p>
+          <a:pPr marL="0" lvl="0" indent="0" algn="l" defTabSz="889000">
+            <a:lnSpc>
+              <a:spcPct val="90000"/>
+            </a:lnSpc>
+            <a:spcBef>
+              <a:spcPct val="0"/>
+            </a:spcBef>
+            <a:spcAft>
+              <a:spcPct val="35000"/>
+            </a:spcAft>
+            <a:buNone/>
+          </a:pPr>
+          <a:r>
+            <a:rPr lang="en-US" sz="2000" kern="1200"/>
+            <a:t>Resume</a:t>
+          </a:r>
+        </a:p>
+      </dsp:txBody>
+      <dsp:txXfrm>
+        <a:off x="22275" y="52662"/>
+        <a:ext cx="5012846" cy="411750"/>
+      </dsp:txXfrm>
+    </dsp:sp>
+    <dsp:sp modelId="{C1A39EE0-4722-4C66-A426-0AAB3067946B}">
+      <dsp:nvSpPr>
+        <dsp:cNvPr id="0" name=""/>
+        <dsp:cNvSpPr/>
+      </dsp:nvSpPr>
+      <dsp:spPr>
+        <a:xfrm>
+          <a:off x="0" y="544287"/>
+          <a:ext cx="5057396" cy="456300"/>
+        </a:xfrm>
+        <a:prstGeom prst="roundRect">
+          <a:avLst/>
+        </a:prstGeom>
+        <a:solidFill>
+          <a:schemeClr val="accent1">
+            <a:hueOff val="0"/>
+            <a:satOff val="0"/>
+            <a:lumOff val="0"/>
+            <a:alphaOff val="0"/>
+          </a:schemeClr>
+        </a:solidFill>
+        <a:ln w="15875" cap="flat" cmpd="sng" algn="ctr">
+          <a:solidFill>
+            <a:schemeClr val="lt1">
+              <a:hueOff val="0"/>
+              <a:satOff val="0"/>
+              <a:lumOff val="0"/>
+              <a:alphaOff val="0"/>
+            </a:schemeClr>
+          </a:solidFill>
+          <a:prstDash val="solid"/>
+        </a:ln>
+        <a:effectLst/>
+      </dsp:spPr>
+      <dsp:style>
+        <a:lnRef idx="2">
+          <a:scrgbClr r="0" g="0" b="0"/>
+        </a:lnRef>
+        <a:fillRef idx="1">
+          <a:scrgbClr r="0" g="0" b="0"/>
+        </a:fillRef>
+        <a:effectRef idx="0">
+          <a:scrgbClr r="0" g="0" b="0"/>
+        </a:effectRef>
+        <a:fontRef idx="minor">
+          <a:schemeClr val="lt1"/>
+        </a:fontRef>
+      </dsp:style>
+      <dsp:txBody>
+        <a:bodyPr spcFirstLastPara="0" vert="horz" wrap="square" lIns="76200" tIns="76200" rIns="76200" bIns="76200" numCol="1" spcCol="1270" anchor="ctr" anchorCtr="0">
+          <a:noAutofit/>
+        </a:bodyPr>
+        <a:lstStyle/>
+        <a:p>
+          <a:pPr marL="0" lvl="0" indent="0" algn="l" defTabSz="889000">
+            <a:lnSpc>
+              <a:spcPct val="90000"/>
+            </a:lnSpc>
+            <a:spcBef>
+              <a:spcPct val="0"/>
+            </a:spcBef>
+            <a:spcAft>
+              <a:spcPct val="35000"/>
+            </a:spcAft>
+            <a:buNone/>
+          </a:pPr>
+          <a:r>
+            <a:rPr lang="en-US" sz="2000" kern="1200"/>
+            <a:t>Cover Letter</a:t>
+          </a:r>
+        </a:p>
+      </dsp:txBody>
+      <dsp:txXfrm>
+        <a:off x="22275" y="566562"/>
+        <a:ext cx="5012846" cy="411750"/>
+      </dsp:txXfrm>
+    </dsp:sp>
+    <dsp:sp modelId="{FC3DEF3C-DC01-44EE-AA85-F17B3E837227}">
+      <dsp:nvSpPr>
+        <dsp:cNvPr id="0" name=""/>
+        <dsp:cNvSpPr/>
+      </dsp:nvSpPr>
+      <dsp:spPr>
+        <a:xfrm>
+          <a:off x="0" y="1058187"/>
+          <a:ext cx="5057396" cy="456300"/>
+        </a:xfrm>
+        <a:prstGeom prst="roundRect">
+          <a:avLst/>
+        </a:prstGeom>
+        <a:solidFill>
+          <a:schemeClr val="accent1">
+            <a:hueOff val="0"/>
+            <a:satOff val="0"/>
+            <a:lumOff val="0"/>
+            <a:alphaOff val="0"/>
+          </a:schemeClr>
+        </a:solidFill>
+        <a:ln w="15875" cap="flat" cmpd="sng" algn="ctr">
+          <a:solidFill>
+            <a:schemeClr val="lt1">
+              <a:hueOff val="0"/>
+              <a:satOff val="0"/>
+              <a:lumOff val="0"/>
+              <a:alphaOff val="0"/>
+            </a:schemeClr>
+          </a:solidFill>
+          <a:prstDash val="solid"/>
+        </a:ln>
+        <a:effectLst/>
+      </dsp:spPr>
+      <dsp:style>
+        <a:lnRef idx="2">
+          <a:scrgbClr r="0" g="0" b="0"/>
+        </a:lnRef>
+        <a:fillRef idx="1">
+          <a:scrgbClr r="0" g="0" b="0"/>
+        </a:fillRef>
+        <a:effectRef idx="0">
+          <a:scrgbClr r="0" g="0" b="0"/>
+        </a:effectRef>
+        <a:fontRef idx="minor">
+          <a:schemeClr val="lt1"/>
+        </a:fontRef>
+      </dsp:style>
+      <dsp:txBody>
+        <a:bodyPr spcFirstLastPara="0" vert="horz" wrap="square" lIns="76200" tIns="76200" rIns="76200" bIns="76200" numCol="1" spcCol="1270" anchor="ctr" anchorCtr="0">
+          <a:noAutofit/>
+        </a:bodyPr>
+        <a:lstStyle/>
+        <a:p>
+          <a:pPr marL="0" lvl="0" indent="0" algn="l" defTabSz="889000">
+            <a:lnSpc>
+              <a:spcPct val="90000"/>
+            </a:lnSpc>
+            <a:spcBef>
+              <a:spcPct val="0"/>
+            </a:spcBef>
+            <a:spcAft>
+              <a:spcPct val="35000"/>
+            </a:spcAft>
+            <a:buNone/>
+          </a:pPr>
+          <a:r>
+            <a:rPr lang="en-US" sz="2000" kern="1200"/>
+            <a:t>Academic Plan</a:t>
+          </a:r>
+        </a:p>
+      </dsp:txBody>
+      <dsp:txXfrm>
+        <a:off x="22275" y="1080462"/>
+        <a:ext cx="5012846" cy="411750"/>
+      </dsp:txXfrm>
+    </dsp:sp>
+    <dsp:sp modelId="{B114EB50-4CB9-4231-8B89-4C45A223F20A}">
+      <dsp:nvSpPr>
+        <dsp:cNvPr id="0" name=""/>
+        <dsp:cNvSpPr/>
+      </dsp:nvSpPr>
+      <dsp:spPr>
+        <a:xfrm>
+          <a:off x="0" y="1572087"/>
+          <a:ext cx="5057396" cy="456300"/>
+        </a:xfrm>
+        <a:prstGeom prst="roundRect">
+          <a:avLst/>
+        </a:prstGeom>
+        <a:solidFill>
+          <a:schemeClr val="accent1">
+            <a:hueOff val="0"/>
+            <a:satOff val="0"/>
+            <a:lumOff val="0"/>
+            <a:alphaOff val="0"/>
+          </a:schemeClr>
+        </a:solidFill>
+        <a:ln w="15875" cap="flat" cmpd="sng" algn="ctr">
+          <a:solidFill>
+            <a:schemeClr val="lt1">
+              <a:hueOff val="0"/>
+              <a:satOff val="0"/>
+              <a:lumOff val="0"/>
+              <a:alphaOff val="0"/>
+            </a:schemeClr>
+          </a:solidFill>
+          <a:prstDash val="solid"/>
+        </a:ln>
+        <a:effectLst/>
+      </dsp:spPr>
+      <dsp:style>
+        <a:lnRef idx="2">
+          <a:scrgbClr r="0" g="0" b="0"/>
+        </a:lnRef>
+        <a:fillRef idx="1">
+          <a:scrgbClr r="0" g="0" b="0"/>
+        </a:fillRef>
+        <a:effectRef idx="0">
+          <a:scrgbClr r="0" g="0" b="0"/>
+        </a:effectRef>
+        <a:fontRef idx="minor">
+          <a:schemeClr val="lt1"/>
+        </a:fontRef>
+      </dsp:style>
+      <dsp:txBody>
+        <a:bodyPr spcFirstLastPara="0" vert="horz" wrap="square" lIns="76200" tIns="76200" rIns="76200" bIns="76200" numCol="1" spcCol="1270" anchor="ctr" anchorCtr="0">
+          <a:noAutofit/>
+        </a:bodyPr>
+        <a:lstStyle/>
+        <a:p>
+          <a:pPr marL="0" lvl="0" indent="0" algn="l" defTabSz="889000">
+            <a:lnSpc>
+              <a:spcPct val="90000"/>
+            </a:lnSpc>
+            <a:spcBef>
+              <a:spcPct val="0"/>
+            </a:spcBef>
+            <a:spcAft>
+              <a:spcPct val="35000"/>
+            </a:spcAft>
+            <a:buNone/>
+          </a:pPr>
+          <a:r>
+            <a:rPr lang="en-US" sz="2000" kern="1200"/>
+            <a:t>Statement of Professional Goals</a:t>
+          </a:r>
+        </a:p>
+      </dsp:txBody>
+      <dsp:txXfrm>
+        <a:off x="22275" y="1594362"/>
+        <a:ext cx="5012846" cy="411750"/>
+      </dsp:txXfrm>
+    </dsp:sp>
+    <dsp:sp modelId="{D61D17C3-EBCB-431D-8786-F20563FF931A}">
+      <dsp:nvSpPr>
+        <dsp:cNvPr id="0" name=""/>
+        <dsp:cNvSpPr/>
+      </dsp:nvSpPr>
+      <dsp:spPr>
+        <a:xfrm>
+          <a:off x="0" y="2085987"/>
+          <a:ext cx="5057396" cy="456300"/>
+        </a:xfrm>
+        <a:prstGeom prst="roundRect">
+          <a:avLst/>
+        </a:prstGeom>
+        <a:solidFill>
+          <a:schemeClr val="accent1">
+            <a:hueOff val="0"/>
+            <a:satOff val="0"/>
+            <a:lumOff val="0"/>
+            <a:alphaOff val="0"/>
+          </a:schemeClr>
+        </a:solidFill>
+        <a:ln w="15875" cap="flat" cmpd="sng" algn="ctr">
+          <a:solidFill>
+            <a:schemeClr val="lt1">
+              <a:hueOff val="0"/>
+              <a:satOff val="0"/>
+              <a:lumOff val="0"/>
+              <a:alphaOff val="0"/>
+            </a:schemeClr>
+          </a:solidFill>
+          <a:prstDash val="solid"/>
+        </a:ln>
+        <a:effectLst/>
+      </dsp:spPr>
+      <dsp:style>
+        <a:lnRef idx="2">
+          <a:scrgbClr r="0" g="0" b="0"/>
+        </a:lnRef>
+        <a:fillRef idx="1">
+          <a:scrgbClr r="0" g="0" b="0"/>
+        </a:fillRef>
+        <a:effectRef idx="0">
+          <a:scrgbClr r="0" g="0" b="0"/>
+        </a:effectRef>
+        <a:fontRef idx="minor">
+          <a:schemeClr val="lt1"/>
+        </a:fontRef>
+      </dsp:style>
+      <dsp:txBody>
+        <a:bodyPr spcFirstLastPara="0" vert="horz" wrap="square" lIns="76200" tIns="76200" rIns="76200" bIns="76200" numCol="1" spcCol="1270" anchor="ctr" anchorCtr="0">
+          <a:noAutofit/>
+        </a:bodyPr>
+        <a:lstStyle/>
+        <a:p>
+          <a:pPr marL="0" lvl="0" indent="0" algn="l" defTabSz="889000">
+            <a:lnSpc>
+              <a:spcPct val="90000"/>
+            </a:lnSpc>
+            <a:spcBef>
+              <a:spcPct val="0"/>
+            </a:spcBef>
+            <a:spcAft>
+              <a:spcPct val="35000"/>
+            </a:spcAft>
+            <a:buNone/>
+          </a:pPr>
+          <a:r>
+            <a:rPr lang="en-US" sz="2000" kern="1200"/>
+            <a:t>Personal Mission Statement</a:t>
+          </a:r>
+        </a:p>
+      </dsp:txBody>
+      <dsp:txXfrm>
+        <a:off x="22275" y="2108262"/>
+        <a:ext cx="5012846" cy="411750"/>
+      </dsp:txXfrm>
+    </dsp:sp>
+    <dsp:sp modelId="{59668FF1-5779-4ECF-8926-636E1ACF8DEE}">
+      <dsp:nvSpPr>
+        <dsp:cNvPr id="0" name=""/>
+        <dsp:cNvSpPr/>
+      </dsp:nvSpPr>
+      <dsp:spPr>
+        <a:xfrm>
+          <a:off x="0" y="2599887"/>
+          <a:ext cx="5057396" cy="456300"/>
+        </a:xfrm>
+        <a:prstGeom prst="roundRect">
+          <a:avLst/>
+        </a:prstGeom>
+        <a:solidFill>
+          <a:schemeClr val="accent1">
+            <a:hueOff val="0"/>
+            <a:satOff val="0"/>
+            <a:lumOff val="0"/>
+            <a:alphaOff val="0"/>
+          </a:schemeClr>
+        </a:solidFill>
+        <a:ln w="15875" cap="flat" cmpd="sng" algn="ctr">
+          <a:solidFill>
+            <a:schemeClr val="lt1">
+              <a:hueOff val="0"/>
+              <a:satOff val="0"/>
+              <a:lumOff val="0"/>
+              <a:alphaOff val="0"/>
+            </a:schemeClr>
+          </a:solidFill>
+          <a:prstDash val="solid"/>
+        </a:ln>
+        <a:effectLst/>
+      </dsp:spPr>
+      <dsp:style>
+        <a:lnRef idx="2">
+          <a:scrgbClr r="0" g="0" b="0"/>
+        </a:lnRef>
+        <a:fillRef idx="1">
+          <a:scrgbClr r="0" g="0" b="0"/>
+        </a:fillRef>
+        <a:effectRef idx="0">
+          <a:scrgbClr r="0" g="0" b="0"/>
+        </a:effectRef>
+        <a:fontRef idx="minor">
+          <a:schemeClr val="lt1"/>
+        </a:fontRef>
+      </dsp:style>
+      <dsp:txBody>
+        <a:bodyPr spcFirstLastPara="0" vert="horz" wrap="square" lIns="76200" tIns="76200" rIns="76200" bIns="76200" numCol="1" spcCol="1270" anchor="ctr" anchorCtr="0">
+          <a:noAutofit/>
+        </a:bodyPr>
+        <a:lstStyle/>
+        <a:p>
+          <a:pPr marL="0" lvl="0" indent="0" algn="l" defTabSz="889000">
+            <a:lnSpc>
+              <a:spcPct val="90000"/>
+            </a:lnSpc>
+            <a:spcBef>
+              <a:spcPct val="0"/>
+            </a:spcBef>
+            <a:spcAft>
+              <a:spcPct val="35000"/>
+            </a:spcAft>
+            <a:buNone/>
+          </a:pPr>
+          <a:r>
+            <a:rPr lang="en-US" sz="2000" kern="1200"/>
+            <a:t>Letters of Recommendation</a:t>
+          </a:r>
+        </a:p>
+      </dsp:txBody>
+      <dsp:txXfrm>
+        <a:off x="22275" y="2622162"/>
+        <a:ext cx="5012846" cy="411750"/>
+      </dsp:txXfrm>
+    </dsp:sp>
+    <dsp:sp modelId="{67EE9B3A-C9E2-46F9-911B-871D7A565EE0}">
+      <dsp:nvSpPr>
+        <dsp:cNvPr id="0" name=""/>
+        <dsp:cNvSpPr/>
+      </dsp:nvSpPr>
+      <dsp:spPr>
+        <a:xfrm>
+          <a:off x="0" y="3113787"/>
+          <a:ext cx="5057396" cy="456300"/>
+        </a:xfrm>
+        <a:prstGeom prst="roundRect">
+          <a:avLst/>
+        </a:prstGeom>
+        <a:solidFill>
+          <a:schemeClr val="accent1">
+            <a:hueOff val="0"/>
+            <a:satOff val="0"/>
+            <a:lumOff val="0"/>
+            <a:alphaOff val="0"/>
+          </a:schemeClr>
+        </a:solidFill>
+        <a:ln w="15875" cap="flat" cmpd="sng" algn="ctr">
+          <a:solidFill>
+            <a:schemeClr val="lt1">
+              <a:hueOff val="0"/>
+              <a:satOff val="0"/>
+              <a:lumOff val="0"/>
+              <a:alphaOff val="0"/>
+            </a:schemeClr>
+          </a:solidFill>
+          <a:prstDash val="solid"/>
+        </a:ln>
+        <a:effectLst/>
+      </dsp:spPr>
+      <dsp:style>
+        <a:lnRef idx="2">
+          <a:scrgbClr r="0" g="0" b="0"/>
+        </a:lnRef>
+        <a:fillRef idx="1">
+          <a:scrgbClr r="0" g="0" b="0"/>
+        </a:fillRef>
+        <a:effectRef idx="0">
+          <a:scrgbClr r="0" g="0" b="0"/>
+        </a:effectRef>
+        <a:fontRef idx="minor">
+          <a:schemeClr val="lt1"/>
+        </a:fontRef>
+      </dsp:style>
+      <dsp:txBody>
+        <a:bodyPr spcFirstLastPara="0" vert="horz" wrap="square" lIns="76200" tIns="76200" rIns="76200" bIns="76200" numCol="1" spcCol="1270" anchor="ctr" anchorCtr="0">
+          <a:noAutofit/>
+        </a:bodyPr>
+        <a:lstStyle/>
+        <a:p>
+          <a:pPr marL="0" lvl="0" indent="0" algn="l" defTabSz="889000">
+            <a:lnSpc>
+              <a:spcPct val="90000"/>
+            </a:lnSpc>
+            <a:spcBef>
+              <a:spcPct val="0"/>
+            </a:spcBef>
+            <a:spcAft>
+              <a:spcPct val="35000"/>
+            </a:spcAft>
+            <a:buNone/>
+          </a:pPr>
+          <a:r>
+            <a:rPr lang="en-US" sz="2000" kern="1200"/>
+            <a:t>References</a:t>
+          </a:r>
+        </a:p>
+      </dsp:txBody>
+      <dsp:txXfrm>
+        <a:off x="22275" y="3136062"/>
+        <a:ext cx="5012846" cy="411750"/>
+      </dsp:txXfrm>
+    </dsp:sp>
+    <dsp:sp modelId="{866023F1-DC15-42DF-882D-A5F8F84D6776}">
+      <dsp:nvSpPr>
+        <dsp:cNvPr id="0" name=""/>
+        <dsp:cNvSpPr/>
+      </dsp:nvSpPr>
+      <dsp:spPr>
+        <a:xfrm>
+          <a:off x="0" y="3627687"/>
+          <a:ext cx="5057396" cy="456300"/>
+        </a:xfrm>
+        <a:prstGeom prst="roundRect">
+          <a:avLst/>
+        </a:prstGeom>
+        <a:solidFill>
+          <a:schemeClr val="accent1">
+            <a:hueOff val="0"/>
+            <a:satOff val="0"/>
+            <a:lumOff val="0"/>
+            <a:alphaOff val="0"/>
+          </a:schemeClr>
+        </a:solidFill>
+        <a:ln w="15875" cap="flat" cmpd="sng" algn="ctr">
+          <a:solidFill>
+            <a:schemeClr val="lt1">
+              <a:hueOff val="0"/>
+              <a:satOff val="0"/>
+              <a:lumOff val="0"/>
+              <a:alphaOff val="0"/>
+            </a:schemeClr>
+          </a:solidFill>
+          <a:prstDash val="solid"/>
+        </a:ln>
+        <a:effectLst/>
+      </dsp:spPr>
+      <dsp:style>
+        <a:lnRef idx="2">
+          <a:scrgbClr r="0" g="0" b="0"/>
+        </a:lnRef>
+        <a:fillRef idx="1">
+          <a:scrgbClr r="0" g="0" b="0"/>
+        </a:fillRef>
+        <a:effectRef idx="0">
+          <a:scrgbClr r="0" g="0" b="0"/>
+        </a:effectRef>
+        <a:fontRef idx="minor">
+          <a:schemeClr val="lt1"/>
+        </a:fontRef>
+      </dsp:style>
+      <dsp:txBody>
+        <a:bodyPr spcFirstLastPara="0" vert="horz" wrap="square" lIns="76200" tIns="76200" rIns="76200" bIns="76200" numCol="1" spcCol="1270" anchor="ctr" anchorCtr="0">
+          <a:noAutofit/>
+        </a:bodyPr>
+        <a:lstStyle/>
+        <a:p>
+          <a:pPr marL="0" lvl="0" indent="0" algn="l" defTabSz="889000">
+            <a:lnSpc>
+              <a:spcPct val="90000"/>
+            </a:lnSpc>
+            <a:spcBef>
+              <a:spcPct val="0"/>
+            </a:spcBef>
+            <a:spcAft>
+              <a:spcPct val="35000"/>
+            </a:spcAft>
+            <a:buNone/>
+          </a:pPr>
+          <a:r>
+            <a:rPr lang="en-US" sz="2000" kern="1200"/>
+            <a:t>Leadership Experience</a:t>
+          </a:r>
+        </a:p>
+      </dsp:txBody>
+      <dsp:txXfrm>
+        <a:off x="22275" y="3649962"/>
+        <a:ext cx="5012846" cy="411750"/>
+      </dsp:txXfrm>
+    </dsp:sp>
+    <dsp:sp modelId="{F3C0A485-228A-479B-9988-254CA5E2D1E0}">
+      <dsp:nvSpPr>
+        <dsp:cNvPr id="0" name=""/>
+        <dsp:cNvSpPr/>
+      </dsp:nvSpPr>
+      <dsp:spPr>
+        <a:xfrm>
+          <a:off x="0" y="4141587"/>
+          <a:ext cx="5057396" cy="456300"/>
+        </a:xfrm>
+        <a:prstGeom prst="roundRect">
+          <a:avLst/>
+        </a:prstGeom>
+        <a:solidFill>
+          <a:schemeClr val="accent1">
+            <a:hueOff val="0"/>
+            <a:satOff val="0"/>
+            <a:lumOff val="0"/>
+            <a:alphaOff val="0"/>
+          </a:schemeClr>
+        </a:solidFill>
+        <a:ln w="15875" cap="flat" cmpd="sng" algn="ctr">
+          <a:solidFill>
+            <a:schemeClr val="lt1">
+              <a:hueOff val="0"/>
+              <a:satOff val="0"/>
+              <a:lumOff val="0"/>
+              <a:alphaOff val="0"/>
+            </a:schemeClr>
+          </a:solidFill>
+          <a:prstDash val="solid"/>
+        </a:ln>
+        <a:effectLst/>
+      </dsp:spPr>
+      <dsp:style>
+        <a:lnRef idx="2">
+          <a:scrgbClr r="0" g="0" b="0"/>
+        </a:lnRef>
+        <a:fillRef idx="1">
+          <a:scrgbClr r="0" g="0" b="0"/>
+        </a:fillRef>
+        <a:effectRef idx="0">
+          <a:scrgbClr r="0" g="0" b="0"/>
+        </a:effectRef>
+        <a:fontRef idx="minor">
+          <a:schemeClr val="lt1"/>
+        </a:fontRef>
+      </dsp:style>
+      <dsp:txBody>
+        <a:bodyPr spcFirstLastPara="0" vert="horz" wrap="square" lIns="76200" tIns="76200" rIns="76200" bIns="76200" numCol="1" spcCol="1270" anchor="ctr" anchorCtr="0">
+          <a:noAutofit/>
+        </a:bodyPr>
+        <a:lstStyle/>
+        <a:p>
+          <a:pPr marL="0" lvl="0" indent="0" algn="l" defTabSz="889000">
+            <a:lnSpc>
+              <a:spcPct val="90000"/>
+            </a:lnSpc>
+            <a:spcBef>
+              <a:spcPct val="0"/>
+            </a:spcBef>
+            <a:spcAft>
+              <a:spcPct val="35000"/>
+            </a:spcAft>
+            <a:buNone/>
+          </a:pPr>
+          <a:r>
+            <a:rPr lang="en-US" sz="2000" kern="1200"/>
+            <a:t>Community Involvement</a:t>
+          </a:r>
+        </a:p>
+      </dsp:txBody>
+      <dsp:txXfrm>
+        <a:off x="22275" y="4163862"/>
+        <a:ext cx="5012846" cy="411750"/>
+      </dsp:txXfrm>
+    </dsp:sp>
+  </dsp:spTree>
+</dsp:drawing>
+</file>
+
+<file path=ppt/diagrams/layout1.xml><?xml version="1.0" encoding="utf-8"?>
+<dgm:layoutDef xmlns:dgm="http://schemas.openxmlformats.org/drawingml/2006/diagram" xmlns:a="http://schemas.openxmlformats.org/drawingml/2006/main" uniqueId="urn:microsoft.com/office/officeart/2005/8/layout/vList2">
+  <dgm:title val=""/>
+  <dgm:desc val=""/>
+  <dgm:catLst>
+    <dgm:cat type="list" pri="3000"/>
+    <dgm:cat type="convert" pri="1000"/>
+  </dgm:catLst>
+  <dgm:sampData>
+    <dgm:dataModel>
+      <dgm:ptLst>
+        <dgm:pt modelId="0" type="doc"/>
+        <dgm:pt modelId="1">
+          <dgm:prSet phldr="1"/>
+        </dgm:pt>
+        <dgm:pt modelId="11">
+          <dgm:prSet phldr="1"/>
+        </dgm:pt>
+        <dgm:pt modelId="2">
+          <dgm:prSet phldr="1"/>
+        </dgm:pt>
+        <dgm:pt modelId="21">
+          <dgm:prSet phldr="1"/>
+        </dgm:pt>
+      </dgm:ptLst>
+      <dgm:cxnLst>
+        <dgm:cxn modelId="4" srcId="0" destId="1" srcOrd="0" destOrd="0"/>
+        <dgm:cxn modelId="5" srcId="0" destId="2" srcOrd="1" destOrd="0"/>
+        <dgm:cxn modelId="12" srcId="1" destId="11" srcOrd="0" destOrd="0"/>
+        <dgm:cxn modelId="23" srcId="2" destId="21" srcOrd="0" destOrd="0"/>
+      </dgm:cxnLst>
+      <dgm:bg/>
+      <dgm:whole/>
+    </dgm:dataModel>
+  </dgm:sampData>
+  <dgm:styleData>
+    <dgm:dataModel>
+      <dgm:ptLst>
+        <dgm:pt modelId="0" type="doc"/>
+        <dgm:pt modelId="1"/>
+        <dgm:pt modelId="2"/>
+      </dgm:ptLst>
+      <dgm:cxnLst>
+        <dgm:cxn modelId="3" srcId="0" destId="1" srcOrd="0" destOrd="0"/>
+        <dgm:cxn modelId="4" srcId="0" destId="2" srcOrd="1" destOrd="0"/>
+      </dgm:cxnLst>
+      <dgm:bg/>
+      <dgm:whole/>
+    </dgm:dataModel>
+  </dgm:styleData>
+  <dgm:clrData>
+    <dgm:dataModel>
+      <dgm:ptLst>
+        <dgm:pt modelId="0" type="doc"/>
+        <dgm:pt modelId="1"/>
+        <dgm:pt modelId="2"/>
+        <dgm:pt modelId="3"/>
+        <dgm:pt modelId="4"/>
+      </dgm:ptLst>
+      <dgm:cxnLst>
+        <dgm:cxn modelId="5" srcId="0" destId="1" srcOrd="0" destOrd="0"/>
+        <dgm:cxn modelId="6" srcId="0" destId="2" srcOrd="1" destOrd="0"/>
+        <dgm:cxn modelId="7" srcId="0" destId="3" srcOrd="2" destOrd="0"/>
+        <dgm:cxn modelId="8" srcId="0" destId="4" srcOrd="3" destOrd="0"/>
+      </dgm:cxnLst>
+      <dgm:bg/>
+      <dgm:whole/>
+    </dgm:dataModel>
+  </dgm:clrData>
+  <dgm:layoutNode name="linear">
+    <dgm:varLst>
+      <dgm:animLvl val="lvl"/>
+      <dgm:resizeHandles val="exact"/>
+    </dgm:varLst>
+    <dgm:alg type="lin">
+      <dgm:param type="linDir" val="fromT"/>
+      <dgm:param type="vertAlign" val="mid"/>
+    </dgm:alg>
+    <dgm:shape xmlns:r="http://schemas.openxmlformats.org/officeDocument/2006/relationships" r:blip="">
+      <dgm:adjLst/>
+    </dgm:shape>
+    <dgm:presOf/>
+    <dgm:constrLst>
+      <dgm:constr type="w" for="ch" forName="parentText" refType="w"/>
+      <dgm:constr type="h" for="ch" forName="parentText" refType="primFontSz" refFor="ch" refForName="parentText" fact="0.52"/>
+      <dgm:constr type="w" for="ch" forName="childText" refType="w"/>
+      <dgm:constr type="h" for="ch" forName="childText" refType="primFontSz" refFor="ch" refForName="parentText" fact="0.46"/>
+      <dgm:constr type="h" for="ch" forName="parentText" op="equ"/>
+      <dgm:constr type="primFontSz" for="ch" forName="parentText" op="equ" val="65"/>
+      <dgm:constr type="primFontSz" for="ch" forName="childText" refType="primFontSz" refFor="ch" refForName="parentText" op="equ"/>
+      <dgm:constr type="h" for="ch" forName="spacer" refType="primFontSz" refFor="ch" refForName="parentText" fact="0.08"/>
+    </dgm:constrLst>
+    <dgm:ruleLst>
+      <dgm:rule type="primFontSz" for="ch" forName="parentText" val="5" fact="NaN" max="NaN"/>
+    </dgm:ruleLst>
+    <dgm:forEach name="Name0" axis="ch" ptType="node">
+      <dgm:layoutNode name="parentText" styleLbl="node1">
+        <dgm:varLst>
+          <dgm:chMax val="0"/>
+          <dgm:bulletEnabled val="1"/>
+        </dgm:varLst>
+        <dgm:alg type="tx">
+          <dgm:param type="parTxLTRAlign" val="l"/>
+          <dgm:param type="parTxRTLAlign" val="r"/>
+        </dgm:alg>
+        <dgm:shape xmlns:r="http://schemas.openxmlformats.org/officeDocument/2006/relationships" type="roundRect" r:blip="">
+          <dgm:adjLst/>
+        </dgm:shape>
+        <dgm:presOf axis="self"/>
+        <dgm:constrLst>
+          <dgm:constr type="tMarg" refType="primFontSz" fact="0.3"/>
+          <dgm:constr type="bMarg" refType="primFontSz" fact="0.3"/>
+          <dgm:constr type="lMarg" refType="primFontSz" fact="0.3"/>
+          <dgm:constr type="rMarg" refType="primFontSz" fact="0.3"/>
+        </dgm:constrLst>
+        <dgm:ruleLst>
+          <dgm:rule type="h" val="INF" fact="NaN" max="NaN"/>
+        </dgm:ruleLst>
+      </dgm:layoutNode>
+      <dgm:choose name="Name1">
+        <dgm:if name="Name2" axis="ch" ptType="node" func="cnt" op="gte" val="1">
+          <dgm:layoutNode name="childText" styleLbl="revTx">
+            <dgm:varLst>
+              <dgm:bulletEnabled val="1"/>
+            </dgm:varLst>
+            <dgm:alg type="tx">
+              <dgm:param type="stBulletLvl" val="1"/>
+              <dgm:param type="lnSpAfChP" val="20"/>
+            </dgm:alg>
+            <dgm:shape xmlns:r="http://schemas.openxmlformats.org/officeDocument/2006/relationships" type="rect" r:blip="">
+              <dgm:adjLst/>
+            </dgm:shape>
+            <dgm:presOf axis="des" ptType="node"/>
+            <dgm:constrLst>
+              <dgm:constr type="tMarg" refType="primFontSz" fact="0.1"/>
+              <dgm:constr type="bMarg" refType="primFontSz" fact="0.1"/>
+              <dgm:constr type="lMarg" refType="w" fact="0.09"/>
+            </dgm:constrLst>
+            <dgm:ruleLst>
+              <dgm:rule type="h" val="INF" fact="NaN" max="NaN"/>
+            </dgm:ruleLst>
+          </dgm:layoutNode>
+        </dgm:if>
+        <dgm:else name="Name3">
+          <dgm:choose name="Name4">
+            <dgm:if name="Name5" axis="par ch" ptType="doc node" func="cnt" op="gte" val="2">
+              <dgm:forEach name="Name6" axis="followSib" ptType="sibTrans" cnt="1">
+                <dgm:layoutNode name="spacer">
+                  <dgm:alg type="sp"/>
+                  <dgm:shape xmlns:r="http://schemas.openxmlformats.org/officeDocument/2006/relationships" r:blip="">
+                    <dgm:adjLst/>
+                  </dgm:shape>
+                  <dgm:presOf/>
+                  <dgm:constrLst/>
+                  <dgm:ruleLst/>
+                </dgm:layoutNode>
+              </dgm:forEach>
+            </dgm:if>
+            <dgm:else name="Name7"/>
+          </dgm:choose>
+        </dgm:else>
+      </dgm:choose>
+    </dgm:forEach>
+  </dgm:layoutNode>
+</dgm:layoutDef>
+</file>
+
+<file path=ppt/diagrams/quickStyle1.xml><?xml version="1.0" encoding="utf-8"?>
+<dgm:styleDef xmlns:dgm="http://schemas.openxmlformats.org/drawingml/2006/diagram" xmlns:a="http://schemas.openxmlformats.org/drawingml/2006/main" uniqueId="urn:microsoft.com/office/officeart/2005/8/quickstyle/simple1">
+  <dgm:title val=""/>
+  <dgm:desc val=""/>
+  <dgm:catLst>
+    <dgm:cat type="simple" pri="10100"/>
+  </dgm:catLst>
+  <dgm:scene3d>
+    <a:camera prst="orthographicFront"/>
+    <a:lightRig rig="threePt" dir="t"/>
+  </dgm:scene3d>
+  <dgm:styleLbl name="node0">
+    <dgm:scene3d>
+      <a:camera prst="orthographicFront"/>
+      <a:lightRig rig="threePt" dir="t"/>
+    </dgm:scene3d>
+    <dgm:sp3d/>
+    <dgm:txPr/>
+    <dgm:style>
+      <a:lnRef idx="2">
+        <a:scrgbClr r="0" g="0" b="0"/>
+      </a:lnRef>
+      <a:fillRef idx="1">
+        <a:scrgbClr r="0" g="0" b="0"/>
+      </a:fillRef>
+      <a:effectRef idx="0">
+        <a:scrgbClr r="0" g="0" b="0"/>
+      </a:effectRef>
+      <a:fontRef idx="minor">
+        <a:schemeClr val="lt1"/>
+      </a:fontRef>
+    </dgm:style>
+  </dgm:styleLbl>
+  <dgm:styleLbl name="lnNode1">
+    <dgm:scene3d>
+      <a:camera prst="orthographicFront"/>
+      <a:lightRig rig="threePt" dir="t"/>
+    </dgm:scene3d>
+    <dgm:sp3d/>
+    <dgm:txPr/>
+    <dgm:style>
+      <a:lnRef idx="2">
+        <a:scrgbClr r="0" g="0" b="0"/>
+      </a:lnRef>
+      <a:fillRef idx="1">
+        <a:scrgbClr r="0" g="0" b="0"/>
+      </a:fillRef>
+      <a:effectRef idx="0">
+        <a:scrgbClr r="0" g="0" b="0"/>
+      </a:effectRef>
+      <a:fontRef idx="minor">
+        <a:schemeClr val="lt1"/>
+      </a:fontRef>
+    </dgm:style>
+  </dgm:styleLbl>
+  <dgm:styleLbl name="vennNode1">
+    <dgm:scene3d>
+      <a:camera prst="orthographicFront"/>
+      <a:lightRig rig="threePt" dir="t"/>
+    </dgm:scene3d>
+    <dgm:sp3d/>
+    <dgm:txPr/>
+    <dgm:style>
+      <a:lnRef idx="2">
+        <a:scrgbClr r="0" g="0" b="0"/>
+      </a:lnRef>
+      <a:fillRef idx="1">
+        <a:scrgbClr r="0" g="0" b="0"/>
+      </a:fillRef>
+      <a:effectRef idx="0">
+        <a:scrgbClr r="0" g="0" b="0"/>
+      </a:effectRef>
+      <a:fontRef idx="minor">
+        <a:schemeClr val="tx1"/>
+      </a:fontRef>
+    </dgm:style>
+  </dgm:styleLbl>
+  <dgm:styleLbl name="alignNode1">
+    <dgm:scene3d>
+      <a:camera prst="orthographicFront"/>
+      <a:lightRig rig="threePt" dir="t"/>
+    </dgm:scene3d>
+    <dgm:sp3d/>
+    <dgm:txPr/>
+    <dgm:style>
+      <a:lnRef idx="2">
+        <a:scrgbClr r="0" g="0" b="0"/>
+      </a:lnRef>
+      <a:fillRef idx="1">
+        <a:scrgbClr r="0" g="0" b="0"/>
+      </a:fillRef>
+      <a:effectRef idx="0">
+        <a:scrgbClr r="0" g="0" b="0"/>
+      </a:effectRef>
+      <a:fontRef idx="minor">
+        <a:schemeClr val="lt1"/>
+      </a:fontRef>
+    </dgm:style>
+  </dgm:styleLbl>
+  <dgm:styleLbl name="node1">
+    <dgm:scene3d>
+      <a:camera prst="orthographicFront"/>
+      <a:lightRig rig="threePt" dir="t"/>
+    </dgm:scene3d>
+    <dgm:sp3d/>
+    <dgm:txPr/>
+    <dgm:style>
+      <a:lnRef idx="2">
+        <a:scrgbClr r="0" g="0" b="0"/>
+      </a:lnRef>
+      <a:fillRef idx="1">
+        <a:scrgbClr r="0" g="0" b="0"/>
+      </a:fillRef>
+      <a:effectRef idx="0">
+        <a:scrgbClr r="0" g="0" b="0"/>
+      </a:effectRef>
+      <a:fontRef idx="minor">
+        <a:schemeClr val="lt1"/>
+      </a:fontRef>
+    </dgm:style>
+  </dgm:styleLbl>
+  <dgm:styleLbl name="node2">
+    <dgm:scene3d>
+      <a:camera prst="orthographicFront"/>
+      <a:lightRig rig="threePt" dir="t"/>
+    </dgm:scene3d>
+    <dgm:sp3d/>
+    <dgm:txPr/>
+    <dgm:style>
+      <a:lnRef idx="2">
+        <a:scrgbClr r="0" g="0" b="0"/>
+      </a:lnRef>
+      <a:fillRef idx="1">
+        <a:scrgbClr r="0" g="0" b="0"/>
+      </a:fillRef>
+      <a:effectRef idx="0">
+        <a:scrgbClr r="0" g="0" b="0"/>
+      </a:effectRef>
+      <a:fontRef idx="minor">
+        <a:schemeClr val="lt1"/>
+      </a:fontRef>
+    </dgm:style>
+  </dgm:styleLbl>
+  <dgm:styleLbl name="node3">
+    <dgm:scene3d>
+      <a:camera prst="orthographicFront"/>
+      <a:lightRig rig="threePt" dir="t"/>
+    </dgm:scene3d>
+    <dgm:sp3d/>
+    <dgm:txPr/>
+    <dgm:style>
+      <a:lnRef idx="2">
+        <a:scrgbClr r="0" g="0" b="0"/>
+      </a:lnRef>
+      <a:fillRef idx="1">
+        <a:scrgbClr r="0" g="0" b="0"/>
+      </a:fillRef>
+      <a:effectRef idx="0">
+        <a:scrgbClr r="0" g="0" b="0"/>
+      </a:effectRef>
+      <a:fontRef idx="minor">
+        <a:schemeClr val="lt1"/>
+      </a:fontRef>
+    </dgm:style>
+  </dgm:styleLbl>
+  <dgm:styleLbl name="node4">
+    <dgm:scene3d>
+      <a:camera prst="orthographicFront"/>
+      <a:lightRig rig="threePt" dir="t"/>
+    </dgm:scene3d>
+    <dgm:sp3d/>
+    <dgm:txPr/>
+    <dgm:style>
+      <a:lnRef idx="2">
+        <a:scrgbClr r="0" g="0" b="0"/>
+      </a:lnRef>
+      <a:fillRef idx="1">
+        <a:scrgbClr r="0" g="0" b="0"/>
+      </a:fillRef>
+      <a:effectRef idx="0">
+        <a:scrgbClr r="0" g="0" b="0"/>
+      </a:effectRef>
+      <a:fontRef idx="minor">
+        <a:schemeClr val="lt1"/>
+      </a:fontRef>
+    </dgm:style>
+  </dgm:styleLbl>
+  <dgm:styleLbl name="fgImgPlace1">
+    <dgm:scene3d>
+      <a:camera prst="orthographicFront"/>
+      <a:lightRig rig="threePt" dir="t"/>
+    </dgm:scene3d>
+    <dgm:sp3d/>
+    <dgm:txPr/>
+    <dgm:style>
+      <a:lnRef idx="2">
+        <a:scrgbClr r="0" g="0" b="0"/>
+      </a:lnRef>
+      <a:fillRef idx="1">
+        <a:scrgbClr r="0" g="0" b="0"/>
+      </a:fillRef>
+      <a:effectRef idx="0">
+        <a:scrgbClr r="0" g="0" b="0"/>
+      </a:effectRef>
+      <a:fontRef idx="minor"/>
+    </dgm:style>
+  </dgm:styleLbl>
+  <dgm:styleLbl name="alignImgPlace1">
+    <dgm:scene3d>
+      <a:camera prst="orthographicFront"/>
+      <a:lightRig rig="threePt" dir="t"/>
+    </dgm:scene3d>
+    <dgm:sp3d/>
+    <dgm:txPr/>
+    <dgm:style>
+      <a:lnRef idx="2">
+        <a:scrgbClr r="0" g="0" b="0"/>
+      </a:lnRef>
+      <a:fillRef idx="1">
+        <a:scrgbClr r="0" g="0" b="0"/>
+      </a:fillRef>
+      <a:effectRef idx="0">
+        <a:scrgbClr r="0" g="0" b="0"/>
+      </a:effectRef>
+      <a:fontRef idx="minor"/>
+    </dgm:style>
+  </dgm:styleLbl>
+  <dgm:styleLbl name="bgImgPlace1">
+    <dgm:scene3d>
+      <a:camera prst="orthographicFront"/>
+      <a:lightRig rig="threePt" dir="t"/>
+    </dgm:scene3d>
+    <dgm:sp3d/>
+    <dgm:txPr/>
+    <dgm:style>
+      <a:lnRef idx="2">
+        <a:scrgbClr r="0" g="0" b="0"/>
+      </a:lnRef>
+      <a:fillRef idx="1">
+        <a:scrgbClr r="0" g="0" b="0"/>
+      </a:fillRef>
+      <a:effectRef idx="0">
+        <a:scrgbClr r="0" g="0" b="0"/>
+      </a:effectRef>
+      <a:fontRef idx="minor"/>
+    </dgm:style>
+  </dgm:styleLbl>
+  <dgm:styleLbl name="sibTrans2D1">
+    <dgm:scene3d>
+      <a:camera prst="orthographicFront"/>
+      <a:lightRig rig="threePt" dir="t"/>
+    </dgm:scene3d>
+    <dgm:sp3d/>
+    <dgm:txPr/>
+    <dgm:style>
+      <a:lnRef idx="0">
+        <a:scrgbClr r="0" g="0" b="0"/>
+      </a:lnRef>
+      <a:fillRef idx="1">
+        <a:scrgbClr r="0" g="0" b="0"/>
+      </a:fillRef>
+      <a:effectRef idx="0">
+        <a:scrgbClr r="0" g="0" b="0"/>
+      </a:effectRef>
+      <a:fontRef idx="minor">
+        <a:schemeClr val="lt1"/>
+      </a:fontRef>
+    </dgm:style>
+  </dgm:styleLbl>
+  <dgm:styleLbl name="fgSibTrans2D1">
+    <dgm:scene3d>
+      <a:camera prst="orthographicFront"/>
+      <a:lightRig rig="threePt" dir="t"/>
+    </dgm:scene3d>
+    <dgm:sp3d/>
+    <dgm:txPr/>
+    <dgm:style>
+      <a:lnRef idx="0">
+        <a:scrgbClr r="0" g="0" b="0"/>
+      </a:lnRef>
+      <a:fillRef idx="1">
+        <a:scrgbClr r="0" g="0" b="0"/>
+      </a:fillRef>
+      <a:effectRef idx="0">
+        <a:scrgbClr r="0" g="0" b="0"/>
+      </a:effectRef>
+      <a:fontRef idx="minor">
+        <a:schemeClr val="lt1"/>
+      </a:fontRef>
+    </dgm:style>
+  </dgm:styleLbl>
+  <dgm:styleLbl name="bgSibTrans2D1">
+    <dgm:scene3d>
+      <a:camera prst="orthographicFront"/>
+      <a:lightRig rig="threePt" dir="t"/>
+    </dgm:scene3d>
+    <dgm:sp3d/>
+    <dgm:txPr/>
+    <dgm:style>
+      <a:lnRef idx="0">
+        <a:scrgbClr r="0" g="0" b="0"/>
+      </a:lnRef>
+      <a:fillRef idx="1">
+        <a:scrgbClr r="0" g="0" b="0"/>
+      </a:fillRef>
+      <a:effectRef idx="0">
+        <a:scrgbClr r="0" g="0" b="0"/>
+      </a:effectRef>
+      <a:fontRef idx="minor">
+        <a:schemeClr val="lt1"/>
+      </a:fontRef>
+    </dgm:style>
+  </dgm:styleLbl>
+  <dgm:styleLbl name="sibTrans1D1">
+    <dgm:scene3d>
+      <a:camera prst="orthographicFront"/>
+      <a:lightRig rig="threePt" dir="t"/>
+    </dgm:scene3d>
+    <dgm:sp3d/>
+    <dgm:txPr/>
+    <dgm:style>
+      <a:lnRef idx="1">
+        <a:scrgbClr r="0" g="0" b="0"/>
+      </a:lnRef>
+      <a:fillRef idx="0">
+        <a:scrgbClr r="0" g="0" b="0"/>
+      </a:fillRef>
+      <a:effectRef idx="0">
+        <a:scrgbClr r="0" g="0" b="0"/>
+      </a:effectRef>
+      <a:fontRef idx="minor"/>
+    </dgm:style>
+  </dgm:styleLbl>
+  <dgm:styleLbl name="callout">
+    <dgm:scene3d>
+      <a:camera prst="orthographicFront"/>
+      <a:lightRig rig="threePt" dir="t"/>
+    </dgm:scene3d>
+    <dgm:sp3d/>
+    <dgm:txPr/>
+    <dgm:style>
+      <a:lnRef idx="2">
+        <a:scrgbClr r="0" g="0" b="0"/>
+      </a:lnRef>
+      <a:fillRef idx="1">
+        <a:scrgbClr r="0" g="0" b="0"/>
+      </a:fillRef>
+      <a:effectRef idx="0">
+        <a:scrgbClr r="0" g="0" b="0"/>
+      </a:effectRef>
+      <a:fontRef idx="minor"/>
+    </dgm:style>
+  </dgm:styleLbl>
+  <dgm:styleLbl name="asst0">
+    <dgm:scene3d>
+      <a:camera prst="orthographicFront"/>
+      <a:lightRig rig="threePt" dir="t"/>
+    </dgm:scene3d>
+    <dgm:sp3d/>
+    <dgm:txPr/>
+    <dgm:style>
+      <a:lnRef idx="2">
+        <a:scrgbClr r="0" g="0" b="0"/>
+      </a:lnRef>
+      <a:fillRef idx="1">
+        <a:scrgbClr r="0" g="0" b="0"/>
+      </a:fillRef>
+      <a:effectRef idx="0">
+        <a:scrgbClr r="0" g="0" b="0"/>
+      </a:effectRef>
+      <a:fontRef idx="minor">
+        <a:schemeClr val="lt1"/>
+      </a:fontRef>
+    </dgm:style>
+  </dgm:styleLbl>
+  <dgm:styleLbl name="asst1">
+    <dgm:scene3d>
+      <a:camera prst="orthographicFront"/>
+      <a:lightRig rig="threePt" dir="t"/>
+    </dgm:scene3d>
+    <dgm:sp3d/>
+    <dgm:txPr/>
+    <dgm:style>
+      <a:lnRef idx="2">
+        <a:scrgbClr r="0" g="0" b="0"/>
+      </a:lnRef>
+      <a:fillRef idx="1">
+        <a:scrgbClr r="0" g="0" b="0"/>
+      </a:fillRef>
+      <a:effectRef idx="0">
+        <a:scrgbClr r="0" g="0" b="0"/>
+      </a:effectRef>
+      <a:fontRef idx="minor">
+        <a:schemeClr val="lt1"/>
+      </a:fontRef>
+    </dgm:style>
+  </dgm:styleLbl>
+  <dgm:styleLbl name="asst2">
+    <dgm:scene3d>
+      <a:camera prst="orthographicFront"/>
+      <a:lightRig rig="threePt" dir="t"/>
+    </dgm:scene3d>
+    <dgm:sp3d/>
+    <dgm:txPr/>
+    <dgm:style>
+      <a:lnRef idx="2">
+        <a:scrgbClr r="0" g="0" b="0"/>
+      </a:lnRef>
+      <a:fillRef idx="1">
+        <a:scrgbClr r="0" g="0" b="0"/>
+      </a:fillRef>
+      <a:effectRef idx="0">
+        <a:scrgbClr r="0" g="0" b="0"/>
+      </a:effectRef>
+      <a:fontRef idx="minor">
+        <a:schemeClr val="lt1"/>
+      </a:fontRef>
+    </dgm:style>
+  </dgm:styleLbl>
+  <dgm:styleLbl name="asst3">
+    <dgm:scene3d>
+      <a:camera prst="orthographicFront"/>
+      <a:lightRig rig="threePt" dir="t"/>
+    </dgm:scene3d>
+    <dgm:sp3d/>
+    <dgm:txPr/>
+    <dgm:style>
+      <a:lnRef idx="2">
+        <a:scrgbClr r="0" g="0" b="0"/>
+      </a:lnRef>
+      <a:fillRef idx="1">
+        <a:scrgbClr r="0" g="0" b="0"/>
+      </a:fillRef>
+      <a:effectRef idx="0">
+        <a:scrgbClr r="0" g="0" b="0"/>
+      </a:effectRef>
+      <a:fontRef idx="minor">
+        <a:schemeClr val="lt1"/>
+      </a:fontRef>
+    </dgm:style>
+  </dgm:styleLbl>
+  <dgm:styleLbl name="asst4">
+    <dgm:scene3d>
+      <a:camera prst="orthographicFront"/>
+      <a:lightRig rig="threePt" dir="t"/>
+    </dgm:scene3d>
+    <dgm:sp3d/>
+    <dgm:txPr/>
+    <dgm:style>
+      <a:lnRef idx="2">
+        <a:scrgbClr r="0" g="0" b="0"/>
+      </a:lnRef>
+      <a:fillRef idx="1">
+        <a:scrgbClr r="0" g="0" b="0"/>
+      </a:fillRef>
+      <a:effectRef idx="0">
+        <a:scrgbClr r="0" g="0" b="0"/>
+      </a:effectRef>
+      <a:fontRef idx="minor">
+        <a:schemeClr val="lt1"/>
+      </a:fontRef>
+    </dgm:style>
+  </dgm:styleLbl>
+  <dgm:styleLbl name="parChTrans2D1">
+    <dgm:scene3d>
+      <a:camera prst="orthographicFront"/>
+      <a:lightRig rig="threePt" dir="t"/>
+    </dgm:scene3d>
+    <dgm:sp3d/>
+    <dgm:txPr/>
+    <dgm:style>
+      <a:lnRef idx="2">
+        <a:scrgbClr r="0" g="0" b="0"/>
+      </a:lnRef>
+      <a:fillRef idx="1">
+        <a:scrgbClr r="0" g="0" b="0"/>
+      </a:fillRef>
+      <a:effectRef idx="0">
+        <a:scrgbClr r="0" g="0" b="0"/>
+      </a:effectRef>
+      <a:fontRef idx="minor">
+        <a:schemeClr val="lt1"/>
+      </a:fontRef>
+    </dgm:style>
+  </dgm:styleLbl>
+  <dgm:styleLbl name="parChTrans2D2">
+    <dgm:scene3d>
+      <a:camera prst="orthographicFront"/>
+      <a:lightRig rig="threePt" dir="t"/>
+    </dgm:scene3d>
+    <dgm:sp3d/>
+    <dgm:txPr/>
+    <dgm:style>
+      <a:lnRef idx="2">
+        <a:scrgbClr r="0" g="0" b="0"/>
+      </a:lnRef>
+      <a:fillRef idx="1">
+        <a:scrgbClr r="0" g="0" b="0"/>
+      </a:fillRef>
+      <a:effectRef idx="0">
+        <a:scrgbClr r="0" g="0" b="0"/>
+      </a:effectRef>
+      <a:fontRef idx="minor">
+        <a:schemeClr val="lt1"/>
+      </a:fontRef>
+    </dgm:style>
+  </dgm:styleLbl>
+  <dgm:styleLbl name="parChTrans2D3">
+    <dgm:scene3d>
+      <a:camera prst="orthographicFront"/>
+      <a:lightRig rig="threePt" dir="t"/>
+    </dgm:scene3d>
+    <dgm:sp3d/>
+    <dgm:txPr/>
+    <dgm:style>
+      <a:lnRef idx="2">
+        <a:scrgbClr r="0" g="0" b="0"/>
+      </a:lnRef>
+      <a:fillRef idx="1">
+        <a:scrgbClr r="0" g="0" b="0"/>
+      </a:fillRef>
+      <a:effectRef idx="0">
+        <a:scrgbClr r="0" g="0" b="0"/>
+      </a:effectRef>
+      <a:fontRef idx="minor">
+        <a:schemeClr val="lt1"/>
+      </a:fontRef>
+    </dgm:style>
+  </dgm:styleLbl>
+  <dgm:styleLbl name="parChTrans2D4">
+    <dgm:scene3d>
+      <a:camera prst="orthographicFront"/>
+      <a:lightRig rig="threePt" dir="t"/>
+    </dgm:scene3d>
+    <dgm:sp3d/>
+    <dgm:txPr/>
+    <dgm:style>
+      <a:lnRef idx="2">
+        <a:scrgbClr r="0" g="0" b="0"/>
+      </a:lnRef>
+      <a:fillRef idx="1">
+        <a:scrgbClr r="0" g="0" b="0"/>
+      </a:fillRef>
+      <a:effectRef idx="0">
+        <a:scrgbClr r="0" g="0" b="0"/>
+      </a:effectRef>
+      <a:fontRef idx="minor">
+        <a:schemeClr val="lt1"/>
+      </a:fontRef>
+    </dgm:style>
+  </dgm:styleLbl>
+  <dgm:styleLbl name="parChTrans1D1">
+    <dgm:scene3d>
+      <a:camera prst="orthographicFront"/>
+      <a:lightRig rig="threePt" dir="t"/>
+    </dgm:scene3d>
+    <dgm:sp3d/>
+    <dgm:txPr/>
+    <dgm:style>
+      <a:lnRef idx="2">
+        <a:scrgbClr r="0" g="0" b="0"/>
+      </a:lnRef>
+      <a:fillRef idx="0">
+        <a:scrgbClr r="0" g="0" b="0"/>
+      </a:fillRef>
+      <a:effectRef idx="0">
+        <a:scrgbClr r="0" g="0" b="0"/>
+      </a:effectRef>
+      <a:fontRef idx="minor"/>
+    </dgm:style>
+  </dgm:styleLbl>
+  <dgm:styleLbl name="parChTrans1D2">
+    <dgm:scene3d>
+      <a:camera prst="orthographicFront"/>
+      <a:lightRig rig="threePt" dir="t"/>
+    </dgm:scene3d>
+    <dgm:sp3d/>
+    <dgm:txPr/>
+    <dgm:style>
+      <a:lnRef idx="2">
+        <a:scrgbClr r="0" g="0" b="0"/>
+      </a:lnRef>
+      <a:fillRef idx="0">
+        <a:scrgbClr r="0" g="0" b="0"/>
+      </a:fillRef>
+      <a:effectRef idx="0">
+        <a:scrgbClr r="0" g="0" b="0"/>
+      </a:effectRef>
+      <a:fontRef idx="minor"/>
+    </dgm:style>
+  </dgm:styleLbl>
+  <dgm:styleLbl name="parChTrans1D3">
+    <dgm:scene3d>
+      <a:camera prst="orthographicFront"/>
+      <a:lightRig rig="threePt" dir="t"/>
+    </dgm:scene3d>
+    <dgm:sp3d/>
+    <dgm:txPr/>
+    <dgm:style>
+      <a:lnRef idx="2">
+        <a:scrgbClr r="0" g="0" b="0"/>
+      </a:lnRef>
+      <a:fillRef idx="0">
+        <a:scrgbClr r="0" g="0" b="0"/>
+      </a:fillRef>
+      <a:effectRef idx="0">
+        <a:scrgbClr r="0" g="0" b="0"/>
+      </a:effectRef>
+      <a:fontRef idx="minor"/>
+    </dgm:style>
+  </dgm:styleLbl>
+  <dgm:styleLbl name="parChTrans1D4">
+    <dgm:scene3d>
+      <a:camera prst="orthographicFront"/>
+      <a:lightRig rig="threePt" dir="t"/>
+    </dgm:scene3d>
+    <dgm:sp3d/>
+    <dgm:txPr/>
+    <dgm:style>
+      <a:lnRef idx="2">
+        <a:scrgbClr r="0" g="0" b="0"/>
+      </a:lnRef>
+      <a:fillRef idx="0">
+        <a:scrgbClr r="0" g="0" b="0"/>
+      </a:fillRef>
+      <a:effectRef idx="0">
+        <a:scrgbClr r="0" g="0" b="0"/>
+      </a:effectRef>
+      <a:fontRef idx="minor"/>
+    </dgm:style>
+  </dgm:styleLbl>
+  <dgm:styleLbl name="fgAcc1">
+    <dgm:scene3d>
+      <a:camera prst="orthographicFront"/>
+      <a:lightRig rig="threePt" dir="t"/>
+    </dgm:scene3d>
+    <dgm:sp3d/>
+    <dgm:txPr/>
+    <dgm:style>
+      <a:lnRef idx="2">
+        <a:scrgbClr r="0" g="0" b="0"/>
+      </a:lnRef>
+      <a:fillRef idx="1">
+        <a:scrgbClr r="0" g="0" b="0"/>
+      </a:fillRef>
+      <a:effectRef idx="0">
+        <a:scrgbClr r="0" g="0" b="0"/>
+      </a:effectRef>
+      <a:fontRef idx="minor"/>
+    </dgm:style>
+  </dgm:styleLbl>
+  <dgm:styleLbl name="conFgAcc1">
+    <dgm:scene3d>
+      <a:camera prst="orthographicFront"/>
+      <a:lightRig rig="threePt" dir="t"/>
+    </dgm:scene3d>
+    <dgm:sp3d/>
+    <dgm:txPr/>
+    <dgm:style>
+      <a:lnRef idx="2">
+        <a:scrgbClr r="0" g="0" b="0"/>
+      </a:lnRef>
+      <a:fillRef idx="1">
+        <a:scrgbClr r="0" g="0" b="0"/>
+      </a:fillRef>
+      <a:effectRef idx="0">
+        <a:scrgbClr r="0" g="0" b="0"/>
+      </a:effectRef>
+      <a:fontRef idx="minor"/>
+    </dgm:style>
+  </dgm:styleLbl>
+  <dgm:styleLbl name="alignAcc1">
+    <dgm:scene3d>
+      <a:camera prst="orthographicFront"/>
+      <a:lightRig rig="threePt" dir="t"/>
+    </dgm:scene3d>
+    <dgm:sp3d/>
+    <dgm:txPr/>
+    <dgm:style>
+      <a:lnRef idx="2">
+        <a:scrgbClr r="0" g="0" b="0"/>
+      </a:lnRef>
+      <a:fillRef idx="1">
+        <a:scrgbClr r="0" g="0" b="0"/>
+      </a:fillRef>
+      <a:effectRef idx="0">
+        <a:scrgbClr r="0" g="0" b="0"/>
+      </a:effectRef>
+      <a:fontRef idx="minor"/>
+    </dgm:style>
+  </dgm:styleLbl>
+  <dgm:styleLbl name="trAlignAcc1">
+    <dgm:scene3d>
+      <a:camera prst="orthographicFront"/>
+      <a:lightRig rig="threePt" dir="t"/>
+    </dgm:scene3d>
+    <dgm:sp3d/>
+    <dgm:txPr/>
+    <dgm:style>
+      <a:lnRef idx="1">
+        <a:scrgbClr r="0" g="0" b="0"/>
+      </a:lnRef>
+      <a:fillRef idx="1">
+        <a:scrgbClr r="0" g="0" b="0"/>
+      </a:fillRef>
+      <a:effectRef idx="0">
+        <a:scrgbClr r="0" g="0" b="0"/>
+      </a:effectRef>
+      <a:fontRef idx="minor"/>
+    </dgm:style>
+  </dgm:styleLbl>
+  <dgm:styleLbl name="bgAcc1">
+    <dgm:scene3d>
+      <a:camera prst="orthographicFront"/>
+      <a:lightRig rig="threePt" dir="t"/>
+    </dgm:scene3d>
+    <dgm:sp3d/>
+    <dgm:txPr/>
+    <dgm:style>
+      <a:lnRef idx="2">
+        <a:scrgbClr r="0" g="0" b="0"/>
+      </a:lnRef>
+      <a:fillRef idx="1">
+        <a:scrgbClr r="0" g="0" b="0"/>
+      </a:fillRef>
+      <a:effectRef idx="0">
+        <a:scrgbClr r="0" g="0" b="0"/>
+      </a:effectRef>
+      <a:fontRef idx="minor"/>
+    </dgm:style>
+  </dgm:styleLbl>
+  <dgm:styleLbl name="solidFgAcc1">
+    <dgm:scene3d>
+      <a:camera prst="orthographicFront"/>
+      <a:lightRig rig="threePt" dir="t"/>
+    </dgm:scene3d>
+    <dgm:sp3d/>
+    <dgm:txPr/>
+    <dgm:style>
+      <a:lnRef idx="2">
+        <a:scrgbClr r="0" g="0" b="0"/>
+      </a:lnRef>
+      <a:fillRef idx="1">
+        <a:scrgbClr r="0" g="0" b="0"/>
+      </a:fillRef>
+      <a:effectRef idx="0">
+        <a:scrgbClr r="0" g="0" b="0"/>
+      </a:effectRef>
+      <a:fontRef idx="minor"/>
+    </dgm:style>
+  </dgm:styleLbl>
+  <dgm:styleLbl name="solidAlignAcc1">
+    <dgm:scene3d>
+      <a:camera prst="orthographicFront"/>
+      <a:lightRig rig="threePt" dir="t"/>
+    </dgm:scene3d>
+    <dgm:sp3d/>
+    <dgm:txPr/>
+    <dgm:style>
+      <a:lnRef idx="2">
+        <a:scrgbClr r="0" g="0" b="0"/>
+      </a:lnRef>
+      <a:fillRef idx="1">
+        <a:scrgbClr r="0" g="0" b="0"/>
+      </a:fillRef>
+      <a:effectRef idx="0">
+        <a:scrgbClr r="0" g="0" b="0"/>
+      </a:effectRef>
+      <a:fontRef idx="minor"/>
+    </dgm:style>
+  </dgm:styleLbl>
+  <dgm:styleLbl name="solidBgAcc1">
+    <dgm:scene3d>
+      <a:camera prst="orthographicFront"/>
+      <a:lightRig rig="threePt" dir="t"/>
+    </dgm:scene3d>
+    <dgm:sp3d/>
+    <dgm:txPr/>
+    <dgm:style>
+      <a:lnRef idx="2">
+        <a:scrgbClr r="0" g="0" b="0"/>
+      </a:lnRef>
+      <a:fillRef idx="1">
+        <a:scrgbClr r="0" g="0" b="0"/>
+      </a:fillRef>
+      <a:effectRef idx="0">
+        <a:scrgbClr r="0" g="0" b="0"/>
+      </a:effectRef>
+      <a:fontRef idx="minor"/>
+    </dgm:style>
+  </dgm:styleLbl>
+  <dgm:styleLbl name="fgAccFollowNode1">
+    <dgm:scene3d>
+      <a:camera prst="orthographicFront"/>
+      <a:lightRig rig="threePt" dir="t"/>
+    </dgm:scene3d>
+    <dgm:sp3d/>
+    <dgm:txPr/>
+    <dgm:style>
+      <a:lnRef idx="2">
+        <a:scrgbClr r="0" g="0" b="0"/>
+      </a:lnRef>
+      <a:fillRef idx="1">
+        <a:scrgbClr r="0" g="0" b="0"/>
+      </a:fillRef>
+      <a:effectRef idx="0">
+        <a:scrgbClr r="0" g="0" b="0"/>
+      </a:effectRef>
+      <a:fontRef idx="minor"/>
+    </dgm:style>
+  </dgm:styleLbl>
+  <dgm:styleLbl name="alignAccFollowNode1">
+    <dgm:scene3d>
+      <a:camera prst="orthographicFront"/>
+      <a:lightRig rig="threePt" dir="t"/>
+    </dgm:scene3d>
+    <dgm:sp3d/>
+    <dgm:txPr/>
+    <dgm:style>
+      <a:lnRef idx="2">
+        <a:scrgbClr r="0" g="0" b="0"/>
+      </a:lnRef>
+      <a:fillRef idx="1">
+        <a:scrgbClr r="0" g="0" b="0"/>
+      </a:fillRef>
+      <a:effectRef idx="0">
+        <a:scrgbClr r="0" g="0" b="0"/>
+      </a:effectRef>
+      <a:fontRef idx="minor"/>
+    </dgm:style>
+  </dgm:styleLbl>
+  <dgm:styleLbl name="bgAccFollowNode1">
+    <dgm:scene3d>
+      <a:camera prst="orthographicFront"/>
+      <a:lightRig rig="threePt" dir="t"/>
+    </dgm:scene3d>
+    <dgm:sp3d/>
+    <dgm:txPr/>
+    <dgm:style>
+      <a:lnRef idx="2">
+        <a:scrgbClr r="0" g="0" b="0"/>
+      </a:lnRef>
+      <a:fillRef idx="1">
+        <a:scrgbClr r="0" g="0" b="0"/>
+      </a:fillRef>
+      <a:effectRef idx="0">
+        <a:scrgbClr r="0" g="0" b="0"/>
+      </a:effectRef>
+      <a:fontRef idx="minor"/>
+    </dgm:style>
+  </dgm:styleLbl>
+  <dgm:styleLbl name="fgAcc0">
+    <dgm:scene3d>
+      <a:camera prst="orthographicFront"/>
+      <a:lightRig rig="threePt" dir="t"/>
+    </dgm:scene3d>
+    <dgm:sp3d/>
+    <dgm:txPr/>
+    <dgm:style>
+      <a:lnRef idx="2">
+        <a:scrgbClr r="0" g="0" b="0"/>
+      </a:lnRef>
+      <a:fillRef idx="1">
+        <a:scrgbClr r="0" g="0" b="0"/>
+      </a:fillRef>
+      <a:effectRef idx="0">
+        <a:scrgbClr r="0" g="0" b="0"/>
+      </a:effectRef>
+      <a:fontRef idx="minor"/>
+    </dgm:style>
+  </dgm:styleLbl>
+  <dgm:styleLbl name="fgAcc2">
+    <dgm:scene3d>
+      <a:camera prst="orthographicFront"/>
+      <a:lightRig rig="threePt" dir="t"/>
+    </dgm:scene3d>
+    <dgm:sp3d/>
+    <dgm:txPr/>
+    <dgm:style>
+      <a:lnRef idx="2">
+        <a:scrgbClr r="0" g="0" b="0"/>
+      </a:lnRef>
+      <a:fillRef idx="1">
+        <a:scrgbClr r="0" g="0" b="0"/>
+      </a:fillRef>
+      <a:effectRef idx="0">
+        <a:scrgbClr r="0" g="0" b="0"/>
+      </a:effectRef>
+      <a:fontRef idx="minor"/>
+    </dgm:style>
+  </dgm:styleLbl>
+  <dgm:styleLbl name="fgAcc3">
+    <dgm:scene3d>
+      <a:camera prst="orthographicFront"/>
+      <a:lightRig rig="threePt" dir="t"/>
+    </dgm:scene3d>
+    <dgm:sp3d/>
+    <dgm:txPr/>
+    <dgm:style>
+      <a:lnRef idx="2">
+        <a:scrgbClr r="0" g="0" b="0"/>
+      </a:lnRef>
+      <a:fillRef idx="1">
+        <a:scrgbClr r="0" g="0" b="0"/>
+      </a:fillRef>
+      <a:effectRef idx="0">
+        <a:scrgbClr r="0" g="0" b="0"/>
+      </a:effectRef>
+      <a:fontRef idx="minor"/>
+    </dgm:style>
+  </dgm:styleLbl>
+  <dgm:styleLbl name="fgAcc4">
+    <dgm:scene3d>
+      <a:camera prst="orthographicFront"/>
+      <a:lightRig rig="threePt" dir="t"/>
+    </dgm:scene3d>
+    <dgm:sp3d/>
+    <dgm:txPr/>
+    <dgm:style>
+      <a:lnRef idx="2">
+        <a:scrgbClr r="0" g="0" b="0"/>
+      </a:lnRef>
+      <a:fillRef idx="1">
+        <a:scrgbClr r="0" g="0" b="0"/>
+      </a:fillRef>
+      <a:effectRef idx="0">
+        <a:scrgbClr r="0" g="0" b="0"/>
+      </a:effectRef>
+      <a:fontRef idx="minor"/>
+    </dgm:style>
+  </dgm:styleLbl>
+  <dgm:styleLbl name="bgShp">
+    <dgm:scene3d>
+      <a:camera prst="orthographicFront"/>
+      <a:lightRig rig="threePt" dir="t"/>
+    </dgm:scene3d>
+    <dgm:sp3d/>
+    <dgm:txPr/>
+    <dgm:style>
+      <a:lnRef idx="0">
+        <a:scrgbClr r="0" g="0" b="0"/>
+      </a:lnRef>
+      <a:fillRef idx="1">
+        <a:scrgbClr r="0" g="0" b="0"/>
+      </a:fillRef>
+      <a:effectRef idx="0">
+        <a:scrgbClr r="0" g="0" b="0"/>
+      </a:effectRef>
+      <a:fontRef idx="minor"/>
+    </dgm:style>
+  </dgm:styleLbl>
+  <dgm:styleLbl name="dkBgShp">
+    <dgm:scene3d>
+      <a:camera prst="orthographicFront"/>
+      <a:lightRig rig="threePt" dir="t"/>
+    </dgm:scene3d>
+    <dgm:sp3d/>
+    <dgm:txPr/>
+    <dgm:style>
+      <a:lnRef idx="0">
+        <a:scrgbClr r="0" g="0" b="0"/>
+      </a:lnRef>
+      <a:fillRef idx="1">
+        <a:scrgbClr r="0" g="0" b="0"/>
+      </a:fillRef>
+      <a:effectRef idx="0">
+        <a:scrgbClr r="0" g="0" b="0"/>
+      </a:effectRef>
+      <a:fontRef idx="minor"/>
+    </dgm:style>
+  </dgm:styleLbl>
+  <dgm:styleLbl name="trBgShp">
+    <dgm:scene3d>
+      <a:camera prst="orthographicFront"/>
+      <a:lightRig rig="threePt" dir="t"/>
+    </dgm:scene3d>
+    <dgm:sp3d/>
+    <dgm:txPr/>
+    <dgm:style>
+      <a:lnRef idx="0">
+        <a:scrgbClr r="0" g="0" b="0"/>
+      </a:lnRef>
+      <a:fillRef idx="1">
+        <a:scrgbClr r="0" g="0" b="0"/>
+      </a:fillRef>
+      <a:effectRef idx="0">
+        <a:scrgbClr r="0" g="0" b="0"/>
+      </a:effectRef>
+      <a:fontRef idx="minor"/>
+    </dgm:style>
+  </dgm:styleLbl>
+  <dgm:styleLbl name="fgShp">
+    <dgm:scene3d>
+      <a:camera prst="orthographicFront"/>
+      <a:lightRig rig="threePt" dir="t"/>
+    </dgm:scene3d>
+    <dgm:sp3d/>
+    <dgm:txPr/>
+    <dgm:style>
+      <a:lnRef idx="2">
+        <a:scrgbClr r="0" g="0" b="0"/>
+      </a:lnRef>
+      <a:fillRef idx="1">
+        <a:scrgbClr r="0" g="0" b="0"/>
+      </a:fillRef>
+      <a:effectRef idx="0">
+        <a:scrgbClr r="0" g="0" b="0"/>
+      </a:effectRef>
+      <a:fontRef idx="minor"/>
+    </dgm:style>
+  </dgm:styleLbl>
+  <dgm:styleLbl name="revTx">
+    <dgm:scene3d>
+      <a:camera prst="orthographicFront"/>
+      <a:lightRig rig="threePt" dir="t"/>
+    </dgm:scene3d>
+    <dgm:sp3d/>
+    <dgm:txPr/>
+    <dgm:style>
+      <a:lnRef idx="0">
+        <a:scrgbClr r="0" g="0" b="0"/>
+      </a:lnRef>
+      <a:fillRef idx="0">
+        <a:scrgbClr r="0" g="0" b="0"/>
+      </a:fillRef>
+      <a:effectRef idx="0">
+        <a:scrgbClr r="0" g="0" b="0"/>
+      </a:effectRef>
+      <a:fontRef idx="minor"/>
+    </dgm:style>
+  </dgm:styleLbl>
+</dgm:styleDef>
 </file>
 
 <file path=ppt/slideLayouts/slideLayout1.xml><?xml version="1.0" encoding="utf-8"?>
@@ -3593,31 +6755,69 @@
           <a:chExt cx="0" cy="0"/>
         </a:xfrm>
       </p:grpSpPr>
-      <p:sp>
-        <p:nvSpPr>
-          <p:cNvPr id="2" name="Title 1">
+      <p:graphicFrame>
+        <p:nvGraphicFramePr>
+          <p:cNvPr id="3" name="Object 2">
             <a:extLst>
               <a:ext uri="{FF2B5EF4-FFF2-40B4-BE49-F238E27FC236}">
-                <a16:creationId xmlns:a16="http://schemas.microsoft.com/office/drawing/2014/main" id="{D5726D84-5B27-7D6D-5886-F13C6C78EE2F}"/>
+                <a16:creationId xmlns:a16="http://schemas.microsoft.com/office/drawing/2014/main" id="{297DF9BE-7BE6-BB5E-84F6-166637F0B069}"/>
               </a:ext>
             </a:extLst>
           </p:cNvPr>
-          <p:cNvSpPr>
-            <a:spLocks noGrp="1"/>
-          </p:cNvSpPr>
+          <p:cNvGraphicFramePr>
+            <a:graphicFrameLocks noChangeAspect="1"/>
+          </p:cNvGraphicFramePr>
           <p:nvPr>
-            <p:ph type="title"/>
+            <p:extLst>
+              <p:ext uri="{D42A27DB-BD31-4B8C-83A1-F6EECF244321}">
+                <p14:modId xmlns:p14="http://schemas.microsoft.com/office/powerpoint/2010/main" val="330838674"/>
+              </p:ext>
+            </p:extLst>
           </p:nvPr>
-        </p:nvSpPr>
-        <p:spPr/>
-        <p:txBody>
-          <a:bodyPr/>
-          <a:lstStyle/>
-          <a:p>
-            <a:endParaRPr lang="en-US"/>
-          </a:p>
-        </p:txBody>
-      </p:sp>
+        </p:nvGraphicFramePr>
+        <p:xfrm>
+          <a:off x="2197100" y="1244600"/>
+          <a:ext cx="7987031" cy="4264588"/>
+        </p:xfrm>
+        <a:graphic>
+          <a:graphicData uri="http://schemas.openxmlformats.org/presentationml/2006/ole">
+            <mc:AlternateContent xmlns:mc="http://schemas.openxmlformats.org/markup-compatibility/2006">
+              <mc:Choice xmlns:v="urn:schemas-microsoft-com:vml" Requires="v">
+                <p:oleObj spid="_x0000_s18434" name="Document" r:id="rId3" imgW="5940848" imgH="3171460" progId="Word.Document.12">
+                  <p:embed/>
+                </p:oleObj>
+              </mc:Choice>
+              <mc:Fallback>
+                <p:oleObj name="Document" r:id="rId3" imgW="5940848" imgH="3171460" progId="Word.Document.12">
+                  <p:embed/>
+                  <p:pic>
+                    <p:nvPicPr>
+                      <p:cNvPr id="0" name=""/>
+                      <p:cNvPicPr/>
+                      <p:nvPr/>
+                    </p:nvPicPr>
+                    <p:blipFill>
+                      <a:blip r:embed="rId4"/>
+                      <a:stretch>
+                        <a:fillRect/>
+                      </a:stretch>
+                    </p:blipFill>
+                    <p:spPr>
+                      <a:xfrm>
+                        <a:off x="2197100" y="1244600"/>
+                        <a:ext cx="7987031" cy="4264588"/>
+                      </a:xfrm>
+                      <a:prstGeom prst="rect">
+                        <a:avLst/>
+                      </a:prstGeom>
+                    </p:spPr>
+                  </p:pic>
+                </p:oleObj>
+              </mc:Fallback>
+            </mc:AlternateContent>
+          </a:graphicData>
+        </a:graphic>
+      </p:graphicFrame>
     </p:spTree>
     <p:extLst>
       <p:ext uri="{BB962C8B-B14F-4D97-AF65-F5344CB8AC3E}">
@@ -3648,31 +6848,69 @@
           <a:chExt cx="0" cy="0"/>
         </a:xfrm>
       </p:grpSpPr>
-      <p:sp>
-        <p:nvSpPr>
-          <p:cNvPr id="2" name="Title 1">
+      <p:graphicFrame>
+        <p:nvGraphicFramePr>
+          <p:cNvPr id="5" name="Object 4">
             <a:extLst>
               <a:ext uri="{FF2B5EF4-FFF2-40B4-BE49-F238E27FC236}">
-                <a16:creationId xmlns:a16="http://schemas.microsoft.com/office/drawing/2014/main" id="{B31C590D-27C3-E9DC-A7D0-5CC7CC934B1E}"/>
+                <a16:creationId xmlns:a16="http://schemas.microsoft.com/office/drawing/2014/main" id="{61D8CFAC-374C-ED48-848D-11357D43B42E}"/>
               </a:ext>
             </a:extLst>
           </p:cNvPr>
-          <p:cNvSpPr>
-            <a:spLocks noGrp="1"/>
-          </p:cNvSpPr>
+          <p:cNvGraphicFramePr>
+            <a:graphicFrameLocks noChangeAspect="1"/>
+          </p:cNvGraphicFramePr>
           <p:nvPr>
-            <p:ph type="title"/>
+            <p:extLst>
+              <p:ext uri="{D42A27DB-BD31-4B8C-83A1-F6EECF244321}">
+                <p14:modId xmlns:p14="http://schemas.microsoft.com/office/powerpoint/2010/main" val="2608209062"/>
+              </p:ext>
+            </p:extLst>
           </p:nvPr>
-        </p:nvSpPr>
-        <p:spPr/>
-        <p:txBody>
-          <a:bodyPr/>
-          <a:lstStyle/>
-          <a:p>
-            <a:endParaRPr lang="en-US"/>
-          </a:p>
-        </p:txBody>
-      </p:sp>
+        </p:nvGraphicFramePr>
+        <p:xfrm>
+          <a:off x="2995127" y="114720"/>
+          <a:ext cx="5999583" cy="6410950"/>
+        </p:xfrm>
+        <a:graphic>
+          <a:graphicData uri="http://schemas.openxmlformats.org/presentationml/2006/ole">
+            <mc:AlternateContent xmlns:mc="http://schemas.openxmlformats.org/markup-compatibility/2006">
+              <mc:Choice xmlns:v="urn:schemas-microsoft-com:vml" Requires="v">
+                <p:oleObj spid="_x0000_s17414" name="Document" r:id="rId3" imgW="7311813" imgH="7813827" progId="Word.Document.12">
+                  <p:embed/>
+                </p:oleObj>
+              </mc:Choice>
+              <mc:Fallback>
+                <p:oleObj name="Document" r:id="rId3" imgW="7311813" imgH="7813827" progId="Word.Document.12">
+                  <p:embed/>
+                  <p:pic>
+                    <p:nvPicPr>
+                      <p:cNvPr id="0" name=""/>
+                      <p:cNvPicPr/>
+                      <p:nvPr/>
+                    </p:nvPicPr>
+                    <p:blipFill>
+                      <a:blip r:embed="rId4"/>
+                      <a:stretch>
+                        <a:fillRect/>
+                      </a:stretch>
+                    </p:blipFill>
+                    <p:spPr>
+                      <a:xfrm>
+                        <a:off x="2995127" y="114720"/>
+                        <a:ext cx="5999583" cy="6410950"/>
+                      </a:xfrm>
+                      <a:prstGeom prst="rect">
+                        <a:avLst/>
+                      </a:prstGeom>
+                    </p:spPr>
+                  </p:pic>
+                </p:oleObj>
+              </mc:Fallback>
+            </mc:AlternateContent>
+          </a:graphicData>
+        </a:graphic>
+      </p:graphicFrame>
     </p:spTree>
     <p:extLst>
       <p:ext uri="{BB962C8B-B14F-4D97-AF65-F5344CB8AC3E}">
@@ -4359,7 +7597,7 @@
           <a:lstStyle/>
           <a:p>
             <a:r>
-              <a:rPr lang="en-US">
+              <a:rPr lang="en-US" dirty="0">
                 <a:solidFill>
                   <a:srgbClr val="FFFFFF"/>
                 </a:solidFill>
@@ -4664,201 +7902,32 @@
           </a:p>
         </p:txBody>
       </p:sp>
-      <p:sp>
-        <p:nvSpPr>
-          <p:cNvPr id="3" name="Content Placeholder 2">
+      <p:graphicFrame>
+        <p:nvGraphicFramePr>
+          <p:cNvPr id="19" name="Content Placeholder 2">
             <a:extLst>
               <a:ext uri="{FF2B5EF4-FFF2-40B4-BE49-F238E27FC236}">
-                <a16:creationId xmlns:a16="http://schemas.microsoft.com/office/drawing/2014/main" id="{C60084A7-446D-7B23-2B2D-4981A483D5D0}"/>
+                <a16:creationId xmlns:a16="http://schemas.microsoft.com/office/drawing/2014/main" id="{88126F4C-84D3-BFDB-7089-5E9E2CDC0DFE}"/>
               </a:ext>
             </a:extLst>
           </p:cNvPr>
-          <p:cNvSpPr>
-            <a:spLocks noGrp="1"/>
-          </p:cNvSpPr>
+          <p:cNvGraphicFramePr>
+            <a:graphicFrameLocks noGrp="1"/>
+          </p:cNvGraphicFramePr>
           <p:nvPr>
             <p:ph idx="1"/>
           </p:nvPr>
-        </p:nvSpPr>
-        <p:spPr>
-          <a:xfrm>
-            <a:off x="6570206" y="1111753"/>
-            <a:ext cx="5057396" cy="4628275"/>
-          </a:xfrm>
-        </p:spPr>
-        <p:txBody>
-          <a:bodyPr anchor="ctr">
-            <a:normAutofit/>
-          </a:bodyPr>
-          <a:lstStyle/>
-          <a:p>
-            <a:pPr marL="457200" indent="-457200">
-              <a:buFont typeface="+mj-lt"/>
-              <a:buAutoNum type="arabicPeriod"/>
-            </a:pPr>
-            <a:r>
-              <a:rPr lang="en-US" dirty="0">
-                <a:solidFill>
-                  <a:schemeClr val="tx1">
-                    <a:lumMod val="85000"/>
-                    <a:lumOff val="15000"/>
-                  </a:schemeClr>
-                </a:solidFill>
-              </a:rPr>
-              <a:t>Resume</a:t>
-            </a:r>
-          </a:p>
-          <a:p>
-            <a:pPr marL="457200" indent="-457200">
-              <a:buFont typeface="+mj-lt"/>
-              <a:buAutoNum type="arabicPeriod"/>
-            </a:pPr>
-            <a:r>
-              <a:rPr lang="en-US" dirty="0">
-                <a:solidFill>
-                  <a:schemeClr val="tx1">
-                    <a:lumMod val="85000"/>
-                    <a:lumOff val="15000"/>
-                  </a:schemeClr>
-                </a:solidFill>
-              </a:rPr>
-              <a:t>Cover Letter</a:t>
-            </a:r>
-          </a:p>
-          <a:p>
-            <a:pPr marL="457200" indent="-457200">
-              <a:buFont typeface="+mj-lt"/>
-              <a:buAutoNum type="arabicPeriod"/>
-            </a:pPr>
-            <a:r>
-              <a:rPr lang="en-US" dirty="0">
-                <a:solidFill>
-                  <a:schemeClr val="tx1">
-                    <a:lumMod val="85000"/>
-                    <a:lumOff val="15000"/>
-                  </a:schemeClr>
-                </a:solidFill>
-              </a:rPr>
-              <a:t>Academic Plan</a:t>
-            </a:r>
-          </a:p>
-          <a:p>
-            <a:pPr marL="457200" indent="-457200">
-              <a:buFont typeface="+mj-lt"/>
-              <a:buAutoNum type="arabicPeriod"/>
-            </a:pPr>
-            <a:r>
-              <a:rPr lang="en-US" dirty="0">
-                <a:solidFill>
-                  <a:schemeClr val="tx1">
-                    <a:lumMod val="85000"/>
-                    <a:lumOff val="15000"/>
-                  </a:schemeClr>
-                </a:solidFill>
-              </a:rPr>
-              <a:t>Statement of Professional Goals</a:t>
-            </a:r>
-          </a:p>
-          <a:p>
-            <a:pPr marL="457200" indent="-457200">
-              <a:buFont typeface="+mj-lt"/>
-              <a:buAutoNum type="arabicPeriod"/>
-            </a:pPr>
-            <a:r>
-              <a:rPr lang="en-US" dirty="0">
-                <a:solidFill>
-                  <a:schemeClr val="tx1">
-                    <a:lumMod val="85000"/>
-                    <a:lumOff val="15000"/>
-                  </a:schemeClr>
-                </a:solidFill>
-              </a:rPr>
-              <a:t>Personal Mission Statement</a:t>
-            </a:r>
-          </a:p>
-          <a:p>
-            <a:pPr marL="457200" indent="-457200">
-              <a:buFont typeface="+mj-lt"/>
-              <a:buAutoNum type="arabicPeriod"/>
-            </a:pPr>
-            <a:r>
-              <a:rPr lang="en-US" dirty="0">
-                <a:solidFill>
-                  <a:schemeClr val="tx1">
-                    <a:lumMod val="85000"/>
-                    <a:lumOff val="15000"/>
-                  </a:schemeClr>
-                </a:solidFill>
-              </a:rPr>
-              <a:t>Letters of Recommendation</a:t>
-            </a:r>
-          </a:p>
-          <a:p>
-            <a:pPr marL="457200" indent="-457200">
-              <a:buFont typeface="+mj-lt"/>
-              <a:buAutoNum type="arabicPeriod"/>
-            </a:pPr>
-            <a:r>
-              <a:rPr lang="en-US" dirty="0">
-                <a:solidFill>
-                  <a:schemeClr val="tx1">
-                    <a:lumMod val="85000"/>
-                    <a:lumOff val="15000"/>
-                  </a:schemeClr>
-                </a:solidFill>
-              </a:rPr>
-              <a:t>References</a:t>
-            </a:r>
-          </a:p>
-          <a:p>
-            <a:pPr marL="457200" indent="-457200">
-              <a:buFont typeface="+mj-lt"/>
-              <a:buAutoNum type="arabicPeriod"/>
-            </a:pPr>
-            <a:r>
-              <a:rPr lang="en-US" dirty="0">
-                <a:solidFill>
-                  <a:schemeClr val="tx1">
-                    <a:lumMod val="85000"/>
-                    <a:lumOff val="15000"/>
-                  </a:schemeClr>
-                </a:solidFill>
-              </a:rPr>
-              <a:t>Leadership Experience</a:t>
-            </a:r>
-          </a:p>
-          <a:p>
-            <a:pPr marL="457200" indent="-457200">
-              <a:buFont typeface="+mj-lt"/>
-              <a:buAutoNum type="arabicPeriod"/>
-            </a:pPr>
-            <a:r>
-              <a:rPr lang="en-US" dirty="0">
-                <a:solidFill>
-                  <a:schemeClr val="tx1">
-                    <a:lumMod val="85000"/>
-                    <a:lumOff val="15000"/>
-                  </a:schemeClr>
-                </a:solidFill>
-              </a:rPr>
-              <a:t>Community Involvement</a:t>
-            </a:r>
-          </a:p>
-          <a:p>
-            <a:pPr marL="0" indent="0">
-              <a:buNone/>
-            </a:pPr>
-            <a:endParaRPr lang="en-US" dirty="0">
-              <a:solidFill>
-                <a:schemeClr val="tx1">
-                  <a:lumMod val="85000"/>
-                  <a:lumOff val="15000"/>
-                </a:schemeClr>
-              </a:solidFill>
-            </a:endParaRPr>
-          </a:p>
-        </p:txBody>
-      </p:sp>
+        </p:nvGraphicFramePr>
+        <p:xfrm>
+          <a:off x="6570206" y="1111753"/>
+          <a:ext cx="5057396" cy="4628275"/>
+        </p:xfrm>
+        <a:graphic>
+          <a:graphicData uri="http://schemas.openxmlformats.org/drawingml/2006/diagram">
+            <dgm:relIds xmlns:dgm="http://schemas.openxmlformats.org/drawingml/2006/diagram" xmlns:r="http://schemas.openxmlformats.org/officeDocument/2006/relationships" r:dm="rId2" r:lo="rId3" r:qs="rId4" r:cs="rId5"/>
+          </a:graphicData>
+        </a:graphic>
+      </p:graphicFrame>
     </p:spTree>
     <p:extLst>
       <p:ext uri="{BB962C8B-B14F-4D97-AF65-F5344CB8AC3E}">
@@ -5223,7 +8292,7 @@
           <a:graphicData uri="http://schemas.openxmlformats.org/presentationml/2006/ole">
             <mc:AlternateContent xmlns:mc="http://schemas.openxmlformats.org/markup-compatibility/2006">
               <mc:Choice xmlns:v="urn:schemas-microsoft-com:vml" Requires="v">
-                <p:oleObj spid="_x0000_s1028" name="Document" r:id="rId4" imgW="6729243" imgH="8157038" progId="Word.Document.12">
+                <p:oleObj spid="_x0000_s13318" name="Document" r:id="rId4" imgW="6729243" imgH="8157038" progId="Word.Document.12">
                   <p:embed/>
                 </p:oleObj>
               </mc:Choice>
@@ -5232,7 +8301,13 @@
                   <p:embed/>
                   <p:pic>
                     <p:nvPicPr>
-                      <p:cNvPr id="0" name=""/>
+                      <p:cNvPr id="5" name="Object 4">
+                        <a:extLst>
+                          <a:ext uri="{FF2B5EF4-FFF2-40B4-BE49-F238E27FC236}">
+                            <a16:creationId xmlns:a16="http://schemas.microsoft.com/office/drawing/2014/main" id="{902E9629-0830-82DB-E772-6F64E85C8EE2}"/>
+                          </a:ext>
+                        </a:extLst>
+                      </p:cNvPr>
                       <p:cNvPicPr/>
                       <p:nvPr/>
                     </p:nvPicPr>
@@ -5490,7 +8565,7 @@
           <a:lstStyle/>
           <a:p>
             <a:r>
-              <a:rPr lang="en-US" sz="5400">
+              <a:rPr lang="en-US" sz="5400" dirty="0">
                 <a:solidFill>
                   <a:srgbClr val="FFFFFF"/>
                 </a:solidFill>
@@ -5552,35 +8627,72 @@
           </a:fontRef>
         </p:style>
       </p:cxnSp>
-      <p:pic>
-        <p:nvPicPr>
-          <p:cNvPr id="26" name="Picture 25" descr="Black envelope">
+      <p:graphicFrame>
+        <p:nvGraphicFramePr>
+          <p:cNvPr id="2" name="Object 1">
             <a:extLst>
               <a:ext uri="{FF2B5EF4-FFF2-40B4-BE49-F238E27FC236}">
-                <a16:creationId xmlns:a16="http://schemas.microsoft.com/office/drawing/2014/main" id="{D1198ED9-3113-F517-BA9D-DF8BF0F81CBC}"/>
+                <a16:creationId xmlns:a16="http://schemas.microsoft.com/office/drawing/2014/main" id="{685B33E2-ADC7-DF6B-692C-A63CFE6F6E4B}"/>
               </a:ext>
             </a:extLst>
           </p:cNvPr>
-          <p:cNvPicPr>
-            <a:picLocks noChangeAspect="1"/>
-          </p:cNvPicPr>
-          <p:nvPr/>
-        </p:nvPicPr>
-        <p:blipFill rotWithShape="1">
-          <a:blip r:embed="rId2"/>
-          <a:srcRect l="20929" r="5518" b="-1"/>
-          <a:stretch/>
-        </p:blipFill>
-        <p:spPr>
-          <a:xfrm>
-            <a:off x="4635095" y="10"/>
-            <a:ext cx="7556889" cy="6857990"/>
-          </a:xfrm>
-          <a:prstGeom prst="rect">
-            <a:avLst/>
-          </a:prstGeom>
-        </p:spPr>
-      </p:pic>
+          <p:cNvGraphicFramePr>
+            <a:graphicFrameLocks noChangeAspect="1"/>
+          </p:cNvGraphicFramePr>
+          <p:nvPr>
+            <p:extLst>
+              <p:ext uri="{D42A27DB-BD31-4B8C-83A1-F6EECF244321}">
+                <p14:modId xmlns:p14="http://schemas.microsoft.com/office/powerpoint/2010/main" val="2875717314"/>
+              </p:ext>
+            </p:extLst>
+          </p:nvPr>
+        </p:nvGraphicFramePr>
+        <p:xfrm>
+          <a:off x="5570376" y="317241"/>
+          <a:ext cx="5019965" cy="5896946"/>
+        </p:xfrm>
+        <a:graphic>
+          <a:graphicData uri="http://schemas.openxmlformats.org/presentationml/2006/ole">
+            <mc:AlternateContent xmlns:mc="http://schemas.openxmlformats.org/markup-compatibility/2006">
+              <mc:Choice xmlns:v="urn:schemas-microsoft-com:vml" Requires="v">
+                <p:oleObj spid="_x0000_s14342" name="Document" r:id="rId3" imgW="6329468" imgH="6937412" progId="Word.Document.12">
+                  <p:embed/>
+                </p:oleObj>
+              </mc:Choice>
+              <mc:Fallback>
+                <p:oleObj name="Document" r:id="rId3" imgW="6329468" imgH="6937412" progId="Word.Document.12">
+                  <p:embed/>
+                  <p:pic>
+                    <p:nvPicPr>
+                      <p:cNvPr id="0" name=""/>
+                      <p:cNvPicPr/>
+                      <p:nvPr/>
+                    </p:nvPicPr>
+                    <p:blipFill>
+                      <a:blip r:embed="rId4"/>
+                      <a:stretch>
+                        <a:fillRect/>
+                      </a:stretch>
+                    </p:blipFill>
+                    <p:spPr>
+                      <a:xfrm>
+                        <a:off x="5570376" y="317241"/>
+                        <a:ext cx="5019965" cy="5896946"/>
+                      </a:xfrm>
+                      <a:prstGeom prst="rect">
+                        <a:avLst/>
+                      </a:prstGeom>
+                      <a:solidFill>
+                        <a:schemeClr val="tx1"/>
+                      </a:solidFill>
+                    </p:spPr>
+                  </p:pic>
+                </p:oleObj>
+              </mc:Fallback>
+            </mc:AlternateContent>
+          </a:graphicData>
+        </a:graphic>
+      </p:graphicFrame>
     </p:spTree>
     <p:extLst>
       <p:ext uri="{BB962C8B-B14F-4D97-AF65-F5344CB8AC3E}">
@@ -5597,6 +8709,14 @@
 <file path=ppt/slides/slide5.xml><?xml version="1.0" encoding="utf-8"?>
 <p:sld xmlns:a="http://schemas.openxmlformats.org/drawingml/2006/main" xmlns:r="http://schemas.openxmlformats.org/officeDocument/2006/relationships" xmlns:p="http://schemas.openxmlformats.org/presentationml/2006/main">
   <p:cSld>
+    <p:bg>
+      <p:bgPr>
+        <a:solidFill>
+          <a:schemeClr val="bg1"/>
+        </a:solidFill>
+        <a:effectLst/>
+      </p:bgPr>
+    </p:bg>
     <p:spTree>
       <p:nvGrpSpPr>
         <p:cNvPr id="1" name=""/>
@@ -5611,6 +8731,121 @@
           <a:chExt cx="0" cy="0"/>
         </a:xfrm>
       </p:grpSpPr>
+      <p:sp useBgFill="1">
+        <p:nvSpPr>
+          <p:cNvPr id="22" name="Rectangle 21">
+            <a:extLst>
+              <a:ext uri="{FF2B5EF4-FFF2-40B4-BE49-F238E27FC236}">
+                <a16:creationId xmlns:a16="http://schemas.microsoft.com/office/drawing/2014/main" id="{3741B58E-3B65-4A01-A276-975AB2CF8A08}"/>
+              </a:ext>
+              <a:ext uri="{C183D7F6-B498-43B3-948B-1728B52AA6E4}">
+                <adec:decorative xmlns:adec="http://schemas.microsoft.com/office/drawing/2017/decorative" val="1"/>
+              </a:ext>
+            </a:extLst>
+          </p:cNvPr>
+          <p:cNvSpPr>
+            <a:spLocks noGrp="1" noRot="1" noChangeAspect="1" noMove="1" noResize="1" noEditPoints="1" noAdjustHandles="1" noChangeArrowheads="1" noChangeShapeType="1" noTextEdit="1"/>
+          </p:cNvSpPr>
+          <p:nvPr>
+            <p:extLst>
+              <p:ext uri="{386F3935-93C4-4BCD-93E2-E3B085C9AB24}">
+                <p16:designElem xmlns:p16="http://schemas.microsoft.com/office/powerpoint/2015/main" val="1"/>
+              </p:ext>
+            </p:extLst>
+          </p:nvPr>
+        </p:nvSpPr>
+        <p:spPr>
+          <a:xfrm>
+            <a:off x="0" y="0"/>
+            <a:ext cx="12186315" cy="6858000"/>
+          </a:xfrm>
+          <a:prstGeom prst="rect">
+            <a:avLst/>
+          </a:prstGeom>
+          <a:ln>
+            <a:noFill/>
+          </a:ln>
+        </p:spPr>
+        <p:style>
+          <a:lnRef idx="2">
+            <a:schemeClr val="accent6">
+              <a:shade val="50000"/>
+            </a:schemeClr>
+          </a:lnRef>
+          <a:fillRef idx="1001">
+            <a:schemeClr val="lt1"/>
+          </a:fillRef>
+          <a:effectRef idx="0">
+            <a:schemeClr val="accent6"/>
+          </a:effectRef>
+          <a:fontRef idx="minor">
+            <a:schemeClr val="lt1"/>
+          </a:fontRef>
+        </p:style>
+        <p:txBody>
+          <a:bodyPr rtlCol="0" anchor="ctr"/>
+          <a:lstStyle/>
+          <a:p>
+            <a:pPr algn="ctr"/>
+            <a:endParaRPr lang="en-US"/>
+          </a:p>
+        </p:txBody>
+      </p:sp>
+      <p:sp>
+        <p:nvSpPr>
+          <p:cNvPr id="24" name="Rectangle 23">
+            <a:extLst>
+              <a:ext uri="{FF2B5EF4-FFF2-40B4-BE49-F238E27FC236}">
+                <a16:creationId xmlns:a16="http://schemas.microsoft.com/office/drawing/2014/main" id="{7AAC67C3-831B-4AB1-A259-DFB839CAFAFC}"/>
+              </a:ext>
+              <a:ext uri="{C183D7F6-B498-43B3-948B-1728B52AA6E4}">
+                <adec:decorative xmlns:adec="http://schemas.microsoft.com/office/drawing/2017/decorative" val="1"/>
+              </a:ext>
+            </a:extLst>
+          </p:cNvPr>
+          <p:cNvSpPr>
+            <a:spLocks noGrp="1" noRot="1" noChangeAspect="1" noMove="1" noResize="1" noEditPoints="1" noAdjustHandles="1" noChangeArrowheads="1" noChangeShapeType="1" noTextEdit="1"/>
+          </p:cNvSpPr>
+          <p:nvPr>
+            <p:extLst>
+              <p:ext uri="{386F3935-93C4-4BCD-93E2-E3B085C9AB24}">
+                <p16:designElem xmlns:p16="http://schemas.microsoft.com/office/powerpoint/2015/main" val="1"/>
+              </p:ext>
+            </p:extLst>
+          </p:nvPr>
+        </p:nvSpPr>
+        <p:spPr>
+          <a:xfrm>
+            <a:off x="16" y="-1"/>
+            <a:ext cx="4648593" cy="6857999"/>
+          </a:xfrm>
+          <a:prstGeom prst="rect">
+            <a:avLst/>
+          </a:prstGeom>
+          <a:solidFill>
+            <a:schemeClr val="accent1"/>
+          </a:solidFill>
+          <a:ln>
+            <a:noFill/>
+          </a:ln>
+        </p:spPr>
+        <p:style>
+          <a:lnRef idx="2">
+            <a:schemeClr val="accent1">
+              <a:shade val="50000"/>
+            </a:schemeClr>
+          </a:lnRef>
+          <a:fillRef idx="1">
+            <a:schemeClr val="accent1"/>
+          </a:fillRef>
+          <a:effectRef idx="0">
+            <a:schemeClr val="accent1"/>
+          </a:effectRef>
+          <a:fontRef idx="minor">
+            <a:schemeClr val="lt1"/>
+          </a:fontRef>
+        </p:style>
+      </p:sp>
       <p:sp>
         <p:nvSpPr>
           <p:cNvPr id="15" name="Title 14">
@@ -5627,13 +8862,25 @@
             <p:ph type="title"/>
           </p:nvPr>
         </p:nvSpPr>
-        <p:spPr/>
+        <p:spPr>
+          <a:xfrm>
+            <a:off x="492369" y="605896"/>
+            <a:ext cx="3642309" cy="5646208"/>
+          </a:xfrm>
+        </p:spPr>
         <p:txBody>
-          <a:bodyPr/>
+          <a:bodyPr anchor="ctr">
+            <a:normAutofit/>
+          </a:bodyPr>
           <a:lstStyle/>
           <a:p>
+            <a:pPr algn="ctr"/>
             <a:r>
-              <a:rPr lang="en-US" dirty="0"/>
+              <a:rPr lang="en-US" sz="4400" dirty="0">
+                <a:solidFill>
+                  <a:srgbClr val="FFFFFF"/>
+                </a:solidFill>
+              </a:rPr>
               <a:t>Academic Plan</a:t>
             </a:r>
           </a:p>
@@ -5641,10 +8888,10 @@
       </p:sp>
       <p:sp>
         <p:nvSpPr>
-          <p:cNvPr id="16" name="Content Placeholder 15">
+          <p:cNvPr id="17" name="Text Placeholder 16">
             <a:extLst>
               <a:ext uri="{FF2B5EF4-FFF2-40B4-BE49-F238E27FC236}">
-                <a16:creationId xmlns:a16="http://schemas.microsoft.com/office/drawing/2014/main" id="{8EA648AA-E2CB-57E9-A894-C9C5F8934486}"/>
+                <a16:creationId xmlns:a16="http://schemas.microsoft.com/office/drawing/2014/main" id="{817D57DE-BC4D-43BE-36DA-D8B912927208}"/>
               </a:ext>
             </a:extLst>
           </p:cNvPr>
@@ -5655,42 +8902,249 @@
             <p:ph idx="1"/>
           </p:nvPr>
         </p:nvSpPr>
-        <p:spPr/>
+        <p:spPr>
+          <a:xfrm>
+            <a:off x="5259950" y="605896"/>
+            <a:ext cx="5923721" cy="5646208"/>
+          </a:xfrm>
+        </p:spPr>
         <p:txBody>
-          <a:bodyPr/>
+          <a:bodyPr numCol="2" anchor="ctr">
+            <a:normAutofit fontScale="92500" lnSpcReduction="20000"/>
+          </a:bodyPr>
           <a:lstStyle/>
           <a:p>
-            <a:endParaRPr lang="en-US"/>
+            <a:pPr marL="0" indent="0" algn="ctr">
+              <a:buNone/>
+            </a:pPr>
+            <a:r>
+              <a:rPr lang="en-US" sz="2400" u="sng" dirty="0"/>
+              <a:t>Spring 2022</a:t>
+            </a:r>
+          </a:p>
+          <a:p>
+            <a:pPr lvl="1" algn="ctr"/>
+            <a:r>
+              <a:rPr lang="en-US" sz="1100" dirty="0"/>
+              <a:t>CTEC-101</a:t>
+            </a:r>
+          </a:p>
+          <a:p>
+            <a:pPr lvl="1" algn="ctr"/>
+            <a:r>
+              <a:rPr lang="en-US" sz="1100" dirty="0"/>
+              <a:t>CTEC-102</a:t>
+            </a:r>
+          </a:p>
+          <a:p>
+            <a:pPr lvl="1" algn="ctr"/>
+            <a:r>
+              <a:rPr lang="en-US" sz="1100" dirty="0"/>
+              <a:t>CTEC-104</a:t>
+            </a:r>
+          </a:p>
+          <a:p>
+            <a:pPr lvl="1" algn="ctr"/>
+            <a:r>
+              <a:rPr lang="en-US" sz="1100" dirty="0"/>
+              <a:t>CTEC-107</a:t>
+            </a:r>
+          </a:p>
+          <a:p>
+            <a:pPr marL="201168" lvl="1" indent="0" algn="ctr">
+              <a:buNone/>
+            </a:pPr>
+            <a:r>
+              <a:rPr lang="en-US" sz="2400" u="sng" dirty="0"/>
+              <a:t>Fall 2022</a:t>
+            </a:r>
+          </a:p>
+          <a:p>
+            <a:pPr lvl="1" algn="ctr"/>
+            <a:r>
+              <a:rPr lang="en-US" sz="1100" dirty="0"/>
+              <a:t>CTEC-112</a:t>
+            </a:r>
+          </a:p>
+          <a:p>
+            <a:pPr lvl="1" algn="ctr"/>
+            <a:r>
+              <a:rPr lang="en-US" sz="1100" dirty="0"/>
+              <a:t>CTEC-114</a:t>
+            </a:r>
+          </a:p>
+          <a:p>
+            <a:pPr lvl="1" algn="ctr"/>
+            <a:r>
+              <a:rPr lang="en-US" sz="1100" dirty="0"/>
+              <a:t>CTEC-155</a:t>
+            </a:r>
+          </a:p>
+          <a:p>
+            <a:pPr lvl="1" algn="ctr"/>
+            <a:r>
+              <a:rPr lang="en-US" sz="1100" dirty="0"/>
+              <a:t>MATH-102</a:t>
+            </a:r>
+          </a:p>
+          <a:p>
+            <a:pPr marL="0" indent="0" algn="ctr">
+              <a:buNone/>
+            </a:pPr>
+            <a:r>
+              <a:rPr lang="en-US" sz="2400" dirty="0"/>
+              <a:t>																					</a:t>
+            </a:r>
+          </a:p>
+          <a:p>
+            <a:pPr marL="0" indent="0" algn="ctr">
+              <a:buNone/>
+            </a:pPr>
+            <a:endParaRPr lang="en-US" sz="2400" u="sng" dirty="0"/>
+          </a:p>
+          <a:p>
+            <a:pPr marL="0" indent="0" algn="ctr">
+              <a:buNone/>
+            </a:pPr>
+            <a:endParaRPr lang="en-US" sz="2400" u="sng" dirty="0"/>
+          </a:p>
+          <a:p>
+            <a:pPr marL="0" indent="0" algn="ctr">
+              <a:buNone/>
+            </a:pPr>
+            <a:r>
+              <a:rPr lang="en-US" sz="2400" u="sng" dirty="0"/>
+              <a:t>Spring 2023</a:t>
+            </a:r>
+          </a:p>
+          <a:p>
+            <a:pPr lvl="1" algn="ctr"/>
+            <a:r>
+              <a:rPr lang="en-US" sz="1100" dirty="0"/>
+              <a:t>CTEC-172</a:t>
+            </a:r>
+          </a:p>
+          <a:p>
+            <a:pPr lvl="1" algn="ctr"/>
+            <a:r>
+              <a:rPr lang="en-US" sz="1100" dirty="0"/>
+              <a:t>CTEC-210</a:t>
+            </a:r>
+          </a:p>
+          <a:p>
+            <a:pPr lvl="1" algn="ctr"/>
+            <a:r>
+              <a:rPr lang="en-US" sz="1100" dirty="0"/>
+              <a:t>CTEC-279</a:t>
+            </a:r>
+          </a:p>
+          <a:p>
+            <a:pPr lvl="1" algn="ctr"/>
+            <a:r>
+              <a:rPr lang="en-US" sz="1100" dirty="0"/>
+              <a:t>CTEC-280</a:t>
+            </a:r>
+          </a:p>
+          <a:p>
+            <a:pPr algn="ctr"/>
+            <a:r>
+              <a:rPr lang="en-US" sz="2400" u="sng" dirty="0"/>
+              <a:t>Fall 2023</a:t>
+            </a:r>
+          </a:p>
+          <a:p>
+            <a:pPr lvl="1" algn="ctr"/>
+            <a:r>
+              <a:rPr lang="en-US" sz="1100" dirty="0"/>
+              <a:t>CTEC-170</a:t>
+            </a:r>
+          </a:p>
+          <a:p>
+            <a:pPr lvl="1" algn="ctr"/>
+            <a:r>
+              <a:rPr lang="en-US" sz="1100" dirty="0"/>
+              <a:t>CTEC-287</a:t>
+            </a:r>
+          </a:p>
+          <a:p>
+            <a:pPr lvl="1" algn="ctr"/>
+            <a:r>
+              <a:rPr lang="en-US" sz="1100" dirty="0"/>
+              <a:t>CTEC-Elective</a:t>
+            </a:r>
+          </a:p>
+          <a:p>
+            <a:pPr lvl="1" algn="ctr"/>
+            <a:r>
+              <a:rPr lang="en-US" sz="1100" dirty="0"/>
+              <a:t>CTEC-299</a:t>
+            </a:r>
+          </a:p>
+          <a:p>
+            <a:pPr marL="201168" lvl="1" indent="0" algn="ctr">
+              <a:buNone/>
+            </a:pPr>
+            <a:r>
+              <a:rPr lang="en-US" sz="2400" dirty="0"/>
+              <a:t>																															</a:t>
+            </a:r>
           </a:p>
         </p:txBody>
       </p:sp>
       <p:sp>
         <p:nvSpPr>
-          <p:cNvPr id="17" name="Text Placeholder 16">
+          <p:cNvPr id="26" name="Rectangle 25">
             <a:extLst>
               <a:ext uri="{FF2B5EF4-FFF2-40B4-BE49-F238E27FC236}">
-                <a16:creationId xmlns:a16="http://schemas.microsoft.com/office/drawing/2014/main" id="{817D57DE-BC4D-43BE-36DA-D8B912927208}"/>
+                <a16:creationId xmlns:a16="http://schemas.microsoft.com/office/drawing/2014/main" id="{FCAEED9E-BB91-43A0-911B-1ACD8803E3CE}"/>
+              </a:ext>
+              <a:ext uri="{C183D7F6-B498-43B3-948B-1728B52AA6E4}">
+                <adec:decorative xmlns:adec="http://schemas.microsoft.com/office/drawing/2017/decorative" val="1"/>
               </a:ext>
             </a:extLst>
           </p:cNvPr>
           <p:cNvSpPr>
-            <a:spLocks noGrp="1"/>
+            <a:spLocks noGrp="1" noRot="1" noChangeAspect="1" noMove="1" noResize="1" noEditPoints="1" noAdjustHandles="1" noChangeArrowheads="1" noChangeShapeType="1" noTextEdit="1"/>
           </p:cNvSpPr>
           <p:nvPr>
-            <p:ph type="body" sz="half" idx="2"/>
+            <p:extLst>
+              <p:ext uri="{386F3935-93C4-4BCD-93E2-E3B085C9AB24}">
+                <p16:designElem xmlns:p16="http://schemas.microsoft.com/office/powerpoint/2015/main" val="1"/>
+              </p:ext>
+            </p:extLst>
           </p:nvPr>
         </p:nvSpPr>
-        <p:spPr/>
-        <p:txBody>
-          <a:bodyPr/>
-          <a:lstStyle/>
-          <a:p>
-            <a:r>
-              <a:rPr lang="en-US" dirty="0"/>
-              <a:t>Fall 2022 – Fall 2023</a:t>
-            </a:r>
-          </a:p>
-        </p:txBody>
+        <p:spPr>
+          <a:xfrm>
+            <a:off x="0" y="6400800"/>
+            <a:ext cx="12192000" cy="457200"/>
+          </a:xfrm>
+          <a:prstGeom prst="rect">
+            <a:avLst/>
+          </a:prstGeom>
+          <a:solidFill>
+            <a:srgbClr val="262626"/>
+          </a:solidFill>
+          <a:ln>
+            <a:noFill/>
+          </a:ln>
+        </p:spPr>
+        <p:style>
+          <a:lnRef idx="2">
+            <a:schemeClr val="accent1">
+              <a:shade val="50000"/>
+            </a:schemeClr>
+          </a:lnRef>
+          <a:fillRef idx="1">
+            <a:schemeClr val="accent1"/>
+          </a:fillRef>
+          <a:effectRef idx="0">
+            <a:schemeClr val="accent1"/>
+          </a:effectRef>
+          <a:fontRef idx="minor">
+            <a:schemeClr val="lt1"/>
+          </a:fontRef>
+        </p:style>
       </p:sp>
     </p:spTree>
     <p:extLst>
@@ -5702,6 +9156,98 @@
   <p:clrMapOvr>
     <a:masterClrMapping/>
   </p:clrMapOvr>
+  <p:timing>
+    <p:tnLst>
+      <p:par>
+        <p:cTn id="1" dur="indefinite" restart="never" nodeType="tmRoot">
+          <p:childTnLst>
+            <p:seq concurrent="1" nextAc="seek">
+              <p:cTn id="2" dur="indefinite" nodeType="mainSeq">
+                <p:childTnLst>
+                  <p:par>
+                    <p:cTn id="3" fill="hold">
+                      <p:stCondLst>
+                        <p:cond delay="indefinite"/>
+                        <p:cond evt="onBegin" delay="0">
+                          <p:tn val="2"/>
+                        </p:cond>
+                      </p:stCondLst>
+                      <p:childTnLst>
+                        <p:par>
+                          <p:cTn id="4" fill="hold">
+                            <p:stCondLst>
+                              <p:cond delay="0"/>
+                            </p:stCondLst>
+                            <p:childTnLst>
+                              <p:par>
+                                <p:cTn id="5" presetID="10" presetClass="entr" presetSubtype="0" fill="hold" grpId="0" nodeType="withEffect">
+                                  <p:stCondLst>
+                                    <p:cond delay="500"/>
+                                  </p:stCondLst>
+                                  <p:iterate>
+                                    <p:tmPct val="10000"/>
+                                  </p:iterate>
+                                  <p:childTnLst>
+                                    <p:set>
+                                      <p:cBhvr>
+                                        <p:cTn id="6" dur="1" fill="hold">
+                                          <p:stCondLst>
+                                            <p:cond delay="0"/>
+                                          </p:stCondLst>
+                                        </p:cTn>
+                                        <p:tgtEl>
+                                          <p:spTgt spid="15"/>
+                                        </p:tgtEl>
+                                        <p:attrNameLst>
+                                          <p:attrName>style.visibility</p:attrName>
+                                        </p:attrNameLst>
+                                      </p:cBhvr>
+                                      <p:to>
+                                        <p:strVal val="visible"/>
+                                      </p:to>
+                                    </p:set>
+                                    <p:animEffect transition="in" filter="fade">
+                                      <p:cBhvr>
+                                        <p:cTn id="7" dur="700"/>
+                                        <p:tgtEl>
+                                          <p:spTgt spid="15"/>
+                                        </p:tgtEl>
+                                      </p:cBhvr>
+                                    </p:animEffect>
+                                  </p:childTnLst>
+                                </p:cTn>
+                              </p:par>
+                            </p:childTnLst>
+                          </p:cTn>
+                        </p:par>
+                      </p:childTnLst>
+                    </p:cTn>
+                  </p:par>
+                </p:childTnLst>
+              </p:cTn>
+              <p:prevCondLst>
+                <p:cond evt="onPrev" delay="0">
+                  <p:tgtEl>
+                    <p:sldTgt/>
+                  </p:tgtEl>
+                </p:cond>
+              </p:prevCondLst>
+              <p:nextCondLst>
+                <p:cond evt="onNext" delay="0">
+                  <p:tgtEl>
+                    <p:sldTgt/>
+                  </p:tgtEl>
+                </p:cond>
+              </p:nextCondLst>
+            </p:seq>
+          </p:childTnLst>
+        </p:cTn>
+      </p:par>
+    </p:tnLst>
+    <p:bldLst>
+      <p:bldP spid="15" grpId="0"/>
+    </p:bldLst>
+  </p:timing>
 </p:sld>
 </file>
 
@@ -6122,38 +9668,6 @@
       </p:sp>
       <p:sp>
         <p:nvSpPr>
-          <p:cNvPr id="3" name="Content Placeholder 2">
-            <a:extLst>
-              <a:ext uri="{FF2B5EF4-FFF2-40B4-BE49-F238E27FC236}">
-                <a16:creationId xmlns:a16="http://schemas.microsoft.com/office/drawing/2014/main" id="{8C6F6487-4146-DB1F-8218-9CE69027A15F}"/>
-              </a:ext>
-            </a:extLst>
-          </p:cNvPr>
-          <p:cNvSpPr>
-            <a:spLocks noGrp="1"/>
-          </p:cNvSpPr>
-          <p:nvPr>
-            <p:ph idx="1"/>
-          </p:nvPr>
-        </p:nvSpPr>
-        <p:spPr>
-          <a:xfrm>
-            <a:off x="5231958" y="605896"/>
-            <a:ext cx="5923721" cy="5646208"/>
-          </a:xfrm>
-        </p:spPr>
-        <p:txBody>
-          <a:bodyPr anchor="ctr">
-            <a:normAutofit/>
-          </a:bodyPr>
-          <a:lstStyle/>
-          <a:p>
-            <a:endParaRPr lang="en-US" sz="2400"/>
-          </a:p>
-        </p:txBody>
-      </p:sp>
-      <p:sp>
-        <p:nvSpPr>
           <p:cNvPr id="12" name="Rectangle 11">
             <a:extLst>
               <a:ext uri="{FF2B5EF4-FFF2-40B4-BE49-F238E27FC236}">
@@ -6207,6 +9721,70 @@
           </a:fontRef>
         </p:style>
       </p:sp>
+      <p:graphicFrame>
+        <p:nvGraphicFramePr>
+          <p:cNvPr id="4" name="Content Placeholder 3">
+            <a:extLst>
+              <a:ext uri="{FF2B5EF4-FFF2-40B4-BE49-F238E27FC236}">
+                <a16:creationId xmlns:a16="http://schemas.microsoft.com/office/drawing/2014/main" id="{B96ED646-ED09-6CFF-8D59-DEFB88B27FED}"/>
+              </a:ext>
+            </a:extLst>
+          </p:cNvPr>
+          <p:cNvGraphicFramePr>
+            <a:graphicFrameLocks noGrp="1" noChangeAspect="1"/>
+          </p:cNvGraphicFramePr>
+          <p:nvPr>
+            <p:ph idx="1"/>
+            <p:extLst>
+              <p:ext uri="{D42A27DB-BD31-4B8C-83A1-F6EECF244321}">
+                <p14:modId xmlns:p14="http://schemas.microsoft.com/office/powerpoint/2010/main" val="4197260056"/>
+              </p:ext>
+            </p:extLst>
+          </p:nvPr>
+        </p:nvGraphicFramePr>
+        <p:xfrm>
+          <a:off x="5872699" y="448333"/>
+          <a:ext cx="5089525" cy="5645150"/>
+        </p:xfrm>
+        <a:graphic>
+          <a:graphicData uri="http://schemas.openxmlformats.org/presentationml/2006/ole">
+            <mc:AlternateContent xmlns:mc="http://schemas.openxmlformats.org/markup-compatibility/2006">
+              <mc:Choice xmlns:v="urn:schemas-microsoft-com:vml" Requires="v">
+                <p:oleObj spid="_x0000_s15366" name="Document" r:id="rId3" imgW="6329468" imgH="7019970" progId="Word.Document.12">
+                  <p:embed/>
+                </p:oleObj>
+              </mc:Choice>
+              <mc:Fallback>
+                <p:oleObj name="Document" r:id="rId3" imgW="6329468" imgH="7019970" progId="Word.Document.12">
+                  <p:embed/>
+                  <p:pic>
+                    <p:nvPicPr>
+                      <p:cNvPr id="0" name=""/>
+                      <p:cNvPicPr/>
+                      <p:nvPr/>
+                    </p:nvPicPr>
+                    <p:blipFill>
+                      <a:blip r:embed="rId4"/>
+                      <a:stretch>
+                        <a:fillRect/>
+                      </a:stretch>
+                    </p:blipFill>
+                    <p:spPr>
+                      <a:xfrm>
+                        <a:off x="5872699" y="448333"/>
+                        <a:ext cx="5089525" cy="5645150"/>
+                      </a:xfrm>
+                      <a:prstGeom prst="rect">
+                        <a:avLst/>
+                      </a:prstGeom>
+                    </p:spPr>
+                  </p:pic>
+                </p:oleObj>
+              </mc:Fallback>
+            </mc:AlternateContent>
+          </a:graphicData>
+        </a:graphic>
+      </p:graphicFrame>
     </p:spTree>
     <p:extLst>
       <p:ext uri="{BB962C8B-B14F-4D97-AF65-F5344CB8AC3E}">
@@ -6542,31 +10120,69 @@
           <a:chExt cx="0" cy="0"/>
         </a:xfrm>
       </p:grpSpPr>
-      <p:sp>
-        <p:nvSpPr>
-          <p:cNvPr id="2" name="Title 1">
+      <p:graphicFrame>
+        <p:nvGraphicFramePr>
+          <p:cNvPr id="3" name="Object 2">
             <a:extLst>
               <a:ext uri="{FF2B5EF4-FFF2-40B4-BE49-F238E27FC236}">
-                <a16:creationId xmlns:a16="http://schemas.microsoft.com/office/drawing/2014/main" id="{18A93A25-7BE0-9F54-5F35-C68A876C0510}"/>
+                <a16:creationId xmlns:a16="http://schemas.microsoft.com/office/drawing/2014/main" id="{DF0B368C-0AA4-9A8F-3395-B4B4B13173F8}"/>
               </a:ext>
             </a:extLst>
           </p:cNvPr>
-          <p:cNvSpPr>
-            <a:spLocks noGrp="1"/>
-          </p:cNvSpPr>
+          <p:cNvGraphicFramePr>
+            <a:graphicFrameLocks noChangeAspect="1"/>
+          </p:cNvGraphicFramePr>
           <p:nvPr>
-            <p:ph type="title"/>
+            <p:extLst>
+              <p:ext uri="{D42A27DB-BD31-4B8C-83A1-F6EECF244321}">
+                <p14:modId xmlns:p14="http://schemas.microsoft.com/office/powerpoint/2010/main" val="2722115950"/>
+              </p:ext>
+            </p:extLst>
           </p:nvPr>
-        </p:nvSpPr>
-        <p:spPr/>
-        <p:txBody>
-          <a:bodyPr/>
-          <a:lstStyle/>
-          <a:p>
-            <a:endParaRPr lang="en-US"/>
-          </a:p>
-        </p:txBody>
-      </p:sp>
+        </p:nvGraphicFramePr>
+        <p:xfrm>
+          <a:off x="3125788" y="1025525"/>
+          <a:ext cx="5940425" cy="4805363"/>
+        </p:xfrm>
+        <a:graphic>
+          <a:graphicData uri="http://schemas.openxmlformats.org/presentationml/2006/ole">
+            <mc:AlternateContent xmlns:mc="http://schemas.openxmlformats.org/markup-compatibility/2006">
+              <mc:Choice xmlns:v="urn:schemas-microsoft-com:vml" Requires="v">
+                <p:oleObj spid="_x0000_s16390" name="Document" r:id="rId3" imgW="5940848" imgH="4805319" progId="Word.Document.12">
+                  <p:embed/>
+                </p:oleObj>
+              </mc:Choice>
+              <mc:Fallback>
+                <p:oleObj name="Document" r:id="rId3" imgW="5940848" imgH="4805319" progId="Word.Document.12">
+                  <p:embed/>
+                  <p:pic>
+                    <p:nvPicPr>
+                      <p:cNvPr id="0" name=""/>
+                      <p:cNvPicPr/>
+                      <p:nvPr/>
+                    </p:nvPicPr>
+                    <p:blipFill>
+                      <a:blip r:embed="rId4"/>
+                      <a:stretch>
+                        <a:fillRect/>
+                      </a:stretch>
+                    </p:blipFill>
+                    <p:spPr>
+                      <a:xfrm>
+                        <a:off x="3125788" y="1025525"/>
+                        <a:ext cx="5940425" cy="4805363"/>
+                      </a:xfrm>
+                      <a:prstGeom prst="rect">
+                        <a:avLst/>
+                      </a:prstGeom>
+                    </p:spPr>
+                  </p:pic>
+                </p:oleObj>
+              </mc:Fallback>
+            </mc:AlternateContent>
+          </a:graphicData>
+        </a:graphic>
+      </p:graphicFrame>
     </p:spTree>
     <p:extLst>
       <p:ext uri="{BB962C8B-B14F-4D97-AF65-F5344CB8AC3E}">

--- a/ePortfolio/JSWePort_copy.pptx
+++ b/ePortfolio/JSWePort_copy.pptx
@@ -839,6 +839,1707 @@
     <dgm:fillClrLst meth="repeat">
       <a:schemeClr val="accent1">
         <a:tint val="60000"/>
+      </a:schemeClr>
+    </dgm:fillClrLst>
+    <dgm:linClrLst meth="repeat">
+      <a:schemeClr val="lt1"/>
+    </dgm:linClrLst>
+    <dgm:effectClrLst/>
+    <dgm:txLinClrLst/>
+    <dgm:txFillClrLst meth="repeat">
+      <a:schemeClr val="dk1"/>
+    </dgm:txFillClrLst>
+    <dgm:txEffectClrLst/>
+  </dgm:styleLbl>
+  <dgm:styleLbl name="revTx">
+    <dgm:fillClrLst meth="repeat">
+      <a:schemeClr val="lt1">
+        <a:alpha val="0"/>
+      </a:schemeClr>
+    </dgm:fillClrLst>
+    <dgm:linClrLst meth="repeat">
+      <a:schemeClr val="dk1">
+        <a:alpha val="0"/>
+      </a:schemeClr>
+    </dgm:linClrLst>
+    <dgm:effectClrLst/>
+    <dgm:txLinClrLst/>
+    <dgm:txFillClrLst meth="repeat">
+      <a:schemeClr val="tx1"/>
+    </dgm:txFillClrLst>
+    <dgm:txEffectClrLst/>
+  </dgm:styleLbl>
+</dgm:colorsDef>
+</file>
+
+<file path=ppt/diagrams/colors2.xml><?xml version="1.0" encoding="utf-8"?>
+<dgm:colorsDef xmlns:dgm="http://schemas.openxmlformats.org/drawingml/2006/diagram" xmlns:a="http://schemas.openxmlformats.org/drawingml/2006/main" uniqueId="urn:microsoft.com/office/officeart/2005/8/colors/colorful1">
+  <dgm:title val=""/>
+  <dgm:desc val=""/>
+  <dgm:catLst>
+    <dgm:cat type="colorful" pri="10100"/>
+  </dgm:catLst>
+  <dgm:styleLbl name="node0">
+    <dgm:fillClrLst meth="repeat">
+      <a:schemeClr val="accent1"/>
+    </dgm:fillClrLst>
+    <dgm:linClrLst meth="repeat">
+      <a:schemeClr val="lt1"/>
+    </dgm:linClrLst>
+    <dgm:effectClrLst/>
+    <dgm:txLinClrLst/>
+    <dgm:txFillClrLst/>
+    <dgm:txEffectClrLst/>
+  </dgm:styleLbl>
+  <dgm:styleLbl name="node1">
+    <dgm:fillClrLst meth="repeat">
+      <a:schemeClr val="accent2"/>
+      <a:schemeClr val="accent3"/>
+      <a:schemeClr val="accent4"/>
+      <a:schemeClr val="accent5"/>
+      <a:schemeClr val="accent6"/>
+    </dgm:fillClrLst>
+    <dgm:linClrLst meth="repeat">
+      <a:schemeClr val="lt1"/>
+    </dgm:linClrLst>
+    <dgm:effectClrLst/>
+    <dgm:txLinClrLst/>
+    <dgm:txFillClrLst/>
+    <dgm:txEffectClrLst/>
+  </dgm:styleLbl>
+  <dgm:styleLbl name="alignNode1">
+    <dgm:fillClrLst meth="repeat">
+      <a:schemeClr val="accent2"/>
+      <a:schemeClr val="accent3"/>
+      <a:schemeClr val="accent4"/>
+      <a:schemeClr val="accent5"/>
+      <a:schemeClr val="accent6"/>
+    </dgm:fillClrLst>
+    <dgm:linClrLst meth="repeat">
+      <a:schemeClr val="accent2"/>
+      <a:schemeClr val="accent3"/>
+      <a:schemeClr val="accent4"/>
+      <a:schemeClr val="accent5"/>
+      <a:schemeClr val="accent6"/>
+    </dgm:linClrLst>
+    <dgm:effectClrLst/>
+    <dgm:txLinClrLst/>
+    <dgm:txFillClrLst/>
+    <dgm:txEffectClrLst/>
+  </dgm:styleLbl>
+  <dgm:styleLbl name="lnNode1">
+    <dgm:fillClrLst meth="repeat">
+      <a:schemeClr val="accent2"/>
+      <a:schemeClr val="accent3"/>
+      <a:schemeClr val="accent4"/>
+      <a:schemeClr val="accent5"/>
+      <a:schemeClr val="accent6"/>
+    </dgm:fillClrLst>
+    <dgm:linClrLst meth="repeat">
+      <a:schemeClr val="lt1"/>
+    </dgm:linClrLst>
+    <dgm:effectClrLst/>
+    <dgm:txLinClrLst/>
+    <dgm:txFillClrLst/>
+    <dgm:txEffectClrLst/>
+  </dgm:styleLbl>
+  <dgm:styleLbl name="vennNode1">
+    <dgm:fillClrLst meth="repeat">
+      <a:schemeClr val="accent2">
+        <a:alpha val="50000"/>
+      </a:schemeClr>
+      <a:schemeClr val="accent3">
+        <a:alpha val="50000"/>
+      </a:schemeClr>
+      <a:schemeClr val="accent4">
+        <a:alpha val="50000"/>
+      </a:schemeClr>
+      <a:schemeClr val="accent5">
+        <a:alpha val="50000"/>
+      </a:schemeClr>
+      <a:schemeClr val="accent6">
+        <a:alpha val="50000"/>
+      </a:schemeClr>
+    </dgm:fillClrLst>
+    <dgm:linClrLst meth="repeat">
+      <a:schemeClr val="lt1"/>
+    </dgm:linClrLst>
+    <dgm:effectClrLst/>
+    <dgm:txLinClrLst/>
+    <dgm:txFillClrLst/>
+    <dgm:txEffectClrLst/>
+  </dgm:styleLbl>
+  <dgm:styleLbl name="node2">
+    <dgm:fillClrLst>
+      <a:schemeClr val="accent2"/>
+    </dgm:fillClrLst>
+    <dgm:linClrLst meth="repeat">
+      <a:schemeClr val="lt1"/>
+    </dgm:linClrLst>
+    <dgm:effectClrLst/>
+    <dgm:txLinClrLst/>
+    <dgm:txFillClrLst/>
+    <dgm:txEffectClrLst/>
+  </dgm:styleLbl>
+  <dgm:styleLbl name="node3">
+    <dgm:fillClrLst>
+      <a:schemeClr val="accent3"/>
+    </dgm:fillClrLst>
+    <dgm:linClrLst meth="repeat">
+      <a:schemeClr val="lt1"/>
+    </dgm:linClrLst>
+    <dgm:effectClrLst/>
+    <dgm:txLinClrLst/>
+    <dgm:txFillClrLst/>
+    <dgm:txEffectClrLst/>
+  </dgm:styleLbl>
+  <dgm:styleLbl name="node4">
+    <dgm:fillClrLst>
+      <a:schemeClr val="accent4"/>
+    </dgm:fillClrLst>
+    <dgm:linClrLst meth="repeat">
+      <a:schemeClr val="lt1"/>
+    </dgm:linClrLst>
+    <dgm:effectClrLst/>
+    <dgm:txLinClrLst/>
+    <dgm:txFillClrLst/>
+    <dgm:txEffectClrLst/>
+  </dgm:styleLbl>
+  <dgm:styleLbl name="fgImgPlace1">
+    <dgm:fillClrLst meth="repeat">
+      <a:schemeClr val="accent2">
+        <a:tint val="50000"/>
+      </a:schemeClr>
+      <a:schemeClr val="accent3">
+        <a:tint val="50000"/>
+      </a:schemeClr>
+      <a:schemeClr val="accent4">
+        <a:tint val="50000"/>
+      </a:schemeClr>
+      <a:schemeClr val="accent5">
+        <a:tint val="50000"/>
+      </a:schemeClr>
+      <a:schemeClr val="accent6">
+        <a:tint val="50000"/>
+      </a:schemeClr>
+    </dgm:fillClrLst>
+    <dgm:linClrLst meth="repeat">
+      <a:schemeClr val="lt1"/>
+    </dgm:linClrLst>
+    <dgm:effectClrLst/>
+    <dgm:txLinClrLst/>
+    <dgm:txFillClrLst meth="repeat">
+      <a:schemeClr val="lt1"/>
+    </dgm:txFillClrLst>
+    <dgm:txEffectClrLst/>
+  </dgm:styleLbl>
+  <dgm:styleLbl name="alignImgPlace1">
+    <dgm:fillClrLst>
+      <a:schemeClr val="accent1">
+        <a:tint val="50000"/>
+      </a:schemeClr>
+      <a:schemeClr val="accent2">
+        <a:tint val="20000"/>
+      </a:schemeClr>
+    </dgm:fillClrLst>
+    <dgm:linClrLst meth="repeat">
+      <a:schemeClr val="lt1"/>
+    </dgm:linClrLst>
+    <dgm:effectClrLst/>
+    <dgm:txLinClrLst/>
+    <dgm:txFillClrLst meth="repeat">
+      <a:schemeClr val="lt1"/>
+    </dgm:txFillClrLst>
+    <dgm:txEffectClrLst/>
+  </dgm:styleLbl>
+  <dgm:styleLbl name="bgImgPlace1">
+    <dgm:fillClrLst>
+      <a:schemeClr val="accent1">
+        <a:tint val="50000"/>
+      </a:schemeClr>
+      <a:schemeClr val="accent2">
+        <a:tint val="20000"/>
+      </a:schemeClr>
+    </dgm:fillClrLst>
+    <dgm:linClrLst meth="repeat">
+      <a:schemeClr val="lt1"/>
+    </dgm:linClrLst>
+    <dgm:effectClrLst/>
+    <dgm:txLinClrLst/>
+    <dgm:txFillClrLst meth="repeat">
+      <a:schemeClr val="lt1"/>
+    </dgm:txFillClrLst>
+    <dgm:txEffectClrLst/>
+  </dgm:styleLbl>
+  <dgm:styleLbl name="sibTrans2D1">
+    <dgm:fillClrLst meth="repeat">
+      <a:schemeClr val="accent2"/>
+      <a:schemeClr val="accent3"/>
+      <a:schemeClr val="accent4"/>
+      <a:schemeClr val="accent5"/>
+      <a:schemeClr val="accent6"/>
+    </dgm:fillClrLst>
+    <dgm:linClrLst meth="cycle">
+      <a:schemeClr val="lt1"/>
+    </dgm:linClrLst>
+    <dgm:effectClrLst/>
+    <dgm:txLinClrLst/>
+    <dgm:txFillClrLst/>
+    <dgm:txEffectClrLst/>
+  </dgm:styleLbl>
+  <dgm:styleLbl name="fgSibTrans2D1">
+    <dgm:fillClrLst meth="repeat">
+      <a:schemeClr val="accent2"/>
+      <a:schemeClr val="accent3"/>
+      <a:schemeClr val="accent4"/>
+      <a:schemeClr val="accent5"/>
+      <a:schemeClr val="accent6"/>
+    </dgm:fillClrLst>
+    <dgm:linClrLst meth="cycle">
+      <a:schemeClr val="lt1"/>
+    </dgm:linClrLst>
+    <dgm:effectClrLst/>
+    <dgm:txLinClrLst/>
+    <dgm:txFillClrLst meth="repeat">
+      <a:schemeClr val="lt1"/>
+    </dgm:txFillClrLst>
+    <dgm:txEffectClrLst/>
+  </dgm:styleLbl>
+  <dgm:styleLbl name="bgSibTrans2D1">
+    <dgm:fillClrLst meth="repeat">
+      <a:schemeClr val="accent2"/>
+      <a:schemeClr val="accent3"/>
+      <a:schemeClr val="accent4"/>
+      <a:schemeClr val="accent5"/>
+      <a:schemeClr val="accent6"/>
+    </dgm:fillClrLst>
+    <dgm:linClrLst meth="cycle">
+      <a:schemeClr val="lt1"/>
+    </dgm:linClrLst>
+    <dgm:effectClrLst/>
+    <dgm:txLinClrLst/>
+    <dgm:txFillClrLst meth="repeat">
+      <a:schemeClr val="lt1"/>
+    </dgm:txFillClrLst>
+    <dgm:txEffectClrLst/>
+  </dgm:styleLbl>
+  <dgm:styleLbl name="sibTrans1D1">
+    <dgm:fillClrLst meth="repeat">
+      <a:schemeClr val="accent2"/>
+      <a:schemeClr val="accent3"/>
+      <a:schemeClr val="accent4"/>
+      <a:schemeClr val="accent5"/>
+      <a:schemeClr val="accent6"/>
+    </dgm:fillClrLst>
+    <dgm:linClrLst meth="repeat">
+      <a:schemeClr val="accent2"/>
+      <a:schemeClr val="accent3"/>
+      <a:schemeClr val="accent4"/>
+      <a:schemeClr val="accent5"/>
+      <a:schemeClr val="accent6"/>
+    </dgm:linClrLst>
+    <dgm:effectClrLst/>
+    <dgm:txLinClrLst/>
+    <dgm:txFillClrLst meth="repeat">
+      <a:schemeClr val="tx1"/>
+    </dgm:txFillClrLst>
+    <dgm:txEffectClrLst/>
+  </dgm:styleLbl>
+  <dgm:styleLbl name="callout">
+    <dgm:fillClrLst meth="repeat">
+      <a:schemeClr val="accent2"/>
+    </dgm:fillClrLst>
+    <dgm:linClrLst meth="repeat">
+      <a:schemeClr val="accent2">
+        <a:tint val="50000"/>
+      </a:schemeClr>
+    </dgm:linClrLst>
+    <dgm:effectClrLst/>
+    <dgm:txLinClrLst/>
+    <dgm:txFillClrLst meth="repeat">
+      <a:schemeClr val="tx1"/>
+    </dgm:txFillClrLst>
+    <dgm:txEffectClrLst/>
+  </dgm:styleLbl>
+  <dgm:styleLbl name="asst0">
+    <dgm:fillClrLst meth="repeat">
+      <a:schemeClr val="accent1"/>
+    </dgm:fillClrLst>
+    <dgm:linClrLst meth="repeat">
+      <a:schemeClr val="lt1"/>
+    </dgm:linClrLst>
+    <dgm:effectClrLst/>
+    <dgm:txLinClrLst/>
+    <dgm:txFillClrLst/>
+    <dgm:txEffectClrLst/>
+  </dgm:styleLbl>
+  <dgm:styleLbl name="asst1">
+    <dgm:fillClrLst meth="repeat">
+      <a:schemeClr val="accent2"/>
+    </dgm:fillClrLst>
+    <dgm:linClrLst meth="repeat">
+      <a:schemeClr val="lt1"/>
+    </dgm:linClrLst>
+    <dgm:effectClrLst/>
+    <dgm:txLinClrLst/>
+    <dgm:txFillClrLst/>
+    <dgm:txEffectClrLst/>
+  </dgm:styleLbl>
+  <dgm:styleLbl name="asst2">
+    <dgm:fillClrLst>
+      <a:schemeClr val="accent3"/>
+    </dgm:fillClrLst>
+    <dgm:linClrLst meth="repeat">
+      <a:schemeClr val="lt1"/>
+    </dgm:linClrLst>
+    <dgm:effectClrLst/>
+    <dgm:txLinClrLst/>
+    <dgm:txFillClrLst/>
+    <dgm:txEffectClrLst/>
+  </dgm:styleLbl>
+  <dgm:styleLbl name="asst3">
+    <dgm:fillClrLst>
+      <a:schemeClr val="accent4"/>
+    </dgm:fillClrLst>
+    <dgm:linClrLst meth="repeat">
+      <a:schemeClr val="lt1"/>
+    </dgm:linClrLst>
+    <dgm:effectClrLst/>
+    <dgm:txLinClrLst/>
+    <dgm:txFillClrLst/>
+    <dgm:txEffectClrLst/>
+  </dgm:styleLbl>
+  <dgm:styleLbl name="asst4">
+    <dgm:fillClrLst>
+      <a:schemeClr val="accent5"/>
+    </dgm:fillClrLst>
+    <dgm:linClrLst meth="repeat">
+      <a:schemeClr val="lt1"/>
+    </dgm:linClrLst>
+    <dgm:effectClrLst/>
+    <dgm:txLinClrLst/>
+    <dgm:txFillClrLst/>
+    <dgm:txEffectClrLst/>
+  </dgm:styleLbl>
+  <dgm:styleLbl name="parChTrans2D1">
+    <dgm:fillClrLst meth="repeat">
+      <a:schemeClr val="accent2"/>
+    </dgm:fillClrLst>
+    <dgm:linClrLst meth="repeat">
+      <a:schemeClr val="lt1"/>
+    </dgm:linClrLst>
+    <dgm:effectClrLst/>
+    <dgm:txLinClrLst/>
+    <dgm:txFillClrLst meth="repeat">
+      <a:schemeClr val="lt1"/>
+    </dgm:txFillClrLst>
+    <dgm:txEffectClrLst/>
+  </dgm:styleLbl>
+  <dgm:styleLbl name="parChTrans2D2">
+    <dgm:fillClrLst meth="repeat">
+      <a:schemeClr val="accent3"/>
+    </dgm:fillClrLst>
+    <dgm:linClrLst meth="repeat">
+      <a:schemeClr val="lt1"/>
+    </dgm:linClrLst>
+    <dgm:effectClrLst/>
+    <dgm:txLinClrLst/>
+    <dgm:txFillClrLst/>
+    <dgm:txEffectClrLst/>
+  </dgm:styleLbl>
+  <dgm:styleLbl name="parChTrans2D3">
+    <dgm:fillClrLst meth="repeat">
+      <a:schemeClr val="accent4"/>
+    </dgm:fillClrLst>
+    <dgm:linClrLst meth="repeat">
+      <a:schemeClr val="lt1"/>
+    </dgm:linClrLst>
+    <dgm:effectClrLst/>
+    <dgm:txLinClrLst/>
+    <dgm:txFillClrLst/>
+    <dgm:txEffectClrLst/>
+  </dgm:styleLbl>
+  <dgm:styleLbl name="parChTrans2D4">
+    <dgm:fillClrLst meth="repeat">
+      <a:schemeClr val="accent5"/>
+    </dgm:fillClrLst>
+    <dgm:linClrLst meth="repeat">
+      <a:schemeClr val="lt1"/>
+    </dgm:linClrLst>
+    <dgm:effectClrLst/>
+    <dgm:txLinClrLst/>
+    <dgm:txFillClrLst meth="repeat">
+      <a:schemeClr val="lt1"/>
+    </dgm:txFillClrLst>
+    <dgm:txEffectClrLst/>
+  </dgm:styleLbl>
+  <dgm:styleLbl name="parChTrans1D1">
+    <dgm:fillClrLst meth="repeat">
+      <a:schemeClr val="accent2"/>
+    </dgm:fillClrLst>
+    <dgm:linClrLst meth="repeat">
+      <a:schemeClr val="accent1"/>
+    </dgm:linClrLst>
+    <dgm:effectClrLst/>
+    <dgm:txLinClrLst/>
+    <dgm:txFillClrLst meth="repeat">
+      <a:schemeClr val="tx1"/>
+    </dgm:txFillClrLst>
+    <dgm:txEffectClrLst/>
+  </dgm:styleLbl>
+  <dgm:styleLbl name="parChTrans1D2">
+    <dgm:fillClrLst meth="repeat">
+      <a:schemeClr val="accent3">
+        <a:tint val="90000"/>
+      </a:schemeClr>
+    </dgm:fillClrLst>
+    <dgm:linClrLst meth="repeat">
+      <a:schemeClr val="accent2"/>
+    </dgm:linClrLst>
+    <dgm:effectClrLst/>
+    <dgm:txLinClrLst/>
+    <dgm:txFillClrLst meth="repeat">
+      <a:schemeClr val="tx1"/>
+    </dgm:txFillClrLst>
+    <dgm:txEffectClrLst/>
+  </dgm:styleLbl>
+  <dgm:styleLbl name="parChTrans1D3">
+    <dgm:fillClrLst meth="repeat">
+      <a:schemeClr val="accent4">
+        <a:tint val="70000"/>
+      </a:schemeClr>
+    </dgm:fillClrLst>
+    <dgm:linClrLst meth="repeat">
+      <a:schemeClr val="accent3"/>
+    </dgm:linClrLst>
+    <dgm:effectClrLst/>
+    <dgm:txLinClrLst/>
+    <dgm:txFillClrLst meth="repeat">
+      <a:schemeClr val="tx1"/>
+    </dgm:txFillClrLst>
+    <dgm:txEffectClrLst/>
+  </dgm:styleLbl>
+  <dgm:styleLbl name="parChTrans1D4">
+    <dgm:fillClrLst meth="repeat">
+      <a:schemeClr val="accent5">
+        <a:tint val="50000"/>
+      </a:schemeClr>
+    </dgm:fillClrLst>
+    <dgm:linClrLst meth="repeat">
+      <a:schemeClr val="accent4"/>
+    </dgm:linClrLst>
+    <dgm:effectClrLst/>
+    <dgm:txLinClrLst/>
+    <dgm:txFillClrLst meth="repeat">
+      <a:schemeClr val="tx1"/>
+    </dgm:txFillClrLst>
+    <dgm:txEffectClrLst/>
+  </dgm:styleLbl>
+  <dgm:styleLbl name="fgAcc1">
+    <dgm:fillClrLst meth="repeat">
+      <a:schemeClr val="lt1">
+        <a:alpha val="90000"/>
+      </a:schemeClr>
+    </dgm:fillClrLst>
+    <dgm:linClrLst meth="repeat">
+      <a:schemeClr val="accent2"/>
+      <a:schemeClr val="accent3"/>
+      <a:schemeClr val="accent4"/>
+      <a:schemeClr val="accent5"/>
+      <a:schemeClr val="accent6"/>
+    </dgm:linClrLst>
+    <dgm:effectClrLst/>
+    <dgm:txLinClrLst/>
+    <dgm:txFillClrLst meth="repeat">
+      <a:schemeClr val="dk1"/>
+    </dgm:txFillClrLst>
+    <dgm:txEffectClrLst/>
+  </dgm:styleLbl>
+  <dgm:styleLbl name="conFgAcc1">
+    <dgm:fillClrLst meth="repeat">
+      <a:schemeClr val="lt1">
+        <a:alpha val="90000"/>
+      </a:schemeClr>
+    </dgm:fillClrLst>
+    <dgm:linClrLst meth="repeat">
+      <a:schemeClr val="accent2"/>
+      <a:schemeClr val="accent3"/>
+      <a:schemeClr val="accent4"/>
+      <a:schemeClr val="accent5"/>
+      <a:schemeClr val="accent6"/>
+    </dgm:linClrLst>
+    <dgm:effectClrLst/>
+    <dgm:txLinClrLst/>
+    <dgm:txFillClrLst meth="repeat">
+      <a:schemeClr val="dk1"/>
+    </dgm:txFillClrLst>
+    <dgm:txEffectClrLst/>
+  </dgm:styleLbl>
+  <dgm:styleLbl name="alignAcc1">
+    <dgm:fillClrLst meth="repeat">
+      <a:schemeClr val="lt1">
+        <a:alpha val="90000"/>
+      </a:schemeClr>
+    </dgm:fillClrLst>
+    <dgm:linClrLst meth="repeat">
+      <a:schemeClr val="accent2"/>
+      <a:schemeClr val="accent3"/>
+      <a:schemeClr val="accent4"/>
+      <a:schemeClr val="accent5"/>
+      <a:schemeClr val="accent6"/>
+    </dgm:linClrLst>
+    <dgm:effectClrLst/>
+    <dgm:txLinClrLst/>
+    <dgm:txFillClrLst meth="repeat">
+      <a:schemeClr val="dk1"/>
+    </dgm:txFillClrLst>
+    <dgm:txEffectClrLst/>
+  </dgm:styleLbl>
+  <dgm:styleLbl name="trAlignAcc1">
+    <dgm:fillClrLst meth="repeat">
+      <a:schemeClr val="lt1">
+        <a:alpha val="40000"/>
+      </a:schemeClr>
+    </dgm:fillClrLst>
+    <dgm:linClrLst meth="repeat">
+      <a:schemeClr val="accent1"/>
+    </dgm:linClrLst>
+    <dgm:effectClrLst/>
+    <dgm:txLinClrLst/>
+    <dgm:txFillClrLst meth="repeat">
+      <a:schemeClr val="dk1"/>
+    </dgm:txFillClrLst>
+    <dgm:txEffectClrLst/>
+  </dgm:styleLbl>
+  <dgm:styleLbl name="bgAcc1">
+    <dgm:fillClrLst meth="repeat">
+      <a:schemeClr val="lt1">
+        <a:alpha val="90000"/>
+      </a:schemeClr>
+    </dgm:fillClrLst>
+    <dgm:linClrLst meth="repeat">
+      <a:schemeClr val="accent2"/>
+      <a:schemeClr val="accent3"/>
+      <a:schemeClr val="accent4"/>
+      <a:schemeClr val="accent5"/>
+      <a:schemeClr val="accent6"/>
+    </dgm:linClrLst>
+    <dgm:effectClrLst/>
+    <dgm:txLinClrLst/>
+    <dgm:txFillClrLst meth="repeat">
+      <a:schemeClr val="dk1"/>
+    </dgm:txFillClrLst>
+    <dgm:txEffectClrLst/>
+  </dgm:styleLbl>
+  <dgm:styleLbl name="solidFgAcc1">
+    <dgm:fillClrLst meth="repeat">
+      <a:schemeClr val="lt1"/>
+    </dgm:fillClrLst>
+    <dgm:linClrLst meth="repeat">
+      <a:schemeClr val="accent2"/>
+      <a:schemeClr val="accent3"/>
+      <a:schemeClr val="accent4"/>
+      <a:schemeClr val="accent5"/>
+      <a:schemeClr val="accent6"/>
+    </dgm:linClrLst>
+    <dgm:effectClrLst/>
+    <dgm:txLinClrLst/>
+    <dgm:txFillClrLst meth="repeat">
+      <a:schemeClr val="dk1"/>
+    </dgm:txFillClrLst>
+    <dgm:txEffectClrLst/>
+  </dgm:styleLbl>
+  <dgm:styleLbl name="solidAlignAcc1">
+    <dgm:fillClrLst meth="repeat">
+      <a:schemeClr val="lt1"/>
+    </dgm:fillClrLst>
+    <dgm:linClrLst meth="repeat">
+      <a:schemeClr val="accent2"/>
+      <a:schemeClr val="accent3"/>
+      <a:schemeClr val="accent4"/>
+      <a:schemeClr val="accent5"/>
+      <a:schemeClr val="accent6"/>
+    </dgm:linClrLst>
+    <dgm:effectClrLst/>
+    <dgm:txLinClrLst/>
+    <dgm:txFillClrLst meth="repeat">
+      <a:schemeClr val="dk1"/>
+    </dgm:txFillClrLst>
+    <dgm:txEffectClrLst/>
+  </dgm:styleLbl>
+  <dgm:styleLbl name="solidBgAcc1">
+    <dgm:fillClrLst meth="repeat">
+      <a:schemeClr val="lt1"/>
+    </dgm:fillClrLst>
+    <dgm:linClrLst meth="repeat">
+      <a:schemeClr val="accent2"/>
+      <a:schemeClr val="accent3"/>
+      <a:schemeClr val="accent4"/>
+      <a:schemeClr val="accent5"/>
+      <a:schemeClr val="accent6"/>
+    </dgm:linClrLst>
+    <dgm:effectClrLst/>
+    <dgm:txLinClrLst/>
+    <dgm:txFillClrLst meth="repeat">
+      <a:schemeClr val="dk1"/>
+    </dgm:txFillClrLst>
+    <dgm:txEffectClrLst/>
+  </dgm:styleLbl>
+  <dgm:styleLbl name="fgAccFollowNode1">
+    <dgm:fillClrLst meth="repeat">
+      <a:schemeClr val="accent2">
+        <a:tint val="40000"/>
+        <a:alpha val="90000"/>
+      </a:schemeClr>
+      <a:schemeClr val="accent3">
+        <a:tint val="40000"/>
+        <a:alpha val="90000"/>
+      </a:schemeClr>
+      <a:schemeClr val="accent4">
+        <a:tint val="40000"/>
+        <a:alpha val="90000"/>
+      </a:schemeClr>
+      <a:schemeClr val="accent5">
+        <a:tint val="40000"/>
+        <a:alpha val="90000"/>
+      </a:schemeClr>
+      <a:schemeClr val="accent6">
+        <a:tint val="40000"/>
+        <a:alpha val="90000"/>
+      </a:schemeClr>
+    </dgm:fillClrLst>
+    <dgm:linClrLst meth="repeat">
+      <a:schemeClr val="accent2">
+        <a:tint val="40000"/>
+        <a:alpha val="90000"/>
+      </a:schemeClr>
+      <a:schemeClr val="accent3">
+        <a:tint val="40000"/>
+        <a:alpha val="90000"/>
+      </a:schemeClr>
+      <a:schemeClr val="accent4">
+        <a:tint val="40000"/>
+        <a:alpha val="90000"/>
+      </a:schemeClr>
+      <a:schemeClr val="accent5">
+        <a:tint val="40000"/>
+        <a:alpha val="90000"/>
+      </a:schemeClr>
+      <a:schemeClr val="accent6">
+        <a:tint val="40000"/>
+        <a:alpha val="90000"/>
+      </a:schemeClr>
+    </dgm:linClrLst>
+    <dgm:effectClrLst/>
+    <dgm:txLinClrLst/>
+    <dgm:txFillClrLst meth="repeat">
+      <a:schemeClr val="dk1"/>
+    </dgm:txFillClrLst>
+    <dgm:txEffectClrLst/>
+  </dgm:styleLbl>
+  <dgm:styleLbl name="alignAccFollowNode1">
+    <dgm:fillClrLst meth="repeat">
+      <a:schemeClr val="accent2">
+        <a:tint val="40000"/>
+        <a:alpha val="90000"/>
+      </a:schemeClr>
+      <a:schemeClr val="accent3">
+        <a:tint val="40000"/>
+        <a:alpha val="90000"/>
+      </a:schemeClr>
+      <a:schemeClr val="accent4">
+        <a:tint val="40000"/>
+        <a:alpha val="90000"/>
+      </a:schemeClr>
+      <a:schemeClr val="accent5">
+        <a:tint val="40000"/>
+        <a:alpha val="90000"/>
+      </a:schemeClr>
+      <a:schemeClr val="accent6">
+        <a:tint val="40000"/>
+        <a:alpha val="90000"/>
+      </a:schemeClr>
+    </dgm:fillClrLst>
+    <dgm:linClrLst meth="repeat">
+      <a:schemeClr val="accent2">
+        <a:tint val="40000"/>
+        <a:alpha val="90000"/>
+      </a:schemeClr>
+      <a:schemeClr val="accent3">
+        <a:tint val="40000"/>
+        <a:alpha val="90000"/>
+      </a:schemeClr>
+      <a:schemeClr val="accent4">
+        <a:tint val="40000"/>
+        <a:alpha val="90000"/>
+      </a:schemeClr>
+      <a:schemeClr val="accent5">
+        <a:tint val="40000"/>
+        <a:alpha val="90000"/>
+      </a:schemeClr>
+      <a:schemeClr val="accent6">
+        <a:tint val="40000"/>
+        <a:alpha val="90000"/>
+      </a:schemeClr>
+    </dgm:linClrLst>
+    <dgm:effectClrLst/>
+    <dgm:txLinClrLst/>
+    <dgm:txFillClrLst meth="repeat">
+      <a:schemeClr val="dk1"/>
+    </dgm:txFillClrLst>
+    <dgm:txEffectClrLst/>
+  </dgm:styleLbl>
+  <dgm:styleLbl name="bgAccFollowNode1">
+    <dgm:fillClrLst meth="repeat">
+      <a:schemeClr val="accent2">
+        <a:tint val="40000"/>
+        <a:alpha val="90000"/>
+      </a:schemeClr>
+      <a:schemeClr val="accent3">
+        <a:tint val="40000"/>
+        <a:alpha val="90000"/>
+      </a:schemeClr>
+      <a:schemeClr val="accent4">
+        <a:tint val="40000"/>
+        <a:alpha val="90000"/>
+      </a:schemeClr>
+      <a:schemeClr val="accent5">
+        <a:tint val="40000"/>
+        <a:alpha val="90000"/>
+      </a:schemeClr>
+      <a:schemeClr val="accent6">
+        <a:tint val="40000"/>
+        <a:alpha val="90000"/>
+      </a:schemeClr>
+    </dgm:fillClrLst>
+    <dgm:linClrLst meth="repeat">
+      <a:schemeClr val="accent2">
+        <a:tint val="40000"/>
+        <a:alpha val="90000"/>
+      </a:schemeClr>
+      <a:schemeClr val="accent3">
+        <a:tint val="40000"/>
+        <a:alpha val="90000"/>
+      </a:schemeClr>
+      <a:schemeClr val="accent4">
+        <a:tint val="40000"/>
+        <a:alpha val="90000"/>
+      </a:schemeClr>
+      <a:schemeClr val="accent5">
+        <a:tint val="40000"/>
+        <a:alpha val="90000"/>
+      </a:schemeClr>
+      <a:schemeClr val="accent6">
+        <a:tint val="40000"/>
+        <a:alpha val="90000"/>
+      </a:schemeClr>
+    </dgm:linClrLst>
+    <dgm:effectClrLst/>
+    <dgm:txLinClrLst/>
+    <dgm:txFillClrLst meth="repeat">
+      <a:schemeClr val="dk1"/>
+    </dgm:txFillClrLst>
+    <dgm:txEffectClrLst/>
+  </dgm:styleLbl>
+  <dgm:styleLbl name="fgAcc0">
+    <dgm:fillClrLst meth="repeat">
+      <a:schemeClr val="lt1">
+        <a:alpha val="90000"/>
+      </a:schemeClr>
+    </dgm:fillClrLst>
+    <dgm:linClrLst>
+      <a:schemeClr val="accent1"/>
+    </dgm:linClrLst>
+    <dgm:effectClrLst/>
+    <dgm:txLinClrLst/>
+    <dgm:txFillClrLst meth="repeat">
+      <a:schemeClr val="dk1"/>
+    </dgm:txFillClrLst>
+    <dgm:txEffectClrLst/>
+  </dgm:styleLbl>
+  <dgm:styleLbl name="fgAcc2">
+    <dgm:fillClrLst meth="repeat">
+      <a:schemeClr val="lt1">
+        <a:alpha val="90000"/>
+      </a:schemeClr>
+    </dgm:fillClrLst>
+    <dgm:linClrLst>
+      <a:schemeClr val="accent2"/>
+    </dgm:linClrLst>
+    <dgm:effectClrLst/>
+    <dgm:txLinClrLst/>
+    <dgm:txFillClrLst meth="repeat">
+      <a:schemeClr val="dk1"/>
+    </dgm:txFillClrLst>
+    <dgm:txEffectClrLst/>
+  </dgm:styleLbl>
+  <dgm:styleLbl name="fgAcc3">
+    <dgm:fillClrLst meth="repeat">
+      <a:schemeClr val="lt1">
+        <a:alpha val="90000"/>
+      </a:schemeClr>
+    </dgm:fillClrLst>
+    <dgm:linClrLst>
+      <a:schemeClr val="accent3"/>
+    </dgm:linClrLst>
+    <dgm:effectClrLst/>
+    <dgm:txLinClrLst/>
+    <dgm:txFillClrLst meth="repeat">
+      <a:schemeClr val="dk1"/>
+    </dgm:txFillClrLst>
+    <dgm:txEffectClrLst/>
+  </dgm:styleLbl>
+  <dgm:styleLbl name="fgAcc4">
+    <dgm:fillClrLst meth="repeat">
+      <a:schemeClr val="lt1">
+        <a:alpha val="90000"/>
+      </a:schemeClr>
+    </dgm:fillClrLst>
+    <dgm:linClrLst>
+      <a:schemeClr val="accent4"/>
+    </dgm:linClrLst>
+    <dgm:effectClrLst/>
+    <dgm:txLinClrLst/>
+    <dgm:txFillClrLst meth="repeat">
+      <a:schemeClr val="dk1"/>
+    </dgm:txFillClrLst>
+    <dgm:txEffectClrLst/>
+  </dgm:styleLbl>
+  <dgm:styleLbl name="bgShp">
+    <dgm:fillClrLst meth="repeat">
+      <a:schemeClr val="accent2">
+        <a:tint val="40000"/>
+      </a:schemeClr>
+    </dgm:fillClrLst>
+    <dgm:linClrLst meth="repeat">
+      <a:schemeClr val="dk1"/>
+    </dgm:linClrLst>
+    <dgm:effectClrLst/>
+    <dgm:txLinClrLst/>
+    <dgm:txFillClrLst meth="repeat">
+      <a:schemeClr val="dk1"/>
+    </dgm:txFillClrLst>
+    <dgm:txEffectClrLst/>
+  </dgm:styleLbl>
+  <dgm:styleLbl name="dkBgShp">
+    <dgm:fillClrLst meth="repeat">
+      <a:schemeClr val="accent2">
+        <a:shade val="90000"/>
+      </a:schemeClr>
+    </dgm:fillClrLst>
+    <dgm:linClrLst meth="repeat">
+      <a:schemeClr val="dk1"/>
+    </dgm:linClrLst>
+    <dgm:effectClrLst/>
+    <dgm:txLinClrLst/>
+    <dgm:txFillClrLst meth="repeat">
+      <a:schemeClr val="lt1"/>
+    </dgm:txFillClrLst>
+    <dgm:txEffectClrLst/>
+  </dgm:styleLbl>
+  <dgm:styleLbl name="trBgShp">
+    <dgm:fillClrLst meth="repeat">
+      <a:schemeClr val="accent1">
+        <a:tint val="50000"/>
+        <a:alpha val="40000"/>
+      </a:schemeClr>
+    </dgm:fillClrLst>
+    <dgm:linClrLst meth="repeat">
+      <a:schemeClr val="accent2"/>
+    </dgm:linClrLst>
+    <dgm:effectClrLst/>
+    <dgm:txLinClrLst/>
+    <dgm:txFillClrLst meth="repeat">
+      <a:schemeClr val="lt1"/>
+    </dgm:txFillClrLst>
+    <dgm:txEffectClrLst/>
+  </dgm:styleLbl>
+  <dgm:styleLbl name="fgShp">
+    <dgm:fillClrLst meth="repeat">
+      <a:schemeClr val="accent2">
+        <a:tint val="40000"/>
+      </a:schemeClr>
+    </dgm:fillClrLst>
+    <dgm:linClrLst meth="repeat">
+      <a:schemeClr val="lt1"/>
+    </dgm:linClrLst>
+    <dgm:effectClrLst/>
+    <dgm:txLinClrLst/>
+    <dgm:txFillClrLst meth="repeat">
+      <a:schemeClr val="dk1"/>
+    </dgm:txFillClrLst>
+    <dgm:txEffectClrLst/>
+  </dgm:styleLbl>
+  <dgm:styleLbl name="revTx">
+    <dgm:fillClrLst meth="repeat">
+      <a:schemeClr val="lt1">
+        <a:alpha val="0"/>
+      </a:schemeClr>
+    </dgm:fillClrLst>
+    <dgm:linClrLst meth="repeat">
+      <a:schemeClr val="dk1">
+        <a:alpha val="0"/>
+      </a:schemeClr>
+    </dgm:linClrLst>
+    <dgm:effectClrLst/>
+    <dgm:txLinClrLst/>
+    <dgm:txFillClrLst meth="repeat">
+      <a:schemeClr val="tx1"/>
+    </dgm:txFillClrLst>
+    <dgm:txEffectClrLst/>
+  </dgm:styleLbl>
+</dgm:colorsDef>
+</file>
+
+<file path=ppt/diagrams/colors3.xml><?xml version="1.0" encoding="utf-8"?>
+<dgm:colorsDef xmlns:dgm="http://schemas.openxmlformats.org/drawingml/2006/diagram" xmlns:a="http://schemas.openxmlformats.org/drawingml/2006/main" uniqueId="urn:microsoft.com/office/officeart/2005/8/colors/colorful5">
+  <dgm:title val=""/>
+  <dgm:desc val=""/>
+  <dgm:catLst>
+    <dgm:cat type="colorful" pri="10500"/>
+  </dgm:catLst>
+  <dgm:styleLbl name="node0">
+    <dgm:fillClrLst meth="repeat">
+      <a:schemeClr val="accent4"/>
+    </dgm:fillClrLst>
+    <dgm:linClrLst meth="repeat">
+      <a:schemeClr val="lt1"/>
+    </dgm:linClrLst>
+    <dgm:effectClrLst/>
+    <dgm:txLinClrLst/>
+    <dgm:txFillClrLst/>
+    <dgm:txEffectClrLst/>
+  </dgm:styleLbl>
+  <dgm:styleLbl name="node1">
+    <dgm:fillClrLst>
+      <a:schemeClr val="accent5"/>
+      <a:schemeClr val="accent6"/>
+    </dgm:fillClrLst>
+    <dgm:linClrLst meth="repeat">
+      <a:schemeClr val="lt1"/>
+    </dgm:linClrLst>
+    <dgm:effectClrLst/>
+    <dgm:txLinClrLst/>
+    <dgm:txFillClrLst/>
+    <dgm:txEffectClrLst/>
+  </dgm:styleLbl>
+  <dgm:styleLbl name="alignNode1">
+    <dgm:fillClrLst>
+      <a:schemeClr val="accent5"/>
+      <a:schemeClr val="accent6"/>
+    </dgm:fillClrLst>
+    <dgm:linClrLst>
+      <a:schemeClr val="accent5"/>
+      <a:schemeClr val="accent6"/>
+    </dgm:linClrLst>
+    <dgm:effectClrLst/>
+    <dgm:txLinClrLst/>
+    <dgm:txFillClrLst/>
+    <dgm:txEffectClrLst/>
+  </dgm:styleLbl>
+  <dgm:styleLbl name="lnNode1">
+    <dgm:fillClrLst>
+      <a:schemeClr val="accent5"/>
+      <a:schemeClr val="accent6"/>
+    </dgm:fillClrLst>
+    <dgm:linClrLst meth="repeat">
+      <a:schemeClr val="lt1"/>
+    </dgm:linClrLst>
+    <dgm:effectClrLst/>
+    <dgm:txLinClrLst/>
+    <dgm:txFillClrLst/>
+    <dgm:txEffectClrLst/>
+  </dgm:styleLbl>
+  <dgm:styleLbl name="vennNode1">
+    <dgm:fillClrLst>
+      <a:schemeClr val="accent5">
+        <a:alpha val="50000"/>
+      </a:schemeClr>
+      <a:schemeClr val="accent6">
+        <a:alpha val="50000"/>
+      </a:schemeClr>
+    </dgm:fillClrLst>
+    <dgm:linClrLst meth="repeat">
+      <a:schemeClr val="lt1"/>
+    </dgm:linClrLst>
+    <dgm:effectClrLst/>
+    <dgm:txLinClrLst/>
+    <dgm:txFillClrLst/>
+    <dgm:txEffectClrLst/>
+  </dgm:styleLbl>
+  <dgm:styleLbl name="node2">
+    <dgm:fillClrLst>
+      <a:schemeClr val="accent6"/>
+    </dgm:fillClrLst>
+    <dgm:linClrLst meth="repeat">
+      <a:schemeClr val="lt1"/>
+    </dgm:linClrLst>
+    <dgm:effectClrLst/>
+    <dgm:txLinClrLst/>
+    <dgm:txFillClrLst/>
+    <dgm:txEffectClrLst/>
+  </dgm:styleLbl>
+  <dgm:styleLbl name="node3">
+    <dgm:fillClrLst>
+      <a:schemeClr val="accent1"/>
+    </dgm:fillClrLst>
+    <dgm:linClrLst meth="repeat">
+      <a:schemeClr val="lt1"/>
+    </dgm:linClrLst>
+    <dgm:effectClrLst/>
+    <dgm:txLinClrLst/>
+    <dgm:txFillClrLst/>
+    <dgm:txEffectClrLst/>
+  </dgm:styleLbl>
+  <dgm:styleLbl name="node4">
+    <dgm:fillClrLst>
+      <a:schemeClr val="accent2"/>
+    </dgm:fillClrLst>
+    <dgm:linClrLst meth="repeat">
+      <a:schemeClr val="lt1"/>
+    </dgm:linClrLst>
+    <dgm:effectClrLst/>
+    <dgm:txLinClrLst/>
+    <dgm:txFillClrLst/>
+    <dgm:txEffectClrLst/>
+  </dgm:styleLbl>
+  <dgm:styleLbl name="fgImgPlace1">
+    <dgm:fillClrLst>
+      <a:schemeClr val="accent5">
+        <a:tint val="50000"/>
+      </a:schemeClr>
+      <a:schemeClr val="accent6">
+        <a:tint val="50000"/>
+      </a:schemeClr>
+    </dgm:fillClrLst>
+    <dgm:linClrLst meth="repeat">
+      <a:schemeClr val="lt1"/>
+    </dgm:linClrLst>
+    <dgm:effectClrLst/>
+    <dgm:txLinClrLst/>
+    <dgm:txFillClrLst meth="repeat">
+      <a:schemeClr val="lt1"/>
+    </dgm:txFillClrLst>
+    <dgm:txEffectClrLst/>
+  </dgm:styleLbl>
+  <dgm:styleLbl name="alignImgPlace1">
+    <dgm:fillClrLst>
+      <a:schemeClr val="accent5">
+        <a:tint val="50000"/>
+      </a:schemeClr>
+      <a:schemeClr val="accent6">
+        <a:tint val="20000"/>
+      </a:schemeClr>
+    </dgm:fillClrLst>
+    <dgm:linClrLst meth="repeat">
+      <a:schemeClr val="lt1"/>
+    </dgm:linClrLst>
+    <dgm:effectClrLst/>
+    <dgm:txLinClrLst/>
+    <dgm:txFillClrLst meth="repeat">
+      <a:schemeClr val="lt1"/>
+    </dgm:txFillClrLst>
+    <dgm:txEffectClrLst/>
+  </dgm:styleLbl>
+  <dgm:styleLbl name="bgImgPlace1">
+    <dgm:fillClrLst>
+      <a:schemeClr val="accent5">
+        <a:tint val="50000"/>
+      </a:schemeClr>
+      <a:schemeClr val="accent6">
+        <a:tint val="20000"/>
+      </a:schemeClr>
+    </dgm:fillClrLst>
+    <dgm:linClrLst meth="repeat">
+      <a:schemeClr val="lt1"/>
+    </dgm:linClrLst>
+    <dgm:effectClrLst/>
+    <dgm:txLinClrLst/>
+    <dgm:txFillClrLst meth="repeat">
+      <a:schemeClr val="lt1"/>
+    </dgm:txFillClrLst>
+    <dgm:txEffectClrLst/>
+  </dgm:styleLbl>
+  <dgm:styleLbl name="sibTrans2D1">
+    <dgm:fillClrLst>
+      <a:schemeClr val="accent5"/>
+      <a:schemeClr val="accent6"/>
+    </dgm:fillClrLst>
+    <dgm:linClrLst meth="repeat">
+      <a:schemeClr val="lt1"/>
+    </dgm:linClrLst>
+    <dgm:effectClrLst/>
+    <dgm:txLinClrLst/>
+    <dgm:txFillClrLst/>
+    <dgm:txEffectClrLst/>
+  </dgm:styleLbl>
+  <dgm:styleLbl name="fgSibTrans2D1">
+    <dgm:fillClrLst>
+      <a:schemeClr val="accent5"/>
+      <a:schemeClr val="accent6"/>
+    </dgm:fillClrLst>
+    <dgm:linClrLst meth="repeat">
+      <a:schemeClr val="lt1"/>
+    </dgm:linClrLst>
+    <dgm:effectClrLst/>
+    <dgm:txLinClrLst/>
+    <dgm:txFillClrLst meth="repeat">
+      <a:schemeClr val="lt1"/>
+    </dgm:txFillClrLst>
+    <dgm:txEffectClrLst/>
+  </dgm:styleLbl>
+  <dgm:styleLbl name="bgSibTrans2D1">
+    <dgm:fillClrLst>
+      <a:schemeClr val="accent5"/>
+      <a:schemeClr val="accent6"/>
+    </dgm:fillClrLst>
+    <dgm:linClrLst meth="repeat">
+      <a:schemeClr val="lt1"/>
+    </dgm:linClrLst>
+    <dgm:effectClrLst/>
+    <dgm:txLinClrLst/>
+    <dgm:txFillClrLst meth="repeat">
+      <a:schemeClr val="lt1"/>
+    </dgm:txFillClrLst>
+    <dgm:txEffectClrLst/>
+  </dgm:styleLbl>
+  <dgm:styleLbl name="sibTrans1D1">
+    <dgm:fillClrLst/>
+    <dgm:linClrLst>
+      <a:schemeClr val="accent5"/>
+      <a:schemeClr val="accent6"/>
+    </dgm:linClrLst>
+    <dgm:effectClrLst/>
+    <dgm:txLinClrLst/>
+    <dgm:txFillClrLst meth="repeat">
+      <a:schemeClr val="tx1"/>
+    </dgm:txFillClrLst>
+    <dgm:txEffectClrLst/>
+  </dgm:styleLbl>
+  <dgm:styleLbl name="callout">
+    <dgm:fillClrLst meth="repeat">
+      <a:schemeClr val="accent5"/>
+    </dgm:fillClrLst>
+    <dgm:linClrLst meth="repeat">
+      <a:schemeClr val="accent5">
+        <a:tint val="50000"/>
+      </a:schemeClr>
+    </dgm:linClrLst>
+    <dgm:effectClrLst/>
+    <dgm:txLinClrLst/>
+    <dgm:txFillClrLst meth="repeat">
+      <a:schemeClr val="tx1"/>
+    </dgm:txFillClrLst>
+    <dgm:txEffectClrLst/>
+  </dgm:styleLbl>
+  <dgm:styleLbl name="asst0">
+    <dgm:fillClrLst meth="repeat">
+      <a:schemeClr val="accent5"/>
+    </dgm:fillClrLst>
+    <dgm:linClrLst meth="repeat">
+      <a:schemeClr val="lt1">
+        <a:shade val="80000"/>
+      </a:schemeClr>
+    </dgm:linClrLst>
+    <dgm:effectClrLst/>
+    <dgm:txLinClrLst/>
+    <dgm:txFillClrLst/>
+    <dgm:txEffectClrLst/>
+  </dgm:styleLbl>
+  <dgm:styleLbl name="asst1">
+    <dgm:fillClrLst meth="repeat">
+      <a:schemeClr val="accent6"/>
+    </dgm:fillClrLst>
+    <dgm:linClrLst meth="repeat">
+      <a:schemeClr val="lt1">
+        <a:shade val="80000"/>
+      </a:schemeClr>
+    </dgm:linClrLst>
+    <dgm:effectClrLst/>
+    <dgm:txLinClrLst/>
+    <dgm:txFillClrLst/>
+    <dgm:txEffectClrLst/>
+  </dgm:styleLbl>
+  <dgm:styleLbl name="asst2">
+    <dgm:fillClrLst>
+      <a:schemeClr val="accent1"/>
+    </dgm:fillClrLst>
+    <dgm:linClrLst meth="repeat">
+      <a:schemeClr val="lt1"/>
+    </dgm:linClrLst>
+    <dgm:effectClrLst/>
+    <dgm:txLinClrLst/>
+    <dgm:txFillClrLst/>
+    <dgm:txEffectClrLst/>
+  </dgm:styleLbl>
+  <dgm:styleLbl name="asst3">
+    <dgm:fillClrLst>
+      <a:schemeClr val="accent2"/>
+    </dgm:fillClrLst>
+    <dgm:linClrLst meth="repeat">
+      <a:schemeClr val="lt1"/>
+    </dgm:linClrLst>
+    <dgm:effectClrLst/>
+    <dgm:txLinClrLst/>
+    <dgm:txFillClrLst/>
+    <dgm:txEffectClrLst/>
+  </dgm:styleLbl>
+  <dgm:styleLbl name="asst4">
+    <dgm:fillClrLst>
+      <a:schemeClr val="accent3"/>
+    </dgm:fillClrLst>
+    <dgm:linClrLst meth="repeat">
+      <a:schemeClr val="lt1"/>
+    </dgm:linClrLst>
+    <dgm:effectClrLst/>
+    <dgm:txLinClrLst/>
+    <dgm:txFillClrLst/>
+    <dgm:txEffectClrLst/>
+  </dgm:styleLbl>
+  <dgm:styleLbl name="parChTrans2D1">
+    <dgm:fillClrLst meth="repeat">
+      <a:schemeClr val="accent5"/>
+    </dgm:fillClrLst>
+    <dgm:linClrLst meth="repeat">
+      <a:schemeClr val="lt1"/>
+    </dgm:linClrLst>
+    <dgm:effectClrLst/>
+    <dgm:txLinClrLst/>
+    <dgm:txFillClrLst meth="repeat">
+      <a:schemeClr val="lt1"/>
+    </dgm:txFillClrLst>
+    <dgm:txEffectClrLst/>
+  </dgm:styleLbl>
+  <dgm:styleLbl name="parChTrans2D2">
+    <dgm:fillClrLst meth="repeat">
+      <a:schemeClr val="accent6"/>
+    </dgm:fillClrLst>
+    <dgm:linClrLst meth="repeat">
+      <a:schemeClr val="lt1"/>
+    </dgm:linClrLst>
+    <dgm:effectClrLst/>
+    <dgm:txLinClrLst/>
+    <dgm:txFillClrLst/>
+    <dgm:txEffectClrLst/>
+  </dgm:styleLbl>
+  <dgm:styleLbl name="parChTrans2D3">
+    <dgm:fillClrLst meth="repeat">
+      <a:schemeClr val="accent6"/>
+    </dgm:fillClrLst>
+    <dgm:linClrLst meth="repeat">
+      <a:schemeClr val="lt1"/>
+    </dgm:linClrLst>
+    <dgm:effectClrLst/>
+    <dgm:txLinClrLst/>
+    <dgm:txFillClrLst/>
+    <dgm:txEffectClrLst/>
+  </dgm:styleLbl>
+  <dgm:styleLbl name="parChTrans2D4">
+    <dgm:fillClrLst meth="repeat">
+      <a:schemeClr val="accent1"/>
+    </dgm:fillClrLst>
+    <dgm:linClrLst meth="repeat">
+      <a:schemeClr val="lt1"/>
+    </dgm:linClrLst>
+    <dgm:effectClrLst/>
+    <dgm:txLinClrLst/>
+    <dgm:txFillClrLst meth="repeat">
+      <a:schemeClr val="lt1"/>
+    </dgm:txFillClrLst>
+    <dgm:txEffectClrLst/>
+  </dgm:styleLbl>
+  <dgm:styleLbl name="parChTrans1D1">
+    <dgm:fillClrLst meth="repeat">
+      <a:schemeClr val="accent5"/>
+    </dgm:fillClrLst>
+    <dgm:linClrLst meth="repeat">
+      <a:schemeClr val="accent5"/>
+    </dgm:linClrLst>
+    <dgm:effectClrLst/>
+    <dgm:txLinClrLst/>
+    <dgm:txFillClrLst meth="repeat">
+      <a:schemeClr val="tx1"/>
+    </dgm:txFillClrLst>
+    <dgm:txEffectClrLst/>
+  </dgm:styleLbl>
+  <dgm:styleLbl name="parChTrans1D2">
+    <dgm:fillClrLst meth="repeat">
+      <a:schemeClr val="accent6">
+        <a:tint val="90000"/>
+      </a:schemeClr>
+    </dgm:fillClrLst>
+    <dgm:linClrLst meth="repeat">
+      <a:schemeClr val="accent6"/>
+    </dgm:linClrLst>
+    <dgm:effectClrLst/>
+    <dgm:txLinClrLst/>
+    <dgm:txFillClrLst meth="repeat">
+      <a:schemeClr val="tx1"/>
+    </dgm:txFillClrLst>
+    <dgm:txEffectClrLst/>
+  </dgm:styleLbl>
+  <dgm:styleLbl name="parChTrans1D3">
+    <dgm:fillClrLst meth="repeat">
+      <a:schemeClr val="accent6">
+        <a:tint val="70000"/>
+      </a:schemeClr>
+    </dgm:fillClrLst>
+    <dgm:linClrLst meth="repeat">
+      <a:schemeClr val="accent1"/>
+    </dgm:linClrLst>
+    <dgm:effectClrLst/>
+    <dgm:txLinClrLst/>
+    <dgm:txFillClrLst meth="repeat">
+      <a:schemeClr val="tx1"/>
+    </dgm:txFillClrLst>
+    <dgm:txEffectClrLst/>
+  </dgm:styleLbl>
+  <dgm:styleLbl name="parChTrans1D4">
+    <dgm:fillClrLst meth="repeat">
+      <a:schemeClr val="accent6">
+        <a:tint val="50000"/>
+      </a:schemeClr>
+    </dgm:fillClrLst>
+    <dgm:linClrLst meth="repeat">
+      <a:schemeClr val="accent2"/>
+    </dgm:linClrLst>
+    <dgm:effectClrLst/>
+    <dgm:txLinClrLst/>
+    <dgm:txFillClrLst meth="repeat">
+      <a:schemeClr val="tx1"/>
+    </dgm:txFillClrLst>
+    <dgm:txEffectClrLst/>
+  </dgm:styleLbl>
+  <dgm:styleLbl name="fgAcc1">
+    <dgm:fillClrLst meth="repeat">
+      <a:schemeClr val="lt1">
+        <a:alpha val="90000"/>
+      </a:schemeClr>
+    </dgm:fillClrLst>
+    <dgm:linClrLst>
+      <a:schemeClr val="accent5"/>
+      <a:schemeClr val="accent6"/>
+    </dgm:linClrLst>
+    <dgm:effectClrLst/>
+    <dgm:txLinClrLst/>
+    <dgm:txFillClrLst meth="repeat">
+      <a:schemeClr val="dk1"/>
+    </dgm:txFillClrLst>
+    <dgm:txEffectClrLst/>
+  </dgm:styleLbl>
+  <dgm:styleLbl name="conFgAcc1">
+    <dgm:fillClrLst meth="repeat">
+      <a:schemeClr val="lt1">
+        <a:alpha val="90000"/>
+      </a:schemeClr>
+    </dgm:fillClrLst>
+    <dgm:linClrLst>
+      <a:schemeClr val="accent5"/>
+      <a:schemeClr val="accent6"/>
+    </dgm:linClrLst>
+    <dgm:effectClrLst/>
+    <dgm:txLinClrLst/>
+    <dgm:txFillClrLst meth="repeat">
+      <a:schemeClr val="dk1"/>
+    </dgm:txFillClrLst>
+    <dgm:txEffectClrLst/>
+  </dgm:styleLbl>
+  <dgm:styleLbl name="alignAcc1">
+    <dgm:fillClrLst meth="repeat">
+      <a:schemeClr val="lt1">
+        <a:alpha val="90000"/>
+      </a:schemeClr>
+    </dgm:fillClrLst>
+    <dgm:linClrLst>
+      <a:schemeClr val="accent5"/>
+      <a:schemeClr val="accent6"/>
+    </dgm:linClrLst>
+    <dgm:effectClrLst/>
+    <dgm:txLinClrLst/>
+    <dgm:txFillClrLst meth="repeat">
+      <a:schemeClr val="dk1"/>
+    </dgm:txFillClrLst>
+    <dgm:txEffectClrLst/>
+  </dgm:styleLbl>
+  <dgm:styleLbl name="trAlignAcc1">
+    <dgm:fillClrLst meth="repeat">
+      <a:schemeClr val="lt1">
+        <a:alpha val="40000"/>
+      </a:schemeClr>
+    </dgm:fillClrLst>
+    <dgm:linClrLst meth="repeat">
+      <a:schemeClr val="accent5"/>
+    </dgm:linClrLst>
+    <dgm:effectClrLst/>
+    <dgm:txLinClrLst/>
+    <dgm:txFillClrLst meth="repeat">
+      <a:schemeClr val="dk1"/>
+    </dgm:txFillClrLst>
+    <dgm:txEffectClrLst/>
+  </dgm:styleLbl>
+  <dgm:styleLbl name="bgAcc1">
+    <dgm:fillClrLst meth="repeat">
+      <a:schemeClr val="lt1">
+        <a:alpha val="90000"/>
+      </a:schemeClr>
+    </dgm:fillClrLst>
+    <dgm:linClrLst>
+      <a:schemeClr val="accent5"/>
+      <a:schemeClr val="accent6"/>
+    </dgm:linClrLst>
+    <dgm:effectClrLst/>
+    <dgm:txLinClrLst/>
+    <dgm:txFillClrLst meth="repeat">
+      <a:schemeClr val="dk1"/>
+    </dgm:txFillClrLst>
+    <dgm:txEffectClrLst/>
+  </dgm:styleLbl>
+  <dgm:styleLbl name="solidFgAcc1">
+    <dgm:fillClrLst meth="repeat">
+      <a:schemeClr val="lt1"/>
+    </dgm:fillClrLst>
+    <dgm:linClrLst>
+      <a:schemeClr val="accent5"/>
+      <a:schemeClr val="accent6"/>
+    </dgm:linClrLst>
+    <dgm:effectClrLst/>
+    <dgm:txLinClrLst/>
+    <dgm:txFillClrLst meth="repeat">
+      <a:schemeClr val="dk1"/>
+    </dgm:txFillClrLst>
+    <dgm:txEffectClrLst/>
+  </dgm:styleLbl>
+  <dgm:styleLbl name="solidAlignAcc1">
+    <dgm:fillClrLst meth="repeat">
+      <a:schemeClr val="lt1"/>
+    </dgm:fillClrLst>
+    <dgm:linClrLst>
+      <a:schemeClr val="accent5"/>
+      <a:schemeClr val="accent6"/>
+    </dgm:linClrLst>
+    <dgm:effectClrLst/>
+    <dgm:txLinClrLst/>
+    <dgm:txFillClrLst meth="repeat">
+      <a:schemeClr val="dk1"/>
+    </dgm:txFillClrLst>
+    <dgm:txEffectClrLst/>
+  </dgm:styleLbl>
+  <dgm:styleLbl name="solidBgAcc1">
+    <dgm:fillClrLst meth="repeat">
+      <a:schemeClr val="lt1"/>
+    </dgm:fillClrLst>
+    <dgm:linClrLst>
+      <a:schemeClr val="accent5"/>
+      <a:schemeClr val="accent6"/>
+    </dgm:linClrLst>
+    <dgm:effectClrLst/>
+    <dgm:txLinClrLst/>
+    <dgm:txFillClrLst meth="repeat">
+      <a:schemeClr val="dk1"/>
+    </dgm:txFillClrLst>
+    <dgm:txEffectClrLst/>
+  </dgm:styleLbl>
+  <dgm:styleLbl name="fgAccFollowNode1">
+    <dgm:fillClrLst>
+      <a:schemeClr val="accent5">
+        <a:tint val="40000"/>
+        <a:alpha val="90000"/>
+      </a:schemeClr>
+      <a:schemeClr val="accent6">
+        <a:tint val="40000"/>
+        <a:alpha val="90000"/>
+      </a:schemeClr>
+    </dgm:fillClrLst>
+    <dgm:linClrLst>
+      <a:schemeClr val="accent5">
+        <a:tint val="40000"/>
+        <a:alpha val="90000"/>
+      </a:schemeClr>
+      <a:schemeClr val="accent5">
+        <a:tint val="40000"/>
+        <a:alpha val="90000"/>
+      </a:schemeClr>
+    </dgm:linClrLst>
+    <dgm:effectClrLst/>
+    <dgm:txLinClrLst/>
+    <dgm:txFillClrLst meth="repeat">
+      <a:schemeClr val="dk1"/>
+    </dgm:txFillClrLst>
+    <dgm:txEffectClrLst/>
+  </dgm:styleLbl>
+  <dgm:styleLbl name="alignAccFollowNode1">
+    <dgm:fillClrLst>
+      <a:schemeClr val="accent5">
+        <a:tint val="40000"/>
+        <a:alpha val="90000"/>
+      </a:schemeClr>
+      <a:schemeClr val="accent6">
+        <a:tint val="40000"/>
+        <a:alpha val="90000"/>
+      </a:schemeClr>
+    </dgm:fillClrLst>
+    <dgm:linClrLst>
+      <a:schemeClr val="accent5">
+        <a:tint val="40000"/>
+        <a:alpha val="90000"/>
+      </a:schemeClr>
+      <a:schemeClr val="accent6">
+        <a:tint val="40000"/>
+        <a:alpha val="90000"/>
+      </a:schemeClr>
+    </dgm:linClrLst>
+    <dgm:effectClrLst/>
+    <dgm:txLinClrLst/>
+    <dgm:txFillClrLst meth="repeat">
+      <a:schemeClr val="dk1"/>
+    </dgm:txFillClrLst>
+    <dgm:txEffectClrLst/>
+  </dgm:styleLbl>
+  <dgm:styleLbl name="bgAccFollowNode1">
+    <dgm:fillClrLst>
+      <a:schemeClr val="accent5">
+        <a:tint val="40000"/>
+        <a:alpha val="90000"/>
+      </a:schemeClr>
+      <a:schemeClr val="accent6">
+        <a:tint val="40000"/>
+        <a:alpha val="90000"/>
+      </a:schemeClr>
+    </dgm:fillClrLst>
+    <dgm:linClrLst>
+      <a:schemeClr val="accent5">
+        <a:tint val="40000"/>
+        <a:alpha val="90000"/>
+      </a:schemeClr>
+      <a:schemeClr val="accent6">
+        <a:tint val="40000"/>
+        <a:alpha val="90000"/>
+      </a:schemeClr>
+    </dgm:linClrLst>
+    <dgm:effectClrLst/>
+    <dgm:txLinClrLst/>
+    <dgm:txFillClrLst meth="repeat">
+      <a:schemeClr val="dk1"/>
+    </dgm:txFillClrLst>
+    <dgm:txEffectClrLst/>
+  </dgm:styleLbl>
+  <dgm:styleLbl name="fgAcc0">
+    <dgm:fillClrLst meth="repeat">
+      <a:schemeClr val="lt1">
+        <a:alpha val="90000"/>
+      </a:schemeClr>
+    </dgm:fillClrLst>
+    <dgm:linClrLst>
+      <a:schemeClr val="accent4"/>
+    </dgm:linClrLst>
+    <dgm:effectClrLst/>
+    <dgm:txLinClrLst/>
+    <dgm:txFillClrLst meth="repeat">
+      <a:schemeClr val="dk1"/>
+    </dgm:txFillClrLst>
+    <dgm:txEffectClrLst/>
+  </dgm:styleLbl>
+  <dgm:styleLbl name="fgAcc2">
+    <dgm:fillClrLst meth="repeat">
+      <a:schemeClr val="lt1">
+        <a:alpha val="90000"/>
+      </a:schemeClr>
+    </dgm:fillClrLst>
+    <dgm:linClrLst>
+      <a:schemeClr val="accent6"/>
+    </dgm:linClrLst>
+    <dgm:effectClrLst/>
+    <dgm:txLinClrLst/>
+    <dgm:txFillClrLst meth="repeat">
+      <a:schemeClr val="dk1"/>
+    </dgm:txFillClrLst>
+    <dgm:txEffectClrLst/>
+  </dgm:styleLbl>
+  <dgm:styleLbl name="fgAcc3">
+    <dgm:fillClrLst meth="repeat">
+      <a:schemeClr val="lt1">
+        <a:alpha val="90000"/>
+      </a:schemeClr>
+    </dgm:fillClrLst>
+    <dgm:linClrLst>
+      <a:schemeClr val="accent1"/>
+    </dgm:linClrLst>
+    <dgm:effectClrLst/>
+    <dgm:txLinClrLst/>
+    <dgm:txFillClrLst meth="repeat">
+      <a:schemeClr val="dk1"/>
+    </dgm:txFillClrLst>
+    <dgm:txEffectClrLst/>
+  </dgm:styleLbl>
+  <dgm:styleLbl name="fgAcc4">
+    <dgm:fillClrLst meth="repeat">
+      <a:schemeClr val="lt1">
+        <a:alpha val="90000"/>
+      </a:schemeClr>
+    </dgm:fillClrLst>
+    <dgm:linClrLst>
+      <a:schemeClr val="accent2"/>
+    </dgm:linClrLst>
+    <dgm:effectClrLst/>
+    <dgm:txLinClrLst/>
+    <dgm:txFillClrLst meth="repeat">
+      <a:schemeClr val="dk1"/>
+    </dgm:txFillClrLst>
+    <dgm:txEffectClrLst/>
+  </dgm:styleLbl>
+  <dgm:styleLbl name="bgShp">
+    <dgm:fillClrLst meth="repeat">
+      <a:schemeClr val="accent5">
+        <a:tint val="40000"/>
+      </a:schemeClr>
+    </dgm:fillClrLst>
+    <dgm:linClrLst meth="repeat">
+      <a:schemeClr val="dk1"/>
+    </dgm:linClrLst>
+    <dgm:effectClrLst/>
+    <dgm:txLinClrLst/>
+    <dgm:txFillClrLst meth="repeat">
+      <a:schemeClr val="dk1"/>
+    </dgm:txFillClrLst>
+    <dgm:txEffectClrLst/>
+  </dgm:styleLbl>
+  <dgm:styleLbl name="dkBgShp">
+    <dgm:fillClrLst meth="repeat">
+      <a:schemeClr val="accent5">
+        <a:shade val="90000"/>
+      </a:schemeClr>
+    </dgm:fillClrLst>
+    <dgm:linClrLst meth="repeat">
+      <a:schemeClr val="dk1"/>
+    </dgm:linClrLst>
+    <dgm:effectClrLst/>
+    <dgm:txLinClrLst/>
+    <dgm:txFillClrLst meth="repeat">
+      <a:schemeClr val="lt1"/>
+    </dgm:txFillClrLst>
+    <dgm:txEffectClrLst/>
+  </dgm:styleLbl>
+  <dgm:styleLbl name="trBgShp">
+    <dgm:fillClrLst meth="repeat">
+      <a:schemeClr val="accent5">
+        <a:tint val="50000"/>
+        <a:alpha val="40000"/>
+      </a:schemeClr>
+    </dgm:fillClrLst>
+    <dgm:linClrLst meth="repeat">
+      <a:schemeClr val="accent5"/>
+    </dgm:linClrLst>
+    <dgm:effectClrLst/>
+    <dgm:txLinClrLst/>
+    <dgm:txFillClrLst meth="repeat">
+      <a:schemeClr val="lt1"/>
+    </dgm:txFillClrLst>
+    <dgm:txEffectClrLst/>
+  </dgm:styleLbl>
+  <dgm:styleLbl name="fgShp">
+    <dgm:fillClrLst meth="repeat">
+      <a:schemeClr val="accent5">
+        <a:tint val="40000"/>
       </a:schemeClr>
     </dgm:fillClrLst>
     <dgm:linClrLst meth="repeat">
@@ -1370,6 +3071,906 @@
     <dgm:cxn modelId="{0735F60A-D64C-4D35-98FE-9F96D3100164}" type="presParOf" srcId="{79C44F55-4A29-4A40-953B-FE542866EF02}" destId="{866023F1-DC15-42DF-882D-A5F8F84D6776}" srcOrd="14" destOrd="0" presId="urn:microsoft.com/office/officeart/2005/8/layout/vList2"/>
     <dgm:cxn modelId="{8FA72D56-E9EE-4FCA-A4D8-B6FDBD45CFDA}" type="presParOf" srcId="{79C44F55-4A29-4A40-953B-FE542866EF02}" destId="{CF651C60-F6DF-4F59-BD53-6507FCA81AD8}" srcOrd="15" destOrd="0" presId="urn:microsoft.com/office/officeart/2005/8/layout/vList2"/>
     <dgm:cxn modelId="{4F4696B6-D1DD-4436-B307-EB309D6E6D94}" type="presParOf" srcId="{79C44F55-4A29-4A40-953B-FE542866EF02}" destId="{F3C0A485-228A-479B-9988-254CA5E2D1E0}" srcOrd="16" destOrd="0" presId="urn:microsoft.com/office/officeart/2005/8/layout/vList2"/>
+  </dgm:cxnLst>
+  <dgm:bg/>
+  <dgm:whole/>
+  <dgm:extLst>
+    <a:ext uri="http://schemas.microsoft.com/office/drawing/2008/diagram">
+      <dsp:dataModelExt xmlns:dsp="http://schemas.microsoft.com/office/drawing/2008/diagram" relId="rId6" minVer="http://schemas.openxmlformats.org/drawingml/2006/diagram"/>
+    </a:ext>
+  </dgm:extLst>
+</dgm:dataModel>
+</file>
+
+<file path=ppt/diagrams/data2.xml><?xml version="1.0" encoding="utf-8"?>
+<dgm:dataModel xmlns:dgm="http://schemas.openxmlformats.org/drawingml/2006/diagram" xmlns:a="http://schemas.openxmlformats.org/drawingml/2006/main">
+  <dgm:ptLst>
+    <dgm:pt modelId="{DDAF1E0E-D82E-4757-8340-3D1421EBBE4F}" type="doc">
+      <dgm:prSet loTypeId="urn:microsoft.com/office/officeart/2016/7/layout/BasicLinearProcessNumbered" loCatId="process" qsTypeId="urn:microsoft.com/office/officeart/2005/8/quickstyle/simple1" qsCatId="simple" csTypeId="urn:microsoft.com/office/officeart/2005/8/colors/colorful1" csCatId="colorful"/>
+      <dgm:spPr/>
+      <dgm:t>
+        <a:bodyPr/>
+        <a:lstStyle/>
+        <a:p>
+          <a:endParaRPr lang="en-US"/>
+        </a:p>
+      </dgm:t>
+    </dgm:pt>
+    <dgm:pt modelId="{F534866A-8582-42C1-B346-C1D5F83E8E1B}">
+      <dgm:prSet/>
+      <dgm:spPr/>
+      <dgm:t>
+        <a:bodyPr/>
+        <a:lstStyle/>
+        <a:p>
+          <a:pPr algn="ctr"/>
+          <a:r>
+            <a:rPr lang="en-US" dirty="0"/>
+            <a:t>Increase My Core Skills in Computer Networking</a:t>
+          </a:r>
+        </a:p>
+      </dgm:t>
+    </dgm:pt>
+    <dgm:pt modelId="{0A5568B0-1B98-47D2-80F4-B4C6DF9C42C7}" type="parTrans" cxnId="{E84A47A9-2FDE-4FD8-86A4-AB9BBE83F7AF}">
+      <dgm:prSet/>
+      <dgm:spPr/>
+      <dgm:t>
+        <a:bodyPr/>
+        <a:lstStyle/>
+        <a:p>
+          <a:endParaRPr lang="en-US"/>
+        </a:p>
+      </dgm:t>
+    </dgm:pt>
+    <dgm:pt modelId="{D3E37489-355B-497D-B214-A7BE6F908458}" type="sibTrans" cxnId="{E84A47A9-2FDE-4FD8-86A4-AB9BBE83F7AF}">
+      <dgm:prSet phldrT="1" phldr="0"/>
+      <dgm:spPr/>
+      <dgm:t>
+        <a:bodyPr/>
+        <a:lstStyle/>
+        <a:p>
+          <a:r>
+            <a:rPr lang="en-US"/>
+            <a:t>1</a:t>
+          </a:r>
+        </a:p>
+      </dgm:t>
+    </dgm:pt>
+    <dgm:pt modelId="{E00FA308-A2D5-4311-AAD3-8A9A2D7B97B4}">
+      <dgm:prSet/>
+      <dgm:spPr/>
+      <dgm:t>
+        <a:bodyPr/>
+        <a:lstStyle/>
+        <a:p>
+          <a:pPr algn="ctr"/>
+          <a:r>
+            <a:rPr lang="en-US" dirty="0"/>
+            <a:t>Secure a job and Advance my position</a:t>
+          </a:r>
+        </a:p>
+      </dgm:t>
+    </dgm:pt>
+    <dgm:pt modelId="{6136016C-0D0B-4BA3-AF14-672B4AD55851}" type="parTrans" cxnId="{DB718D1A-6496-4220-838C-C84742AE69CF}">
+      <dgm:prSet/>
+      <dgm:spPr/>
+      <dgm:t>
+        <a:bodyPr/>
+        <a:lstStyle/>
+        <a:p>
+          <a:endParaRPr lang="en-US"/>
+        </a:p>
+      </dgm:t>
+    </dgm:pt>
+    <dgm:pt modelId="{74274139-9960-44D4-95D7-245AD7EE0A74}" type="sibTrans" cxnId="{DB718D1A-6496-4220-838C-C84742AE69CF}">
+      <dgm:prSet phldrT="2" phldr="0"/>
+      <dgm:spPr/>
+      <dgm:t>
+        <a:bodyPr/>
+        <a:lstStyle/>
+        <a:p>
+          <a:r>
+            <a:rPr lang="en-US"/>
+            <a:t>2</a:t>
+          </a:r>
+        </a:p>
+      </dgm:t>
+    </dgm:pt>
+    <dgm:pt modelId="{1A917C11-1814-4CED-B532-E735909D308C}">
+      <dgm:prSet/>
+      <dgm:spPr/>
+      <dgm:t>
+        <a:bodyPr/>
+        <a:lstStyle/>
+        <a:p>
+          <a:pPr algn="ctr"/>
+          <a:r>
+            <a:rPr lang="en-US" dirty="0"/>
+            <a:t>Obtain Certifications for my desired field</a:t>
+          </a:r>
+        </a:p>
+      </dgm:t>
+    </dgm:pt>
+    <dgm:pt modelId="{108813F5-2B36-43B9-860F-2A3552F8D94D}" type="parTrans" cxnId="{3111D729-726C-4E41-AB3E-583069CE5861}">
+      <dgm:prSet/>
+      <dgm:spPr/>
+      <dgm:t>
+        <a:bodyPr/>
+        <a:lstStyle/>
+        <a:p>
+          <a:endParaRPr lang="en-US"/>
+        </a:p>
+      </dgm:t>
+    </dgm:pt>
+    <dgm:pt modelId="{1D4CEFAB-078C-4997-B21C-FCDBEA456CF9}" type="sibTrans" cxnId="{3111D729-726C-4E41-AB3E-583069CE5861}">
+      <dgm:prSet phldrT="3" phldr="0"/>
+      <dgm:spPr/>
+      <dgm:t>
+        <a:bodyPr/>
+        <a:lstStyle/>
+        <a:p>
+          <a:r>
+            <a:rPr lang="en-US"/>
+            <a:t>3</a:t>
+          </a:r>
+        </a:p>
+      </dgm:t>
+    </dgm:pt>
+    <dgm:pt modelId="{A77D31FD-D4D0-4B4A-B90D-BB2FDEF25A5E}">
+      <dgm:prSet/>
+      <dgm:spPr/>
+      <dgm:t>
+        <a:bodyPr/>
+        <a:lstStyle/>
+        <a:p>
+          <a:pPr algn="ctr"/>
+          <a:r>
+            <a:rPr lang="en-US" dirty="0"/>
+            <a:t>Become an Expert in Cyber Security</a:t>
+          </a:r>
+        </a:p>
+      </dgm:t>
+    </dgm:pt>
+    <dgm:pt modelId="{A952CC38-BEDF-46C0-874F-1DD085973E3E}" type="parTrans" cxnId="{FDAE5A70-B022-44C6-AB2E-05F2AABFDDD8}">
+      <dgm:prSet/>
+      <dgm:spPr/>
+      <dgm:t>
+        <a:bodyPr/>
+        <a:lstStyle/>
+        <a:p>
+          <a:endParaRPr lang="en-US"/>
+        </a:p>
+      </dgm:t>
+    </dgm:pt>
+    <dgm:pt modelId="{1B1ED2B8-82DA-4926-A166-7DB954CBB706}" type="sibTrans" cxnId="{FDAE5A70-B022-44C6-AB2E-05F2AABFDDD8}">
+      <dgm:prSet phldrT="4" phldr="0"/>
+      <dgm:spPr/>
+      <dgm:t>
+        <a:bodyPr/>
+        <a:lstStyle/>
+        <a:p>
+          <a:r>
+            <a:rPr lang="en-US"/>
+            <a:t>4</a:t>
+          </a:r>
+        </a:p>
+      </dgm:t>
+    </dgm:pt>
+    <dgm:pt modelId="{108E94A1-D3A1-4742-81B5-0B5AC48A401D}">
+      <dgm:prSet/>
+      <dgm:spPr/>
+      <dgm:t>
+        <a:bodyPr/>
+        <a:lstStyle/>
+        <a:p>
+          <a:pPr algn="ctr"/>
+          <a:r>
+            <a:rPr lang="en-US" dirty="0"/>
+            <a:t>Continue to Increase my Emotional Intelligence</a:t>
+          </a:r>
+        </a:p>
+      </dgm:t>
+    </dgm:pt>
+    <dgm:pt modelId="{38FD9BDF-C52D-45D7-987C-82384D117738}" type="parTrans" cxnId="{5BFFCED6-6BB1-4401-9D28-9D8324EC96B4}">
+      <dgm:prSet/>
+      <dgm:spPr/>
+      <dgm:t>
+        <a:bodyPr/>
+        <a:lstStyle/>
+        <a:p>
+          <a:endParaRPr lang="en-US"/>
+        </a:p>
+      </dgm:t>
+    </dgm:pt>
+    <dgm:pt modelId="{69E54CED-CABF-43A8-97CF-FC964843EDAA}" type="sibTrans" cxnId="{5BFFCED6-6BB1-4401-9D28-9D8324EC96B4}">
+      <dgm:prSet phldrT="5" phldr="0"/>
+      <dgm:spPr/>
+      <dgm:t>
+        <a:bodyPr/>
+        <a:lstStyle/>
+        <a:p>
+          <a:r>
+            <a:rPr lang="en-US"/>
+            <a:t>5</a:t>
+          </a:r>
+        </a:p>
+      </dgm:t>
+    </dgm:pt>
+    <dgm:pt modelId="{1E9D1135-20A9-428E-8557-A6D672022CC9}" type="pres">
+      <dgm:prSet presAssocID="{DDAF1E0E-D82E-4757-8340-3D1421EBBE4F}" presName="Name0" presStyleCnt="0">
+        <dgm:presLayoutVars>
+          <dgm:animLvl val="lvl"/>
+          <dgm:resizeHandles val="exact"/>
+        </dgm:presLayoutVars>
+      </dgm:prSet>
+      <dgm:spPr/>
+    </dgm:pt>
+    <dgm:pt modelId="{D67833F2-BBC7-4FD2-9B73-8C5C2E85D89E}" type="pres">
+      <dgm:prSet presAssocID="{F534866A-8582-42C1-B346-C1D5F83E8E1B}" presName="compositeNode" presStyleCnt="0">
+        <dgm:presLayoutVars>
+          <dgm:bulletEnabled val="1"/>
+        </dgm:presLayoutVars>
+      </dgm:prSet>
+      <dgm:spPr/>
+    </dgm:pt>
+    <dgm:pt modelId="{AF455807-EC54-415D-B18E-F9EF3B2E5652}" type="pres">
+      <dgm:prSet presAssocID="{F534866A-8582-42C1-B346-C1D5F83E8E1B}" presName="bgRect" presStyleLbl="bgAccFollowNode1" presStyleIdx="0" presStyleCnt="5"/>
+      <dgm:spPr/>
+    </dgm:pt>
+    <dgm:pt modelId="{798CFE94-52B3-4942-BFDB-762BFAD6828F}" type="pres">
+      <dgm:prSet presAssocID="{D3E37489-355B-497D-B214-A7BE6F908458}" presName="sibTransNodeCircle" presStyleLbl="alignNode1" presStyleIdx="0" presStyleCnt="10">
+        <dgm:presLayoutVars>
+          <dgm:chMax val="0"/>
+          <dgm:bulletEnabled/>
+        </dgm:presLayoutVars>
+      </dgm:prSet>
+      <dgm:spPr/>
+    </dgm:pt>
+    <dgm:pt modelId="{B262EE7B-D295-4019-AC33-292FE5C5D59F}" type="pres">
+      <dgm:prSet presAssocID="{F534866A-8582-42C1-B346-C1D5F83E8E1B}" presName="bottomLine" presStyleLbl="alignNode1" presStyleIdx="1" presStyleCnt="10">
+        <dgm:presLayoutVars/>
+      </dgm:prSet>
+      <dgm:spPr/>
+    </dgm:pt>
+    <dgm:pt modelId="{CB2F74C9-C5DF-4D3D-997E-262DAD1164A7}" type="pres">
+      <dgm:prSet presAssocID="{F534866A-8582-42C1-B346-C1D5F83E8E1B}" presName="nodeText" presStyleLbl="bgAccFollowNode1" presStyleIdx="0" presStyleCnt="5">
+        <dgm:presLayoutVars>
+          <dgm:bulletEnabled val="1"/>
+        </dgm:presLayoutVars>
+      </dgm:prSet>
+      <dgm:spPr/>
+    </dgm:pt>
+    <dgm:pt modelId="{01F88A5F-74D6-41B6-B88A-318714A2D238}" type="pres">
+      <dgm:prSet presAssocID="{D3E37489-355B-497D-B214-A7BE6F908458}" presName="sibTrans" presStyleCnt="0"/>
+      <dgm:spPr/>
+    </dgm:pt>
+    <dgm:pt modelId="{10061A84-8D28-4407-B793-230326F21E11}" type="pres">
+      <dgm:prSet presAssocID="{E00FA308-A2D5-4311-AAD3-8A9A2D7B97B4}" presName="compositeNode" presStyleCnt="0">
+        <dgm:presLayoutVars>
+          <dgm:bulletEnabled val="1"/>
+        </dgm:presLayoutVars>
+      </dgm:prSet>
+      <dgm:spPr/>
+    </dgm:pt>
+    <dgm:pt modelId="{5C5EB018-6786-45F1-BA9C-29F42969EE6D}" type="pres">
+      <dgm:prSet presAssocID="{E00FA308-A2D5-4311-AAD3-8A9A2D7B97B4}" presName="bgRect" presStyleLbl="bgAccFollowNode1" presStyleIdx="1" presStyleCnt="5"/>
+      <dgm:spPr/>
+    </dgm:pt>
+    <dgm:pt modelId="{E14B838D-007A-4333-AF15-772FA5D601AE}" type="pres">
+      <dgm:prSet presAssocID="{74274139-9960-44D4-95D7-245AD7EE0A74}" presName="sibTransNodeCircle" presStyleLbl="alignNode1" presStyleIdx="2" presStyleCnt="10">
+        <dgm:presLayoutVars>
+          <dgm:chMax val="0"/>
+          <dgm:bulletEnabled/>
+        </dgm:presLayoutVars>
+      </dgm:prSet>
+      <dgm:spPr/>
+    </dgm:pt>
+    <dgm:pt modelId="{60EAAF3C-3DEF-4711-A872-0D29F5133745}" type="pres">
+      <dgm:prSet presAssocID="{E00FA308-A2D5-4311-AAD3-8A9A2D7B97B4}" presName="bottomLine" presStyleLbl="alignNode1" presStyleIdx="3" presStyleCnt="10">
+        <dgm:presLayoutVars/>
+      </dgm:prSet>
+      <dgm:spPr/>
+    </dgm:pt>
+    <dgm:pt modelId="{AECA9B19-6DCA-4EFB-94C2-79AC2AAF829E}" type="pres">
+      <dgm:prSet presAssocID="{E00FA308-A2D5-4311-AAD3-8A9A2D7B97B4}" presName="nodeText" presStyleLbl="bgAccFollowNode1" presStyleIdx="1" presStyleCnt="5">
+        <dgm:presLayoutVars>
+          <dgm:bulletEnabled val="1"/>
+        </dgm:presLayoutVars>
+      </dgm:prSet>
+      <dgm:spPr/>
+    </dgm:pt>
+    <dgm:pt modelId="{D1A6B534-C217-4D01-8E1F-BA95BFE0918A}" type="pres">
+      <dgm:prSet presAssocID="{74274139-9960-44D4-95D7-245AD7EE0A74}" presName="sibTrans" presStyleCnt="0"/>
+      <dgm:spPr/>
+    </dgm:pt>
+    <dgm:pt modelId="{1C18778E-3D14-4795-8783-97661A638D30}" type="pres">
+      <dgm:prSet presAssocID="{1A917C11-1814-4CED-B532-E735909D308C}" presName="compositeNode" presStyleCnt="0">
+        <dgm:presLayoutVars>
+          <dgm:bulletEnabled val="1"/>
+        </dgm:presLayoutVars>
+      </dgm:prSet>
+      <dgm:spPr/>
+    </dgm:pt>
+    <dgm:pt modelId="{3B55ED92-34A1-47FE-B983-EAD1CC5116D5}" type="pres">
+      <dgm:prSet presAssocID="{1A917C11-1814-4CED-B532-E735909D308C}" presName="bgRect" presStyleLbl="bgAccFollowNode1" presStyleIdx="2" presStyleCnt="5"/>
+      <dgm:spPr/>
+    </dgm:pt>
+    <dgm:pt modelId="{E5DE74E4-E591-44F8-BEE7-44350B85CAC9}" type="pres">
+      <dgm:prSet presAssocID="{1D4CEFAB-078C-4997-B21C-FCDBEA456CF9}" presName="sibTransNodeCircle" presStyleLbl="alignNode1" presStyleIdx="4" presStyleCnt="10">
+        <dgm:presLayoutVars>
+          <dgm:chMax val="0"/>
+          <dgm:bulletEnabled/>
+        </dgm:presLayoutVars>
+      </dgm:prSet>
+      <dgm:spPr/>
+    </dgm:pt>
+    <dgm:pt modelId="{4AF63D6E-D9A4-4BB8-B0A3-F3A67BFD4517}" type="pres">
+      <dgm:prSet presAssocID="{1A917C11-1814-4CED-B532-E735909D308C}" presName="bottomLine" presStyleLbl="alignNode1" presStyleIdx="5" presStyleCnt="10">
+        <dgm:presLayoutVars/>
+      </dgm:prSet>
+      <dgm:spPr/>
+    </dgm:pt>
+    <dgm:pt modelId="{08A2758F-EE16-4C77-A4BE-BF4109203F3D}" type="pres">
+      <dgm:prSet presAssocID="{1A917C11-1814-4CED-B532-E735909D308C}" presName="nodeText" presStyleLbl="bgAccFollowNode1" presStyleIdx="2" presStyleCnt="5">
+        <dgm:presLayoutVars>
+          <dgm:bulletEnabled val="1"/>
+        </dgm:presLayoutVars>
+      </dgm:prSet>
+      <dgm:spPr/>
+    </dgm:pt>
+    <dgm:pt modelId="{673CB247-C397-4058-B584-D87F68BE94D8}" type="pres">
+      <dgm:prSet presAssocID="{1D4CEFAB-078C-4997-B21C-FCDBEA456CF9}" presName="sibTrans" presStyleCnt="0"/>
+      <dgm:spPr/>
+    </dgm:pt>
+    <dgm:pt modelId="{B2B435A7-E339-4ED9-B306-99814A833EE3}" type="pres">
+      <dgm:prSet presAssocID="{A77D31FD-D4D0-4B4A-B90D-BB2FDEF25A5E}" presName="compositeNode" presStyleCnt="0">
+        <dgm:presLayoutVars>
+          <dgm:bulletEnabled val="1"/>
+        </dgm:presLayoutVars>
+      </dgm:prSet>
+      <dgm:spPr/>
+    </dgm:pt>
+    <dgm:pt modelId="{4F5D155A-E1B6-48C8-948C-3C9BBC989713}" type="pres">
+      <dgm:prSet presAssocID="{A77D31FD-D4D0-4B4A-B90D-BB2FDEF25A5E}" presName="bgRect" presStyleLbl="bgAccFollowNode1" presStyleIdx="3" presStyleCnt="5"/>
+      <dgm:spPr/>
+    </dgm:pt>
+    <dgm:pt modelId="{DAC73490-B22A-4865-8C1F-21F2BDAB214C}" type="pres">
+      <dgm:prSet presAssocID="{1B1ED2B8-82DA-4926-A166-7DB954CBB706}" presName="sibTransNodeCircle" presStyleLbl="alignNode1" presStyleIdx="6" presStyleCnt="10">
+        <dgm:presLayoutVars>
+          <dgm:chMax val="0"/>
+          <dgm:bulletEnabled/>
+        </dgm:presLayoutVars>
+      </dgm:prSet>
+      <dgm:spPr/>
+    </dgm:pt>
+    <dgm:pt modelId="{F6430A28-C452-413F-8070-11E3134E01C9}" type="pres">
+      <dgm:prSet presAssocID="{A77D31FD-D4D0-4B4A-B90D-BB2FDEF25A5E}" presName="bottomLine" presStyleLbl="alignNode1" presStyleIdx="7" presStyleCnt="10">
+        <dgm:presLayoutVars/>
+      </dgm:prSet>
+      <dgm:spPr/>
+    </dgm:pt>
+    <dgm:pt modelId="{7C671302-1E08-41D2-9F5B-FF4A5E59714F}" type="pres">
+      <dgm:prSet presAssocID="{A77D31FD-D4D0-4B4A-B90D-BB2FDEF25A5E}" presName="nodeText" presStyleLbl="bgAccFollowNode1" presStyleIdx="3" presStyleCnt="5">
+        <dgm:presLayoutVars>
+          <dgm:bulletEnabled val="1"/>
+        </dgm:presLayoutVars>
+      </dgm:prSet>
+      <dgm:spPr/>
+    </dgm:pt>
+    <dgm:pt modelId="{9DACB7A5-F74A-4FD8-9D06-9986DA8ECCB7}" type="pres">
+      <dgm:prSet presAssocID="{1B1ED2B8-82DA-4926-A166-7DB954CBB706}" presName="sibTrans" presStyleCnt="0"/>
+      <dgm:spPr/>
+    </dgm:pt>
+    <dgm:pt modelId="{0A9B62DD-9AAA-4C78-8EF8-7C6DA8A6F3B1}" type="pres">
+      <dgm:prSet presAssocID="{108E94A1-D3A1-4742-81B5-0B5AC48A401D}" presName="compositeNode" presStyleCnt="0">
+        <dgm:presLayoutVars>
+          <dgm:bulletEnabled val="1"/>
+        </dgm:presLayoutVars>
+      </dgm:prSet>
+      <dgm:spPr/>
+    </dgm:pt>
+    <dgm:pt modelId="{3B9527FD-A163-4384-9CDA-54332718C6F6}" type="pres">
+      <dgm:prSet presAssocID="{108E94A1-D3A1-4742-81B5-0B5AC48A401D}" presName="bgRect" presStyleLbl="bgAccFollowNode1" presStyleIdx="4" presStyleCnt="5"/>
+      <dgm:spPr/>
+    </dgm:pt>
+    <dgm:pt modelId="{14CD8750-70C1-4D56-B3E6-9B6FFEB4CFD2}" type="pres">
+      <dgm:prSet presAssocID="{69E54CED-CABF-43A8-97CF-FC964843EDAA}" presName="sibTransNodeCircle" presStyleLbl="alignNode1" presStyleIdx="8" presStyleCnt="10">
+        <dgm:presLayoutVars>
+          <dgm:chMax val="0"/>
+          <dgm:bulletEnabled/>
+        </dgm:presLayoutVars>
+      </dgm:prSet>
+      <dgm:spPr/>
+    </dgm:pt>
+    <dgm:pt modelId="{A654CB08-C77D-41E8-A4A8-1853F56FE450}" type="pres">
+      <dgm:prSet presAssocID="{108E94A1-D3A1-4742-81B5-0B5AC48A401D}" presName="bottomLine" presStyleLbl="alignNode1" presStyleIdx="9" presStyleCnt="10">
+        <dgm:presLayoutVars/>
+      </dgm:prSet>
+      <dgm:spPr/>
+    </dgm:pt>
+    <dgm:pt modelId="{F9A3E6DA-09EF-41CF-9324-074EC8A2E9A0}" type="pres">
+      <dgm:prSet presAssocID="{108E94A1-D3A1-4742-81B5-0B5AC48A401D}" presName="nodeText" presStyleLbl="bgAccFollowNode1" presStyleIdx="4" presStyleCnt="5">
+        <dgm:presLayoutVars>
+          <dgm:bulletEnabled val="1"/>
+        </dgm:presLayoutVars>
+      </dgm:prSet>
+      <dgm:spPr/>
+    </dgm:pt>
+  </dgm:ptLst>
+  <dgm:cxnLst>
+    <dgm:cxn modelId="{E3758112-2DED-45C9-B03A-85D38624A646}" type="presOf" srcId="{1D4CEFAB-078C-4997-B21C-FCDBEA456CF9}" destId="{E5DE74E4-E591-44F8-BEE7-44350B85CAC9}" srcOrd="0" destOrd="0" presId="urn:microsoft.com/office/officeart/2016/7/layout/BasicLinearProcessNumbered"/>
+    <dgm:cxn modelId="{34962317-68CB-4035-BA43-1564D70FCD9D}" type="presOf" srcId="{E00FA308-A2D5-4311-AAD3-8A9A2D7B97B4}" destId="{AECA9B19-6DCA-4EFB-94C2-79AC2AAF829E}" srcOrd="1" destOrd="0" presId="urn:microsoft.com/office/officeart/2016/7/layout/BasicLinearProcessNumbered"/>
+    <dgm:cxn modelId="{DB718D1A-6496-4220-838C-C84742AE69CF}" srcId="{DDAF1E0E-D82E-4757-8340-3D1421EBBE4F}" destId="{E00FA308-A2D5-4311-AAD3-8A9A2D7B97B4}" srcOrd="1" destOrd="0" parTransId="{6136016C-0D0B-4BA3-AF14-672B4AD55851}" sibTransId="{74274139-9960-44D4-95D7-245AD7EE0A74}"/>
+    <dgm:cxn modelId="{3111D729-726C-4E41-AB3E-583069CE5861}" srcId="{DDAF1E0E-D82E-4757-8340-3D1421EBBE4F}" destId="{1A917C11-1814-4CED-B532-E735909D308C}" srcOrd="2" destOrd="0" parTransId="{108813F5-2B36-43B9-860F-2A3552F8D94D}" sibTransId="{1D4CEFAB-078C-4997-B21C-FCDBEA456CF9}"/>
+    <dgm:cxn modelId="{D535E53E-E9B5-4B8C-BCF6-9659741B09EE}" type="presOf" srcId="{1A917C11-1814-4CED-B532-E735909D308C}" destId="{3B55ED92-34A1-47FE-B983-EAD1CC5116D5}" srcOrd="0" destOrd="0" presId="urn:microsoft.com/office/officeart/2016/7/layout/BasicLinearProcessNumbered"/>
+    <dgm:cxn modelId="{A7CA7B48-AD5B-4828-892B-19549DDF13C9}" type="presOf" srcId="{F534866A-8582-42C1-B346-C1D5F83E8E1B}" destId="{CB2F74C9-C5DF-4D3D-997E-262DAD1164A7}" srcOrd="1" destOrd="0" presId="urn:microsoft.com/office/officeart/2016/7/layout/BasicLinearProcessNumbered"/>
+    <dgm:cxn modelId="{7D7DE36D-1A85-4D94-8C75-7C5CED9EA74E}" type="presOf" srcId="{A77D31FD-D4D0-4B4A-B90D-BB2FDEF25A5E}" destId="{4F5D155A-E1B6-48C8-948C-3C9BBC989713}" srcOrd="0" destOrd="0" presId="urn:microsoft.com/office/officeart/2016/7/layout/BasicLinearProcessNumbered"/>
+    <dgm:cxn modelId="{FDAE5A70-B022-44C6-AB2E-05F2AABFDDD8}" srcId="{DDAF1E0E-D82E-4757-8340-3D1421EBBE4F}" destId="{A77D31FD-D4D0-4B4A-B90D-BB2FDEF25A5E}" srcOrd="3" destOrd="0" parTransId="{A952CC38-BEDF-46C0-874F-1DD085973E3E}" sibTransId="{1B1ED2B8-82DA-4926-A166-7DB954CBB706}"/>
+    <dgm:cxn modelId="{E90B6C5A-A8A0-4A86-80D2-ACC545093752}" type="presOf" srcId="{E00FA308-A2D5-4311-AAD3-8A9A2D7B97B4}" destId="{5C5EB018-6786-45F1-BA9C-29F42969EE6D}" srcOrd="0" destOrd="0" presId="urn:microsoft.com/office/officeart/2016/7/layout/BasicLinearProcessNumbered"/>
+    <dgm:cxn modelId="{CA77887A-A14E-4958-9AC4-4AE77658D066}" type="presOf" srcId="{108E94A1-D3A1-4742-81B5-0B5AC48A401D}" destId="{F9A3E6DA-09EF-41CF-9324-074EC8A2E9A0}" srcOrd="1" destOrd="0" presId="urn:microsoft.com/office/officeart/2016/7/layout/BasicLinearProcessNumbered"/>
+    <dgm:cxn modelId="{3646F97F-1C32-4E40-9CC6-5C3B803008CB}" type="presOf" srcId="{108E94A1-D3A1-4742-81B5-0B5AC48A401D}" destId="{3B9527FD-A163-4384-9CDA-54332718C6F6}" srcOrd="0" destOrd="0" presId="urn:microsoft.com/office/officeart/2016/7/layout/BasicLinearProcessNumbered"/>
+    <dgm:cxn modelId="{19C6FF85-AADE-4AC5-8EBE-EC417BEAC377}" type="presOf" srcId="{1B1ED2B8-82DA-4926-A166-7DB954CBB706}" destId="{DAC73490-B22A-4865-8C1F-21F2BDAB214C}" srcOrd="0" destOrd="0" presId="urn:microsoft.com/office/officeart/2016/7/layout/BasicLinearProcessNumbered"/>
+    <dgm:cxn modelId="{E84A47A9-2FDE-4FD8-86A4-AB9BBE83F7AF}" srcId="{DDAF1E0E-D82E-4757-8340-3D1421EBBE4F}" destId="{F534866A-8582-42C1-B346-C1D5F83E8E1B}" srcOrd="0" destOrd="0" parTransId="{0A5568B0-1B98-47D2-80F4-B4C6DF9C42C7}" sibTransId="{D3E37489-355B-497D-B214-A7BE6F908458}"/>
+    <dgm:cxn modelId="{67A0DBAC-7F00-4269-BB7B-B425D3DF6C44}" type="presOf" srcId="{1A917C11-1814-4CED-B532-E735909D308C}" destId="{08A2758F-EE16-4C77-A4BE-BF4109203F3D}" srcOrd="1" destOrd="0" presId="urn:microsoft.com/office/officeart/2016/7/layout/BasicLinearProcessNumbered"/>
+    <dgm:cxn modelId="{33479FD0-F6C8-4105-A7B6-4B03A3A1B453}" type="presOf" srcId="{D3E37489-355B-497D-B214-A7BE6F908458}" destId="{798CFE94-52B3-4942-BFDB-762BFAD6828F}" srcOrd="0" destOrd="0" presId="urn:microsoft.com/office/officeart/2016/7/layout/BasicLinearProcessNumbered"/>
+    <dgm:cxn modelId="{C417E1D0-47D4-4DD6-8EEF-D4481BF31157}" type="presOf" srcId="{A77D31FD-D4D0-4B4A-B90D-BB2FDEF25A5E}" destId="{7C671302-1E08-41D2-9F5B-FF4A5E59714F}" srcOrd="1" destOrd="0" presId="urn:microsoft.com/office/officeart/2016/7/layout/BasicLinearProcessNumbered"/>
+    <dgm:cxn modelId="{5BFFCED6-6BB1-4401-9D28-9D8324EC96B4}" srcId="{DDAF1E0E-D82E-4757-8340-3D1421EBBE4F}" destId="{108E94A1-D3A1-4742-81B5-0B5AC48A401D}" srcOrd="4" destOrd="0" parTransId="{38FD9BDF-C52D-45D7-987C-82384D117738}" sibTransId="{69E54CED-CABF-43A8-97CF-FC964843EDAA}"/>
+    <dgm:cxn modelId="{6D1C47EA-3D37-4465-82D5-56371F5A74D8}" type="presOf" srcId="{DDAF1E0E-D82E-4757-8340-3D1421EBBE4F}" destId="{1E9D1135-20A9-428E-8557-A6D672022CC9}" srcOrd="0" destOrd="0" presId="urn:microsoft.com/office/officeart/2016/7/layout/BasicLinearProcessNumbered"/>
+    <dgm:cxn modelId="{C4D2C8EA-8C60-42E3-8848-BC8D7EC91EA2}" type="presOf" srcId="{69E54CED-CABF-43A8-97CF-FC964843EDAA}" destId="{14CD8750-70C1-4D56-B3E6-9B6FFEB4CFD2}" srcOrd="0" destOrd="0" presId="urn:microsoft.com/office/officeart/2016/7/layout/BasicLinearProcessNumbered"/>
+    <dgm:cxn modelId="{ACF033ED-5DD6-44BE-9962-A2E47640983D}" type="presOf" srcId="{74274139-9960-44D4-95D7-245AD7EE0A74}" destId="{E14B838D-007A-4333-AF15-772FA5D601AE}" srcOrd="0" destOrd="0" presId="urn:microsoft.com/office/officeart/2016/7/layout/BasicLinearProcessNumbered"/>
+    <dgm:cxn modelId="{FA6289FD-F7B6-40D7-9AE2-C23EDF8FFB06}" type="presOf" srcId="{F534866A-8582-42C1-B346-C1D5F83E8E1B}" destId="{AF455807-EC54-415D-B18E-F9EF3B2E5652}" srcOrd="0" destOrd="0" presId="urn:microsoft.com/office/officeart/2016/7/layout/BasicLinearProcessNumbered"/>
+    <dgm:cxn modelId="{2E088DC9-0526-471E-9091-5125753CD383}" type="presParOf" srcId="{1E9D1135-20A9-428E-8557-A6D672022CC9}" destId="{D67833F2-BBC7-4FD2-9B73-8C5C2E85D89E}" srcOrd="0" destOrd="0" presId="urn:microsoft.com/office/officeart/2016/7/layout/BasicLinearProcessNumbered"/>
+    <dgm:cxn modelId="{36840486-5173-48C6-8993-0B274FC8DAA8}" type="presParOf" srcId="{D67833F2-BBC7-4FD2-9B73-8C5C2E85D89E}" destId="{AF455807-EC54-415D-B18E-F9EF3B2E5652}" srcOrd="0" destOrd="0" presId="urn:microsoft.com/office/officeart/2016/7/layout/BasicLinearProcessNumbered"/>
+    <dgm:cxn modelId="{FA013D31-57CD-4376-99C4-7141501D9687}" type="presParOf" srcId="{D67833F2-BBC7-4FD2-9B73-8C5C2E85D89E}" destId="{798CFE94-52B3-4942-BFDB-762BFAD6828F}" srcOrd="1" destOrd="0" presId="urn:microsoft.com/office/officeart/2016/7/layout/BasicLinearProcessNumbered"/>
+    <dgm:cxn modelId="{A5BA33F8-39F0-43F9-9254-B876ADC80726}" type="presParOf" srcId="{D67833F2-BBC7-4FD2-9B73-8C5C2E85D89E}" destId="{B262EE7B-D295-4019-AC33-292FE5C5D59F}" srcOrd="2" destOrd="0" presId="urn:microsoft.com/office/officeart/2016/7/layout/BasicLinearProcessNumbered"/>
+    <dgm:cxn modelId="{74DF4E89-13C9-4119-9057-8DB030901458}" type="presParOf" srcId="{D67833F2-BBC7-4FD2-9B73-8C5C2E85D89E}" destId="{CB2F74C9-C5DF-4D3D-997E-262DAD1164A7}" srcOrd="3" destOrd="0" presId="urn:microsoft.com/office/officeart/2016/7/layout/BasicLinearProcessNumbered"/>
+    <dgm:cxn modelId="{00542BEE-55F0-43A6-9A21-728981BA5017}" type="presParOf" srcId="{1E9D1135-20A9-428E-8557-A6D672022CC9}" destId="{01F88A5F-74D6-41B6-B88A-318714A2D238}" srcOrd="1" destOrd="0" presId="urn:microsoft.com/office/officeart/2016/7/layout/BasicLinearProcessNumbered"/>
+    <dgm:cxn modelId="{E8B0074D-482B-4DAC-9940-E87E9DCF3D4B}" type="presParOf" srcId="{1E9D1135-20A9-428E-8557-A6D672022CC9}" destId="{10061A84-8D28-4407-B793-230326F21E11}" srcOrd="2" destOrd="0" presId="urn:microsoft.com/office/officeart/2016/7/layout/BasicLinearProcessNumbered"/>
+    <dgm:cxn modelId="{E1DB41C6-C913-48F4-8A9E-A940CCB112F8}" type="presParOf" srcId="{10061A84-8D28-4407-B793-230326F21E11}" destId="{5C5EB018-6786-45F1-BA9C-29F42969EE6D}" srcOrd="0" destOrd="0" presId="urn:microsoft.com/office/officeart/2016/7/layout/BasicLinearProcessNumbered"/>
+    <dgm:cxn modelId="{1DF92EBE-5F6C-42FA-B2D8-7EF3AF2B75F4}" type="presParOf" srcId="{10061A84-8D28-4407-B793-230326F21E11}" destId="{E14B838D-007A-4333-AF15-772FA5D601AE}" srcOrd="1" destOrd="0" presId="urn:microsoft.com/office/officeart/2016/7/layout/BasicLinearProcessNumbered"/>
+    <dgm:cxn modelId="{C12A686A-7600-4157-8E30-C508B9C17DDB}" type="presParOf" srcId="{10061A84-8D28-4407-B793-230326F21E11}" destId="{60EAAF3C-3DEF-4711-A872-0D29F5133745}" srcOrd="2" destOrd="0" presId="urn:microsoft.com/office/officeart/2016/7/layout/BasicLinearProcessNumbered"/>
+    <dgm:cxn modelId="{6FA1CABA-3AD8-4EA0-ABC3-3868B87504DF}" type="presParOf" srcId="{10061A84-8D28-4407-B793-230326F21E11}" destId="{AECA9B19-6DCA-4EFB-94C2-79AC2AAF829E}" srcOrd="3" destOrd="0" presId="urn:microsoft.com/office/officeart/2016/7/layout/BasicLinearProcessNumbered"/>
+    <dgm:cxn modelId="{50DDC1A7-1B22-4A9C-BEF8-8EE3A8E142A6}" type="presParOf" srcId="{1E9D1135-20A9-428E-8557-A6D672022CC9}" destId="{D1A6B534-C217-4D01-8E1F-BA95BFE0918A}" srcOrd="3" destOrd="0" presId="urn:microsoft.com/office/officeart/2016/7/layout/BasicLinearProcessNumbered"/>
+    <dgm:cxn modelId="{6D031B99-12F2-43A4-9F63-250915988E37}" type="presParOf" srcId="{1E9D1135-20A9-428E-8557-A6D672022CC9}" destId="{1C18778E-3D14-4795-8783-97661A638D30}" srcOrd="4" destOrd="0" presId="urn:microsoft.com/office/officeart/2016/7/layout/BasicLinearProcessNumbered"/>
+    <dgm:cxn modelId="{9479B68D-667E-4BD1-8B29-326326D5192A}" type="presParOf" srcId="{1C18778E-3D14-4795-8783-97661A638D30}" destId="{3B55ED92-34A1-47FE-B983-EAD1CC5116D5}" srcOrd="0" destOrd="0" presId="urn:microsoft.com/office/officeart/2016/7/layout/BasicLinearProcessNumbered"/>
+    <dgm:cxn modelId="{1156611B-279F-4A9B-9484-4592A792BEEA}" type="presParOf" srcId="{1C18778E-3D14-4795-8783-97661A638D30}" destId="{E5DE74E4-E591-44F8-BEE7-44350B85CAC9}" srcOrd="1" destOrd="0" presId="urn:microsoft.com/office/officeart/2016/7/layout/BasicLinearProcessNumbered"/>
+    <dgm:cxn modelId="{65EDF067-B142-4B11-A1B7-75D3ADDECE83}" type="presParOf" srcId="{1C18778E-3D14-4795-8783-97661A638D30}" destId="{4AF63D6E-D9A4-4BB8-B0A3-F3A67BFD4517}" srcOrd="2" destOrd="0" presId="urn:microsoft.com/office/officeart/2016/7/layout/BasicLinearProcessNumbered"/>
+    <dgm:cxn modelId="{697DEAEB-357D-4247-BDD0-744754ED91DC}" type="presParOf" srcId="{1C18778E-3D14-4795-8783-97661A638D30}" destId="{08A2758F-EE16-4C77-A4BE-BF4109203F3D}" srcOrd="3" destOrd="0" presId="urn:microsoft.com/office/officeart/2016/7/layout/BasicLinearProcessNumbered"/>
+    <dgm:cxn modelId="{1CD47786-D7F4-4D2F-A33A-A9D9BBBD808A}" type="presParOf" srcId="{1E9D1135-20A9-428E-8557-A6D672022CC9}" destId="{673CB247-C397-4058-B584-D87F68BE94D8}" srcOrd="5" destOrd="0" presId="urn:microsoft.com/office/officeart/2016/7/layout/BasicLinearProcessNumbered"/>
+    <dgm:cxn modelId="{04A49841-6E75-4276-B483-2D566E32DA11}" type="presParOf" srcId="{1E9D1135-20A9-428E-8557-A6D672022CC9}" destId="{B2B435A7-E339-4ED9-B306-99814A833EE3}" srcOrd="6" destOrd="0" presId="urn:microsoft.com/office/officeart/2016/7/layout/BasicLinearProcessNumbered"/>
+    <dgm:cxn modelId="{B2B610FB-8DAA-4759-8320-295E818470DB}" type="presParOf" srcId="{B2B435A7-E339-4ED9-B306-99814A833EE3}" destId="{4F5D155A-E1B6-48C8-948C-3C9BBC989713}" srcOrd="0" destOrd="0" presId="urn:microsoft.com/office/officeart/2016/7/layout/BasicLinearProcessNumbered"/>
+    <dgm:cxn modelId="{F26C3339-857F-4D04-B910-E9137A0B3F32}" type="presParOf" srcId="{B2B435A7-E339-4ED9-B306-99814A833EE3}" destId="{DAC73490-B22A-4865-8C1F-21F2BDAB214C}" srcOrd="1" destOrd="0" presId="urn:microsoft.com/office/officeart/2016/7/layout/BasicLinearProcessNumbered"/>
+    <dgm:cxn modelId="{D5FA0093-036F-49B5-B68E-F22F54CDCCD3}" type="presParOf" srcId="{B2B435A7-E339-4ED9-B306-99814A833EE3}" destId="{F6430A28-C452-413F-8070-11E3134E01C9}" srcOrd="2" destOrd="0" presId="urn:microsoft.com/office/officeart/2016/7/layout/BasicLinearProcessNumbered"/>
+    <dgm:cxn modelId="{E3C9D651-E24A-4EC1-ABA3-7871C9778624}" type="presParOf" srcId="{B2B435A7-E339-4ED9-B306-99814A833EE3}" destId="{7C671302-1E08-41D2-9F5B-FF4A5E59714F}" srcOrd="3" destOrd="0" presId="urn:microsoft.com/office/officeart/2016/7/layout/BasicLinearProcessNumbered"/>
+    <dgm:cxn modelId="{3C9A2DC3-E1C0-4715-8DAD-6AE58CA9E888}" type="presParOf" srcId="{1E9D1135-20A9-428E-8557-A6D672022CC9}" destId="{9DACB7A5-F74A-4FD8-9D06-9986DA8ECCB7}" srcOrd="7" destOrd="0" presId="urn:microsoft.com/office/officeart/2016/7/layout/BasicLinearProcessNumbered"/>
+    <dgm:cxn modelId="{FFA996B5-3214-4929-BC36-0122B3146C44}" type="presParOf" srcId="{1E9D1135-20A9-428E-8557-A6D672022CC9}" destId="{0A9B62DD-9AAA-4C78-8EF8-7C6DA8A6F3B1}" srcOrd="8" destOrd="0" presId="urn:microsoft.com/office/officeart/2016/7/layout/BasicLinearProcessNumbered"/>
+    <dgm:cxn modelId="{8EDFA224-30DB-4C2A-93AC-259D11F0D8FD}" type="presParOf" srcId="{0A9B62DD-9AAA-4C78-8EF8-7C6DA8A6F3B1}" destId="{3B9527FD-A163-4384-9CDA-54332718C6F6}" srcOrd="0" destOrd="0" presId="urn:microsoft.com/office/officeart/2016/7/layout/BasicLinearProcessNumbered"/>
+    <dgm:cxn modelId="{1C486C85-66BC-4FC5-AF73-51DE7EFF1BC8}" type="presParOf" srcId="{0A9B62DD-9AAA-4C78-8EF8-7C6DA8A6F3B1}" destId="{14CD8750-70C1-4D56-B3E6-9B6FFEB4CFD2}" srcOrd="1" destOrd="0" presId="urn:microsoft.com/office/officeart/2016/7/layout/BasicLinearProcessNumbered"/>
+    <dgm:cxn modelId="{4E768320-F88B-43C1-BFCB-ED6803C1AC9E}" type="presParOf" srcId="{0A9B62DD-9AAA-4C78-8EF8-7C6DA8A6F3B1}" destId="{A654CB08-C77D-41E8-A4A8-1853F56FE450}" srcOrd="2" destOrd="0" presId="urn:microsoft.com/office/officeart/2016/7/layout/BasicLinearProcessNumbered"/>
+    <dgm:cxn modelId="{8A11423A-71D9-420B-9552-3A4475CF7EA9}" type="presParOf" srcId="{0A9B62DD-9AAA-4C78-8EF8-7C6DA8A6F3B1}" destId="{F9A3E6DA-09EF-41CF-9324-074EC8A2E9A0}" srcOrd="3" destOrd="0" presId="urn:microsoft.com/office/officeart/2016/7/layout/BasicLinearProcessNumbered"/>
+  </dgm:cxnLst>
+  <dgm:bg/>
+  <dgm:whole/>
+  <dgm:extLst>
+    <a:ext uri="http://schemas.microsoft.com/office/drawing/2008/diagram">
+      <dsp:dataModelExt xmlns:dsp="http://schemas.microsoft.com/office/drawing/2008/diagram" relId="rId6" minVer="http://schemas.openxmlformats.org/drawingml/2006/diagram"/>
+    </a:ext>
+  </dgm:extLst>
+</dgm:dataModel>
+</file>
+
+<file path=ppt/diagrams/data3.xml><?xml version="1.0" encoding="utf-8"?>
+<dgm:dataModel xmlns:dgm="http://schemas.openxmlformats.org/drawingml/2006/diagram" xmlns:a="http://schemas.openxmlformats.org/drawingml/2006/main">
+  <dgm:ptLst>
+    <dgm:pt modelId="{3E300673-4381-482E-AA21-2A9DC3FE67A7}" type="doc">
+      <dgm:prSet loTypeId="urn:microsoft.com/office/officeart/2005/8/layout/list1" loCatId="list" qsTypeId="urn:microsoft.com/office/officeart/2005/8/quickstyle/simple1" qsCatId="simple" csTypeId="urn:microsoft.com/office/officeart/2005/8/colors/colorful5" csCatId="colorful"/>
+      <dgm:spPr/>
+      <dgm:t>
+        <a:bodyPr/>
+        <a:lstStyle/>
+        <a:p>
+          <a:endParaRPr lang="en-US"/>
+        </a:p>
+      </dgm:t>
+    </dgm:pt>
+    <dgm:pt modelId="{5E53D061-009A-4A42-A6BD-665B7F71D070}">
+      <dgm:prSet/>
+      <dgm:spPr/>
+      <dgm:t>
+        <a:bodyPr/>
+        <a:lstStyle/>
+        <a:p>
+          <a:r>
+            <a:rPr lang="en-US"/>
+            <a:t>Supporter of Local Artists</a:t>
+          </a:r>
+        </a:p>
+      </dgm:t>
+    </dgm:pt>
+    <dgm:pt modelId="{E2E85B5D-4028-4B49-857B-C5CFF19915B9}" type="parTrans" cxnId="{BB9C2BC6-7B86-477C-B694-3F15F58613BC}">
+      <dgm:prSet/>
+      <dgm:spPr/>
+      <dgm:t>
+        <a:bodyPr/>
+        <a:lstStyle/>
+        <a:p>
+          <a:endParaRPr lang="en-US"/>
+        </a:p>
+      </dgm:t>
+    </dgm:pt>
+    <dgm:pt modelId="{6F68A748-0321-413A-A74A-59173F7002DF}" type="sibTrans" cxnId="{BB9C2BC6-7B86-477C-B694-3F15F58613BC}">
+      <dgm:prSet/>
+      <dgm:spPr/>
+      <dgm:t>
+        <a:bodyPr/>
+        <a:lstStyle/>
+        <a:p>
+          <a:endParaRPr lang="en-US"/>
+        </a:p>
+      </dgm:t>
+    </dgm:pt>
+    <dgm:pt modelId="{97E8B338-B88A-43AC-AB4A-92FA430CECE0}">
+      <dgm:prSet/>
+      <dgm:spPr/>
+      <dgm:t>
+        <a:bodyPr/>
+        <a:lstStyle/>
+        <a:p>
+          <a:r>
+            <a:rPr lang="en-US"/>
+            <a:t>Champion of Regional Musicians</a:t>
+          </a:r>
+        </a:p>
+      </dgm:t>
+    </dgm:pt>
+    <dgm:pt modelId="{A8EB196B-E867-497F-A290-6B806006BF70}" type="parTrans" cxnId="{16905DA1-AA8D-4A4D-A0E8-3D7C64C14436}">
+      <dgm:prSet/>
+      <dgm:spPr/>
+      <dgm:t>
+        <a:bodyPr/>
+        <a:lstStyle/>
+        <a:p>
+          <a:endParaRPr lang="en-US"/>
+        </a:p>
+      </dgm:t>
+    </dgm:pt>
+    <dgm:pt modelId="{EE78EA1A-628E-4042-B140-74CBD4A49A12}" type="sibTrans" cxnId="{16905DA1-AA8D-4A4D-A0E8-3D7C64C14436}">
+      <dgm:prSet/>
+      <dgm:spPr/>
+      <dgm:t>
+        <a:bodyPr/>
+        <a:lstStyle/>
+        <a:p>
+          <a:endParaRPr lang="en-US"/>
+        </a:p>
+      </dgm:t>
+    </dgm:pt>
+    <dgm:pt modelId="{41BDC280-337D-4338-9B48-86A8ED621A86}">
+      <dgm:prSet/>
+      <dgm:spPr/>
+      <dgm:t>
+        <a:bodyPr/>
+        <a:lstStyle/>
+        <a:p>
+          <a:r>
+            <a:rPr lang="en-US"/>
+            <a:t>Fraternity of Neighborhoods</a:t>
+          </a:r>
+        </a:p>
+      </dgm:t>
+    </dgm:pt>
+    <dgm:pt modelId="{102EE7CE-A670-4678-9D32-7837FC6EBA64}" type="parTrans" cxnId="{9F923B1A-6607-48A9-B651-0A2CE06258D8}">
+      <dgm:prSet/>
+      <dgm:spPr/>
+      <dgm:t>
+        <a:bodyPr/>
+        <a:lstStyle/>
+        <a:p>
+          <a:endParaRPr lang="en-US"/>
+        </a:p>
+      </dgm:t>
+    </dgm:pt>
+    <dgm:pt modelId="{CBFBCFEC-46E5-4BBF-B06C-0C49E4C991F7}" type="sibTrans" cxnId="{9F923B1A-6607-48A9-B651-0A2CE06258D8}">
+      <dgm:prSet/>
+      <dgm:spPr/>
+      <dgm:t>
+        <a:bodyPr/>
+        <a:lstStyle/>
+        <a:p>
+          <a:endParaRPr lang="en-US"/>
+        </a:p>
+      </dgm:t>
+    </dgm:pt>
+    <dgm:pt modelId="{F5DD6138-FF4C-49CF-AA24-E7782BFF38CD}">
+      <dgm:prSet/>
+      <dgm:spPr/>
+      <dgm:t>
+        <a:bodyPr/>
+        <a:lstStyle/>
+        <a:p>
+          <a:r>
+            <a:rPr lang="en-US"/>
+            <a:t>Food Bank Volunteer</a:t>
+          </a:r>
+        </a:p>
+      </dgm:t>
+    </dgm:pt>
+    <dgm:pt modelId="{2907BAEE-12AA-41E5-9031-A459A65E1522}" type="parTrans" cxnId="{459E2BE3-A3DE-49A3-81DD-BED217CBCB6F}">
+      <dgm:prSet/>
+      <dgm:spPr/>
+      <dgm:t>
+        <a:bodyPr/>
+        <a:lstStyle/>
+        <a:p>
+          <a:endParaRPr lang="en-US"/>
+        </a:p>
+      </dgm:t>
+    </dgm:pt>
+    <dgm:pt modelId="{0775A11A-6C5C-4219-88CE-FEB72A2337E8}" type="sibTrans" cxnId="{459E2BE3-A3DE-49A3-81DD-BED217CBCB6F}">
+      <dgm:prSet/>
+      <dgm:spPr/>
+      <dgm:t>
+        <a:bodyPr/>
+        <a:lstStyle/>
+        <a:p>
+          <a:endParaRPr lang="en-US"/>
+        </a:p>
+      </dgm:t>
+    </dgm:pt>
+    <dgm:pt modelId="{C4D63A08-F4F4-4E66-8171-9FDF4DCB8105}">
+      <dgm:prSet/>
+      <dgm:spPr/>
+      <dgm:t>
+        <a:bodyPr/>
+        <a:lstStyle/>
+        <a:p>
+          <a:r>
+            <a:rPr lang="en-US"/>
+            <a:t>Handyman for the Elderly and Needy</a:t>
+          </a:r>
+        </a:p>
+      </dgm:t>
+    </dgm:pt>
+    <dgm:pt modelId="{9772495E-5045-4918-8631-9430E28F77FE}" type="parTrans" cxnId="{33FA602E-9E13-4BE2-B8F5-0DE07047E1FE}">
+      <dgm:prSet/>
+      <dgm:spPr/>
+      <dgm:t>
+        <a:bodyPr/>
+        <a:lstStyle/>
+        <a:p>
+          <a:endParaRPr lang="en-US"/>
+        </a:p>
+      </dgm:t>
+    </dgm:pt>
+    <dgm:pt modelId="{8C463470-2C6E-4119-9716-3BC674682EA8}" type="sibTrans" cxnId="{33FA602E-9E13-4BE2-B8F5-0DE07047E1FE}">
+      <dgm:prSet/>
+      <dgm:spPr/>
+      <dgm:t>
+        <a:bodyPr/>
+        <a:lstStyle/>
+        <a:p>
+          <a:endParaRPr lang="en-US"/>
+        </a:p>
+      </dgm:t>
+    </dgm:pt>
+    <dgm:pt modelId="{E1F09CEA-C29F-49B0-920C-0A8D940C82C3}" type="pres">
+      <dgm:prSet presAssocID="{3E300673-4381-482E-AA21-2A9DC3FE67A7}" presName="linear" presStyleCnt="0">
+        <dgm:presLayoutVars>
+          <dgm:dir/>
+          <dgm:animLvl val="lvl"/>
+          <dgm:resizeHandles val="exact"/>
+        </dgm:presLayoutVars>
+      </dgm:prSet>
+      <dgm:spPr/>
+    </dgm:pt>
+    <dgm:pt modelId="{58BEAB84-6CEF-48EC-92E7-6CFE37B820E9}" type="pres">
+      <dgm:prSet presAssocID="{5E53D061-009A-4A42-A6BD-665B7F71D070}" presName="parentLin" presStyleCnt="0"/>
+      <dgm:spPr/>
+    </dgm:pt>
+    <dgm:pt modelId="{B570F3AE-CF6A-41F8-BC24-48A5DC454F6A}" type="pres">
+      <dgm:prSet presAssocID="{5E53D061-009A-4A42-A6BD-665B7F71D070}" presName="parentLeftMargin" presStyleLbl="node1" presStyleIdx="0" presStyleCnt="5"/>
+      <dgm:spPr/>
+    </dgm:pt>
+    <dgm:pt modelId="{462E5AEB-D4F8-4C24-8A74-2F0607650CAB}" type="pres">
+      <dgm:prSet presAssocID="{5E53D061-009A-4A42-A6BD-665B7F71D070}" presName="parentText" presStyleLbl="node1" presStyleIdx="0" presStyleCnt="5">
+        <dgm:presLayoutVars>
+          <dgm:chMax val="0"/>
+          <dgm:bulletEnabled val="1"/>
+        </dgm:presLayoutVars>
+      </dgm:prSet>
+      <dgm:spPr/>
+    </dgm:pt>
+    <dgm:pt modelId="{2C175869-CBE4-41F0-8C26-4AA2E058FAD1}" type="pres">
+      <dgm:prSet presAssocID="{5E53D061-009A-4A42-A6BD-665B7F71D070}" presName="negativeSpace" presStyleCnt="0"/>
+      <dgm:spPr/>
+    </dgm:pt>
+    <dgm:pt modelId="{909521E2-6C10-4142-A273-43AE1C42364B}" type="pres">
+      <dgm:prSet presAssocID="{5E53D061-009A-4A42-A6BD-665B7F71D070}" presName="childText" presStyleLbl="conFgAcc1" presStyleIdx="0" presStyleCnt="5">
+        <dgm:presLayoutVars>
+          <dgm:bulletEnabled val="1"/>
+        </dgm:presLayoutVars>
+      </dgm:prSet>
+      <dgm:spPr/>
+    </dgm:pt>
+    <dgm:pt modelId="{3596171D-D129-4901-BBEB-2EDB23DF5DCC}" type="pres">
+      <dgm:prSet presAssocID="{6F68A748-0321-413A-A74A-59173F7002DF}" presName="spaceBetweenRectangles" presStyleCnt="0"/>
+      <dgm:spPr/>
+    </dgm:pt>
+    <dgm:pt modelId="{5AD52FA2-92C3-43FF-B5BB-EA6327C963F3}" type="pres">
+      <dgm:prSet presAssocID="{97E8B338-B88A-43AC-AB4A-92FA430CECE0}" presName="parentLin" presStyleCnt="0"/>
+      <dgm:spPr/>
+    </dgm:pt>
+    <dgm:pt modelId="{B94B6046-7382-4966-8A60-587FAA6A4BA2}" type="pres">
+      <dgm:prSet presAssocID="{97E8B338-B88A-43AC-AB4A-92FA430CECE0}" presName="parentLeftMargin" presStyleLbl="node1" presStyleIdx="0" presStyleCnt="5"/>
+      <dgm:spPr/>
+    </dgm:pt>
+    <dgm:pt modelId="{F8AC33FC-6447-441A-8A66-62A61123D225}" type="pres">
+      <dgm:prSet presAssocID="{97E8B338-B88A-43AC-AB4A-92FA430CECE0}" presName="parentText" presStyleLbl="node1" presStyleIdx="1" presStyleCnt="5">
+        <dgm:presLayoutVars>
+          <dgm:chMax val="0"/>
+          <dgm:bulletEnabled val="1"/>
+        </dgm:presLayoutVars>
+      </dgm:prSet>
+      <dgm:spPr/>
+    </dgm:pt>
+    <dgm:pt modelId="{ECE5F48B-6C25-4656-BEB4-668725C9CB53}" type="pres">
+      <dgm:prSet presAssocID="{97E8B338-B88A-43AC-AB4A-92FA430CECE0}" presName="negativeSpace" presStyleCnt="0"/>
+      <dgm:spPr/>
+    </dgm:pt>
+    <dgm:pt modelId="{CDB4E377-D1B5-4280-A231-4BFB6AD54C6D}" type="pres">
+      <dgm:prSet presAssocID="{97E8B338-B88A-43AC-AB4A-92FA430CECE0}" presName="childText" presStyleLbl="conFgAcc1" presStyleIdx="1" presStyleCnt="5">
+        <dgm:presLayoutVars>
+          <dgm:bulletEnabled val="1"/>
+        </dgm:presLayoutVars>
+      </dgm:prSet>
+      <dgm:spPr/>
+    </dgm:pt>
+    <dgm:pt modelId="{E83C794F-1504-4FC3-9190-18340916F04F}" type="pres">
+      <dgm:prSet presAssocID="{EE78EA1A-628E-4042-B140-74CBD4A49A12}" presName="spaceBetweenRectangles" presStyleCnt="0"/>
+      <dgm:spPr/>
+    </dgm:pt>
+    <dgm:pt modelId="{189D4A53-05A5-4CD0-9F1B-729FB9E48A15}" type="pres">
+      <dgm:prSet presAssocID="{41BDC280-337D-4338-9B48-86A8ED621A86}" presName="parentLin" presStyleCnt="0"/>
+      <dgm:spPr/>
+    </dgm:pt>
+    <dgm:pt modelId="{9D2BD924-A6D1-4049-8A0B-4D4F8F4DA9FD}" type="pres">
+      <dgm:prSet presAssocID="{41BDC280-337D-4338-9B48-86A8ED621A86}" presName="parentLeftMargin" presStyleLbl="node1" presStyleIdx="1" presStyleCnt="5"/>
+      <dgm:spPr/>
+    </dgm:pt>
+    <dgm:pt modelId="{FECA583D-FFA2-44B9-AC67-BA8C412937F0}" type="pres">
+      <dgm:prSet presAssocID="{41BDC280-337D-4338-9B48-86A8ED621A86}" presName="parentText" presStyleLbl="node1" presStyleIdx="2" presStyleCnt="5">
+        <dgm:presLayoutVars>
+          <dgm:chMax val="0"/>
+          <dgm:bulletEnabled val="1"/>
+        </dgm:presLayoutVars>
+      </dgm:prSet>
+      <dgm:spPr/>
+    </dgm:pt>
+    <dgm:pt modelId="{96477271-EF73-4BD7-8692-4DD7D9C814EC}" type="pres">
+      <dgm:prSet presAssocID="{41BDC280-337D-4338-9B48-86A8ED621A86}" presName="negativeSpace" presStyleCnt="0"/>
+      <dgm:spPr/>
+    </dgm:pt>
+    <dgm:pt modelId="{15F98F29-DB56-42C3-AA1F-B13B79A7303B}" type="pres">
+      <dgm:prSet presAssocID="{41BDC280-337D-4338-9B48-86A8ED621A86}" presName="childText" presStyleLbl="conFgAcc1" presStyleIdx="2" presStyleCnt="5">
+        <dgm:presLayoutVars>
+          <dgm:bulletEnabled val="1"/>
+        </dgm:presLayoutVars>
+      </dgm:prSet>
+      <dgm:spPr/>
+    </dgm:pt>
+    <dgm:pt modelId="{BEBA8D8B-9818-4108-8912-E9B7F84EE651}" type="pres">
+      <dgm:prSet presAssocID="{CBFBCFEC-46E5-4BBF-B06C-0C49E4C991F7}" presName="spaceBetweenRectangles" presStyleCnt="0"/>
+      <dgm:spPr/>
+    </dgm:pt>
+    <dgm:pt modelId="{5A20399F-40B3-426F-B74A-C1BFE0CCEEC5}" type="pres">
+      <dgm:prSet presAssocID="{F5DD6138-FF4C-49CF-AA24-E7782BFF38CD}" presName="parentLin" presStyleCnt="0"/>
+      <dgm:spPr/>
+    </dgm:pt>
+    <dgm:pt modelId="{EAD671A3-7165-47D0-BA66-5FE700F20348}" type="pres">
+      <dgm:prSet presAssocID="{F5DD6138-FF4C-49CF-AA24-E7782BFF38CD}" presName="parentLeftMargin" presStyleLbl="node1" presStyleIdx="2" presStyleCnt="5"/>
+      <dgm:spPr/>
+    </dgm:pt>
+    <dgm:pt modelId="{A61B5E37-6647-4FAD-A8E2-335543C7D5A9}" type="pres">
+      <dgm:prSet presAssocID="{F5DD6138-FF4C-49CF-AA24-E7782BFF38CD}" presName="parentText" presStyleLbl="node1" presStyleIdx="3" presStyleCnt="5">
+        <dgm:presLayoutVars>
+          <dgm:chMax val="0"/>
+          <dgm:bulletEnabled val="1"/>
+        </dgm:presLayoutVars>
+      </dgm:prSet>
+      <dgm:spPr/>
+    </dgm:pt>
+    <dgm:pt modelId="{C78D70FF-68B0-4E4D-A3D4-E92E73196503}" type="pres">
+      <dgm:prSet presAssocID="{F5DD6138-FF4C-49CF-AA24-E7782BFF38CD}" presName="negativeSpace" presStyleCnt="0"/>
+      <dgm:spPr/>
+    </dgm:pt>
+    <dgm:pt modelId="{AE4B7FB6-1974-43D5-8CBB-633477E853EA}" type="pres">
+      <dgm:prSet presAssocID="{F5DD6138-FF4C-49CF-AA24-E7782BFF38CD}" presName="childText" presStyleLbl="conFgAcc1" presStyleIdx="3" presStyleCnt="5">
+        <dgm:presLayoutVars>
+          <dgm:bulletEnabled val="1"/>
+        </dgm:presLayoutVars>
+      </dgm:prSet>
+      <dgm:spPr/>
+    </dgm:pt>
+    <dgm:pt modelId="{71F96543-B8E3-4FD3-9772-ED88198BE4CD}" type="pres">
+      <dgm:prSet presAssocID="{0775A11A-6C5C-4219-88CE-FEB72A2337E8}" presName="spaceBetweenRectangles" presStyleCnt="0"/>
+      <dgm:spPr/>
+    </dgm:pt>
+    <dgm:pt modelId="{AD160708-6336-43DA-8FE3-CA67D2BFE359}" type="pres">
+      <dgm:prSet presAssocID="{C4D63A08-F4F4-4E66-8171-9FDF4DCB8105}" presName="parentLin" presStyleCnt="0"/>
+      <dgm:spPr/>
+    </dgm:pt>
+    <dgm:pt modelId="{EF06EA3E-1CCB-4683-AACC-756D0516D310}" type="pres">
+      <dgm:prSet presAssocID="{C4D63A08-F4F4-4E66-8171-9FDF4DCB8105}" presName="parentLeftMargin" presStyleLbl="node1" presStyleIdx="3" presStyleCnt="5"/>
+      <dgm:spPr/>
+    </dgm:pt>
+    <dgm:pt modelId="{99BEE97C-B9F7-412B-9B3C-E68AF9C7DF12}" type="pres">
+      <dgm:prSet presAssocID="{C4D63A08-F4F4-4E66-8171-9FDF4DCB8105}" presName="parentText" presStyleLbl="node1" presStyleIdx="4" presStyleCnt="5">
+        <dgm:presLayoutVars>
+          <dgm:chMax val="0"/>
+          <dgm:bulletEnabled val="1"/>
+        </dgm:presLayoutVars>
+      </dgm:prSet>
+      <dgm:spPr/>
+    </dgm:pt>
+    <dgm:pt modelId="{6D1ECD4F-6705-4C46-860E-E87F2A3649EA}" type="pres">
+      <dgm:prSet presAssocID="{C4D63A08-F4F4-4E66-8171-9FDF4DCB8105}" presName="negativeSpace" presStyleCnt="0"/>
+      <dgm:spPr/>
+    </dgm:pt>
+    <dgm:pt modelId="{FF370FF0-2E3E-4D35-A874-0CD27075AE31}" type="pres">
+      <dgm:prSet presAssocID="{C4D63A08-F4F4-4E66-8171-9FDF4DCB8105}" presName="childText" presStyleLbl="conFgAcc1" presStyleIdx="4" presStyleCnt="5">
+        <dgm:presLayoutVars>
+          <dgm:bulletEnabled val="1"/>
+        </dgm:presLayoutVars>
+      </dgm:prSet>
+      <dgm:spPr/>
+    </dgm:pt>
+  </dgm:ptLst>
+  <dgm:cxnLst>
+    <dgm:cxn modelId="{5305A214-5781-4865-B333-99522382E141}" type="presOf" srcId="{C4D63A08-F4F4-4E66-8171-9FDF4DCB8105}" destId="{99BEE97C-B9F7-412B-9B3C-E68AF9C7DF12}" srcOrd="1" destOrd="0" presId="urn:microsoft.com/office/officeart/2005/8/layout/list1"/>
+    <dgm:cxn modelId="{9F923B1A-6607-48A9-B651-0A2CE06258D8}" srcId="{3E300673-4381-482E-AA21-2A9DC3FE67A7}" destId="{41BDC280-337D-4338-9B48-86A8ED621A86}" srcOrd="2" destOrd="0" parTransId="{102EE7CE-A670-4678-9D32-7837FC6EBA64}" sibTransId="{CBFBCFEC-46E5-4BBF-B06C-0C49E4C991F7}"/>
+    <dgm:cxn modelId="{52DF1727-6E2F-4FC7-A2D2-8295F0EB606C}" type="presOf" srcId="{5E53D061-009A-4A42-A6BD-665B7F71D070}" destId="{462E5AEB-D4F8-4C24-8A74-2F0607650CAB}" srcOrd="1" destOrd="0" presId="urn:microsoft.com/office/officeart/2005/8/layout/list1"/>
+    <dgm:cxn modelId="{B3978527-AEA8-463E-9ADE-E1E9A9D73F76}" type="presOf" srcId="{F5DD6138-FF4C-49CF-AA24-E7782BFF38CD}" destId="{EAD671A3-7165-47D0-BA66-5FE700F20348}" srcOrd="0" destOrd="0" presId="urn:microsoft.com/office/officeart/2005/8/layout/list1"/>
+    <dgm:cxn modelId="{33FA602E-9E13-4BE2-B8F5-0DE07047E1FE}" srcId="{3E300673-4381-482E-AA21-2A9DC3FE67A7}" destId="{C4D63A08-F4F4-4E66-8171-9FDF4DCB8105}" srcOrd="4" destOrd="0" parTransId="{9772495E-5045-4918-8631-9430E28F77FE}" sibTransId="{8C463470-2C6E-4119-9716-3BC674682EA8}"/>
+    <dgm:cxn modelId="{F10FB634-9132-46DE-857A-6C1C47D8A92E}" type="presOf" srcId="{97E8B338-B88A-43AC-AB4A-92FA430CECE0}" destId="{F8AC33FC-6447-441A-8A66-62A61123D225}" srcOrd="1" destOrd="0" presId="urn:microsoft.com/office/officeart/2005/8/layout/list1"/>
+    <dgm:cxn modelId="{C748DB4B-FFA2-4C6A-88E9-CE4A71F29AAD}" type="presOf" srcId="{41BDC280-337D-4338-9B48-86A8ED621A86}" destId="{9D2BD924-A6D1-4049-8A0B-4D4F8F4DA9FD}" srcOrd="0" destOrd="0" presId="urn:microsoft.com/office/officeart/2005/8/layout/list1"/>
+    <dgm:cxn modelId="{E34F9089-EF12-4952-96BB-61FFDECDC9A1}" type="presOf" srcId="{3E300673-4381-482E-AA21-2A9DC3FE67A7}" destId="{E1F09CEA-C29F-49B0-920C-0A8D940C82C3}" srcOrd="0" destOrd="0" presId="urn:microsoft.com/office/officeart/2005/8/layout/list1"/>
+    <dgm:cxn modelId="{0D8A269E-A97E-49BD-A80F-CC57A5592851}" type="presOf" srcId="{41BDC280-337D-4338-9B48-86A8ED621A86}" destId="{FECA583D-FFA2-44B9-AC67-BA8C412937F0}" srcOrd="1" destOrd="0" presId="urn:microsoft.com/office/officeart/2005/8/layout/list1"/>
+    <dgm:cxn modelId="{DBA830A0-2D36-416A-865B-31DE273676CA}" type="presOf" srcId="{97E8B338-B88A-43AC-AB4A-92FA430CECE0}" destId="{B94B6046-7382-4966-8A60-587FAA6A4BA2}" srcOrd="0" destOrd="0" presId="urn:microsoft.com/office/officeart/2005/8/layout/list1"/>
+    <dgm:cxn modelId="{16905DA1-AA8D-4A4D-A0E8-3D7C64C14436}" srcId="{3E300673-4381-482E-AA21-2A9DC3FE67A7}" destId="{97E8B338-B88A-43AC-AB4A-92FA430CECE0}" srcOrd="1" destOrd="0" parTransId="{A8EB196B-E867-497F-A290-6B806006BF70}" sibTransId="{EE78EA1A-628E-4042-B140-74CBD4A49A12}"/>
+    <dgm:cxn modelId="{D6944AB6-2E85-4012-904C-D8280BBB88BF}" type="presOf" srcId="{5E53D061-009A-4A42-A6BD-665B7F71D070}" destId="{B570F3AE-CF6A-41F8-BC24-48A5DC454F6A}" srcOrd="0" destOrd="0" presId="urn:microsoft.com/office/officeart/2005/8/layout/list1"/>
+    <dgm:cxn modelId="{BB9C2BC6-7B86-477C-B694-3F15F58613BC}" srcId="{3E300673-4381-482E-AA21-2A9DC3FE67A7}" destId="{5E53D061-009A-4A42-A6BD-665B7F71D070}" srcOrd="0" destOrd="0" parTransId="{E2E85B5D-4028-4B49-857B-C5CFF19915B9}" sibTransId="{6F68A748-0321-413A-A74A-59173F7002DF}"/>
+    <dgm:cxn modelId="{4AE360CE-039A-4AB0-8080-BB977016A44F}" type="presOf" srcId="{C4D63A08-F4F4-4E66-8171-9FDF4DCB8105}" destId="{EF06EA3E-1CCB-4683-AACC-756D0516D310}" srcOrd="0" destOrd="0" presId="urn:microsoft.com/office/officeart/2005/8/layout/list1"/>
+    <dgm:cxn modelId="{4465BEDE-5D9C-4B26-AD0E-42991315D0CF}" type="presOf" srcId="{F5DD6138-FF4C-49CF-AA24-E7782BFF38CD}" destId="{A61B5E37-6647-4FAD-A8E2-335543C7D5A9}" srcOrd="1" destOrd="0" presId="urn:microsoft.com/office/officeart/2005/8/layout/list1"/>
+    <dgm:cxn modelId="{459E2BE3-A3DE-49A3-81DD-BED217CBCB6F}" srcId="{3E300673-4381-482E-AA21-2A9DC3FE67A7}" destId="{F5DD6138-FF4C-49CF-AA24-E7782BFF38CD}" srcOrd="3" destOrd="0" parTransId="{2907BAEE-12AA-41E5-9031-A459A65E1522}" sibTransId="{0775A11A-6C5C-4219-88CE-FEB72A2337E8}"/>
+    <dgm:cxn modelId="{CAE11156-0CCA-43E8-8561-73136E87F2D1}" type="presParOf" srcId="{E1F09CEA-C29F-49B0-920C-0A8D940C82C3}" destId="{58BEAB84-6CEF-48EC-92E7-6CFE37B820E9}" srcOrd="0" destOrd="0" presId="urn:microsoft.com/office/officeart/2005/8/layout/list1"/>
+    <dgm:cxn modelId="{14BBF38D-86E7-4C70-A527-75E9EBC3E953}" type="presParOf" srcId="{58BEAB84-6CEF-48EC-92E7-6CFE37B820E9}" destId="{B570F3AE-CF6A-41F8-BC24-48A5DC454F6A}" srcOrd="0" destOrd="0" presId="urn:microsoft.com/office/officeart/2005/8/layout/list1"/>
+    <dgm:cxn modelId="{F65C058C-52B2-4472-96E8-83C9C7029D41}" type="presParOf" srcId="{58BEAB84-6CEF-48EC-92E7-6CFE37B820E9}" destId="{462E5AEB-D4F8-4C24-8A74-2F0607650CAB}" srcOrd="1" destOrd="0" presId="urn:microsoft.com/office/officeart/2005/8/layout/list1"/>
+    <dgm:cxn modelId="{244EDD57-EBDE-49A7-86AD-3191C942A7D1}" type="presParOf" srcId="{E1F09CEA-C29F-49B0-920C-0A8D940C82C3}" destId="{2C175869-CBE4-41F0-8C26-4AA2E058FAD1}" srcOrd="1" destOrd="0" presId="urn:microsoft.com/office/officeart/2005/8/layout/list1"/>
+    <dgm:cxn modelId="{E80D6949-95AA-4669-9B79-C870C7EFF9C7}" type="presParOf" srcId="{E1F09CEA-C29F-49B0-920C-0A8D940C82C3}" destId="{909521E2-6C10-4142-A273-43AE1C42364B}" srcOrd="2" destOrd="0" presId="urn:microsoft.com/office/officeart/2005/8/layout/list1"/>
+    <dgm:cxn modelId="{71592C79-298F-43F6-928B-01B34268BBEC}" type="presParOf" srcId="{E1F09CEA-C29F-49B0-920C-0A8D940C82C3}" destId="{3596171D-D129-4901-BBEB-2EDB23DF5DCC}" srcOrd="3" destOrd="0" presId="urn:microsoft.com/office/officeart/2005/8/layout/list1"/>
+    <dgm:cxn modelId="{CD150022-82D4-416E-9BB1-96DE21E23B8B}" type="presParOf" srcId="{E1F09CEA-C29F-49B0-920C-0A8D940C82C3}" destId="{5AD52FA2-92C3-43FF-B5BB-EA6327C963F3}" srcOrd="4" destOrd="0" presId="urn:microsoft.com/office/officeart/2005/8/layout/list1"/>
+    <dgm:cxn modelId="{DF121C50-A130-45C7-8CBA-30C228A1F5E0}" type="presParOf" srcId="{5AD52FA2-92C3-43FF-B5BB-EA6327C963F3}" destId="{B94B6046-7382-4966-8A60-587FAA6A4BA2}" srcOrd="0" destOrd="0" presId="urn:microsoft.com/office/officeart/2005/8/layout/list1"/>
+    <dgm:cxn modelId="{D323CD66-10C5-4003-A2B0-C8CCDEEB106E}" type="presParOf" srcId="{5AD52FA2-92C3-43FF-B5BB-EA6327C963F3}" destId="{F8AC33FC-6447-441A-8A66-62A61123D225}" srcOrd="1" destOrd="0" presId="urn:microsoft.com/office/officeart/2005/8/layout/list1"/>
+    <dgm:cxn modelId="{58A1D39D-B775-49C5-A106-82E826D39A07}" type="presParOf" srcId="{E1F09CEA-C29F-49B0-920C-0A8D940C82C3}" destId="{ECE5F48B-6C25-4656-BEB4-668725C9CB53}" srcOrd="5" destOrd="0" presId="urn:microsoft.com/office/officeart/2005/8/layout/list1"/>
+    <dgm:cxn modelId="{A35DE86A-E4E4-41CB-99EB-8BD711D853CD}" type="presParOf" srcId="{E1F09CEA-C29F-49B0-920C-0A8D940C82C3}" destId="{CDB4E377-D1B5-4280-A231-4BFB6AD54C6D}" srcOrd="6" destOrd="0" presId="urn:microsoft.com/office/officeart/2005/8/layout/list1"/>
+    <dgm:cxn modelId="{EE28061E-8298-4C19-A264-A23D36C30EF5}" type="presParOf" srcId="{E1F09CEA-C29F-49B0-920C-0A8D940C82C3}" destId="{E83C794F-1504-4FC3-9190-18340916F04F}" srcOrd="7" destOrd="0" presId="urn:microsoft.com/office/officeart/2005/8/layout/list1"/>
+    <dgm:cxn modelId="{1D94DABA-D67D-46E3-9C46-9654998310DB}" type="presParOf" srcId="{E1F09CEA-C29F-49B0-920C-0A8D940C82C3}" destId="{189D4A53-05A5-4CD0-9F1B-729FB9E48A15}" srcOrd="8" destOrd="0" presId="urn:microsoft.com/office/officeart/2005/8/layout/list1"/>
+    <dgm:cxn modelId="{0B7896E2-2E3D-4DFF-9211-06FAFD399809}" type="presParOf" srcId="{189D4A53-05A5-4CD0-9F1B-729FB9E48A15}" destId="{9D2BD924-A6D1-4049-8A0B-4D4F8F4DA9FD}" srcOrd="0" destOrd="0" presId="urn:microsoft.com/office/officeart/2005/8/layout/list1"/>
+    <dgm:cxn modelId="{72A245CD-F008-4295-BB0F-3420A922EAA1}" type="presParOf" srcId="{189D4A53-05A5-4CD0-9F1B-729FB9E48A15}" destId="{FECA583D-FFA2-44B9-AC67-BA8C412937F0}" srcOrd="1" destOrd="0" presId="urn:microsoft.com/office/officeart/2005/8/layout/list1"/>
+    <dgm:cxn modelId="{2C3B643D-DE3B-4C4E-931D-F8EB9868016A}" type="presParOf" srcId="{E1F09CEA-C29F-49B0-920C-0A8D940C82C3}" destId="{96477271-EF73-4BD7-8692-4DD7D9C814EC}" srcOrd="9" destOrd="0" presId="urn:microsoft.com/office/officeart/2005/8/layout/list1"/>
+    <dgm:cxn modelId="{79BBB8FC-FF82-4F81-A063-AA2828C10DA6}" type="presParOf" srcId="{E1F09CEA-C29F-49B0-920C-0A8D940C82C3}" destId="{15F98F29-DB56-42C3-AA1F-B13B79A7303B}" srcOrd="10" destOrd="0" presId="urn:microsoft.com/office/officeart/2005/8/layout/list1"/>
+    <dgm:cxn modelId="{26CB5403-670F-4DF4-A31D-DA4193883A5D}" type="presParOf" srcId="{E1F09CEA-C29F-49B0-920C-0A8D940C82C3}" destId="{BEBA8D8B-9818-4108-8912-E9B7F84EE651}" srcOrd="11" destOrd="0" presId="urn:microsoft.com/office/officeart/2005/8/layout/list1"/>
+    <dgm:cxn modelId="{10A5085F-CA7E-4BD9-A734-1BC2E541C0CE}" type="presParOf" srcId="{E1F09CEA-C29F-49B0-920C-0A8D940C82C3}" destId="{5A20399F-40B3-426F-B74A-C1BFE0CCEEC5}" srcOrd="12" destOrd="0" presId="urn:microsoft.com/office/officeart/2005/8/layout/list1"/>
+    <dgm:cxn modelId="{96B5E671-7C39-49A5-95AD-B970F2778AA1}" type="presParOf" srcId="{5A20399F-40B3-426F-B74A-C1BFE0CCEEC5}" destId="{EAD671A3-7165-47D0-BA66-5FE700F20348}" srcOrd="0" destOrd="0" presId="urn:microsoft.com/office/officeart/2005/8/layout/list1"/>
+    <dgm:cxn modelId="{BD9DC8A6-ABBF-476D-B017-CA2343E8A6D9}" type="presParOf" srcId="{5A20399F-40B3-426F-B74A-C1BFE0CCEEC5}" destId="{A61B5E37-6647-4FAD-A8E2-335543C7D5A9}" srcOrd="1" destOrd="0" presId="urn:microsoft.com/office/officeart/2005/8/layout/list1"/>
+    <dgm:cxn modelId="{7989714B-622A-46D7-B25B-DFA359E0C3E5}" type="presParOf" srcId="{E1F09CEA-C29F-49B0-920C-0A8D940C82C3}" destId="{C78D70FF-68B0-4E4D-A3D4-E92E73196503}" srcOrd="13" destOrd="0" presId="urn:microsoft.com/office/officeart/2005/8/layout/list1"/>
+    <dgm:cxn modelId="{505F1B6D-8FED-4DB5-A710-6FD4D9B24A24}" type="presParOf" srcId="{E1F09CEA-C29F-49B0-920C-0A8D940C82C3}" destId="{AE4B7FB6-1974-43D5-8CBB-633477E853EA}" srcOrd="14" destOrd="0" presId="urn:microsoft.com/office/officeart/2005/8/layout/list1"/>
+    <dgm:cxn modelId="{19C95421-9A3F-4C5A-888F-B8BB6B63D3B7}" type="presParOf" srcId="{E1F09CEA-C29F-49B0-920C-0A8D940C82C3}" destId="{71F96543-B8E3-4FD3-9772-ED88198BE4CD}" srcOrd="15" destOrd="0" presId="urn:microsoft.com/office/officeart/2005/8/layout/list1"/>
+    <dgm:cxn modelId="{F9869BB1-403B-4470-97D8-FC98634AF0FA}" type="presParOf" srcId="{E1F09CEA-C29F-49B0-920C-0A8D940C82C3}" destId="{AD160708-6336-43DA-8FE3-CA67D2BFE359}" srcOrd="16" destOrd="0" presId="urn:microsoft.com/office/officeart/2005/8/layout/list1"/>
+    <dgm:cxn modelId="{E843AA58-CE7F-4420-A7CD-8F52A15E59C4}" type="presParOf" srcId="{AD160708-6336-43DA-8FE3-CA67D2BFE359}" destId="{EF06EA3E-1CCB-4683-AACC-756D0516D310}" srcOrd="0" destOrd="0" presId="urn:microsoft.com/office/officeart/2005/8/layout/list1"/>
+    <dgm:cxn modelId="{6A6FE9B4-EF1F-42CF-AD33-56B79BE1F7CA}" type="presParOf" srcId="{AD160708-6336-43DA-8FE3-CA67D2BFE359}" destId="{99BEE97C-B9F7-412B-9B3C-E68AF9C7DF12}" srcOrd="1" destOrd="0" presId="urn:microsoft.com/office/officeart/2005/8/layout/list1"/>
+    <dgm:cxn modelId="{FCC2675C-D3BB-44D7-9B4A-449220808A13}" type="presParOf" srcId="{E1F09CEA-C29F-49B0-920C-0A8D940C82C3}" destId="{6D1ECD4F-6705-4C46-860E-E87F2A3649EA}" srcOrd="17" destOrd="0" presId="urn:microsoft.com/office/officeart/2005/8/layout/list1"/>
+    <dgm:cxn modelId="{EB5D6F95-BCB5-4CD3-A642-173FFAC6F5E7}" type="presParOf" srcId="{E1F09CEA-C29F-49B0-920C-0A8D940C82C3}" destId="{FF370FF0-2E3E-4D35-A874-0CD27075AE31}" srcOrd="18" destOrd="0" presId="urn:microsoft.com/office/officeart/2005/8/layout/list1"/>
   </dgm:cxnLst>
   <dgm:bg/>
   <dgm:whole/>
@@ -2086,6 +4687,1680 @@
 </dsp:drawing>
 </file>
 
+<file path=ppt/diagrams/drawing2.xml><?xml version="1.0" encoding="utf-8"?>
+<dsp:drawing xmlns:dgm="http://schemas.openxmlformats.org/drawingml/2006/diagram" xmlns:dsp="http://schemas.microsoft.com/office/drawing/2008/diagram" xmlns:a="http://schemas.openxmlformats.org/drawingml/2006/main">
+  <dsp:spTree>
+    <dsp:nvGrpSpPr>
+      <dsp:cNvPr id="0" name=""/>
+      <dsp:cNvGrpSpPr/>
+    </dsp:nvGrpSpPr>
+    <dsp:grpSpPr/>
+    <dsp:sp modelId="{AF455807-EC54-415D-B18E-F9EF3B2E5652}">
+      <dsp:nvSpPr>
+        <dsp:cNvPr id="0" name=""/>
+        <dsp:cNvSpPr/>
+      </dsp:nvSpPr>
+      <dsp:spPr>
+        <a:xfrm>
+          <a:off x="3437" y="590064"/>
+          <a:ext cx="1861393" cy="2605950"/>
+        </a:xfrm>
+        <a:prstGeom prst="rect">
+          <a:avLst/>
+        </a:prstGeom>
+        <a:solidFill>
+          <a:schemeClr val="accent2">
+            <a:tint val="40000"/>
+            <a:alpha val="90000"/>
+            <a:hueOff val="0"/>
+            <a:satOff val="0"/>
+            <a:lumOff val="0"/>
+            <a:alphaOff val="0"/>
+          </a:schemeClr>
+        </a:solidFill>
+        <a:ln w="15875" cap="flat" cmpd="sng" algn="ctr">
+          <a:solidFill>
+            <a:schemeClr val="accent2">
+              <a:tint val="40000"/>
+              <a:alpha val="90000"/>
+              <a:hueOff val="0"/>
+              <a:satOff val="0"/>
+              <a:lumOff val="0"/>
+              <a:alphaOff val="0"/>
+            </a:schemeClr>
+          </a:solidFill>
+          <a:prstDash val="solid"/>
+        </a:ln>
+        <a:effectLst/>
+      </dsp:spPr>
+      <dsp:style>
+        <a:lnRef idx="2">
+          <a:scrgbClr r="0" g="0" b="0"/>
+        </a:lnRef>
+        <a:fillRef idx="1">
+          <a:scrgbClr r="0" g="0" b="0"/>
+        </a:fillRef>
+        <a:effectRef idx="0">
+          <a:scrgbClr r="0" g="0" b="0"/>
+        </a:effectRef>
+        <a:fontRef idx="minor"/>
+      </dsp:style>
+      <dsp:txBody>
+        <a:bodyPr spcFirstLastPara="0" vert="horz" wrap="square" lIns="145121" tIns="330200" rIns="145121" bIns="330200" numCol="1" spcCol="1270" anchor="t" anchorCtr="0">
+          <a:noAutofit/>
+        </a:bodyPr>
+        <a:lstStyle/>
+        <a:p>
+          <a:pPr marL="0" lvl="0" indent="0" algn="ctr" defTabSz="755650">
+            <a:lnSpc>
+              <a:spcPct val="90000"/>
+            </a:lnSpc>
+            <a:spcBef>
+              <a:spcPct val="0"/>
+            </a:spcBef>
+            <a:spcAft>
+              <a:spcPct val="35000"/>
+            </a:spcAft>
+            <a:buNone/>
+          </a:pPr>
+          <a:r>
+            <a:rPr lang="en-US" sz="1700" kern="1200" dirty="0"/>
+            <a:t>Increase My Core Skills in Computer Networking</a:t>
+          </a:r>
+        </a:p>
+      </dsp:txBody>
+      <dsp:txXfrm>
+        <a:off x="3437" y="1580325"/>
+        <a:ext cx="1861393" cy="1563570"/>
+      </dsp:txXfrm>
+    </dsp:sp>
+    <dsp:sp modelId="{798CFE94-52B3-4942-BFDB-762BFAD6828F}">
+      <dsp:nvSpPr>
+        <dsp:cNvPr id="0" name=""/>
+        <dsp:cNvSpPr/>
+      </dsp:nvSpPr>
+      <dsp:spPr>
+        <a:xfrm>
+          <a:off x="543242" y="850659"/>
+          <a:ext cx="781785" cy="781785"/>
+        </a:xfrm>
+        <a:prstGeom prst="ellipse">
+          <a:avLst/>
+        </a:prstGeom>
+        <a:solidFill>
+          <a:schemeClr val="accent2">
+            <a:hueOff val="0"/>
+            <a:satOff val="0"/>
+            <a:lumOff val="0"/>
+            <a:alphaOff val="0"/>
+          </a:schemeClr>
+        </a:solidFill>
+        <a:ln w="15875" cap="flat" cmpd="sng" algn="ctr">
+          <a:solidFill>
+            <a:schemeClr val="accent2">
+              <a:hueOff val="0"/>
+              <a:satOff val="0"/>
+              <a:lumOff val="0"/>
+              <a:alphaOff val="0"/>
+            </a:schemeClr>
+          </a:solidFill>
+          <a:prstDash val="solid"/>
+        </a:ln>
+        <a:effectLst/>
+      </dsp:spPr>
+      <dsp:style>
+        <a:lnRef idx="2">
+          <a:scrgbClr r="0" g="0" b="0"/>
+        </a:lnRef>
+        <a:fillRef idx="1">
+          <a:scrgbClr r="0" g="0" b="0"/>
+        </a:fillRef>
+        <a:effectRef idx="0">
+          <a:scrgbClr r="0" g="0" b="0"/>
+        </a:effectRef>
+        <a:fontRef idx="minor">
+          <a:schemeClr val="lt1"/>
+        </a:fontRef>
+      </dsp:style>
+      <dsp:txBody>
+        <a:bodyPr spcFirstLastPara="0" vert="horz" wrap="square" lIns="60951" tIns="12700" rIns="60951" bIns="12700" numCol="1" spcCol="1270" anchor="ctr" anchorCtr="0">
+          <a:noAutofit/>
+        </a:bodyPr>
+        <a:lstStyle/>
+        <a:p>
+          <a:pPr marL="0" lvl="0" indent="0" algn="ctr" defTabSz="1778000">
+            <a:lnSpc>
+              <a:spcPct val="90000"/>
+            </a:lnSpc>
+            <a:spcBef>
+              <a:spcPct val="0"/>
+            </a:spcBef>
+            <a:spcAft>
+              <a:spcPct val="35000"/>
+            </a:spcAft>
+            <a:buNone/>
+          </a:pPr>
+          <a:r>
+            <a:rPr lang="en-US" sz="4000" kern="1200"/>
+            <a:t>1</a:t>
+          </a:r>
+        </a:p>
+      </dsp:txBody>
+      <dsp:txXfrm>
+        <a:off x="657732" y="965149"/>
+        <a:ext cx="552805" cy="552805"/>
+      </dsp:txXfrm>
+    </dsp:sp>
+    <dsp:sp modelId="{B262EE7B-D295-4019-AC33-292FE5C5D59F}">
+      <dsp:nvSpPr>
+        <dsp:cNvPr id="0" name=""/>
+        <dsp:cNvSpPr/>
+      </dsp:nvSpPr>
+      <dsp:spPr>
+        <a:xfrm>
+          <a:off x="3437" y="3195943"/>
+          <a:ext cx="1861393" cy="72"/>
+        </a:xfrm>
+        <a:prstGeom prst="rect">
+          <a:avLst/>
+        </a:prstGeom>
+        <a:solidFill>
+          <a:schemeClr val="accent3">
+            <a:hueOff val="0"/>
+            <a:satOff val="0"/>
+            <a:lumOff val="0"/>
+            <a:alphaOff val="0"/>
+          </a:schemeClr>
+        </a:solidFill>
+        <a:ln w="15875" cap="flat" cmpd="sng" algn="ctr">
+          <a:solidFill>
+            <a:schemeClr val="accent3">
+              <a:hueOff val="0"/>
+              <a:satOff val="0"/>
+              <a:lumOff val="0"/>
+              <a:alphaOff val="0"/>
+            </a:schemeClr>
+          </a:solidFill>
+          <a:prstDash val="solid"/>
+        </a:ln>
+        <a:effectLst/>
+      </dsp:spPr>
+      <dsp:style>
+        <a:lnRef idx="2">
+          <a:scrgbClr r="0" g="0" b="0"/>
+        </a:lnRef>
+        <a:fillRef idx="1">
+          <a:scrgbClr r="0" g="0" b="0"/>
+        </a:fillRef>
+        <a:effectRef idx="0">
+          <a:scrgbClr r="0" g="0" b="0"/>
+        </a:effectRef>
+        <a:fontRef idx="minor">
+          <a:schemeClr val="lt1"/>
+        </a:fontRef>
+      </dsp:style>
+    </dsp:sp>
+    <dsp:sp modelId="{5C5EB018-6786-45F1-BA9C-29F42969EE6D}">
+      <dsp:nvSpPr>
+        <dsp:cNvPr id="0" name=""/>
+        <dsp:cNvSpPr/>
+      </dsp:nvSpPr>
+      <dsp:spPr>
+        <a:xfrm>
+          <a:off x="2050970" y="590064"/>
+          <a:ext cx="1861393" cy="2605950"/>
+        </a:xfrm>
+        <a:prstGeom prst="rect">
+          <a:avLst/>
+        </a:prstGeom>
+        <a:solidFill>
+          <a:schemeClr val="accent3">
+            <a:tint val="40000"/>
+            <a:alpha val="90000"/>
+            <a:hueOff val="0"/>
+            <a:satOff val="0"/>
+            <a:lumOff val="0"/>
+            <a:alphaOff val="0"/>
+          </a:schemeClr>
+        </a:solidFill>
+        <a:ln w="15875" cap="flat" cmpd="sng" algn="ctr">
+          <a:solidFill>
+            <a:schemeClr val="accent3">
+              <a:tint val="40000"/>
+              <a:alpha val="90000"/>
+              <a:hueOff val="0"/>
+              <a:satOff val="0"/>
+              <a:lumOff val="0"/>
+              <a:alphaOff val="0"/>
+            </a:schemeClr>
+          </a:solidFill>
+          <a:prstDash val="solid"/>
+        </a:ln>
+        <a:effectLst/>
+      </dsp:spPr>
+      <dsp:style>
+        <a:lnRef idx="2">
+          <a:scrgbClr r="0" g="0" b="0"/>
+        </a:lnRef>
+        <a:fillRef idx="1">
+          <a:scrgbClr r="0" g="0" b="0"/>
+        </a:fillRef>
+        <a:effectRef idx="0">
+          <a:scrgbClr r="0" g="0" b="0"/>
+        </a:effectRef>
+        <a:fontRef idx="minor"/>
+      </dsp:style>
+      <dsp:txBody>
+        <a:bodyPr spcFirstLastPara="0" vert="horz" wrap="square" lIns="145121" tIns="330200" rIns="145121" bIns="330200" numCol="1" spcCol="1270" anchor="t" anchorCtr="0">
+          <a:noAutofit/>
+        </a:bodyPr>
+        <a:lstStyle/>
+        <a:p>
+          <a:pPr marL="0" lvl="0" indent="0" algn="ctr" defTabSz="755650">
+            <a:lnSpc>
+              <a:spcPct val="90000"/>
+            </a:lnSpc>
+            <a:spcBef>
+              <a:spcPct val="0"/>
+            </a:spcBef>
+            <a:spcAft>
+              <a:spcPct val="35000"/>
+            </a:spcAft>
+            <a:buNone/>
+          </a:pPr>
+          <a:r>
+            <a:rPr lang="en-US" sz="1700" kern="1200" dirty="0"/>
+            <a:t>Secure a job and Advance my position</a:t>
+          </a:r>
+        </a:p>
+      </dsp:txBody>
+      <dsp:txXfrm>
+        <a:off x="2050970" y="1580325"/>
+        <a:ext cx="1861393" cy="1563570"/>
+      </dsp:txXfrm>
+    </dsp:sp>
+    <dsp:sp modelId="{E14B838D-007A-4333-AF15-772FA5D601AE}">
+      <dsp:nvSpPr>
+        <dsp:cNvPr id="0" name=""/>
+        <dsp:cNvSpPr/>
+      </dsp:nvSpPr>
+      <dsp:spPr>
+        <a:xfrm>
+          <a:off x="2590774" y="850659"/>
+          <a:ext cx="781785" cy="781785"/>
+        </a:xfrm>
+        <a:prstGeom prst="ellipse">
+          <a:avLst/>
+        </a:prstGeom>
+        <a:solidFill>
+          <a:schemeClr val="accent4">
+            <a:hueOff val="0"/>
+            <a:satOff val="0"/>
+            <a:lumOff val="0"/>
+            <a:alphaOff val="0"/>
+          </a:schemeClr>
+        </a:solidFill>
+        <a:ln w="15875" cap="flat" cmpd="sng" algn="ctr">
+          <a:solidFill>
+            <a:schemeClr val="accent4">
+              <a:hueOff val="0"/>
+              <a:satOff val="0"/>
+              <a:lumOff val="0"/>
+              <a:alphaOff val="0"/>
+            </a:schemeClr>
+          </a:solidFill>
+          <a:prstDash val="solid"/>
+        </a:ln>
+        <a:effectLst/>
+      </dsp:spPr>
+      <dsp:style>
+        <a:lnRef idx="2">
+          <a:scrgbClr r="0" g="0" b="0"/>
+        </a:lnRef>
+        <a:fillRef idx="1">
+          <a:scrgbClr r="0" g="0" b="0"/>
+        </a:fillRef>
+        <a:effectRef idx="0">
+          <a:scrgbClr r="0" g="0" b="0"/>
+        </a:effectRef>
+        <a:fontRef idx="minor">
+          <a:schemeClr val="lt1"/>
+        </a:fontRef>
+      </dsp:style>
+      <dsp:txBody>
+        <a:bodyPr spcFirstLastPara="0" vert="horz" wrap="square" lIns="60951" tIns="12700" rIns="60951" bIns="12700" numCol="1" spcCol="1270" anchor="ctr" anchorCtr="0">
+          <a:noAutofit/>
+        </a:bodyPr>
+        <a:lstStyle/>
+        <a:p>
+          <a:pPr marL="0" lvl="0" indent="0" algn="ctr" defTabSz="1778000">
+            <a:lnSpc>
+              <a:spcPct val="90000"/>
+            </a:lnSpc>
+            <a:spcBef>
+              <a:spcPct val="0"/>
+            </a:spcBef>
+            <a:spcAft>
+              <a:spcPct val="35000"/>
+            </a:spcAft>
+            <a:buNone/>
+          </a:pPr>
+          <a:r>
+            <a:rPr lang="en-US" sz="4000" kern="1200"/>
+            <a:t>2</a:t>
+          </a:r>
+        </a:p>
+      </dsp:txBody>
+      <dsp:txXfrm>
+        <a:off x="2705264" y="965149"/>
+        <a:ext cx="552805" cy="552805"/>
+      </dsp:txXfrm>
+    </dsp:sp>
+    <dsp:sp modelId="{60EAAF3C-3DEF-4711-A872-0D29F5133745}">
+      <dsp:nvSpPr>
+        <dsp:cNvPr id="0" name=""/>
+        <dsp:cNvSpPr/>
+      </dsp:nvSpPr>
+      <dsp:spPr>
+        <a:xfrm>
+          <a:off x="2050970" y="3195943"/>
+          <a:ext cx="1861393" cy="72"/>
+        </a:xfrm>
+        <a:prstGeom prst="rect">
+          <a:avLst/>
+        </a:prstGeom>
+        <a:solidFill>
+          <a:schemeClr val="accent5">
+            <a:hueOff val="0"/>
+            <a:satOff val="0"/>
+            <a:lumOff val="0"/>
+            <a:alphaOff val="0"/>
+          </a:schemeClr>
+        </a:solidFill>
+        <a:ln w="15875" cap="flat" cmpd="sng" algn="ctr">
+          <a:solidFill>
+            <a:schemeClr val="accent5">
+              <a:hueOff val="0"/>
+              <a:satOff val="0"/>
+              <a:lumOff val="0"/>
+              <a:alphaOff val="0"/>
+            </a:schemeClr>
+          </a:solidFill>
+          <a:prstDash val="solid"/>
+        </a:ln>
+        <a:effectLst/>
+      </dsp:spPr>
+      <dsp:style>
+        <a:lnRef idx="2">
+          <a:scrgbClr r="0" g="0" b="0"/>
+        </a:lnRef>
+        <a:fillRef idx="1">
+          <a:scrgbClr r="0" g="0" b="0"/>
+        </a:fillRef>
+        <a:effectRef idx="0">
+          <a:scrgbClr r="0" g="0" b="0"/>
+        </a:effectRef>
+        <a:fontRef idx="minor">
+          <a:schemeClr val="lt1"/>
+        </a:fontRef>
+      </dsp:style>
+    </dsp:sp>
+    <dsp:sp modelId="{3B55ED92-34A1-47FE-B983-EAD1CC5116D5}">
+      <dsp:nvSpPr>
+        <dsp:cNvPr id="0" name=""/>
+        <dsp:cNvSpPr/>
+      </dsp:nvSpPr>
+      <dsp:spPr>
+        <a:xfrm>
+          <a:off x="4098503" y="590064"/>
+          <a:ext cx="1861393" cy="2605950"/>
+        </a:xfrm>
+        <a:prstGeom prst="rect">
+          <a:avLst/>
+        </a:prstGeom>
+        <a:solidFill>
+          <a:schemeClr val="accent4">
+            <a:tint val="40000"/>
+            <a:alpha val="90000"/>
+            <a:hueOff val="0"/>
+            <a:satOff val="0"/>
+            <a:lumOff val="0"/>
+            <a:alphaOff val="0"/>
+          </a:schemeClr>
+        </a:solidFill>
+        <a:ln w="15875" cap="flat" cmpd="sng" algn="ctr">
+          <a:solidFill>
+            <a:schemeClr val="accent4">
+              <a:tint val="40000"/>
+              <a:alpha val="90000"/>
+              <a:hueOff val="0"/>
+              <a:satOff val="0"/>
+              <a:lumOff val="0"/>
+              <a:alphaOff val="0"/>
+            </a:schemeClr>
+          </a:solidFill>
+          <a:prstDash val="solid"/>
+        </a:ln>
+        <a:effectLst/>
+      </dsp:spPr>
+      <dsp:style>
+        <a:lnRef idx="2">
+          <a:scrgbClr r="0" g="0" b="0"/>
+        </a:lnRef>
+        <a:fillRef idx="1">
+          <a:scrgbClr r="0" g="0" b="0"/>
+        </a:fillRef>
+        <a:effectRef idx="0">
+          <a:scrgbClr r="0" g="0" b="0"/>
+        </a:effectRef>
+        <a:fontRef idx="minor"/>
+      </dsp:style>
+      <dsp:txBody>
+        <a:bodyPr spcFirstLastPara="0" vert="horz" wrap="square" lIns="145121" tIns="330200" rIns="145121" bIns="330200" numCol="1" spcCol="1270" anchor="t" anchorCtr="0">
+          <a:noAutofit/>
+        </a:bodyPr>
+        <a:lstStyle/>
+        <a:p>
+          <a:pPr marL="0" lvl="0" indent="0" algn="ctr" defTabSz="755650">
+            <a:lnSpc>
+              <a:spcPct val="90000"/>
+            </a:lnSpc>
+            <a:spcBef>
+              <a:spcPct val="0"/>
+            </a:spcBef>
+            <a:spcAft>
+              <a:spcPct val="35000"/>
+            </a:spcAft>
+            <a:buNone/>
+          </a:pPr>
+          <a:r>
+            <a:rPr lang="en-US" sz="1700" kern="1200" dirty="0"/>
+            <a:t>Obtain Certifications for my desired field</a:t>
+          </a:r>
+        </a:p>
+      </dsp:txBody>
+      <dsp:txXfrm>
+        <a:off x="4098503" y="1580325"/>
+        <a:ext cx="1861393" cy="1563570"/>
+      </dsp:txXfrm>
+    </dsp:sp>
+    <dsp:sp modelId="{E5DE74E4-E591-44F8-BEE7-44350B85CAC9}">
+      <dsp:nvSpPr>
+        <dsp:cNvPr id="0" name=""/>
+        <dsp:cNvSpPr/>
+      </dsp:nvSpPr>
+      <dsp:spPr>
+        <a:xfrm>
+          <a:off x="4638307" y="850659"/>
+          <a:ext cx="781785" cy="781785"/>
+        </a:xfrm>
+        <a:prstGeom prst="ellipse">
+          <a:avLst/>
+        </a:prstGeom>
+        <a:solidFill>
+          <a:schemeClr val="accent6">
+            <a:hueOff val="0"/>
+            <a:satOff val="0"/>
+            <a:lumOff val="0"/>
+            <a:alphaOff val="0"/>
+          </a:schemeClr>
+        </a:solidFill>
+        <a:ln w="15875" cap="flat" cmpd="sng" algn="ctr">
+          <a:solidFill>
+            <a:schemeClr val="accent6">
+              <a:hueOff val="0"/>
+              <a:satOff val="0"/>
+              <a:lumOff val="0"/>
+              <a:alphaOff val="0"/>
+            </a:schemeClr>
+          </a:solidFill>
+          <a:prstDash val="solid"/>
+        </a:ln>
+        <a:effectLst/>
+      </dsp:spPr>
+      <dsp:style>
+        <a:lnRef idx="2">
+          <a:scrgbClr r="0" g="0" b="0"/>
+        </a:lnRef>
+        <a:fillRef idx="1">
+          <a:scrgbClr r="0" g="0" b="0"/>
+        </a:fillRef>
+        <a:effectRef idx="0">
+          <a:scrgbClr r="0" g="0" b="0"/>
+        </a:effectRef>
+        <a:fontRef idx="minor">
+          <a:schemeClr val="lt1"/>
+        </a:fontRef>
+      </dsp:style>
+      <dsp:txBody>
+        <a:bodyPr spcFirstLastPara="0" vert="horz" wrap="square" lIns="60951" tIns="12700" rIns="60951" bIns="12700" numCol="1" spcCol="1270" anchor="ctr" anchorCtr="0">
+          <a:noAutofit/>
+        </a:bodyPr>
+        <a:lstStyle/>
+        <a:p>
+          <a:pPr marL="0" lvl="0" indent="0" algn="ctr" defTabSz="1778000">
+            <a:lnSpc>
+              <a:spcPct val="90000"/>
+            </a:lnSpc>
+            <a:spcBef>
+              <a:spcPct val="0"/>
+            </a:spcBef>
+            <a:spcAft>
+              <a:spcPct val="35000"/>
+            </a:spcAft>
+            <a:buNone/>
+          </a:pPr>
+          <a:r>
+            <a:rPr lang="en-US" sz="4000" kern="1200"/>
+            <a:t>3</a:t>
+          </a:r>
+        </a:p>
+      </dsp:txBody>
+      <dsp:txXfrm>
+        <a:off x="4752797" y="965149"/>
+        <a:ext cx="552805" cy="552805"/>
+      </dsp:txXfrm>
+    </dsp:sp>
+    <dsp:sp modelId="{4AF63D6E-D9A4-4BB8-B0A3-F3A67BFD4517}">
+      <dsp:nvSpPr>
+        <dsp:cNvPr id="0" name=""/>
+        <dsp:cNvSpPr/>
+      </dsp:nvSpPr>
+      <dsp:spPr>
+        <a:xfrm>
+          <a:off x="4098503" y="3195943"/>
+          <a:ext cx="1861393" cy="72"/>
+        </a:xfrm>
+        <a:prstGeom prst="rect">
+          <a:avLst/>
+        </a:prstGeom>
+        <a:solidFill>
+          <a:schemeClr val="accent2">
+            <a:hueOff val="0"/>
+            <a:satOff val="0"/>
+            <a:lumOff val="0"/>
+            <a:alphaOff val="0"/>
+          </a:schemeClr>
+        </a:solidFill>
+        <a:ln w="15875" cap="flat" cmpd="sng" algn="ctr">
+          <a:solidFill>
+            <a:schemeClr val="accent2">
+              <a:hueOff val="0"/>
+              <a:satOff val="0"/>
+              <a:lumOff val="0"/>
+              <a:alphaOff val="0"/>
+            </a:schemeClr>
+          </a:solidFill>
+          <a:prstDash val="solid"/>
+        </a:ln>
+        <a:effectLst/>
+      </dsp:spPr>
+      <dsp:style>
+        <a:lnRef idx="2">
+          <a:scrgbClr r="0" g="0" b="0"/>
+        </a:lnRef>
+        <a:fillRef idx="1">
+          <a:scrgbClr r="0" g="0" b="0"/>
+        </a:fillRef>
+        <a:effectRef idx="0">
+          <a:scrgbClr r="0" g="0" b="0"/>
+        </a:effectRef>
+        <a:fontRef idx="minor">
+          <a:schemeClr val="lt1"/>
+        </a:fontRef>
+      </dsp:style>
+    </dsp:sp>
+    <dsp:sp modelId="{4F5D155A-E1B6-48C8-948C-3C9BBC989713}">
+      <dsp:nvSpPr>
+        <dsp:cNvPr id="0" name=""/>
+        <dsp:cNvSpPr/>
+      </dsp:nvSpPr>
+      <dsp:spPr>
+        <a:xfrm>
+          <a:off x="6146036" y="590064"/>
+          <a:ext cx="1861393" cy="2605950"/>
+        </a:xfrm>
+        <a:prstGeom prst="rect">
+          <a:avLst/>
+        </a:prstGeom>
+        <a:solidFill>
+          <a:schemeClr val="accent5">
+            <a:tint val="40000"/>
+            <a:alpha val="90000"/>
+            <a:hueOff val="0"/>
+            <a:satOff val="0"/>
+            <a:lumOff val="0"/>
+            <a:alphaOff val="0"/>
+          </a:schemeClr>
+        </a:solidFill>
+        <a:ln w="15875" cap="flat" cmpd="sng" algn="ctr">
+          <a:solidFill>
+            <a:schemeClr val="accent5">
+              <a:tint val="40000"/>
+              <a:alpha val="90000"/>
+              <a:hueOff val="0"/>
+              <a:satOff val="0"/>
+              <a:lumOff val="0"/>
+              <a:alphaOff val="0"/>
+            </a:schemeClr>
+          </a:solidFill>
+          <a:prstDash val="solid"/>
+        </a:ln>
+        <a:effectLst/>
+      </dsp:spPr>
+      <dsp:style>
+        <a:lnRef idx="2">
+          <a:scrgbClr r="0" g="0" b="0"/>
+        </a:lnRef>
+        <a:fillRef idx="1">
+          <a:scrgbClr r="0" g="0" b="0"/>
+        </a:fillRef>
+        <a:effectRef idx="0">
+          <a:scrgbClr r="0" g="0" b="0"/>
+        </a:effectRef>
+        <a:fontRef idx="minor"/>
+      </dsp:style>
+      <dsp:txBody>
+        <a:bodyPr spcFirstLastPara="0" vert="horz" wrap="square" lIns="145121" tIns="330200" rIns="145121" bIns="330200" numCol="1" spcCol="1270" anchor="t" anchorCtr="0">
+          <a:noAutofit/>
+        </a:bodyPr>
+        <a:lstStyle/>
+        <a:p>
+          <a:pPr marL="0" lvl="0" indent="0" algn="ctr" defTabSz="755650">
+            <a:lnSpc>
+              <a:spcPct val="90000"/>
+            </a:lnSpc>
+            <a:spcBef>
+              <a:spcPct val="0"/>
+            </a:spcBef>
+            <a:spcAft>
+              <a:spcPct val="35000"/>
+            </a:spcAft>
+            <a:buNone/>
+          </a:pPr>
+          <a:r>
+            <a:rPr lang="en-US" sz="1700" kern="1200" dirty="0"/>
+            <a:t>Become an Expert in Cyber Security</a:t>
+          </a:r>
+        </a:p>
+      </dsp:txBody>
+      <dsp:txXfrm>
+        <a:off x="6146036" y="1580325"/>
+        <a:ext cx="1861393" cy="1563570"/>
+      </dsp:txXfrm>
+    </dsp:sp>
+    <dsp:sp modelId="{DAC73490-B22A-4865-8C1F-21F2BDAB214C}">
+      <dsp:nvSpPr>
+        <dsp:cNvPr id="0" name=""/>
+        <dsp:cNvSpPr/>
+      </dsp:nvSpPr>
+      <dsp:spPr>
+        <a:xfrm>
+          <a:off x="6685840" y="850659"/>
+          <a:ext cx="781785" cy="781785"/>
+        </a:xfrm>
+        <a:prstGeom prst="ellipse">
+          <a:avLst/>
+        </a:prstGeom>
+        <a:solidFill>
+          <a:schemeClr val="accent3">
+            <a:hueOff val="0"/>
+            <a:satOff val="0"/>
+            <a:lumOff val="0"/>
+            <a:alphaOff val="0"/>
+          </a:schemeClr>
+        </a:solidFill>
+        <a:ln w="15875" cap="flat" cmpd="sng" algn="ctr">
+          <a:solidFill>
+            <a:schemeClr val="accent3">
+              <a:hueOff val="0"/>
+              <a:satOff val="0"/>
+              <a:lumOff val="0"/>
+              <a:alphaOff val="0"/>
+            </a:schemeClr>
+          </a:solidFill>
+          <a:prstDash val="solid"/>
+        </a:ln>
+        <a:effectLst/>
+      </dsp:spPr>
+      <dsp:style>
+        <a:lnRef idx="2">
+          <a:scrgbClr r="0" g="0" b="0"/>
+        </a:lnRef>
+        <a:fillRef idx="1">
+          <a:scrgbClr r="0" g="0" b="0"/>
+        </a:fillRef>
+        <a:effectRef idx="0">
+          <a:scrgbClr r="0" g="0" b="0"/>
+        </a:effectRef>
+        <a:fontRef idx="minor">
+          <a:schemeClr val="lt1"/>
+        </a:fontRef>
+      </dsp:style>
+      <dsp:txBody>
+        <a:bodyPr spcFirstLastPara="0" vert="horz" wrap="square" lIns="60951" tIns="12700" rIns="60951" bIns="12700" numCol="1" spcCol="1270" anchor="ctr" anchorCtr="0">
+          <a:noAutofit/>
+        </a:bodyPr>
+        <a:lstStyle/>
+        <a:p>
+          <a:pPr marL="0" lvl="0" indent="0" algn="ctr" defTabSz="1778000">
+            <a:lnSpc>
+              <a:spcPct val="90000"/>
+            </a:lnSpc>
+            <a:spcBef>
+              <a:spcPct val="0"/>
+            </a:spcBef>
+            <a:spcAft>
+              <a:spcPct val="35000"/>
+            </a:spcAft>
+            <a:buNone/>
+          </a:pPr>
+          <a:r>
+            <a:rPr lang="en-US" sz="4000" kern="1200"/>
+            <a:t>4</a:t>
+          </a:r>
+        </a:p>
+      </dsp:txBody>
+      <dsp:txXfrm>
+        <a:off x="6800330" y="965149"/>
+        <a:ext cx="552805" cy="552805"/>
+      </dsp:txXfrm>
+    </dsp:sp>
+    <dsp:sp modelId="{F6430A28-C452-413F-8070-11E3134E01C9}">
+      <dsp:nvSpPr>
+        <dsp:cNvPr id="0" name=""/>
+        <dsp:cNvSpPr/>
+      </dsp:nvSpPr>
+      <dsp:spPr>
+        <a:xfrm>
+          <a:off x="6146036" y="3195943"/>
+          <a:ext cx="1861393" cy="72"/>
+        </a:xfrm>
+        <a:prstGeom prst="rect">
+          <a:avLst/>
+        </a:prstGeom>
+        <a:solidFill>
+          <a:schemeClr val="accent4">
+            <a:hueOff val="0"/>
+            <a:satOff val="0"/>
+            <a:lumOff val="0"/>
+            <a:alphaOff val="0"/>
+          </a:schemeClr>
+        </a:solidFill>
+        <a:ln w="15875" cap="flat" cmpd="sng" algn="ctr">
+          <a:solidFill>
+            <a:schemeClr val="accent4">
+              <a:hueOff val="0"/>
+              <a:satOff val="0"/>
+              <a:lumOff val="0"/>
+              <a:alphaOff val="0"/>
+            </a:schemeClr>
+          </a:solidFill>
+          <a:prstDash val="solid"/>
+        </a:ln>
+        <a:effectLst/>
+      </dsp:spPr>
+      <dsp:style>
+        <a:lnRef idx="2">
+          <a:scrgbClr r="0" g="0" b="0"/>
+        </a:lnRef>
+        <a:fillRef idx="1">
+          <a:scrgbClr r="0" g="0" b="0"/>
+        </a:fillRef>
+        <a:effectRef idx="0">
+          <a:scrgbClr r="0" g="0" b="0"/>
+        </a:effectRef>
+        <a:fontRef idx="minor">
+          <a:schemeClr val="lt1"/>
+        </a:fontRef>
+      </dsp:style>
+    </dsp:sp>
+    <dsp:sp modelId="{3B9527FD-A163-4384-9CDA-54332718C6F6}">
+      <dsp:nvSpPr>
+        <dsp:cNvPr id="0" name=""/>
+        <dsp:cNvSpPr/>
+      </dsp:nvSpPr>
+      <dsp:spPr>
+        <a:xfrm>
+          <a:off x="8193568" y="590064"/>
+          <a:ext cx="1861393" cy="2605950"/>
+        </a:xfrm>
+        <a:prstGeom prst="rect">
+          <a:avLst/>
+        </a:prstGeom>
+        <a:solidFill>
+          <a:schemeClr val="accent6">
+            <a:tint val="40000"/>
+            <a:alpha val="90000"/>
+            <a:hueOff val="0"/>
+            <a:satOff val="0"/>
+            <a:lumOff val="0"/>
+            <a:alphaOff val="0"/>
+          </a:schemeClr>
+        </a:solidFill>
+        <a:ln w="15875" cap="flat" cmpd="sng" algn="ctr">
+          <a:solidFill>
+            <a:schemeClr val="accent6">
+              <a:tint val="40000"/>
+              <a:alpha val="90000"/>
+              <a:hueOff val="0"/>
+              <a:satOff val="0"/>
+              <a:lumOff val="0"/>
+              <a:alphaOff val="0"/>
+            </a:schemeClr>
+          </a:solidFill>
+          <a:prstDash val="solid"/>
+        </a:ln>
+        <a:effectLst/>
+      </dsp:spPr>
+      <dsp:style>
+        <a:lnRef idx="2">
+          <a:scrgbClr r="0" g="0" b="0"/>
+        </a:lnRef>
+        <a:fillRef idx="1">
+          <a:scrgbClr r="0" g="0" b="0"/>
+        </a:fillRef>
+        <a:effectRef idx="0">
+          <a:scrgbClr r="0" g="0" b="0"/>
+        </a:effectRef>
+        <a:fontRef idx="minor"/>
+      </dsp:style>
+      <dsp:txBody>
+        <a:bodyPr spcFirstLastPara="0" vert="horz" wrap="square" lIns="145121" tIns="330200" rIns="145121" bIns="330200" numCol="1" spcCol="1270" anchor="t" anchorCtr="0">
+          <a:noAutofit/>
+        </a:bodyPr>
+        <a:lstStyle/>
+        <a:p>
+          <a:pPr marL="0" lvl="0" indent="0" algn="ctr" defTabSz="755650">
+            <a:lnSpc>
+              <a:spcPct val="90000"/>
+            </a:lnSpc>
+            <a:spcBef>
+              <a:spcPct val="0"/>
+            </a:spcBef>
+            <a:spcAft>
+              <a:spcPct val="35000"/>
+            </a:spcAft>
+            <a:buNone/>
+          </a:pPr>
+          <a:r>
+            <a:rPr lang="en-US" sz="1700" kern="1200" dirty="0"/>
+            <a:t>Continue to Increase my Emotional Intelligence</a:t>
+          </a:r>
+        </a:p>
+      </dsp:txBody>
+      <dsp:txXfrm>
+        <a:off x="8193568" y="1580325"/>
+        <a:ext cx="1861393" cy="1563570"/>
+      </dsp:txXfrm>
+    </dsp:sp>
+    <dsp:sp modelId="{14CD8750-70C1-4D56-B3E6-9B6FFEB4CFD2}">
+      <dsp:nvSpPr>
+        <dsp:cNvPr id="0" name=""/>
+        <dsp:cNvSpPr/>
+      </dsp:nvSpPr>
+      <dsp:spPr>
+        <a:xfrm>
+          <a:off x="8733372" y="850659"/>
+          <a:ext cx="781785" cy="781785"/>
+        </a:xfrm>
+        <a:prstGeom prst="ellipse">
+          <a:avLst/>
+        </a:prstGeom>
+        <a:solidFill>
+          <a:schemeClr val="accent5">
+            <a:hueOff val="0"/>
+            <a:satOff val="0"/>
+            <a:lumOff val="0"/>
+            <a:alphaOff val="0"/>
+          </a:schemeClr>
+        </a:solidFill>
+        <a:ln w="15875" cap="flat" cmpd="sng" algn="ctr">
+          <a:solidFill>
+            <a:schemeClr val="accent5">
+              <a:hueOff val="0"/>
+              <a:satOff val="0"/>
+              <a:lumOff val="0"/>
+              <a:alphaOff val="0"/>
+            </a:schemeClr>
+          </a:solidFill>
+          <a:prstDash val="solid"/>
+        </a:ln>
+        <a:effectLst/>
+      </dsp:spPr>
+      <dsp:style>
+        <a:lnRef idx="2">
+          <a:scrgbClr r="0" g="0" b="0"/>
+        </a:lnRef>
+        <a:fillRef idx="1">
+          <a:scrgbClr r="0" g="0" b="0"/>
+        </a:fillRef>
+        <a:effectRef idx="0">
+          <a:scrgbClr r="0" g="0" b="0"/>
+        </a:effectRef>
+        <a:fontRef idx="minor">
+          <a:schemeClr val="lt1"/>
+        </a:fontRef>
+      </dsp:style>
+      <dsp:txBody>
+        <a:bodyPr spcFirstLastPara="0" vert="horz" wrap="square" lIns="60951" tIns="12700" rIns="60951" bIns="12700" numCol="1" spcCol="1270" anchor="ctr" anchorCtr="0">
+          <a:noAutofit/>
+        </a:bodyPr>
+        <a:lstStyle/>
+        <a:p>
+          <a:pPr marL="0" lvl="0" indent="0" algn="ctr" defTabSz="1778000">
+            <a:lnSpc>
+              <a:spcPct val="90000"/>
+            </a:lnSpc>
+            <a:spcBef>
+              <a:spcPct val="0"/>
+            </a:spcBef>
+            <a:spcAft>
+              <a:spcPct val="35000"/>
+            </a:spcAft>
+            <a:buNone/>
+          </a:pPr>
+          <a:r>
+            <a:rPr lang="en-US" sz="4000" kern="1200"/>
+            <a:t>5</a:t>
+          </a:r>
+        </a:p>
+      </dsp:txBody>
+      <dsp:txXfrm>
+        <a:off x="8847862" y="965149"/>
+        <a:ext cx="552805" cy="552805"/>
+      </dsp:txXfrm>
+    </dsp:sp>
+    <dsp:sp modelId="{A654CB08-C77D-41E8-A4A8-1853F56FE450}">
+      <dsp:nvSpPr>
+        <dsp:cNvPr id="0" name=""/>
+        <dsp:cNvSpPr/>
+      </dsp:nvSpPr>
+      <dsp:spPr>
+        <a:xfrm>
+          <a:off x="8193568" y="3195943"/>
+          <a:ext cx="1861393" cy="72"/>
+        </a:xfrm>
+        <a:prstGeom prst="rect">
+          <a:avLst/>
+        </a:prstGeom>
+        <a:solidFill>
+          <a:schemeClr val="accent6">
+            <a:hueOff val="0"/>
+            <a:satOff val="0"/>
+            <a:lumOff val="0"/>
+            <a:alphaOff val="0"/>
+          </a:schemeClr>
+        </a:solidFill>
+        <a:ln w="15875" cap="flat" cmpd="sng" algn="ctr">
+          <a:solidFill>
+            <a:schemeClr val="accent6">
+              <a:hueOff val="0"/>
+              <a:satOff val="0"/>
+              <a:lumOff val="0"/>
+              <a:alphaOff val="0"/>
+            </a:schemeClr>
+          </a:solidFill>
+          <a:prstDash val="solid"/>
+        </a:ln>
+        <a:effectLst/>
+      </dsp:spPr>
+      <dsp:style>
+        <a:lnRef idx="2">
+          <a:scrgbClr r="0" g="0" b="0"/>
+        </a:lnRef>
+        <a:fillRef idx="1">
+          <a:scrgbClr r="0" g="0" b="0"/>
+        </a:fillRef>
+        <a:effectRef idx="0">
+          <a:scrgbClr r="0" g="0" b="0"/>
+        </a:effectRef>
+        <a:fontRef idx="minor">
+          <a:schemeClr val="lt1"/>
+        </a:fontRef>
+      </dsp:style>
+    </dsp:sp>
+  </dsp:spTree>
+</dsp:drawing>
+</file>
+
+<file path=ppt/diagrams/drawing3.xml><?xml version="1.0" encoding="utf-8"?>
+<dsp:drawing xmlns:dgm="http://schemas.openxmlformats.org/drawingml/2006/diagram" xmlns:dsp="http://schemas.microsoft.com/office/drawing/2008/diagram" xmlns:a="http://schemas.openxmlformats.org/drawingml/2006/main">
+  <dsp:spTree>
+    <dsp:nvGrpSpPr>
+      <dsp:cNvPr id="0" name=""/>
+      <dsp:cNvGrpSpPr/>
+    </dsp:nvGrpSpPr>
+    <dsp:grpSpPr/>
+    <dsp:sp modelId="{909521E2-6C10-4142-A273-43AE1C42364B}">
+      <dsp:nvSpPr>
+        <dsp:cNvPr id="0" name=""/>
+        <dsp:cNvSpPr/>
+      </dsp:nvSpPr>
+      <dsp:spPr>
+        <a:xfrm>
+          <a:off x="0" y="262059"/>
+          <a:ext cx="10058399" cy="428400"/>
+        </a:xfrm>
+        <a:prstGeom prst="rect">
+          <a:avLst/>
+        </a:prstGeom>
+        <a:solidFill>
+          <a:schemeClr val="lt1">
+            <a:alpha val="90000"/>
+            <a:hueOff val="0"/>
+            <a:satOff val="0"/>
+            <a:lumOff val="0"/>
+            <a:alphaOff val="0"/>
+          </a:schemeClr>
+        </a:solidFill>
+        <a:ln w="15875" cap="flat" cmpd="sng" algn="ctr">
+          <a:solidFill>
+            <a:schemeClr val="accent5">
+              <a:hueOff val="0"/>
+              <a:satOff val="0"/>
+              <a:lumOff val="0"/>
+              <a:alphaOff val="0"/>
+            </a:schemeClr>
+          </a:solidFill>
+          <a:prstDash val="solid"/>
+        </a:ln>
+        <a:effectLst/>
+      </dsp:spPr>
+      <dsp:style>
+        <a:lnRef idx="2">
+          <a:scrgbClr r="0" g="0" b="0"/>
+        </a:lnRef>
+        <a:fillRef idx="1">
+          <a:scrgbClr r="0" g="0" b="0"/>
+        </a:fillRef>
+        <a:effectRef idx="0">
+          <a:scrgbClr r="0" g="0" b="0"/>
+        </a:effectRef>
+        <a:fontRef idx="minor"/>
+      </dsp:style>
+    </dsp:sp>
+    <dsp:sp modelId="{462E5AEB-D4F8-4C24-8A74-2F0607650CAB}">
+      <dsp:nvSpPr>
+        <dsp:cNvPr id="0" name=""/>
+        <dsp:cNvSpPr/>
+      </dsp:nvSpPr>
+      <dsp:spPr>
+        <a:xfrm>
+          <a:off x="502920" y="11139"/>
+          <a:ext cx="7040880" cy="501840"/>
+        </a:xfrm>
+        <a:prstGeom prst="roundRect">
+          <a:avLst/>
+        </a:prstGeom>
+        <a:solidFill>
+          <a:schemeClr val="accent5">
+            <a:hueOff val="0"/>
+            <a:satOff val="0"/>
+            <a:lumOff val="0"/>
+            <a:alphaOff val="0"/>
+          </a:schemeClr>
+        </a:solidFill>
+        <a:ln w="15875" cap="flat" cmpd="sng" algn="ctr">
+          <a:solidFill>
+            <a:schemeClr val="lt1">
+              <a:hueOff val="0"/>
+              <a:satOff val="0"/>
+              <a:lumOff val="0"/>
+              <a:alphaOff val="0"/>
+            </a:schemeClr>
+          </a:solidFill>
+          <a:prstDash val="solid"/>
+        </a:ln>
+        <a:effectLst/>
+      </dsp:spPr>
+      <dsp:style>
+        <a:lnRef idx="2">
+          <a:scrgbClr r="0" g="0" b="0"/>
+        </a:lnRef>
+        <a:fillRef idx="1">
+          <a:scrgbClr r="0" g="0" b="0"/>
+        </a:fillRef>
+        <a:effectRef idx="0">
+          <a:scrgbClr r="0" g="0" b="0"/>
+        </a:effectRef>
+        <a:fontRef idx="minor">
+          <a:schemeClr val="lt1"/>
+        </a:fontRef>
+      </dsp:style>
+      <dsp:txBody>
+        <a:bodyPr spcFirstLastPara="0" vert="horz" wrap="square" lIns="266129" tIns="0" rIns="266129" bIns="0" numCol="1" spcCol="1270" anchor="ctr" anchorCtr="0">
+          <a:noAutofit/>
+        </a:bodyPr>
+        <a:lstStyle/>
+        <a:p>
+          <a:pPr marL="0" lvl="0" indent="0" algn="l" defTabSz="755650">
+            <a:lnSpc>
+              <a:spcPct val="90000"/>
+            </a:lnSpc>
+            <a:spcBef>
+              <a:spcPct val="0"/>
+            </a:spcBef>
+            <a:spcAft>
+              <a:spcPct val="35000"/>
+            </a:spcAft>
+            <a:buNone/>
+          </a:pPr>
+          <a:r>
+            <a:rPr lang="en-US" sz="1700" kern="1200"/>
+            <a:t>Supporter of Local Artists</a:t>
+          </a:r>
+        </a:p>
+      </dsp:txBody>
+      <dsp:txXfrm>
+        <a:off x="527418" y="35637"/>
+        <a:ext cx="6991884" cy="452844"/>
+      </dsp:txXfrm>
+    </dsp:sp>
+    <dsp:sp modelId="{CDB4E377-D1B5-4280-A231-4BFB6AD54C6D}">
+      <dsp:nvSpPr>
+        <dsp:cNvPr id="0" name=""/>
+        <dsp:cNvSpPr/>
+      </dsp:nvSpPr>
+      <dsp:spPr>
+        <a:xfrm>
+          <a:off x="0" y="1033179"/>
+          <a:ext cx="10058399" cy="428400"/>
+        </a:xfrm>
+        <a:prstGeom prst="rect">
+          <a:avLst/>
+        </a:prstGeom>
+        <a:solidFill>
+          <a:schemeClr val="lt1">
+            <a:alpha val="90000"/>
+            <a:hueOff val="0"/>
+            <a:satOff val="0"/>
+            <a:lumOff val="0"/>
+            <a:alphaOff val="0"/>
+          </a:schemeClr>
+        </a:solidFill>
+        <a:ln w="15875" cap="flat" cmpd="sng" algn="ctr">
+          <a:solidFill>
+            <a:schemeClr val="accent5">
+              <a:hueOff val="-706879"/>
+              <a:satOff val="-19960"/>
+              <a:lumOff val="-49"/>
+              <a:alphaOff val="0"/>
+            </a:schemeClr>
+          </a:solidFill>
+          <a:prstDash val="solid"/>
+        </a:ln>
+        <a:effectLst/>
+      </dsp:spPr>
+      <dsp:style>
+        <a:lnRef idx="2">
+          <a:scrgbClr r="0" g="0" b="0"/>
+        </a:lnRef>
+        <a:fillRef idx="1">
+          <a:scrgbClr r="0" g="0" b="0"/>
+        </a:fillRef>
+        <a:effectRef idx="0">
+          <a:scrgbClr r="0" g="0" b="0"/>
+        </a:effectRef>
+        <a:fontRef idx="minor"/>
+      </dsp:style>
+    </dsp:sp>
+    <dsp:sp modelId="{F8AC33FC-6447-441A-8A66-62A61123D225}">
+      <dsp:nvSpPr>
+        <dsp:cNvPr id="0" name=""/>
+        <dsp:cNvSpPr/>
+      </dsp:nvSpPr>
+      <dsp:spPr>
+        <a:xfrm>
+          <a:off x="502920" y="782259"/>
+          <a:ext cx="7040880" cy="501840"/>
+        </a:xfrm>
+        <a:prstGeom prst="roundRect">
+          <a:avLst/>
+        </a:prstGeom>
+        <a:solidFill>
+          <a:schemeClr val="accent5">
+            <a:hueOff val="-706879"/>
+            <a:satOff val="-19960"/>
+            <a:lumOff val="-49"/>
+            <a:alphaOff val="0"/>
+          </a:schemeClr>
+        </a:solidFill>
+        <a:ln w="15875" cap="flat" cmpd="sng" algn="ctr">
+          <a:solidFill>
+            <a:schemeClr val="lt1">
+              <a:hueOff val="0"/>
+              <a:satOff val="0"/>
+              <a:lumOff val="0"/>
+              <a:alphaOff val="0"/>
+            </a:schemeClr>
+          </a:solidFill>
+          <a:prstDash val="solid"/>
+        </a:ln>
+        <a:effectLst/>
+      </dsp:spPr>
+      <dsp:style>
+        <a:lnRef idx="2">
+          <a:scrgbClr r="0" g="0" b="0"/>
+        </a:lnRef>
+        <a:fillRef idx="1">
+          <a:scrgbClr r="0" g="0" b="0"/>
+        </a:fillRef>
+        <a:effectRef idx="0">
+          <a:scrgbClr r="0" g="0" b="0"/>
+        </a:effectRef>
+        <a:fontRef idx="minor">
+          <a:schemeClr val="lt1"/>
+        </a:fontRef>
+      </dsp:style>
+      <dsp:txBody>
+        <a:bodyPr spcFirstLastPara="0" vert="horz" wrap="square" lIns="266129" tIns="0" rIns="266129" bIns="0" numCol="1" spcCol="1270" anchor="ctr" anchorCtr="0">
+          <a:noAutofit/>
+        </a:bodyPr>
+        <a:lstStyle/>
+        <a:p>
+          <a:pPr marL="0" lvl="0" indent="0" algn="l" defTabSz="755650">
+            <a:lnSpc>
+              <a:spcPct val="90000"/>
+            </a:lnSpc>
+            <a:spcBef>
+              <a:spcPct val="0"/>
+            </a:spcBef>
+            <a:spcAft>
+              <a:spcPct val="35000"/>
+            </a:spcAft>
+            <a:buNone/>
+          </a:pPr>
+          <a:r>
+            <a:rPr lang="en-US" sz="1700" kern="1200"/>
+            <a:t>Champion of Regional Musicians</a:t>
+          </a:r>
+        </a:p>
+      </dsp:txBody>
+      <dsp:txXfrm>
+        <a:off x="527418" y="806757"/>
+        <a:ext cx="6991884" cy="452844"/>
+      </dsp:txXfrm>
+    </dsp:sp>
+    <dsp:sp modelId="{15F98F29-DB56-42C3-AA1F-B13B79A7303B}">
+      <dsp:nvSpPr>
+        <dsp:cNvPr id="0" name=""/>
+        <dsp:cNvSpPr/>
+      </dsp:nvSpPr>
+      <dsp:spPr>
+        <a:xfrm>
+          <a:off x="0" y="1804300"/>
+          <a:ext cx="10058399" cy="428400"/>
+        </a:xfrm>
+        <a:prstGeom prst="rect">
+          <a:avLst/>
+        </a:prstGeom>
+        <a:solidFill>
+          <a:schemeClr val="lt1">
+            <a:alpha val="90000"/>
+            <a:hueOff val="0"/>
+            <a:satOff val="0"/>
+            <a:lumOff val="0"/>
+            <a:alphaOff val="0"/>
+          </a:schemeClr>
+        </a:solidFill>
+        <a:ln w="15875" cap="flat" cmpd="sng" algn="ctr">
+          <a:solidFill>
+            <a:schemeClr val="accent5">
+              <a:hueOff val="-1413758"/>
+              <a:satOff val="-39920"/>
+              <a:lumOff val="-98"/>
+              <a:alphaOff val="0"/>
+            </a:schemeClr>
+          </a:solidFill>
+          <a:prstDash val="solid"/>
+        </a:ln>
+        <a:effectLst/>
+      </dsp:spPr>
+      <dsp:style>
+        <a:lnRef idx="2">
+          <a:scrgbClr r="0" g="0" b="0"/>
+        </a:lnRef>
+        <a:fillRef idx="1">
+          <a:scrgbClr r="0" g="0" b="0"/>
+        </a:fillRef>
+        <a:effectRef idx="0">
+          <a:scrgbClr r="0" g="0" b="0"/>
+        </a:effectRef>
+        <a:fontRef idx="minor"/>
+      </dsp:style>
+    </dsp:sp>
+    <dsp:sp modelId="{FECA583D-FFA2-44B9-AC67-BA8C412937F0}">
+      <dsp:nvSpPr>
+        <dsp:cNvPr id="0" name=""/>
+        <dsp:cNvSpPr/>
+      </dsp:nvSpPr>
+      <dsp:spPr>
+        <a:xfrm>
+          <a:off x="502920" y="1553379"/>
+          <a:ext cx="7040880" cy="501840"/>
+        </a:xfrm>
+        <a:prstGeom prst="roundRect">
+          <a:avLst/>
+        </a:prstGeom>
+        <a:solidFill>
+          <a:schemeClr val="accent5">
+            <a:hueOff val="-1413758"/>
+            <a:satOff val="-39920"/>
+            <a:lumOff val="-98"/>
+            <a:alphaOff val="0"/>
+          </a:schemeClr>
+        </a:solidFill>
+        <a:ln w="15875" cap="flat" cmpd="sng" algn="ctr">
+          <a:solidFill>
+            <a:schemeClr val="lt1">
+              <a:hueOff val="0"/>
+              <a:satOff val="0"/>
+              <a:lumOff val="0"/>
+              <a:alphaOff val="0"/>
+            </a:schemeClr>
+          </a:solidFill>
+          <a:prstDash val="solid"/>
+        </a:ln>
+        <a:effectLst/>
+      </dsp:spPr>
+      <dsp:style>
+        <a:lnRef idx="2">
+          <a:scrgbClr r="0" g="0" b="0"/>
+        </a:lnRef>
+        <a:fillRef idx="1">
+          <a:scrgbClr r="0" g="0" b="0"/>
+        </a:fillRef>
+        <a:effectRef idx="0">
+          <a:scrgbClr r="0" g="0" b="0"/>
+        </a:effectRef>
+        <a:fontRef idx="minor">
+          <a:schemeClr val="lt1"/>
+        </a:fontRef>
+      </dsp:style>
+      <dsp:txBody>
+        <a:bodyPr spcFirstLastPara="0" vert="horz" wrap="square" lIns="266129" tIns="0" rIns="266129" bIns="0" numCol="1" spcCol="1270" anchor="ctr" anchorCtr="0">
+          <a:noAutofit/>
+        </a:bodyPr>
+        <a:lstStyle/>
+        <a:p>
+          <a:pPr marL="0" lvl="0" indent="0" algn="l" defTabSz="755650">
+            <a:lnSpc>
+              <a:spcPct val="90000"/>
+            </a:lnSpc>
+            <a:spcBef>
+              <a:spcPct val="0"/>
+            </a:spcBef>
+            <a:spcAft>
+              <a:spcPct val="35000"/>
+            </a:spcAft>
+            <a:buNone/>
+          </a:pPr>
+          <a:r>
+            <a:rPr lang="en-US" sz="1700" kern="1200"/>
+            <a:t>Fraternity of Neighborhoods</a:t>
+          </a:r>
+        </a:p>
+      </dsp:txBody>
+      <dsp:txXfrm>
+        <a:off x="527418" y="1577877"/>
+        <a:ext cx="6991884" cy="452844"/>
+      </dsp:txXfrm>
+    </dsp:sp>
+    <dsp:sp modelId="{AE4B7FB6-1974-43D5-8CBB-633477E853EA}">
+      <dsp:nvSpPr>
+        <dsp:cNvPr id="0" name=""/>
+        <dsp:cNvSpPr/>
+      </dsp:nvSpPr>
+      <dsp:spPr>
+        <a:xfrm>
+          <a:off x="0" y="2575420"/>
+          <a:ext cx="10058399" cy="428400"/>
+        </a:xfrm>
+        <a:prstGeom prst="rect">
+          <a:avLst/>
+        </a:prstGeom>
+        <a:solidFill>
+          <a:schemeClr val="lt1">
+            <a:alpha val="90000"/>
+            <a:hueOff val="0"/>
+            <a:satOff val="0"/>
+            <a:lumOff val="0"/>
+            <a:alphaOff val="0"/>
+          </a:schemeClr>
+        </a:solidFill>
+        <a:ln w="15875" cap="flat" cmpd="sng" algn="ctr">
+          <a:solidFill>
+            <a:schemeClr val="accent5">
+              <a:hueOff val="-2120636"/>
+              <a:satOff val="-59879"/>
+              <a:lumOff val="-148"/>
+              <a:alphaOff val="0"/>
+            </a:schemeClr>
+          </a:solidFill>
+          <a:prstDash val="solid"/>
+        </a:ln>
+        <a:effectLst/>
+      </dsp:spPr>
+      <dsp:style>
+        <a:lnRef idx="2">
+          <a:scrgbClr r="0" g="0" b="0"/>
+        </a:lnRef>
+        <a:fillRef idx="1">
+          <a:scrgbClr r="0" g="0" b="0"/>
+        </a:fillRef>
+        <a:effectRef idx="0">
+          <a:scrgbClr r="0" g="0" b="0"/>
+        </a:effectRef>
+        <a:fontRef idx="minor"/>
+      </dsp:style>
+    </dsp:sp>
+    <dsp:sp modelId="{A61B5E37-6647-4FAD-A8E2-335543C7D5A9}">
+      <dsp:nvSpPr>
+        <dsp:cNvPr id="0" name=""/>
+        <dsp:cNvSpPr/>
+      </dsp:nvSpPr>
+      <dsp:spPr>
+        <a:xfrm>
+          <a:off x="502920" y="2324500"/>
+          <a:ext cx="7040880" cy="501840"/>
+        </a:xfrm>
+        <a:prstGeom prst="roundRect">
+          <a:avLst/>
+        </a:prstGeom>
+        <a:solidFill>
+          <a:schemeClr val="accent5">
+            <a:hueOff val="-2120636"/>
+            <a:satOff val="-59879"/>
+            <a:lumOff val="-148"/>
+            <a:alphaOff val="0"/>
+          </a:schemeClr>
+        </a:solidFill>
+        <a:ln w="15875" cap="flat" cmpd="sng" algn="ctr">
+          <a:solidFill>
+            <a:schemeClr val="lt1">
+              <a:hueOff val="0"/>
+              <a:satOff val="0"/>
+              <a:lumOff val="0"/>
+              <a:alphaOff val="0"/>
+            </a:schemeClr>
+          </a:solidFill>
+          <a:prstDash val="solid"/>
+        </a:ln>
+        <a:effectLst/>
+      </dsp:spPr>
+      <dsp:style>
+        <a:lnRef idx="2">
+          <a:scrgbClr r="0" g="0" b="0"/>
+        </a:lnRef>
+        <a:fillRef idx="1">
+          <a:scrgbClr r="0" g="0" b="0"/>
+        </a:fillRef>
+        <a:effectRef idx="0">
+          <a:scrgbClr r="0" g="0" b="0"/>
+        </a:effectRef>
+        <a:fontRef idx="minor">
+          <a:schemeClr val="lt1"/>
+        </a:fontRef>
+      </dsp:style>
+      <dsp:txBody>
+        <a:bodyPr spcFirstLastPara="0" vert="horz" wrap="square" lIns="266129" tIns="0" rIns="266129" bIns="0" numCol="1" spcCol="1270" anchor="ctr" anchorCtr="0">
+          <a:noAutofit/>
+        </a:bodyPr>
+        <a:lstStyle/>
+        <a:p>
+          <a:pPr marL="0" lvl="0" indent="0" algn="l" defTabSz="755650">
+            <a:lnSpc>
+              <a:spcPct val="90000"/>
+            </a:lnSpc>
+            <a:spcBef>
+              <a:spcPct val="0"/>
+            </a:spcBef>
+            <a:spcAft>
+              <a:spcPct val="35000"/>
+            </a:spcAft>
+            <a:buNone/>
+          </a:pPr>
+          <a:r>
+            <a:rPr lang="en-US" sz="1700" kern="1200"/>
+            <a:t>Food Bank Volunteer</a:t>
+          </a:r>
+        </a:p>
+      </dsp:txBody>
+      <dsp:txXfrm>
+        <a:off x="527418" y="2348998"/>
+        <a:ext cx="6991884" cy="452844"/>
+      </dsp:txXfrm>
+    </dsp:sp>
+    <dsp:sp modelId="{FF370FF0-2E3E-4D35-A874-0CD27075AE31}">
+      <dsp:nvSpPr>
+        <dsp:cNvPr id="0" name=""/>
+        <dsp:cNvSpPr/>
+      </dsp:nvSpPr>
+      <dsp:spPr>
+        <a:xfrm>
+          <a:off x="0" y="3346540"/>
+          <a:ext cx="10058399" cy="428400"/>
+        </a:xfrm>
+        <a:prstGeom prst="rect">
+          <a:avLst/>
+        </a:prstGeom>
+        <a:solidFill>
+          <a:schemeClr val="lt1">
+            <a:alpha val="90000"/>
+            <a:hueOff val="0"/>
+            <a:satOff val="0"/>
+            <a:lumOff val="0"/>
+            <a:alphaOff val="0"/>
+          </a:schemeClr>
+        </a:solidFill>
+        <a:ln w="15875" cap="flat" cmpd="sng" algn="ctr">
+          <a:solidFill>
+            <a:schemeClr val="accent5">
+              <a:hueOff val="-2827515"/>
+              <a:satOff val="-79839"/>
+              <a:lumOff val="-197"/>
+              <a:alphaOff val="0"/>
+            </a:schemeClr>
+          </a:solidFill>
+          <a:prstDash val="solid"/>
+        </a:ln>
+        <a:effectLst/>
+      </dsp:spPr>
+      <dsp:style>
+        <a:lnRef idx="2">
+          <a:scrgbClr r="0" g="0" b="0"/>
+        </a:lnRef>
+        <a:fillRef idx="1">
+          <a:scrgbClr r="0" g="0" b="0"/>
+        </a:fillRef>
+        <a:effectRef idx="0">
+          <a:scrgbClr r="0" g="0" b="0"/>
+        </a:effectRef>
+        <a:fontRef idx="minor"/>
+      </dsp:style>
+    </dsp:sp>
+    <dsp:sp modelId="{99BEE97C-B9F7-412B-9B3C-E68AF9C7DF12}">
+      <dsp:nvSpPr>
+        <dsp:cNvPr id="0" name=""/>
+        <dsp:cNvSpPr/>
+      </dsp:nvSpPr>
+      <dsp:spPr>
+        <a:xfrm>
+          <a:off x="502920" y="3095620"/>
+          <a:ext cx="7040880" cy="501840"/>
+        </a:xfrm>
+        <a:prstGeom prst="roundRect">
+          <a:avLst/>
+        </a:prstGeom>
+        <a:solidFill>
+          <a:schemeClr val="accent5">
+            <a:hueOff val="-2827515"/>
+            <a:satOff val="-79839"/>
+            <a:lumOff val="-197"/>
+            <a:alphaOff val="0"/>
+          </a:schemeClr>
+        </a:solidFill>
+        <a:ln w="15875" cap="flat" cmpd="sng" algn="ctr">
+          <a:solidFill>
+            <a:schemeClr val="lt1">
+              <a:hueOff val="0"/>
+              <a:satOff val="0"/>
+              <a:lumOff val="0"/>
+              <a:alphaOff val="0"/>
+            </a:schemeClr>
+          </a:solidFill>
+          <a:prstDash val="solid"/>
+        </a:ln>
+        <a:effectLst/>
+      </dsp:spPr>
+      <dsp:style>
+        <a:lnRef idx="2">
+          <a:scrgbClr r="0" g="0" b="0"/>
+        </a:lnRef>
+        <a:fillRef idx="1">
+          <a:scrgbClr r="0" g="0" b="0"/>
+        </a:fillRef>
+        <a:effectRef idx="0">
+          <a:scrgbClr r="0" g="0" b="0"/>
+        </a:effectRef>
+        <a:fontRef idx="minor">
+          <a:schemeClr val="lt1"/>
+        </a:fontRef>
+      </dsp:style>
+      <dsp:txBody>
+        <a:bodyPr spcFirstLastPara="0" vert="horz" wrap="square" lIns="266129" tIns="0" rIns="266129" bIns="0" numCol="1" spcCol="1270" anchor="ctr" anchorCtr="0">
+          <a:noAutofit/>
+        </a:bodyPr>
+        <a:lstStyle/>
+        <a:p>
+          <a:pPr marL="0" lvl="0" indent="0" algn="l" defTabSz="755650">
+            <a:lnSpc>
+              <a:spcPct val="90000"/>
+            </a:lnSpc>
+            <a:spcBef>
+              <a:spcPct val="0"/>
+            </a:spcBef>
+            <a:spcAft>
+              <a:spcPct val="35000"/>
+            </a:spcAft>
+            <a:buNone/>
+          </a:pPr>
+          <a:r>
+            <a:rPr lang="en-US" sz="1700" kern="1200"/>
+            <a:t>Handyman for the Elderly and Needy</a:t>
+          </a:r>
+        </a:p>
+      </dsp:txBody>
+      <dsp:txXfrm>
+        <a:off x="527418" y="3120118"/>
+        <a:ext cx="6991884" cy="452844"/>
+      </dsp:txXfrm>
+    </dsp:sp>
+  </dsp:spTree>
+</dsp:drawing>
+</file>
+
 <file path=ppt/diagrams/layout1.xml><?xml version="1.0" encoding="utf-8"?>
 <dgm:layoutDef xmlns:dgm="http://schemas.openxmlformats.org/drawingml/2006/diagram" xmlns:a="http://schemas.openxmlformats.org/drawingml/2006/main" uniqueId="urn:microsoft.com/office/officeart/2005/8/layout/vList2">
   <dgm:title val=""/>
@@ -2253,6 +6528,508 @@
 </dgm:layoutDef>
 </file>
 
+<file path=ppt/diagrams/layout2.xml><?xml version="1.0" encoding="utf-8"?>
+<dgm:layoutDef xmlns:dgm="http://schemas.openxmlformats.org/drawingml/2006/diagram" xmlns:a="http://schemas.openxmlformats.org/drawingml/2006/main" uniqueId="urn:microsoft.com/office/officeart/2016/7/layout/BasicLinearProcessNumbered">
+  <dgm:title val="Basic Linear Process Numbered"/>
+  <dgm:desc val="Used to show a progression; a timeline; sequential steps in a task, process, or workflow; or to emphasize movement or direction. Automatic numbers have been introduced to show the steps of the process which appears in a circle. Level 1 and Level 2 text appear in a rectangle."/>
+  <dgm:catLst>
+    <dgm:cat type="process" pri="500"/>
+  </dgm:catLst>
+  <dgm:sampData>
+    <dgm:dataModel>
+      <dgm:ptLst>
+        <dgm:pt modelId="0" type="doc"/>
+        <dgm:pt modelId="1">
+          <dgm:prSet phldr="1"/>
+        </dgm:pt>
+        <dgm:pt modelId="11">
+          <dgm:prSet phldr="1"/>
+        </dgm:pt>
+        <dgm:pt modelId="2">
+          <dgm:prSet phldr="1"/>
+        </dgm:pt>
+        <dgm:pt modelId="21">
+          <dgm:prSet phldr="1"/>
+        </dgm:pt>
+        <dgm:pt modelId="3">
+          <dgm:prSet phldr="1"/>
+        </dgm:pt>
+        <dgm:pt modelId="31">
+          <dgm:prSet phldr="1"/>
+        </dgm:pt>
+        <dgm:pt modelId="101" type="sibTrans" cxnId="4">
+          <dgm:prSet phldrT="1"/>
+          <dgm:t>
+            <a:bodyPr/>
+            <a:lstStyle/>
+            <a:p>
+              <a:r>
+                <a:t>1</a:t>
+              </a:r>
+            </a:p>
+          </dgm:t>
+        </dgm:pt>
+        <dgm:pt modelId="201" type="sibTrans" cxnId="5">
+          <dgm:prSet phldrT="2"/>
+          <dgm:t>
+            <a:bodyPr/>
+            <a:lstStyle/>
+            <a:p>
+              <a:r>
+                <a:t>2</a:t>
+              </a:r>
+            </a:p>
+          </dgm:t>
+        </dgm:pt>
+        <dgm:pt modelId="301" type="sibTrans" cxnId="6">
+          <dgm:prSet phldrT="3"/>
+          <dgm:t>
+            <a:bodyPr/>
+            <a:lstStyle/>
+            <a:p>
+              <a:r>
+                <a:t>3</a:t>
+              </a:r>
+            </a:p>
+          </dgm:t>
+        </dgm:pt>
+      </dgm:ptLst>
+      <dgm:cxnLst>
+        <dgm:cxn modelId="4" srcId="0" destId="1" srcOrd="0" destOrd="0" sibTransId="101"/>
+        <dgm:cxn modelId="5" srcId="0" destId="2" srcOrd="1" destOrd="0" sibTransId="201"/>
+        <dgm:cxn modelId="6" srcId="0" destId="3" srcOrd="2" destOrd="0" sibTransId="301"/>
+        <dgm:cxn modelId="13" srcId="1" destId="11" srcOrd="0" destOrd="0"/>
+        <dgm:cxn modelId="23" srcId="2" destId="21" srcOrd="0" destOrd="0"/>
+        <dgm:cxn modelId="33" srcId="3" destId="31" srcOrd="0" destOrd="0"/>
+      </dgm:cxnLst>
+      <dgm:bg/>
+      <dgm:whole/>
+    </dgm:dataModel>
+  </dgm:sampData>
+  <dgm:styleData>
+    <dgm:dataModel>
+      <dgm:ptLst>
+        <dgm:pt modelId="0" type="doc"/>
+        <dgm:pt modelId="1"/>
+        <dgm:pt modelId="11"/>
+        <dgm:pt modelId="2"/>
+        <dgm:pt modelId="21"/>
+      </dgm:ptLst>
+      <dgm:cxnLst>
+        <dgm:cxn modelId="4" srcId="0" destId="1" srcOrd="0" destOrd="0"/>
+        <dgm:cxn modelId="5" srcId="0" destId="2" srcOrd="1" destOrd="0"/>
+        <dgm:cxn modelId="13" srcId="1" destId="11" srcOrd="0" destOrd="0"/>
+        <dgm:cxn modelId="23" srcId="2" destId="21" srcOrd="0" destOrd="0"/>
+      </dgm:cxnLst>
+      <dgm:bg/>
+      <dgm:whole/>
+    </dgm:dataModel>
+  </dgm:styleData>
+  <dgm:clrData>
+    <dgm:dataModel>
+      <dgm:ptLst>
+        <dgm:pt modelId="0" type="doc"/>
+        <dgm:pt modelId="1"/>
+        <dgm:pt modelId="11"/>
+        <dgm:pt modelId="2"/>
+        <dgm:pt modelId="21"/>
+        <dgm:pt modelId="3"/>
+        <dgm:pt modelId="31"/>
+        <dgm:pt modelId="4"/>
+        <dgm:pt modelId="41"/>
+      </dgm:ptLst>
+      <dgm:cxnLst>
+        <dgm:cxn modelId="5" srcId="0" destId="1" srcOrd="0" destOrd="0"/>
+        <dgm:cxn modelId="6" srcId="0" destId="2" srcOrd="1" destOrd="0"/>
+        <dgm:cxn modelId="7" srcId="0" destId="3" srcOrd="2" destOrd="0"/>
+        <dgm:cxn modelId="8" srcId="0" destId="4" srcOrd="3" destOrd="0"/>
+        <dgm:cxn modelId="13" srcId="1" destId="11" srcOrd="0" destOrd="0"/>
+        <dgm:cxn modelId="23" srcId="2" destId="21" srcOrd="0" destOrd="0"/>
+        <dgm:cxn modelId="33" srcId="3" destId="31" srcOrd="0" destOrd="0"/>
+        <dgm:cxn modelId="43" srcId="4" destId="41" srcOrd="0" destOrd="0"/>
+      </dgm:cxnLst>
+      <dgm:bg/>
+      <dgm:whole/>
+    </dgm:dataModel>
+  </dgm:clrData>
+  <dgm:layoutNode name="Name0">
+    <dgm:varLst>
+      <dgm:animLvl val="lvl"/>
+      <dgm:resizeHandles val="exact"/>
+    </dgm:varLst>
+    <dgm:alg type="lin">
+      <dgm:param type="linDir" val="fromL"/>
+      <dgm:param type="nodeVertAlign" val="t"/>
+    </dgm:alg>
+    <dgm:shape xmlns:r="http://schemas.openxmlformats.org/officeDocument/2006/relationships" r:blip="">
+      <dgm:adjLst/>
+    </dgm:shape>
+    <dgm:presOf/>
+    <dgm:constrLst>
+      <dgm:constr type="h" for="ch" forName="compositeNode" refType="h"/>
+      <dgm:constr type="w" for="ch" forName="compositeNode" refType="w"/>
+      <dgm:constr type="w" for="des" forName="simulatedConn" refType="w" refFor="ch" refForName="compositeNode" fact="0.15"/>
+      <dgm:constr type="h" for="des" forName="simulatedConn" refType="w" refFor="des" refForName="simulatedConn"/>
+      <dgm:constr type="h" for="des" forName="vSp1" refType="w" refFor="ch" refForName="compositeNode" fact="0.8"/>
+      <dgm:constr type="h" for="des" forName="vSp2" refType="w" refFor="ch" refForName="compositeNode" fact="0.07"/>
+      <dgm:constr type="w" for="ch" forName="vProcSp" refType="w" refFor="des" refForName="simulatedConn" op="equ"/>
+      <dgm:constr type="h" for="ch" forName="vProcSp" refType="h" refFor="ch" refForName="compositeNode" op="equ"/>
+      <dgm:constr type="w" for="ch" forName="sibTrans" refType="w" refFor="ch" refForName="compositeNode" fact="0.1"/>
+      <dgm:constr type="primFontSz" for="des" forName="sibTransNodeCircle" op="equ"/>
+      <dgm:constr type="primFontSz" for="des" forName="nodeText" op="equ"/>
+      <dgm:constr type="h" for="des" forName="sibTransNodeCircle" op="equ"/>
+      <dgm:constr type="w" for="des" forName="sibTransNodeCircle" op="equ"/>
+    </dgm:constrLst>
+    <dgm:ruleLst>
+      <dgm:rule type="h" val="NaN" fact="1.2" max="NaN"/>
+    </dgm:ruleLst>
+    <dgm:forEach name="Name4" axis="ch" ptType="node">
+      <dgm:layoutNode name="compositeNode">
+        <dgm:varLst>
+          <dgm:bulletEnabled val="1"/>
+        </dgm:varLst>
+        <dgm:alg type="composite"/>
+        <dgm:constrLst>
+          <dgm:constr type="h" refType="w" op="lte" fact="1.4"/>
+          <dgm:constr type="w" for="ch" forName="bgRect" refType="w"/>
+          <dgm:constr type="h" for="ch" forName="bgRect" refType="h"/>
+          <dgm:constr type="t" for="ch" forName="bgRect"/>
+          <dgm:constr type="l" for="ch" forName="bgRect"/>
+          <dgm:constr type="h" for="ch" forName="sibTransNodeCircle" refType="h" refFor="ch" refForName="bgRect" fact="0.3"/>
+          <dgm:constr type="w" for="ch" forName="sibTransNodeCircle" refType="h" refFor="ch" refForName="sibTransNodeCircle"/>
+          <dgm:constr type="ctrX" for="ch" forName="sibTransNodeCircle" refType="w" fact="0.5"/>
+          <dgm:constr type="ctrY" for="ch" forName="sibTransNodeCircle" refType="h" fact="0.25"/>
+          <dgm:constr type="r" for="ch" forName="nodeText" refType="r" refFor="ch" refForName="bgRect"/>
+          <dgm:constr type="h" for="ch" forName="nodeText" refType="h" refFor="ch" refForName="bgRect" fact="0.6"/>
+          <dgm:constr type="t" for="ch" forName="nodeText" refType="h" refFor="ch" refForName="bgRect" fact="0.38"/>
+          <dgm:constr type="b" for="ch" forName="bottomLine" refType="b" refFor="ch" refForName="bgRect"/>
+          <dgm:constr type="w" for="ch" forName="bottomLine" refType="w" refFor="ch" refForName="bgRect"/>
+          <dgm:constr type="h" for="ch" forName="bottomLine" val="0.002"/>
+        </dgm:constrLst>
+        <dgm:ruleLst/>
+        <dgm:layoutNode name="bgRect" styleLbl="bgAccFollowNode1">
+          <dgm:alg type="sp"/>
+          <dgm:shape xmlns:r="http://schemas.openxmlformats.org/officeDocument/2006/relationships" type="rect" r:blip="">
+            <dgm:adjLst/>
+          </dgm:shape>
+          <dgm:presOf axis="self"/>
+          <dgm:constrLst/>
+          <dgm:ruleLst/>
+        </dgm:layoutNode>
+        <dgm:forEach name="Name19" axis="followSib" ptType="sibTrans" hideLastTrans="0" cnt="1">
+          <dgm:layoutNode name="sibTransNodeCircle" styleLbl="alignNode1">
+            <dgm:varLst>
+              <dgm:chMax val="0"/>
+              <dgm:bulletEnabled/>
+            </dgm:varLst>
+            <dgm:presOf axis="self" ptType="sibTrans"/>
+            <dgm:alg type="tx">
+              <dgm:param type="txAnchorVert" val="mid"/>
+              <dgm:param type="txAnchorHorzCh" val="ctr"/>
+            </dgm:alg>
+            <dgm:shape xmlns:r="http://schemas.openxmlformats.org/officeDocument/2006/relationships" type="ellipse" r:blip="">
+              <dgm:adjLst/>
+            </dgm:shape>
+            <dgm:constrLst>
+              <dgm:constr type="w" refType="h" op="lte"/>
+              <dgm:constr type="primFontSz" val="48"/>
+              <dgm:constr type="tMarg" val="1"/>
+              <dgm:constr type="lMarg" refType="w" fact="0.221"/>
+              <dgm:constr type="rMarg" refType="w" fact="0.221"/>
+              <dgm:constr type="bMarg" val="1"/>
+            </dgm:constrLst>
+            <dgm:ruleLst>
+              <dgm:rule type="primFontSz" val="14" fact="NaN" max="NaN"/>
+            </dgm:ruleLst>
+          </dgm:layoutNode>
+        </dgm:forEach>
+        <dgm:layoutNode name="bottomLine" styleLbl="alignNode1">
+          <dgm:varLst/>
+          <dgm:presOf/>
+          <dgm:alg type="sp"/>
+          <dgm:shape xmlns:r="http://schemas.openxmlformats.org/officeDocument/2006/relationships" type="rect" r:blip="">
+            <dgm:adjLst/>
+          </dgm:shape>
+          <dgm:constrLst/>
+          <dgm:ruleLst/>
+        </dgm:layoutNode>
+        <dgm:layoutNode name="nodeText" styleLbl="bgAccFollowNode1" moveWith="bgRect">
+          <dgm:varLst>
+            <dgm:bulletEnabled val="1"/>
+          </dgm:varLst>
+          <dgm:alg type="tx">
+            <dgm:param type="parTxLTRAlign" val="l"/>
+            <dgm:param type="parTxRTLAlign" val="r"/>
+            <dgm:param type="txAnchorVert" val="t"/>
+          </dgm:alg>
+          <dgm:shape xmlns:r="http://schemas.openxmlformats.org/officeDocument/2006/relationships" type="rect" r:blip="" zOrderOff="-1" hideGeom="1">
+            <dgm:adjLst/>
+          </dgm:shape>
+          <dgm:presOf axis="desOrSelf" ptType="node"/>
+          <dgm:constrLst>
+            <dgm:constr type="primFontSz" val="26"/>
+            <dgm:constr type="tMarg" val="26"/>
+            <dgm:constr type="lMarg" refType="w" fact="0.221"/>
+            <dgm:constr type="rMarg" refType="w" fact="0.221"/>
+            <dgm:constr type="bMarg" val="26"/>
+          </dgm:constrLst>
+          <dgm:ruleLst>
+            <dgm:rule type="primFontSz" val="11" fact="NaN" max="NaN"/>
+          </dgm:ruleLst>
+        </dgm:layoutNode>
+      </dgm:layoutNode>
+      <dgm:forEach name="Name14" axis="followSib" ptType="sibTrans" cnt="1">
+        <dgm:layoutNode name="sibTrans">
+          <dgm:alg type="sp"/>
+          <dgm:shape xmlns:r="http://schemas.openxmlformats.org/officeDocument/2006/relationships" r:blip="">
+            <dgm:adjLst/>
+          </dgm:shape>
+          <dgm:presOf/>
+          <dgm:constrLst/>
+          <dgm:ruleLst/>
+        </dgm:layoutNode>
+      </dgm:forEach>
+    </dgm:forEach>
+  </dgm:layoutNode>
+  <dgm:extLst>
+    <a:ext uri="{4F341089-5ED1-44EC-B178-C955D00A3D55}">
+      <dgm1611:autoBuNodeInfoLst xmlns:dgm1611="http://schemas.microsoft.com/office/drawing/2016/11/diagram">
+        <dgm1611:autoBuNodeInfo lvl="1" ptType="sibTrans">
+          <dgm1611:buPr prefix="" leadZeros="0">
+            <a:buAutoNum type="arabicParenBoth"/>
+          </dgm1611:buPr>
+        </dgm1611:autoBuNodeInfo>
+      </dgm1611:autoBuNodeInfoLst>
+    </a:ext>
+  </dgm:extLst>
+</dgm:layoutDef>
+</file>
+
+<file path=ppt/diagrams/layout3.xml><?xml version="1.0" encoding="utf-8"?>
+<dgm:layoutDef xmlns:dgm="http://schemas.openxmlformats.org/drawingml/2006/diagram" xmlns:a="http://schemas.openxmlformats.org/drawingml/2006/main" uniqueId="urn:microsoft.com/office/officeart/2005/8/layout/list1">
+  <dgm:title val=""/>
+  <dgm:desc val=""/>
+  <dgm:catLst>
+    <dgm:cat type="list" pri="4000"/>
+  </dgm:catLst>
+  <dgm:sampData>
+    <dgm:dataModel>
+      <dgm:ptLst>
+        <dgm:pt modelId="0" type="doc"/>
+        <dgm:pt modelId="1">
+          <dgm:prSet phldr="1"/>
+        </dgm:pt>
+        <dgm:pt modelId="2">
+          <dgm:prSet phldr="1"/>
+        </dgm:pt>
+        <dgm:pt modelId="3">
+          <dgm:prSet phldr="1"/>
+        </dgm:pt>
+      </dgm:ptLst>
+      <dgm:cxnLst>
+        <dgm:cxn modelId="4" srcId="0" destId="1" srcOrd="0" destOrd="0"/>
+        <dgm:cxn modelId="5" srcId="0" destId="2" srcOrd="1" destOrd="0"/>
+        <dgm:cxn modelId="6" srcId="0" destId="3" srcOrd="2" destOrd="0"/>
+      </dgm:cxnLst>
+      <dgm:bg/>
+      <dgm:whole/>
+    </dgm:dataModel>
+  </dgm:sampData>
+  <dgm:styleData>
+    <dgm:dataModel>
+      <dgm:ptLst>
+        <dgm:pt modelId="0" type="doc"/>
+        <dgm:pt modelId="1"/>
+        <dgm:pt modelId="2"/>
+      </dgm:ptLst>
+      <dgm:cxnLst>
+        <dgm:cxn modelId="4" srcId="0" destId="1" srcOrd="0" destOrd="0"/>
+        <dgm:cxn modelId="5" srcId="0" destId="2" srcOrd="1" destOrd="0"/>
+      </dgm:cxnLst>
+      <dgm:bg/>
+      <dgm:whole/>
+    </dgm:dataModel>
+  </dgm:styleData>
+  <dgm:clrData>
+    <dgm:dataModel>
+      <dgm:ptLst>
+        <dgm:pt modelId="0" type="doc"/>
+        <dgm:pt modelId="1"/>
+        <dgm:pt modelId="2"/>
+        <dgm:pt modelId="3"/>
+        <dgm:pt modelId="4"/>
+      </dgm:ptLst>
+      <dgm:cxnLst>
+        <dgm:cxn modelId="5" srcId="0" destId="1" srcOrd="0" destOrd="0"/>
+        <dgm:cxn modelId="6" srcId="0" destId="2" srcOrd="1" destOrd="0"/>
+        <dgm:cxn modelId="7" srcId="0" destId="3" srcOrd="2" destOrd="0"/>
+        <dgm:cxn modelId="8" srcId="0" destId="4" srcOrd="3" destOrd="0"/>
+      </dgm:cxnLst>
+      <dgm:bg/>
+      <dgm:whole/>
+    </dgm:dataModel>
+  </dgm:clrData>
+  <dgm:layoutNode name="linear">
+    <dgm:varLst>
+      <dgm:dir/>
+      <dgm:animLvl val="lvl"/>
+      <dgm:resizeHandles val="exact"/>
+    </dgm:varLst>
+    <dgm:choose name="Name0">
+      <dgm:if name="Name1" func="var" arg="dir" op="equ" val="norm">
+        <dgm:alg type="lin">
+          <dgm:param type="linDir" val="fromT"/>
+          <dgm:param type="vertAlign" val="mid"/>
+          <dgm:param type="horzAlign" val="l"/>
+          <dgm:param type="nodeHorzAlign" val="l"/>
+        </dgm:alg>
+      </dgm:if>
+      <dgm:else name="Name2">
+        <dgm:alg type="lin">
+          <dgm:param type="linDir" val="fromT"/>
+          <dgm:param type="vertAlign" val="mid"/>
+          <dgm:param type="horzAlign" val="r"/>
+          <dgm:param type="nodeHorzAlign" val="r"/>
+        </dgm:alg>
+      </dgm:else>
+    </dgm:choose>
+    <dgm:shape xmlns:r="http://schemas.openxmlformats.org/officeDocument/2006/relationships" r:blip="">
+      <dgm:adjLst/>
+    </dgm:shape>
+    <dgm:presOf/>
+    <dgm:constrLst>
+      <dgm:constr type="w" for="ch" forName="parentLin" refType="w"/>
+      <dgm:constr type="h" for="ch" forName="parentLin" val="INF"/>
+      <dgm:constr type="w" for="des" forName="parentLeftMargin" refType="w" fact="0.05"/>
+      <dgm:constr type="w" for="des" forName="parentText" refType="w" fact="0.7"/>
+      <dgm:constr type="h" for="des" forName="parentText" refType="primFontSz" refFor="des" refForName="parentText" fact="0.82"/>
+      <dgm:constr type="h" for="ch" forName="negativeSpace" refType="primFontSz" refFor="des" refForName="parentText" fact="-0.41"/>
+      <dgm:constr type="h" for="ch" forName="negativeSpace" refType="h" refFor="des" refForName="parentText" op="lte" fact="-0.82"/>
+      <dgm:constr type="h" for="ch" forName="negativeSpace" refType="h" refFor="des" refForName="parentText" op="gte" fact="-0.82"/>
+      <dgm:constr type="w" for="ch" forName="childText" refType="w"/>
+      <dgm:constr type="h" for="ch" forName="childText" refType="primFontSz" refFor="des" refForName="parentText" fact="0.7"/>
+      <dgm:constr type="primFontSz" for="des" forName="parentText" val="65"/>
+      <dgm:constr type="primFontSz" for="ch" forName="childText" refType="primFontSz" refFor="des" refForName="parentText"/>
+      <dgm:constr type="tMarg" for="ch" forName="childText" refType="primFontSz" refFor="des" refForName="parentText" fact="1.64"/>
+      <dgm:constr type="tMarg" for="ch" forName="childText" refType="h" refFor="des" refForName="parentText" op="lte" fact="3.28"/>
+      <dgm:constr type="tMarg" for="ch" forName="childText" refType="h" refFor="des" refForName="parentText" op="gte" fact="3.28"/>
+      <dgm:constr type="lMarg" for="ch" forName="childText" refType="w" fact="0.22"/>
+      <dgm:constr type="rMarg" for="ch" forName="childText" refType="lMarg" refFor="ch" refForName="childText"/>
+      <dgm:constr type="lMarg" for="des" forName="parentText" refType="w" fact="0.075"/>
+      <dgm:constr type="rMarg" for="des" forName="parentText" refType="lMarg" refFor="des" refForName="parentText"/>
+      <dgm:constr type="h" for="ch" forName="spaceBetweenRectangles" refType="primFontSz" refFor="des" refForName="parentText" fact="0.15"/>
+    </dgm:constrLst>
+    <dgm:ruleLst>
+      <dgm:rule type="primFontSz" for="des" forName="parentText" val="5" fact="NaN" max="NaN"/>
+    </dgm:ruleLst>
+    <dgm:forEach name="Name3" axis="ch" ptType="node">
+      <dgm:layoutNode name="parentLin">
+        <dgm:choose name="Name4">
+          <dgm:if name="Name5" func="var" arg="dir" op="equ" val="norm">
+            <dgm:alg type="lin">
+              <dgm:param type="linDir" val="fromL"/>
+              <dgm:param type="horzAlign" val="l"/>
+              <dgm:param type="nodeHorzAlign" val="l"/>
+            </dgm:alg>
+          </dgm:if>
+          <dgm:else name="Name6">
+            <dgm:alg type="lin">
+              <dgm:param type="linDir" val="fromR"/>
+              <dgm:param type="horzAlign" val="r"/>
+              <dgm:param type="nodeHorzAlign" val="r"/>
+            </dgm:alg>
+          </dgm:else>
+        </dgm:choose>
+        <dgm:shape xmlns:r="http://schemas.openxmlformats.org/officeDocument/2006/relationships" r:blip="">
+          <dgm:adjLst/>
+        </dgm:shape>
+        <dgm:presOf/>
+        <dgm:constrLst/>
+        <dgm:ruleLst/>
+        <dgm:layoutNode name="parentLeftMargin">
+          <dgm:alg type="sp"/>
+          <dgm:shape xmlns:r="http://schemas.openxmlformats.org/officeDocument/2006/relationships" type="rect" r:blip="" hideGeom="1">
+            <dgm:adjLst/>
+          </dgm:shape>
+          <dgm:presOf axis="self"/>
+          <dgm:constrLst>
+            <dgm:constr type="h"/>
+          </dgm:constrLst>
+          <dgm:ruleLst/>
+        </dgm:layoutNode>
+        <dgm:layoutNode name="parentText" styleLbl="node1">
+          <dgm:varLst>
+            <dgm:chMax val="0"/>
+            <dgm:bulletEnabled val="1"/>
+          </dgm:varLst>
+          <dgm:choose name="Name7">
+            <dgm:if name="Name8" func="var" arg="dir" op="equ" val="norm">
+              <dgm:alg type="tx">
+                <dgm:param type="parTxLTRAlign" val="l"/>
+                <dgm:param type="parTxRTLAlign" val="l"/>
+              </dgm:alg>
+            </dgm:if>
+            <dgm:else name="Name9">
+              <dgm:alg type="tx">
+                <dgm:param type="parTxLTRAlign" val="r"/>
+                <dgm:param type="parTxRTLAlign" val="r"/>
+              </dgm:alg>
+            </dgm:else>
+          </dgm:choose>
+          <dgm:shape xmlns:r="http://schemas.openxmlformats.org/officeDocument/2006/relationships" type="roundRect" r:blip="">
+            <dgm:adjLst/>
+          </dgm:shape>
+          <dgm:presOf axis="self" ptType="node"/>
+          <dgm:constrLst>
+            <dgm:constr type="tMarg"/>
+            <dgm:constr type="bMarg"/>
+          </dgm:constrLst>
+          <dgm:ruleLst/>
+        </dgm:layoutNode>
+      </dgm:layoutNode>
+      <dgm:layoutNode name="negativeSpace">
+        <dgm:alg type="sp"/>
+        <dgm:shape xmlns:r="http://schemas.openxmlformats.org/officeDocument/2006/relationships" r:blip="">
+          <dgm:adjLst/>
+        </dgm:shape>
+        <dgm:presOf/>
+        <dgm:constrLst/>
+        <dgm:ruleLst/>
+      </dgm:layoutNode>
+      <dgm:layoutNode name="childText" styleLbl="conFgAcc1">
+        <dgm:varLst>
+          <dgm:bulletEnabled val="1"/>
+        </dgm:varLst>
+        <dgm:alg type="tx">
+          <dgm:param type="stBulletLvl" val="1"/>
+        </dgm:alg>
+        <dgm:shape xmlns:r="http://schemas.openxmlformats.org/officeDocument/2006/relationships" type="rect" r:blip="" zOrderOff="-2">
+          <dgm:adjLst/>
+        </dgm:shape>
+        <dgm:presOf axis="des" ptType="node"/>
+        <dgm:constrLst>
+          <dgm:constr type="secFontSz" refType="primFontSz"/>
+        </dgm:constrLst>
+        <dgm:ruleLst>
+          <dgm:rule type="h" val="INF" fact="NaN" max="NaN"/>
+        </dgm:ruleLst>
+      </dgm:layoutNode>
+      <dgm:forEach name="Name10" axis="followSib" ptType="sibTrans" cnt="1">
+        <dgm:layoutNode name="spaceBetweenRectangles">
+          <dgm:alg type="sp"/>
+          <dgm:shape xmlns:r="http://schemas.openxmlformats.org/officeDocument/2006/relationships" r:blip="">
+            <dgm:adjLst/>
+          </dgm:shape>
+          <dgm:presOf/>
+          <dgm:constrLst/>
+          <dgm:ruleLst/>
+        </dgm:layoutNode>
+      </dgm:forEach>
+    </dgm:forEach>
+  </dgm:layoutNode>
+</dgm:layoutDef>
+</file>
+
 <file path=ppt/diagrams/quickStyle1.xml><?xml version="1.0" encoding="utf-8"?>
 <dgm:styleDef xmlns:dgm="http://schemas.openxmlformats.org/drawingml/2006/diagram" xmlns:a="http://schemas.openxmlformats.org/drawingml/2006/main" uniqueId="urn:microsoft.com/office/officeart/2005/8/quickstyle/simple1">
   <dgm:title val=""/>
@@ -3285,6 +8062,2236 @@
     </dgm:style>
   </dgm:styleLbl>
 </dgm:styleDef>
+</file>
+
+<file path=ppt/diagrams/quickStyle2.xml><?xml version="1.0" encoding="utf-8"?>
+<dgm:styleDef xmlns:dgm="http://schemas.openxmlformats.org/drawingml/2006/diagram" xmlns:a="http://schemas.openxmlformats.org/drawingml/2006/main" uniqueId="urn:microsoft.com/office/officeart/2005/8/quickstyle/simple1">
+  <dgm:title val=""/>
+  <dgm:desc val=""/>
+  <dgm:catLst>
+    <dgm:cat type="simple" pri="10100"/>
+  </dgm:catLst>
+  <dgm:scene3d>
+    <a:camera prst="orthographicFront"/>
+    <a:lightRig rig="threePt" dir="t"/>
+  </dgm:scene3d>
+  <dgm:styleLbl name="node0">
+    <dgm:scene3d>
+      <a:camera prst="orthographicFront"/>
+      <a:lightRig rig="threePt" dir="t"/>
+    </dgm:scene3d>
+    <dgm:sp3d/>
+    <dgm:txPr/>
+    <dgm:style>
+      <a:lnRef idx="2">
+        <a:scrgbClr r="0" g="0" b="0"/>
+      </a:lnRef>
+      <a:fillRef idx="1">
+        <a:scrgbClr r="0" g="0" b="0"/>
+      </a:fillRef>
+      <a:effectRef idx="0">
+        <a:scrgbClr r="0" g="0" b="0"/>
+      </a:effectRef>
+      <a:fontRef idx="minor">
+        <a:schemeClr val="lt1"/>
+      </a:fontRef>
+    </dgm:style>
+  </dgm:styleLbl>
+  <dgm:styleLbl name="lnNode1">
+    <dgm:scene3d>
+      <a:camera prst="orthographicFront"/>
+      <a:lightRig rig="threePt" dir="t"/>
+    </dgm:scene3d>
+    <dgm:sp3d/>
+    <dgm:txPr/>
+    <dgm:style>
+      <a:lnRef idx="2">
+        <a:scrgbClr r="0" g="0" b="0"/>
+      </a:lnRef>
+      <a:fillRef idx="1">
+        <a:scrgbClr r="0" g="0" b="0"/>
+      </a:fillRef>
+      <a:effectRef idx="0">
+        <a:scrgbClr r="0" g="0" b="0"/>
+      </a:effectRef>
+      <a:fontRef idx="minor">
+        <a:schemeClr val="lt1"/>
+      </a:fontRef>
+    </dgm:style>
+  </dgm:styleLbl>
+  <dgm:styleLbl name="vennNode1">
+    <dgm:scene3d>
+      <a:camera prst="orthographicFront"/>
+      <a:lightRig rig="threePt" dir="t"/>
+    </dgm:scene3d>
+    <dgm:sp3d/>
+    <dgm:txPr/>
+    <dgm:style>
+      <a:lnRef idx="2">
+        <a:scrgbClr r="0" g="0" b="0"/>
+      </a:lnRef>
+      <a:fillRef idx="1">
+        <a:scrgbClr r="0" g="0" b="0"/>
+      </a:fillRef>
+      <a:effectRef idx="0">
+        <a:scrgbClr r="0" g="0" b="0"/>
+      </a:effectRef>
+      <a:fontRef idx="minor">
+        <a:schemeClr val="tx1"/>
+      </a:fontRef>
+    </dgm:style>
+  </dgm:styleLbl>
+  <dgm:styleLbl name="alignNode1">
+    <dgm:scene3d>
+      <a:camera prst="orthographicFront"/>
+      <a:lightRig rig="threePt" dir="t"/>
+    </dgm:scene3d>
+    <dgm:sp3d/>
+    <dgm:txPr/>
+    <dgm:style>
+      <a:lnRef idx="2">
+        <a:scrgbClr r="0" g="0" b="0"/>
+      </a:lnRef>
+      <a:fillRef idx="1">
+        <a:scrgbClr r="0" g="0" b="0"/>
+      </a:fillRef>
+      <a:effectRef idx="0">
+        <a:scrgbClr r="0" g="0" b="0"/>
+      </a:effectRef>
+      <a:fontRef idx="minor">
+        <a:schemeClr val="lt1"/>
+      </a:fontRef>
+    </dgm:style>
+  </dgm:styleLbl>
+  <dgm:styleLbl name="node1">
+    <dgm:scene3d>
+      <a:camera prst="orthographicFront"/>
+      <a:lightRig rig="threePt" dir="t"/>
+    </dgm:scene3d>
+    <dgm:sp3d/>
+    <dgm:txPr/>
+    <dgm:style>
+      <a:lnRef idx="2">
+        <a:scrgbClr r="0" g="0" b="0"/>
+      </a:lnRef>
+      <a:fillRef idx="1">
+        <a:scrgbClr r="0" g="0" b="0"/>
+      </a:fillRef>
+      <a:effectRef idx="0">
+        <a:scrgbClr r="0" g="0" b="0"/>
+      </a:effectRef>
+      <a:fontRef idx="minor">
+        <a:schemeClr val="lt1"/>
+      </a:fontRef>
+    </dgm:style>
+  </dgm:styleLbl>
+  <dgm:styleLbl name="node2">
+    <dgm:scene3d>
+      <a:camera prst="orthographicFront"/>
+      <a:lightRig rig="threePt" dir="t"/>
+    </dgm:scene3d>
+    <dgm:sp3d/>
+    <dgm:txPr/>
+    <dgm:style>
+      <a:lnRef idx="2">
+        <a:scrgbClr r="0" g="0" b="0"/>
+      </a:lnRef>
+      <a:fillRef idx="1">
+        <a:scrgbClr r="0" g="0" b="0"/>
+      </a:fillRef>
+      <a:effectRef idx="0">
+        <a:scrgbClr r="0" g="0" b="0"/>
+      </a:effectRef>
+      <a:fontRef idx="minor">
+        <a:schemeClr val="lt1"/>
+      </a:fontRef>
+    </dgm:style>
+  </dgm:styleLbl>
+  <dgm:styleLbl name="node3">
+    <dgm:scene3d>
+      <a:camera prst="orthographicFront"/>
+      <a:lightRig rig="threePt" dir="t"/>
+    </dgm:scene3d>
+    <dgm:sp3d/>
+    <dgm:txPr/>
+    <dgm:style>
+      <a:lnRef idx="2">
+        <a:scrgbClr r="0" g="0" b="0"/>
+      </a:lnRef>
+      <a:fillRef idx="1">
+        <a:scrgbClr r="0" g="0" b="0"/>
+      </a:fillRef>
+      <a:effectRef idx="0">
+        <a:scrgbClr r="0" g="0" b="0"/>
+      </a:effectRef>
+      <a:fontRef idx="minor">
+        <a:schemeClr val="lt1"/>
+      </a:fontRef>
+    </dgm:style>
+  </dgm:styleLbl>
+  <dgm:styleLbl name="node4">
+    <dgm:scene3d>
+      <a:camera prst="orthographicFront"/>
+      <a:lightRig rig="threePt" dir="t"/>
+    </dgm:scene3d>
+    <dgm:sp3d/>
+    <dgm:txPr/>
+    <dgm:style>
+      <a:lnRef idx="2">
+        <a:scrgbClr r="0" g="0" b="0"/>
+      </a:lnRef>
+      <a:fillRef idx="1">
+        <a:scrgbClr r="0" g="0" b="0"/>
+      </a:fillRef>
+      <a:effectRef idx="0">
+        <a:scrgbClr r="0" g="0" b="0"/>
+      </a:effectRef>
+      <a:fontRef idx="minor">
+        <a:schemeClr val="lt1"/>
+      </a:fontRef>
+    </dgm:style>
+  </dgm:styleLbl>
+  <dgm:styleLbl name="fgImgPlace1">
+    <dgm:scene3d>
+      <a:camera prst="orthographicFront"/>
+      <a:lightRig rig="threePt" dir="t"/>
+    </dgm:scene3d>
+    <dgm:sp3d/>
+    <dgm:txPr/>
+    <dgm:style>
+      <a:lnRef idx="2">
+        <a:scrgbClr r="0" g="0" b="0"/>
+      </a:lnRef>
+      <a:fillRef idx="1">
+        <a:scrgbClr r="0" g="0" b="0"/>
+      </a:fillRef>
+      <a:effectRef idx="0">
+        <a:scrgbClr r="0" g="0" b="0"/>
+      </a:effectRef>
+      <a:fontRef idx="minor"/>
+    </dgm:style>
+  </dgm:styleLbl>
+  <dgm:styleLbl name="alignImgPlace1">
+    <dgm:scene3d>
+      <a:camera prst="orthographicFront"/>
+      <a:lightRig rig="threePt" dir="t"/>
+    </dgm:scene3d>
+    <dgm:sp3d/>
+    <dgm:txPr/>
+    <dgm:style>
+      <a:lnRef idx="2">
+        <a:scrgbClr r="0" g="0" b="0"/>
+      </a:lnRef>
+      <a:fillRef idx="1">
+        <a:scrgbClr r="0" g="0" b="0"/>
+      </a:fillRef>
+      <a:effectRef idx="0">
+        <a:scrgbClr r="0" g="0" b="0"/>
+      </a:effectRef>
+      <a:fontRef idx="minor"/>
+    </dgm:style>
+  </dgm:styleLbl>
+  <dgm:styleLbl name="bgImgPlace1">
+    <dgm:scene3d>
+      <a:camera prst="orthographicFront"/>
+      <a:lightRig rig="threePt" dir="t"/>
+    </dgm:scene3d>
+    <dgm:sp3d/>
+    <dgm:txPr/>
+    <dgm:style>
+      <a:lnRef idx="2">
+        <a:scrgbClr r="0" g="0" b="0"/>
+      </a:lnRef>
+      <a:fillRef idx="1">
+        <a:scrgbClr r="0" g="0" b="0"/>
+      </a:fillRef>
+      <a:effectRef idx="0">
+        <a:scrgbClr r="0" g="0" b="0"/>
+      </a:effectRef>
+      <a:fontRef idx="minor"/>
+    </dgm:style>
+  </dgm:styleLbl>
+  <dgm:styleLbl name="sibTrans2D1">
+    <dgm:scene3d>
+      <a:camera prst="orthographicFront"/>
+      <a:lightRig rig="threePt" dir="t"/>
+    </dgm:scene3d>
+    <dgm:sp3d/>
+    <dgm:txPr/>
+    <dgm:style>
+      <a:lnRef idx="0">
+        <a:scrgbClr r="0" g="0" b="0"/>
+      </a:lnRef>
+      <a:fillRef idx="1">
+        <a:scrgbClr r="0" g="0" b="0"/>
+      </a:fillRef>
+      <a:effectRef idx="0">
+        <a:scrgbClr r="0" g="0" b="0"/>
+      </a:effectRef>
+      <a:fontRef idx="minor">
+        <a:schemeClr val="lt1"/>
+      </a:fontRef>
+    </dgm:style>
+  </dgm:styleLbl>
+  <dgm:styleLbl name="fgSibTrans2D1">
+    <dgm:scene3d>
+      <a:camera prst="orthographicFront"/>
+      <a:lightRig rig="threePt" dir="t"/>
+    </dgm:scene3d>
+    <dgm:sp3d/>
+    <dgm:txPr/>
+    <dgm:style>
+      <a:lnRef idx="0">
+        <a:scrgbClr r="0" g="0" b="0"/>
+      </a:lnRef>
+      <a:fillRef idx="1">
+        <a:scrgbClr r="0" g="0" b="0"/>
+      </a:fillRef>
+      <a:effectRef idx="0">
+        <a:scrgbClr r="0" g="0" b="0"/>
+      </a:effectRef>
+      <a:fontRef idx="minor">
+        <a:schemeClr val="lt1"/>
+      </a:fontRef>
+    </dgm:style>
+  </dgm:styleLbl>
+  <dgm:styleLbl name="bgSibTrans2D1">
+    <dgm:scene3d>
+      <a:camera prst="orthographicFront"/>
+      <a:lightRig rig="threePt" dir="t"/>
+    </dgm:scene3d>
+    <dgm:sp3d/>
+    <dgm:txPr/>
+    <dgm:style>
+      <a:lnRef idx="0">
+        <a:scrgbClr r="0" g="0" b="0"/>
+      </a:lnRef>
+      <a:fillRef idx="1">
+        <a:scrgbClr r="0" g="0" b="0"/>
+      </a:fillRef>
+      <a:effectRef idx="0">
+        <a:scrgbClr r="0" g="0" b="0"/>
+      </a:effectRef>
+      <a:fontRef idx="minor">
+        <a:schemeClr val="lt1"/>
+      </a:fontRef>
+    </dgm:style>
+  </dgm:styleLbl>
+  <dgm:styleLbl name="sibTrans1D1">
+    <dgm:scene3d>
+      <a:camera prst="orthographicFront"/>
+      <a:lightRig rig="threePt" dir="t"/>
+    </dgm:scene3d>
+    <dgm:sp3d/>
+    <dgm:txPr/>
+    <dgm:style>
+      <a:lnRef idx="1">
+        <a:scrgbClr r="0" g="0" b="0"/>
+      </a:lnRef>
+      <a:fillRef idx="0">
+        <a:scrgbClr r="0" g="0" b="0"/>
+      </a:fillRef>
+      <a:effectRef idx="0">
+        <a:scrgbClr r="0" g="0" b="0"/>
+      </a:effectRef>
+      <a:fontRef idx="minor"/>
+    </dgm:style>
+  </dgm:styleLbl>
+  <dgm:styleLbl name="callout">
+    <dgm:scene3d>
+      <a:camera prst="orthographicFront"/>
+      <a:lightRig rig="threePt" dir="t"/>
+    </dgm:scene3d>
+    <dgm:sp3d/>
+    <dgm:txPr/>
+    <dgm:style>
+      <a:lnRef idx="2">
+        <a:scrgbClr r="0" g="0" b="0"/>
+      </a:lnRef>
+      <a:fillRef idx="1">
+        <a:scrgbClr r="0" g="0" b="0"/>
+      </a:fillRef>
+      <a:effectRef idx="0">
+        <a:scrgbClr r="0" g="0" b="0"/>
+      </a:effectRef>
+      <a:fontRef idx="minor"/>
+    </dgm:style>
+  </dgm:styleLbl>
+  <dgm:styleLbl name="asst0">
+    <dgm:scene3d>
+      <a:camera prst="orthographicFront"/>
+      <a:lightRig rig="threePt" dir="t"/>
+    </dgm:scene3d>
+    <dgm:sp3d/>
+    <dgm:txPr/>
+    <dgm:style>
+      <a:lnRef idx="2">
+        <a:scrgbClr r="0" g="0" b="0"/>
+      </a:lnRef>
+      <a:fillRef idx="1">
+        <a:scrgbClr r="0" g="0" b="0"/>
+      </a:fillRef>
+      <a:effectRef idx="0">
+        <a:scrgbClr r="0" g="0" b="0"/>
+      </a:effectRef>
+      <a:fontRef idx="minor">
+        <a:schemeClr val="lt1"/>
+      </a:fontRef>
+    </dgm:style>
+  </dgm:styleLbl>
+  <dgm:styleLbl name="asst1">
+    <dgm:scene3d>
+      <a:camera prst="orthographicFront"/>
+      <a:lightRig rig="threePt" dir="t"/>
+    </dgm:scene3d>
+    <dgm:sp3d/>
+    <dgm:txPr/>
+    <dgm:style>
+      <a:lnRef idx="2">
+        <a:scrgbClr r="0" g="0" b="0"/>
+      </a:lnRef>
+      <a:fillRef idx="1">
+        <a:scrgbClr r="0" g="0" b="0"/>
+      </a:fillRef>
+      <a:effectRef idx="0">
+        <a:scrgbClr r="0" g="0" b="0"/>
+      </a:effectRef>
+      <a:fontRef idx="minor">
+        <a:schemeClr val="lt1"/>
+      </a:fontRef>
+    </dgm:style>
+  </dgm:styleLbl>
+  <dgm:styleLbl name="asst2">
+    <dgm:scene3d>
+      <a:camera prst="orthographicFront"/>
+      <a:lightRig rig="threePt" dir="t"/>
+    </dgm:scene3d>
+    <dgm:sp3d/>
+    <dgm:txPr/>
+    <dgm:style>
+      <a:lnRef idx="2">
+        <a:scrgbClr r="0" g="0" b="0"/>
+      </a:lnRef>
+      <a:fillRef idx="1">
+        <a:scrgbClr r="0" g="0" b="0"/>
+      </a:fillRef>
+      <a:effectRef idx="0">
+        <a:scrgbClr r="0" g="0" b="0"/>
+      </a:effectRef>
+      <a:fontRef idx="minor">
+        <a:schemeClr val="lt1"/>
+      </a:fontRef>
+    </dgm:style>
+  </dgm:styleLbl>
+  <dgm:styleLbl name="asst3">
+    <dgm:scene3d>
+      <a:camera prst="orthographicFront"/>
+      <a:lightRig rig="threePt" dir="t"/>
+    </dgm:scene3d>
+    <dgm:sp3d/>
+    <dgm:txPr/>
+    <dgm:style>
+      <a:lnRef idx="2">
+        <a:scrgbClr r="0" g="0" b="0"/>
+      </a:lnRef>
+      <a:fillRef idx="1">
+        <a:scrgbClr r="0" g="0" b="0"/>
+      </a:fillRef>
+      <a:effectRef idx="0">
+        <a:scrgbClr r="0" g="0" b="0"/>
+      </a:effectRef>
+      <a:fontRef idx="minor">
+        <a:schemeClr val="lt1"/>
+      </a:fontRef>
+    </dgm:style>
+  </dgm:styleLbl>
+  <dgm:styleLbl name="asst4">
+    <dgm:scene3d>
+      <a:camera prst="orthographicFront"/>
+      <a:lightRig rig="threePt" dir="t"/>
+    </dgm:scene3d>
+    <dgm:sp3d/>
+    <dgm:txPr/>
+    <dgm:style>
+      <a:lnRef idx="2">
+        <a:scrgbClr r="0" g="0" b="0"/>
+      </a:lnRef>
+      <a:fillRef idx="1">
+        <a:scrgbClr r="0" g="0" b="0"/>
+      </a:fillRef>
+      <a:effectRef idx="0">
+        <a:scrgbClr r="0" g="0" b="0"/>
+      </a:effectRef>
+      <a:fontRef idx="minor">
+        <a:schemeClr val="lt1"/>
+      </a:fontRef>
+    </dgm:style>
+  </dgm:styleLbl>
+  <dgm:styleLbl name="parChTrans2D1">
+    <dgm:scene3d>
+      <a:camera prst="orthographicFront"/>
+      <a:lightRig rig="threePt" dir="t"/>
+    </dgm:scene3d>
+    <dgm:sp3d/>
+    <dgm:txPr/>
+    <dgm:style>
+      <a:lnRef idx="2">
+        <a:scrgbClr r="0" g="0" b="0"/>
+      </a:lnRef>
+      <a:fillRef idx="1">
+        <a:scrgbClr r="0" g="0" b="0"/>
+      </a:fillRef>
+      <a:effectRef idx="0">
+        <a:scrgbClr r="0" g="0" b="0"/>
+      </a:effectRef>
+      <a:fontRef idx="minor">
+        <a:schemeClr val="lt1"/>
+      </a:fontRef>
+    </dgm:style>
+  </dgm:styleLbl>
+  <dgm:styleLbl name="parChTrans2D2">
+    <dgm:scene3d>
+      <a:camera prst="orthographicFront"/>
+      <a:lightRig rig="threePt" dir="t"/>
+    </dgm:scene3d>
+    <dgm:sp3d/>
+    <dgm:txPr/>
+    <dgm:style>
+      <a:lnRef idx="2">
+        <a:scrgbClr r="0" g="0" b="0"/>
+      </a:lnRef>
+      <a:fillRef idx="1">
+        <a:scrgbClr r="0" g="0" b="0"/>
+      </a:fillRef>
+      <a:effectRef idx="0">
+        <a:scrgbClr r="0" g="0" b="0"/>
+      </a:effectRef>
+      <a:fontRef idx="minor">
+        <a:schemeClr val="lt1"/>
+      </a:fontRef>
+    </dgm:style>
+  </dgm:styleLbl>
+  <dgm:styleLbl name="parChTrans2D3">
+    <dgm:scene3d>
+      <a:camera prst="orthographicFront"/>
+      <a:lightRig rig="threePt" dir="t"/>
+    </dgm:scene3d>
+    <dgm:sp3d/>
+    <dgm:txPr/>
+    <dgm:style>
+      <a:lnRef idx="2">
+        <a:scrgbClr r="0" g="0" b="0"/>
+      </a:lnRef>
+      <a:fillRef idx="1">
+        <a:scrgbClr r="0" g="0" b="0"/>
+      </a:fillRef>
+      <a:effectRef idx="0">
+        <a:scrgbClr r="0" g="0" b="0"/>
+      </a:effectRef>
+      <a:fontRef idx="minor">
+        <a:schemeClr val="lt1"/>
+      </a:fontRef>
+    </dgm:style>
+  </dgm:styleLbl>
+  <dgm:styleLbl name="parChTrans2D4">
+    <dgm:scene3d>
+      <a:camera prst="orthographicFront"/>
+      <a:lightRig rig="threePt" dir="t"/>
+    </dgm:scene3d>
+    <dgm:sp3d/>
+    <dgm:txPr/>
+    <dgm:style>
+      <a:lnRef idx="2">
+        <a:scrgbClr r="0" g="0" b="0"/>
+      </a:lnRef>
+      <a:fillRef idx="1">
+        <a:scrgbClr r="0" g="0" b="0"/>
+      </a:fillRef>
+      <a:effectRef idx="0">
+        <a:scrgbClr r="0" g="0" b="0"/>
+      </a:effectRef>
+      <a:fontRef idx="minor">
+        <a:schemeClr val="lt1"/>
+      </a:fontRef>
+    </dgm:style>
+  </dgm:styleLbl>
+  <dgm:styleLbl name="parChTrans1D1">
+    <dgm:scene3d>
+      <a:camera prst="orthographicFront"/>
+      <a:lightRig rig="threePt" dir="t"/>
+    </dgm:scene3d>
+    <dgm:sp3d/>
+    <dgm:txPr/>
+    <dgm:style>
+      <a:lnRef idx="2">
+        <a:scrgbClr r="0" g="0" b="0"/>
+      </a:lnRef>
+      <a:fillRef idx="0">
+        <a:scrgbClr r="0" g="0" b="0"/>
+      </a:fillRef>
+      <a:effectRef idx="0">
+        <a:scrgbClr r="0" g="0" b="0"/>
+      </a:effectRef>
+      <a:fontRef idx="minor"/>
+    </dgm:style>
+  </dgm:styleLbl>
+  <dgm:styleLbl name="parChTrans1D2">
+    <dgm:scene3d>
+      <a:camera prst="orthographicFront"/>
+      <a:lightRig rig="threePt" dir="t"/>
+    </dgm:scene3d>
+    <dgm:sp3d/>
+    <dgm:txPr/>
+    <dgm:style>
+      <a:lnRef idx="2">
+        <a:scrgbClr r="0" g="0" b="0"/>
+      </a:lnRef>
+      <a:fillRef idx="0">
+        <a:scrgbClr r="0" g="0" b="0"/>
+      </a:fillRef>
+      <a:effectRef idx="0">
+        <a:scrgbClr r="0" g="0" b="0"/>
+      </a:effectRef>
+      <a:fontRef idx="minor"/>
+    </dgm:style>
+  </dgm:styleLbl>
+  <dgm:styleLbl name="parChTrans1D3">
+    <dgm:scene3d>
+      <a:camera prst="orthographicFront"/>
+      <a:lightRig rig="threePt" dir="t"/>
+    </dgm:scene3d>
+    <dgm:sp3d/>
+    <dgm:txPr/>
+    <dgm:style>
+      <a:lnRef idx="2">
+        <a:scrgbClr r="0" g="0" b="0"/>
+      </a:lnRef>
+      <a:fillRef idx="0">
+        <a:scrgbClr r="0" g="0" b="0"/>
+      </a:fillRef>
+      <a:effectRef idx="0">
+        <a:scrgbClr r="0" g="0" b="0"/>
+      </a:effectRef>
+      <a:fontRef idx="minor"/>
+    </dgm:style>
+  </dgm:styleLbl>
+  <dgm:styleLbl name="parChTrans1D4">
+    <dgm:scene3d>
+      <a:camera prst="orthographicFront"/>
+      <a:lightRig rig="threePt" dir="t"/>
+    </dgm:scene3d>
+    <dgm:sp3d/>
+    <dgm:txPr/>
+    <dgm:style>
+      <a:lnRef idx="2">
+        <a:scrgbClr r="0" g="0" b="0"/>
+      </a:lnRef>
+      <a:fillRef idx="0">
+        <a:scrgbClr r="0" g="0" b="0"/>
+      </a:fillRef>
+      <a:effectRef idx="0">
+        <a:scrgbClr r="0" g="0" b="0"/>
+      </a:effectRef>
+      <a:fontRef idx="minor"/>
+    </dgm:style>
+  </dgm:styleLbl>
+  <dgm:styleLbl name="fgAcc1">
+    <dgm:scene3d>
+      <a:camera prst="orthographicFront"/>
+      <a:lightRig rig="threePt" dir="t"/>
+    </dgm:scene3d>
+    <dgm:sp3d/>
+    <dgm:txPr/>
+    <dgm:style>
+      <a:lnRef idx="2">
+        <a:scrgbClr r="0" g="0" b="0"/>
+      </a:lnRef>
+      <a:fillRef idx="1">
+        <a:scrgbClr r="0" g="0" b="0"/>
+      </a:fillRef>
+      <a:effectRef idx="0">
+        <a:scrgbClr r="0" g="0" b="0"/>
+      </a:effectRef>
+      <a:fontRef idx="minor"/>
+    </dgm:style>
+  </dgm:styleLbl>
+  <dgm:styleLbl name="conFgAcc1">
+    <dgm:scene3d>
+      <a:camera prst="orthographicFront"/>
+      <a:lightRig rig="threePt" dir="t"/>
+    </dgm:scene3d>
+    <dgm:sp3d/>
+    <dgm:txPr/>
+    <dgm:style>
+      <a:lnRef idx="2">
+        <a:scrgbClr r="0" g="0" b="0"/>
+      </a:lnRef>
+      <a:fillRef idx="1">
+        <a:scrgbClr r="0" g="0" b="0"/>
+      </a:fillRef>
+      <a:effectRef idx="0">
+        <a:scrgbClr r="0" g="0" b="0"/>
+      </a:effectRef>
+      <a:fontRef idx="minor"/>
+    </dgm:style>
+  </dgm:styleLbl>
+  <dgm:styleLbl name="alignAcc1">
+    <dgm:scene3d>
+      <a:camera prst="orthographicFront"/>
+      <a:lightRig rig="threePt" dir="t"/>
+    </dgm:scene3d>
+    <dgm:sp3d/>
+    <dgm:txPr/>
+    <dgm:style>
+      <a:lnRef idx="2">
+        <a:scrgbClr r="0" g="0" b="0"/>
+      </a:lnRef>
+      <a:fillRef idx="1">
+        <a:scrgbClr r="0" g="0" b="0"/>
+      </a:fillRef>
+      <a:effectRef idx="0">
+        <a:scrgbClr r="0" g="0" b="0"/>
+      </a:effectRef>
+      <a:fontRef idx="minor"/>
+    </dgm:style>
+  </dgm:styleLbl>
+  <dgm:styleLbl name="trAlignAcc1">
+    <dgm:scene3d>
+      <a:camera prst="orthographicFront"/>
+      <a:lightRig rig="threePt" dir="t"/>
+    </dgm:scene3d>
+    <dgm:sp3d/>
+    <dgm:txPr/>
+    <dgm:style>
+      <a:lnRef idx="1">
+        <a:scrgbClr r="0" g="0" b="0"/>
+      </a:lnRef>
+      <a:fillRef idx="1">
+        <a:scrgbClr r="0" g="0" b="0"/>
+      </a:fillRef>
+      <a:effectRef idx="0">
+        <a:scrgbClr r="0" g="0" b="0"/>
+      </a:effectRef>
+      <a:fontRef idx="minor"/>
+    </dgm:style>
+  </dgm:styleLbl>
+  <dgm:styleLbl name="bgAcc1">
+    <dgm:scene3d>
+      <a:camera prst="orthographicFront"/>
+      <a:lightRig rig="threePt" dir="t"/>
+    </dgm:scene3d>
+    <dgm:sp3d/>
+    <dgm:txPr/>
+    <dgm:style>
+      <a:lnRef idx="2">
+        <a:scrgbClr r="0" g="0" b="0"/>
+      </a:lnRef>
+      <a:fillRef idx="1">
+        <a:scrgbClr r="0" g="0" b="0"/>
+      </a:fillRef>
+      <a:effectRef idx="0">
+        <a:scrgbClr r="0" g="0" b="0"/>
+      </a:effectRef>
+      <a:fontRef idx="minor"/>
+    </dgm:style>
+  </dgm:styleLbl>
+  <dgm:styleLbl name="solidFgAcc1">
+    <dgm:scene3d>
+      <a:camera prst="orthographicFront"/>
+      <a:lightRig rig="threePt" dir="t"/>
+    </dgm:scene3d>
+    <dgm:sp3d/>
+    <dgm:txPr/>
+    <dgm:style>
+      <a:lnRef idx="2">
+        <a:scrgbClr r="0" g="0" b="0"/>
+      </a:lnRef>
+      <a:fillRef idx="1">
+        <a:scrgbClr r="0" g="0" b="0"/>
+      </a:fillRef>
+      <a:effectRef idx="0">
+        <a:scrgbClr r="0" g="0" b="0"/>
+      </a:effectRef>
+      <a:fontRef idx="minor"/>
+    </dgm:style>
+  </dgm:styleLbl>
+  <dgm:styleLbl name="solidAlignAcc1">
+    <dgm:scene3d>
+      <a:camera prst="orthographicFront"/>
+      <a:lightRig rig="threePt" dir="t"/>
+    </dgm:scene3d>
+    <dgm:sp3d/>
+    <dgm:txPr/>
+    <dgm:style>
+      <a:lnRef idx="2">
+        <a:scrgbClr r="0" g="0" b="0"/>
+      </a:lnRef>
+      <a:fillRef idx="1">
+        <a:scrgbClr r="0" g="0" b="0"/>
+      </a:fillRef>
+      <a:effectRef idx="0">
+        <a:scrgbClr r="0" g="0" b="0"/>
+      </a:effectRef>
+      <a:fontRef idx="minor"/>
+    </dgm:style>
+  </dgm:styleLbl>
+  <dgm:styleLbl name="solidBgAcc1">
+    <dgm:scene3d>
+      <a:camera prst="orthographicFront"/>
+      <a:lightRig rig="threePt" dir="t"/>
+    </dgm:scene3d>
+    <dgm:sp3d/>
+    <dgm:txPr/>
+    <dgm:style>
+      <a:lnRef idx="2">
+        <a:scrgbClr r="0" g="0" b="0"/>
+      </a:lnRef>
+      <a:fillRef idx="1">
+        <a:scrgbClr r="0" g="0" b="0"/>
+      </a:fillRef>
+      <a:effectRef idx="0">
+        <a:scrgbClr r="0" g="0" b="0"/>
+      </a:effectRef>
+      <a:fontRef idx="minor"/>
+    </dgm:style>
+  </dgm:styleLbl>
+  <dgm:styleLbl name="fgAccFollowNode1">
+    <dgm:scene3d>
+      <a:camera prst="orthographicFront"/>
+      <a:lightRig rig="threePt" dir="t"/>
+    </dgm:scene3d>
+    <dgm:sp3d/>
+    <dgm:txPr/>
+    <dgm:style>
+      <a:lnRef idx="2">
+        <a:scrgbClr r="0" g="0" b="0"/>
+      </a:lnRef>
+      <a:fillRef idx="1">
+        <a:scrgbClr r="0" g="0" b="0"/>
+      </a:fillRef>
+      <a:effectRef idx="0">
+        <a:scrgbClr r="0" g="0" b="0"/>
+      </a:effectRef>
+      <a:fontRef idx="minor"/>
+    </dgm:style>
+  </dgm:styleLbl>
+  <dgm:styleLbl name="alignAccFollowNode1">
+    <dgm:scene3d>
+      <a:camera prst="orthographicFront"/>
+      <a:lightRig rig="threePt" dir="t"/>
+    </dgm:scene3d>
+    <dgm:sp3d/>
+    <dgm:txPr/>
+    <dgm:style>
+      <a:lnRef idx="2">
+        <a:scrgbClr r="0" g="0" b="0"/>
+      </a:lnRef>
+      <a:fillRef idx="1">
+        <a:scrgbClr r="0" g="0" b="0"/>
+      </a:fillRef>
+      <a:effectRef idx="0">
+        <a:scrgbClr r="0" g="0" b="0"/>
+      </a:effectRef>
+      <a:fontRef idx="minor"/>
+    </dgm:style>
+  </dgm:styleLbl>
+  <dgm:styleLbl name="bgAccFollowNode1">
+    <dgm:scene3d>
+      <a:camera prst="orthographicFront"/>
+      <a:lightRig rig="threePt" dir="t"/>
+    </dgm:scene3d>
+    <dgm:sp3d/>
+    <dgm:txPr/>
+    <dgm:style>
+      <a:lnRef idx="2">
+        <a:scrgbClr r="0" g="0" b="0"/>
+      </a:lnRef>
+      <a:fillRef idx="1">
+        <a:scrgbClr r="0" g="0" b="0"/>
+      </a:fillRef>
+      <a:effectRef idx="0">
+        <a:scrgbClr r="0" g="0" b="0"/>
+      </a:effectRef>
+      <a:fontRef idx="minor"/>
+    </dgm:style>
+  </dgm:styleLbl>
+  <dgm:styleLbl name="fgAcc0">
+    <dgm:scene3d>
+      <a:camera prst="orthographicFront"/>
+      <a:lightRig rig="threePt" dir="t"/>
+    </dgm:scene3d>
+    <dgm:sp3d/>
+    <dgm:txPr/>
+    <dgm:style>
+      <a:lnRef idx="2">
+        <a:scrgbClr r="0" g="0" b="0"/>
+      </a:lnRef>
+      <a:fillRef idx="1">
+        <a:scrgbClr r="0" g="0" b="0"/>
+      </a:fillRef>
+      <a:effectRef idx="0">
+        <a:scrgbClr r="0" g="0" b="0"/>
+      </a:effectRef>
+      <a:fontRef idx="minor"/>
+    </dgm:style>
+  </dgm:styleLbl>
+  <dgm:styleLbl name="fgAcc2">
+    <dgm:scene3d>
+      <a:camera prst="orthographicFront"/>
+      <a:lightRig rig="threePt" dir="t"/>
+    </dgm:scene3d>
+    <dgm:sp3d/>
+    <dgm:txPr/>
+    <dgm:style>
+      <a:lnRef idx="2">
+        <a:scrgbClr r="0" g="0" b="0"/>
+      </a:lnRef>
+      <a:fillRef idx="1">
+        <a:scrgbClr r="0" g="0" b="0"/>
+      </a:fillRef>
+      <a:effectRef idx="0">
+        <a:scrgbClr r="0" g="0" b="0"/>
+      </a:effectRef>
+      <a:fontRef idx="minor"/>
+    </dgm:style>
+  </dgm:styleLbl>
+  <dgm:styleLbl name="fgAcc3">
+    <dgm:scene3d>
+      <a:camera prst="orthographicFront"/>
+      <a:lightRig rig="threePt" dir="t"/>
+    </dgm:scene3d>
+    <dgm:sp3d/>
+    <dgm:txPr/>
+    <dgm:style>
+      <a:lnRef idx="2">
+        <a:scrgbClr r="0" g="0" b="0"/>
+      </a:lnRef>
+      <a:fillRef idx="1">
+        <a:scrgbClr r="0" g="0" b="0"/>
+      </a:fillRef>
+      <a:effectRef idx="0">
+        <a:scrgbClr r="0" g="0" b="0"/>
+      </a:effectRef>
+      <a:fontRef idx="minor"/>
+    </dgm:style>
+  </dgm:styleLbl>
+  <dgm:styleLbl name="fgAcc4">
+    <dgm:scene3d>
+      <a:camera prst="orthographicFront"/>
+      <a:lightRig rig="threePt" dir="t"/>
+    </dgm:scene3d>
+    <dgm:sp3d/>
+    <dgm:txPr/>
+    <dgm:style>
+      <a:lnRef idx="2">
+        <a:scrgbClr r="0" g="0" b="0"/>
+      </a:lnRef>
+      <a:fillRef idx="1">
+        <a:scrgbClr r="0" g="0" b="0"/>
+      </a:fillRef>
+      <a:effectRef idx="0">
+        <a:scrgbClr r="0" g="0" b="0"/>
+      </a:effectRef>
+      <a:fontRef idx="minor"/>
+    </dgm:style>
+  </dgm:styleLbl>
+  <dgm:styleLbl name="bgShp">
+    <dgm:scene3d>
+      <a:camera prst="orthographicFront"/>
+      <a:lightRig rig="threePt" dir="t"/>
+    </dgm:scene3d>
+    <dgm:sp3d/>
+    <dgm:txPr/>
+    <dgm:style>
+      <a:lnRef idx="0">
+        <a:scrgbClr r="0" g="0" b="0"/>
+      </a:lnRef>
+      <a:fillRef idx="1">
+        <a:scrgbClr r="0" g="0" b="0"/>
+      </a:fillRef>
+      <a:effectRef idx="0">
+        <a:scrgbClr r="0" g="0" b="0"/>
+      </a:effectRef>
+      <a:fontRef idx="minor"/>
+    </dgm:style>
+  </dgm:styleLbl>
+  <dgm:styleLbl name="dkBgShp">
+    <dgm:scene3d>
+      <a:camera prst="orthographicFront"/>
+      <a:lightRig rig="threePt" dir="t"/>
+    </dgm:scene3d>
+    <dgm:sp3d/>
+    <dgm:txPr/>
+    <dgm:style>
+      <a:lnRef idx="0">
+        <a:scrgbClr r="0" g="0" b="0"/>
+      </a:lnRef>
+      <a:fillRef idx="1">
+        <a:scrgbClr r="0" g="0" b="0"/>
+      </a:fillRef>
+      <a:effectRef idx="0">
+        <a:scrgbClr r="0" g="0" b="0"/>
+      </a:effectRef>
+      <a:fontRef idx="minor"/>
+    </dgm:style>
+  </dgm:styleLbl>
+  <dgm:styleLbl name="trBgShp">
+    <dgm:scene3d>
+      <a:camera prst="orthographicFront"/>
+      <a:lightRig rig="threePt" dir="t"/>
+    </dgm:scene3d>
+    <dgm:sp3d/>
+    <dgm:txPr/>
+    <dgm:style>
+      <a:lnRef idx="0">
+        <a:scrgbClr r="0" g="0" b="0"/>
+      </a:lnRef>
+      <a:fillRef idx="1">
+        <a:scrgbClr r="0" g="0" b="0"/>
+      </a:fillRef>
+      <a:effectRef idx="0">
+        <a:scrgbClr r="0" g="0" b="0"/>
+      </a:effectRef>
+      <a:fontRef idx="minor"/>
+    </dgm:style>
+  </dgm:styleLbl>
+  <dgm:styleLbl name="fgShp">
+    <dgm:scene3d>
+      <a:camera prst="orthographicFront"/>
+      <a:lightRig rig="threePt" dir="t"/>
+    </dgm:scene3d>
+    <dgm:sp3d/>
+    <dgm:txPr/>
+    <dgm:style>
+      <a:lnRef idx="2">
+        <a:scrgbClr r="0" g="0" b="0"/>
+      </a:lnRef>
+      <a:fillRef idx="1">
+        <a:scrgbClr r="0" g="0" b="0"/>
+      </a:fillRef>
+      <a:effectRef idx="0">
+        <a:scrgbClr r="0" g="0" b="0"/>
+      </a:effectRef>
+      <a:fontRef idx="minor"/>
+    </dgm:style>
+  </dgm:styleLbl>
+  <dgm:styleLbl name="revTx">
+    <dgm:scene3d>
+      <a:camera prst="orthographicFront"/>
+      <a:lightRig rig="threePt" dir="t"/>
+    </dgm:scene3d>
+    <dgm:sp3d/>
+    <dgm:txPr/>
+    <dgm:style>
+      <a:lnRef idx="0">
+        <a:scrgbClr r="0" g="0" b="0"/>
+      </a:lnRef>
+      <a:fillRef idx="0">
+        <a:scrgbClr r="0" g="0" b="0"/>
+      </a:fillRef>
+      <a:effectRef idx="0">
+        <a:scrgbClr r="0" g="0" b="0"/>
+      </a:effectRef>
+      <a:fontRef idx="minor"/>
+    </dgm:style>
+  </dgm:styleLbl>
+</dgm:styleDef>
+</file>
+
+<file path=ppt/diagrams/quickStyle3.xml><?xml version="1.0" encoding="utf-8"?>
+<dgm:styleDef xmlns:dgm="http://schemas.openxmlformats.org/drawingml/2006/diagram" xmlns:a="http://schemas.openxmlformats.org/drawingml/2006/main" uniqueId="urn:microsoft.com/office/officeart/2005/8/quickstyle/simple1">
+  <dgm:title val=""/>
+  <dgm:desc val=""/>
+  <dgm:catLst>
+    <dgm:cat type="simple" pri="10100"/>
+  </dgm:catLst>
+  <dgm:scene3d>
+    <a:camera prst="orthographicFront"/>
+    <a:lightRig rig="threePt" dir="t"/>
+  </dgm:scene3d>
+  <dgm:styleLbl name="node0">
+    <dgm:scene3d>
+      <a:camera prst="orthographicFront"/>
+      <a:lightRig rig="threePt" dir="t"/>
+    </dgm:scene3d>
+    <dgm:sp3d/>
+    <dgm:txPr/>
+    <dgm:style>
+      <a:lnRef idx="2">
+        <a:scrgbClr r="0" g="0" b="0"/>
+      </a:lnRef>
+      <a:fillRef idx="1">
+        <a:scrgbClr r="0" g="0" b="0"/>
+      </a:fillRef>
+      <a:effectRef idx="0">
+        <a:scrgbClr r="0" g="0" b="0"/>
+      </a:effectRef>
+      <a:fontRef idx="minor">
+        <a:schemeClr val="lt1"/>
+      </a:fontRef>
+    </dgm:style>
+  </dgm:styleLbl>
+  <dgm:styleLbl name="lnNode1">
+    <dgm:scene3d>
+      <a:camera prst="orthographicFront"/>
+      <a:lightRig rig="threePt" dir="t"/>
+    </dgm:scene3d>
+    <dgm:sp3d/>
+    <dgm:txPr/>
+    <dgm:style>
+      <a:lnRef idx="2">
+        <a:scrgbClr r="0" g="0" b="0"/>
+      </a:lnRef>
+      <a:fillRef idx="1">
+        <a:scrgbClr r="0" g="0" b="0"/>
+      </a:fillRef>
+      <a:effectRef idx="0">
+        <a:scrgbClr r="0" g="0" b="0"/>
+      </a:effectRef>
+      <a:fontRef idx="minor">
+        <a:schemeClr val="lt1"/>
+      </a:fontRef>
+    </dgm:style>
+  </dgm:styleLbl>
+  <dgm:styleLbl name="vennNode1">
+    <dgm:scene3d>
+      <a:camera prst="orthographicFront"/>
+      <a:lightRig rig="threePt" dir="t"/>
+    </dgm:scene3d>
+    <dgm:sp3d/>
+    <dgm:txPr/>
+    <dgm:style>
+      <a:lnRef idx="2">
+        <a:scrgbClr r="0" g="0" b="0"/>
+      </a:lnRef>
+      <a:fillRef idx="1">
+        <a:scrgbClr r="0" g="0" b="0"/>
+      </a:fillRef>
+      <a:effectRef idx="0">
+        <a:scrgbClr r="0" g="0" b="0"/>
+      </a:effectRef>
+      <a:fontRef idx="minor">
+        <a:schemeClr val="tx1"/>
+      </a:fontRef>
+    </dgm:style>
+  </dgm:styleLbl>
+  <dgm:styleLbl name="alignNode1">
+    <dgm:scene3d>
+      <a:camera prst="orthographicFront"/>
+      <a:lightRig rig="threePt" dir="t"/>
+    </dgm:scene3d>
+    <dgm:sp3d/>
+    <dgm:txPr/>
+    <dgm:style>
+      <a:lnRef idx="2">
+        <a:scrgbClr r="0" g="0" b="0"/>
+      </a:lnRef>
+      <a:fillRef idx="1">
+        <a:scrgbClr r="0" g="0" b="0"/>
+      </a:fillRef>
+      <a:effectRef idx="0">
+        <a:scrgbClr r="0" g="0" b="0"/>
+      </a:effectRef>
+      <a:fontRef idx="minor">
+        <a:schemeClr val="lt1"/>
+      </a:fontRef>
+    </dgm:style>
+  </dgm:styleLbl>
+  <dgm:styleLbl name="node1">
+    <dgm:scene3d>
+      <a:camera prst="orthographicFront"/>
+      <a:lightRig rig="threePt" dir="t"/>
+    </dgm:scene3d>
+    <dgm:sp3d/>
+    <dgm:txPr/>
+    <dgm:style>
+      <a:lnRef idx="2">
+        <a:scrgbClr r="0" g="0" b="0"/>
+      </a:lnRef>
+      <a:fillRef idx="1">
+        <a:scrgbClr r="0" g="0" b="0"/>
+      </a:fillRef>
+      <a:effectRef idx="0">
+        <a:scrgbClr r="0" g="0" b="0"/>
+      </a:effectRef>
+      <a:fontRef idx="minor">
+        <a:schemeClr val="lt1"/>
+      </a:fontRef>
+    </dgm:style>
+  </dgm:styleLbl>
+  <dgm:styleLbl name="node2">
+    <dgm:scene3d>
+      <a:camera prst="orthographicFront"/>
+      <a:lightRig rig="threePt" dir="t"/>
+    </dgm:scene3d>
+    <dgm:sp3d/>
+    <dgm:txPr/>
+    <dgm:style>
+      <a:lnRef idx="2">
+        <a:scrgbClr r="0" g="0" b="0"/>
+      </a:lnRef>
+      <a:fillRef idx="1">
+        <a:scrgbClr r="0" g="0" b="0"/>
+      </a:fillRef>
+      <a:effectRef idx="0">
+        <a:scrgbClr r="0" g="0" b="0"/>
+      </a:effectRef>
+      <a:fontRef idx="minor">
+        <a:schemeClr val="lt1"/>
+      </a:fontRef>
+    </dgm:style>
+  </dgm:styleLbl>
+  <dgm:styleLbl name="node3">
+    <dgm:scene3d>
+      <a:camera prst="orthographicFront"/>
+      <a:lightRig rig="threePt" dir="t"/>
+    </dgm:scene3d>
+    <dgm:sp3d/>
+    <dgm:txPr/>
+    <dgm:style>
+      <a:lnRef idx="2">
+        <a:scrgbClr r="0" g="0" b="0"/>
+      </a:lnRef>
+      <a:fillRef idx="1">
+        <a:scrgbClr r="0" g="0" b="0"/>
+      </a:fillRef>
+      <a:effectRef idx="0">
+        <a:scrgbClr r="0" g="0" b="0"/>
+      </a:effectRef>
+      <a:fontRef idx="minor">
+        <a:schemeClr val="lt1"/>
+      </a:fontRef>
+    </dgm:style>
+  </dgm:styleLbl>
+  <dgm:styleLbl name="node4">
+    <dgm:scene3d>
+      <a:camera prst="orthographicFront"/>
+      <a:lightRig rig="threePt" dir="t"/>
+    </dgm:scene3d>
+    <dgm:sp3d/>
+    <dgm:txPr/>
+    <dgm:style>
+      <a:lnRef idx="2">
+        <a:scrgbClr r="0" g="0" b="0"/>
+      </a:lnRef>
+      <a:fillRef idx="1">
+        <a:scrgbClr r="0" g="0" b="0"/>
+      </a:fillRef>
+      <a:effectRef idx="0">
+        <a:scrgbClr r="0" g="0" b="0"/>
+      </a:effectRef>
+      <a:fontRef idx="minor">
+        <a:schemeClr val="lt1"/>
+      </a:fontRef>
+    </dgm:style>
+  </dgm:styleLbl>
+  <dgm:styleLbl name="fgImgPlace1">
+    <dgm:scene3d>
+      <a:camera prst="orthographicFront"/>
+      <a:lightRig rig="threePt" dir="t"/>
+    </dgm:scene3d>
+    <dgm:sp3d/>
+    <dgm:txPr/>
+    <dgm:style>
+      <a:lnRef idx="2">
+        <a:scrgbClr r="0" g="0" b="0"/>
+      </a:lnRef>
+      <a:fillRef idx="1">
+        <a:scrgbClr r="0" g="0" b="0"/>
+      </a:fillRef>
+      <a:effectRef idx="0">
+        <a:scrgbClr r="0" g="0" b="0"/>
+      </a:effectRef>
+      <a:fontRef idx="minor"/>
+    </dgm:style>
+  </dgm:styleLbl>
+  <dgm:styleLbl name="alignImgPlace1">
+    <dgm:scene3d>
+      <a:camera prst="orthographicFront"/>
+      <a:lightRig rig="threePt" dir="t"/>
+    </dgm:scene3d>
+    <dgm:sp3d/>
+    <dgm:txPr/>
+    <dgm:style>
+      <a:lnRef idx="2">
+        <a:scrgbClr r="0" g="0" b="0"/>
+      </a:lnRef>
+      <a:fillRef idx="1">
+        <a:scrgbClr r="0" g="0" b="0"/>
+      </a:fillRef>
+      <a:effectRef idx="0">
+        <a:scrgbClr r="0" g="0" b="0"/>
+      </a:effectRef>
+      <a:fontRef idx="minor"/>
+    </dgm:style>
+  </dgm:styleLbl>
+  <dgm:styleLbl name="bgImgPlace1">
+    <dgm:scene3d>
+      <a:camera prst="orthographicFront"/>
+      <a:lightRig rig="threePt" dir="t"/>
+    </dgm:scene3d>
+    <dgm:sp3d/>
+    <dgm:txPr/>
+    <dgm:style>
+      <a:lnRef idx="2">
+        <a:scrgbClr r="0" g="0" b="0"/>
+      </a:lnRef>
+      <a:fillRef idx="1">
+        <a:scrgbClr r="0" g="0" b="0"/>
+      </a:fillRef>
+      <a:effectRef idx="0">
+        <a:scrgbClr r="0" g="0" b="0"/>
+      </a:effectRef>
+      <a:fontRef idx="minor"/>
+    </dgm:style>
+  </dgm:styleLbl>
+  <dgm:styleLbl name="sibTrans2D1">
+    <dgm:scene3d>
+      <a:camera prst="orthographicFront"/>
+      <a:lightRig rig="threePt" dir="t"/>
+    </dgm:scene3d>
+    <dgm:sp3d/>
+    <dgm:txPr/>
+    <dgm:style>
+      <a:lnRef idx="0">
+        <a:scrgbClr r="0" g="0" b="0"/>
+      </a:lnRef>
+      <a:fillRef idx="1">
+        <a:scrgbClr r="0" g="0" b="0"/>
+      </a:fillRef>
+      <a:effectRef idx="0">
+        <a:scrgbClr r="0" g="0" b="0"/>
+      </a:effectRef>
+      <a:fontRef idx="minor">
+        <a:schemeClr val="lt1"/>
+      </a:fontRef>
+    </dgm:style>
+  </dgm:styleLbl>
+  <dgm:styleLbl name="fgSibTrans2D1">
+    <dgm:scene3d>
+      <a:camera prst="orthographicFront"/>
+      <a:lightRig rig="threePt" dir="t"/>
+    </dgm:scene3d>
+    <dgm:sp3d/>
+    <dgm:txPr/>
+    <dgm:style>
+      <a:lnRef idx="0">
+        <a:scrgbClr r="0" g="0" b="0"/>
+      </a:lnRef>
+      <a:fillRef idx="1">
+        <a:scrgbClr r="0" g="0" b="0"/>
+      </a:fillRef>
+      <a:effectRef idx="0">
+        <a:scrgbClr r="0" g="0" b="0"/>
+      </a:effectRef>
+      <a:fontRef idx="minor">
+        <a:schemeClr val="lt1"/>
+      </a:fontRef>
+    </dgm:style>
+  </dgm:styleLbl>
+  <dgm:styleLbl name="bgSibTrans2D1">
+    <dgm:scene3d>
+      <a:camera prst="orthographicFront"/>
+      <a:lightRig rig="threePt" dir="t"/>
+    </dgm:scene3d>
+    <dgm:sp3d/>
+    <dgm:txPr/>
+    <dgm:style>
+      <a:lnRef idx="0">
+        <a:scrgbClr r="0" g="0" b="0"/>
+      </a:lnRef>
+      <a:fillRef idx="1">
+        <a:scrgbClr r="0" g="0" b="0"/>
+      </a:fillRef>
+      <a:effectRef idx="0">
+        <a:scrgbClr r="0" g="0" b="0"/>
+      </a:effectRef>
+      <a:fontRef idx="minor">
+        <a:schemeClr val="lt1"/>
+      </a:fontRef>
+    </dgm:style>
+  </dgm:styleLbl>
+  <dgm:styleLbl name="sibTrans1D1">
+    <dgm:scene3d>
+      <a:camera prst="orthographicFront"/>
+      <a:lightRig rig="threePt" dir="t"/>
+    </dgm:scene3d>
+    <dgm:sp3d/>
+    <dgm:txPr/>
+    <dgm:style>
+      <a:lnRef idx="1">
+        <a:scrgbClr r="0" g="0" b="0"/>
+      </a:lnRef>
+      <a:fillRef idx="0">
+        <a:scrgbClr r="0" g="0" b="0"/>
+      </a:fillRef>
+      <a:effectRef idx="0">
+        <a:scrgbClr r="0" g="0" b="0"/>
+      </a:effectRef>
+      <a:fontRef idx="minor"/>
+    </dgm:style>
+  </dgm:styleLbl>
+  <dgm:styleLbl name="callout">
+    <dgm:scene3d>
+      <a:camera prst="orthographicFront"/>
+      <a:lightRig rig="threePt" dir="t"/>
+    </dgm:scene3d>
+    <dgm:sp3d/>
+    <dgm:txPr/>
+    <dgm:style>
+      <a:lnRef idx="2">
+        <a:scrgbClr r="0" g="0" b="0"/>
+      </a:lnRef>
+      <a:fillRef idx="1">
+        <a:scrgbClr r="0" g="0" b="0"/>
+      </a:fillRef>
+      <a:effectRef idx="0">
+        <a:scrgbClr r="0" g="0" b="0"/>
+      </a:effectRef>
+      <a:fontRef idx="minor"/>
+    </dgm:style>
+  </dgm:styleLbl>
+  <dgm:styleLbl name="asst0">
+    <dgm:scene3d>
+      <a:camera prst="orthographicFront"/>
+      <a:lightRig rig="threePt" dir="t"/>
+    </dgm:scene3d>
+    <dgm:sp3d/>
+    <dgm:txPr/>
+    <dgm:style>
+      <a:lnRef idx="2">
+        <a:scrgbClr r="0" g="0" b="0"/>
+      </a:lnRef>
+      <a:fillRef idx="1">
+        <a:scrgbClr r="0" g="0" b="0"/>
+      </a:fillRef>
+      <a:effectRef idx="0">
+        <a:scrgbClr r="0" g="0" b="0"/>
+      </a:effectRef>
+      <a:fontRef idx="minor">
+        <a:schemeClr val="lt1"/>
+      </a:fontRef>
+    </dgm:style>
+  </dgm:styleLbl>
+  <dgm:styleLbl name="asst1">
+    <dgm:scene3d>
+      <a:camera prst="orthographicFront"/>
+      <a:lightRig rig="threePt" dir="t"/>
+    </dgm:scene3d>
+    <dgm:sp3d/>
+    <dgm:txPr/>
+    <dgm:style>
+      <a:lnRef idx="2">
+        <a:scrgbClr r="0" g="0" b="0"/>
+      </a:lnRef>
+      <a:fillRef idx="1">
+        <a:scrgbClr r="0" g="0" b="0"/>
+      </a:fillRef>
+      <a:effectRef idx="0">
+        <a:scrgbClr r="0" g="0" b="0"/>
+      </a:effectRef>
+      <a:fontRef idx="minor">
+        <a:schemeClr val="lt1"/>
+      </a:fontRef>
+    </dgm:style>
+  </dgm:styleLbl>
+  <dgm:styleLbl name="asst2">
+    <dgm:scene3d>
+      <a:camera prst="orthographicFront"/>
+      <a:lightRig rig="threePt" dir="t"/>
+    </dgm:scene3d>
+    <dgm:sp3d/>
+    <dgm:txPr/>
+    <dgm:style>
+      <a:lnRef idx="2">
+        <a:scrgbClr r="0" g="0" b="0"/>
+      </a:lnRef>
+      <a:fillRef idx="1">
+        <a:scrgbClr r="0" g="0" b="0"/>
+      </a:fillRef>
+      <a:effectRef idx="0">
+        <a:scrgbClr r="0" g="0" b="0"/>
+      </a:effectRef>
+      <a:fontRef idx="minor">
+        <a:schemeClr val="lt1"/>
+      </a:fontRef>
+    </dgm:style>
+  </dgm:styleLbl>
+  <dgm:styleLbl name="asst3">
+    <dgm:scene3d>
+      <a:camera prst="orthographicFront"/>
+      <a:lightRig rig="threePt" dir="t"/>
+    </dgm:scene3d>
+    <dgm:sp3d/>
+    <dgm:txPr/>
+    <dgm:style>
+      <a:lnRef idx="2">
+        <a:scrgbClr r="0" g="0" b="0"/>
+      </a:lnRef>
+      <a:fillRef idx="1">
+        <a:scrgbClr r="0" g="0" b="0"/>
+      </a:fillRef>
+      <a:effectRef idx="0">
+        <a:scrgbClr r="0" g="0" b="0"/>
+      </a:effectRef>
+      <a:fontRef idx="minor">
+        <a:schemeClr val="lt1"/>
+      </a:fontRef>
+    </dgm:style>
+  </dgm:styleLbl>
+  <dgm:styleLbl name="asst4">
+    <dgm:scene3d>
+      <a:camera prst="orthographicFront"/>
+      <a:lightRig rig="threePt" dir="t"/>
+    </dgm:scene3d>
+    <dgm:sp3d/>
+    <dgm:txPr/>
+    <dgm:style>
+      <a:lnRef idx="2">
+        <a:scrgbClr r="0" g="0" b="0"/>
+      </a:lnRef>
+      <a:fillRef idx="1">
+        <a:scrgbClr r="0" g="0" b="0"/>
+      </a:fillRef>
+      <a:effectRef idx="0">
+        <a:scrgbClr r="0" g="0" b="0"/>
+      </a:effectRef>
+      <a:fontRef idx="minor">
+        <a:schemeClr val="lt1"/>
+      </a:fontRef>
+    </dgm:style>
+  </dgm:styleLbl>
+  <dgm:styleLbl name="parChTrans2D1">
+    <dgm:scene3d>
+      <a:camera prst="orthographicFront"/>
+      <a:lightRig rig="threePt" dir="t"/>
+    </dgm:scene3d>
+    <dgm:sp3d/>
+    <dgm:txPr/>
+    <dgm:style>
+      <a:lnRef idx="2">
+        <a:scrgbClr r="0" g="0" b="0"/>
+      </a:lnRef>
+      <a:fillRef idx="1">
+        <a:scrgbClr r="0" g="0" b="0"/>
+      </a:fillRef>
+      <a:effectRef idx="0">
+        <a:scrgbClr r="0" g="0" b="0"/>
+      </a:effectRef>
+      <a:fontRef idx="minor">
+        <a:schemeClr val="lt1"/>
+      </a:fontRef>
+    </dgm:style>
+  </dgm:styleLbl>
+  <dgm:styleLbl name="parChTrans2D2">
+    <dgm:scene3d>
+      <a:camera prst="orthographicFront"/>
+      <a:lightRig rig="threePt" dir="t"/>
+    </dgm:scene3d>
+    <dgm:sp3d/>
+    <dgm:txPr/>
+    <dgm:style>
+      <a:lnRef idx="2">
+        <a:scrgbClr r="0" g="0" b="0"/>
+      </a:lnRef>
+      <a:fillRef idx="1">
+        <a:scrgbClr r="0" g="0" b="0"/>
+      </a:fillRef>
+      <a:effectRef idx="0">
+        <a:scrgbClr r="0" g="0" b="0"/>
+      </a:effectRef>
+      <a:fontRef idx="minor">
+        <a:schemeClr val="lt1"/>
+      </a:fontRef>
+    </dgm:style>
+  </dgm:styleLbl>
+  <dgm:styleLbl name="parChTrans2D3">
+    <dgm:scene3d>
+      <a:camera prst="orthographicFront"/>
+      <a:lightRig rig="threePt" dir="t"/>
+    </dgm:scene3d>
+    <dgm:sp3d/>
+    <dgm:txPr/>
+    <dgm:style>
+      <a:lnRef idx="2">
+        <a:scrgbClr r="0" g="0" b="0"/>
+      </a:lnRef>
+      <a:fillRef idx="1">
+        <a:scrgbClr r="0" g="0" b="0"/>
+      </a:fillRef>
+      <a:effectRef idx="0">
+        <a:scrgbClr r="0" g="0" b="0"/>
+      </a:effectRef>
+      <a:fontRef idx="minor">
+        <a:schemeClr val="lt1"/>
+      </a:fontRef>
+    </dgm:style>
+  </dgm:styleLbl>
+  <dgm:styleLbl name="parChTrans2D4">
+    <dgm:scene3d>
+      <a:camera prst="orthographicFront"/>
+      <a:lightRig rig="threePt" dir="t"/>
+    </dgm:scene3d>
+    <dgm:sp3d/>
+    <dgm:txPr/>
+    <dgm:style>
+      <a:lnRef idx="2">
+        <a:scrgbClr r="0" g="0" b="0"/>
+      </a:lnRef>
+      <a:fillRef idx="1">
+        <a:scrgbClr r="0" g="0" b="0"/>
+      </a:fillRef>
+      <a:effectRef idx="0">
+        <a:scrgbClr r="0" g="0" b="0"/>
+      </a:effectRef>
+      <a:fontRef idx="minor">
+        <a:schemeClr val="lt1"/>
+      </a:fontRef>
+    </dgm:style>
+  </dgm:styleLbl>
+  <dgm:styleLbl name="parChTrans1D1">
+    <dgm:scene3d>
+      <a:camera prst="orthographicFront"/>
+      <a:lightRig rig="threePt" dir="t"/>
+    </dgm:scene3d>
+    <dgm:sp3d/>
+    <dgm:txPr/>
+    <dgm:style>
+      <a:lnRef idx="2">
+        <a:scrgbClr r="0" g="0" b="0"/>
+      </a:lnRef>
+      <a:fillRef idx="0">
+        <a:scrgbClr r="0" g="0" b="0"/>
+      </a:fillRef>
+      <a:effectRef idx="0">
+        <a:scrgbClr r="0" g="0" b="0"/>
+      </a:effectRef>
+      <a:fontRef idx="minor"/>
+    </dgm:style>
+  </dgm:styleLbl>
+  <dgm:styleLbl name="parChTrans1D2">
+    <dgm:scene3d>
+      <a:camera prst="orthographicFront"/>
+      <a:lightRig rig="threePt" dir="t"/>
+    </dgm:scene3d>
+    <dgm:sp3d/>
+    <dgm:txPr/>
+    <dgm:style>
+      <a:lnRef idx="2">
+        <a:scrgbClr r="0" g="0" b="0"/>
+      </a:lnRef>
+      <a:fillRef idx="0">
+        <a:scrgbClr r="0" g="0" b="0"/>
+      </a:fillRef>
+      <a:effectRef idx="0">
+        <a:scrgbClr r="0" g="0" b="0"/>
+      </a:effectRef>
+      <a:fontRef idx="minor"/>
+    </dgm:style>
+  </dgm:styleLbl>
+  <dgm:styleLbl name="parChTrans1D3">
+    <dgm:scene3d>
+      <a:camera prst="orthographicFront"/>
+      <a:lightRig rig="threePt" dir="t"/>
+    </dgm:scene3d>
+    <dgm:sp3d/>
+    <dgm:txPr/>
+    <dgm:style>
+      <a:lnRef idx="2">
+        <a:scrgbClr r="0" g="0" b="0"/>
+      </a:lnRef>
+      <a:fillRef idx="0">
+        <a:scrgbClr r="0" g="0" b="0"/>
+      </a:fillRef>
+      <a:effectRef idx="0">
+        <a:scrgbClr r="0" g="0" b="0"/>
+      </a:effectRef>
+      <a:fontRef idx="minor"/>
+    </dgm:style>
+  </dgm:styleLbl>
+  <dgm:styleLbl name="parChTrans1D4">
+    <dgm:scene3d>
+      <a:camera prst="orthographicFront"/>
+      <a:lightRig rig="threePt" dir="t"/>
+    </dgm:scene3d>
+    <dgm:sp3d/>
+    <dgm:txPr/>
+    <dgm:style>
+      <a:lnRef idx="2">
+        <a:scrgbClr r="0" g="0" b="0"/>
+      </a:lnRef>
+      <a:fillRef idx="0">
+        <a:scrgbClr r="0" g="0" b="0"/>
+      </a:fillRef>
+      <a:effectRef idx="0">
+        <a:scrgbClr r="0" g="0" b="0"/>
+      </a:effectRef>
+      <a:fontRef idx="minor"/>
+    </dgm:style>
+  </dgm:styleLbl>
+  <dgm:styleLbl name="fgAcc1">
+    <dgm:scene3d>
+      <a:camera prst="orthographicFront"/>
+      <a:lightRig rig="threePt" dir="t"/>
+    </dgm:scene3d>
+    <dgm:sp3d/>
+    <dgm:txPr/>
+    <dgm:style>
+      <a:lnRef idx="2">
+        <a:scrgbClr r="0" g="0" b="0"/>
+      </a:lnRef>
+      <a:fillRef idx="1">
+        <a:scrgbClr r="0" g="0" b="0"/>
+      </a:fillRef>
+      <a:effectRef idx="0">
+        <a:scrgbClr r="0" g="0" b="0"/>
+      </a:effectRef>
+      <a:fontRef idx="minor"/>
+    </dgm:style>
+  </dgm:styleLbl>
+  <dgm:styleLbl name="conFgAcc1">
+    <dgm:scene3d>
+      <a:camera prst="orthographicFront"/>
+      <a:lightRig rig="threePt" dir="t"/>
+    </dgm:scene3d>
+    <dgm:sp3d/>
+    <dgm:txPr/>
+    <dgm:style>
+      <a:lnRef idx="2">
+        <a:scrgbClr r="0" g="0" b="0"/>
+      </a:lnRef>
+      <a:fillRef idx="1">
+        <a:scrgbClr r="0" g="0" b="0"/>
+      </a:fillRef>
+      <a:effectRef idx="0">
+        <a:scrgbClr r="0" g="0" b="0"/>
+      </a:effectRef>
+      <a:fontRef idx="minor"/>
+    </dgm:style>
+  </dgm:styleLbl>
+  <dgm:styleLbl name="alignAcc1">
+    <dgm:scene3d>
+      <a:camera prst="orthographicFront"/>
+      <a:lightRig rig="threePt" dir="t"/>
+    </dgm:scene3d>
+    <dgm:sp3d/>
+    <dgm:txPr/>
+    <dgm:style>
+      <a:lnRef idx="2">
+        <a:scrgbClr r="0" g="0" b="0"/>
+      </a:lnRef>
+      <a:fillRef idx="1">
+        <a:scrgbClr r="0" g="0" b="0"/>
+      </a:fillRef>
+      <a:effectRef idx="0">
+        <a:scrgbClr r="0" g="0" b="0"/>
+      </a:effectRef>
+      <a:fontRef idx="minor"/>
+    </dgm:style>
+  </dgm:styleLbl>
+  <dgm:styleLbl name="trAlignAcc1">
+    <dgm:scene3d>
+      <a:camera prst="orthographicFront"/>
+      <a:lightRig rig="threePt" dir="t"/>
+    </dgm:scene3d>
+    <dgm:sp3d/>
+    <dgm:txPr/>
+    <dgm:style>
+      <a:lnRef idx="1">
+        <a:scrgbClr r="0" g="0" b="0"/>
+      </a:lnRef>
+      <a:fillRef idx="1">
+        <a:scrgbClr r="0" g="0" b="0"/>
+      </a:fillRef>
+      <a:effectRef idx="0">
+        <a:scrgbClr r="0" g="0" b="0"/>
+      </a:effectRef>
+      <a:fontRef idx="minor"/>
+    </dgm:style>
+  </dgm:styleLbl>
+  <dgm:styleLbl name="bgAcc1">
+    <dgm:scene3d>
+      <a:camera prst="orthographicFront"/>
+      <a:lightRig rig="threePt" dir="t"/>
+    </dgm:scene3d>
+    <dgm:sp3d/>
+    <dgm:txPr/>
+    <dgm:style>
+      <a:lnRef idx="2">
+        <a:scrgbClr r="0" g="0" b="0"/>
+      </a:lnRef>
+      <a:fillRef idx="1">
+        <a:scrgbClr r="0" g="0" b="0"/>
+      </a:fillRef>
+      <a:effectRef idx="0">
+        <a:scrgbClr r="0" g="0" b="0"/>
+      </a:effectRef>
+      <a:fontRef idx="minor"/>
+    </dgm:style>
+  </dgm:styleLbl>
+  <dgm:styleLbl name="solidFgAcc1">
+    <dgm:scene3d>
+      <a:camera prst="orthographicFront"/>
+      <a:lightRig rig="threePt" dir="t"/>
+    </dgm:scene3d>
+    <dgm:sp3d/>
+    <dgm:txPr/>
+    <dgm:style>
+      <a:lnRef idx="2">
+        <a:scrgbClr r="0" g="0" b="0"/>
+      </a:lnRef>
+      <a:fillRef idx="1">
+        <a:scrgbClr r="0" g="0" b="0"/>
+      </a:fillRef>
+      <a:effectRef idx="0">
+        <a:scrgbClr r="0" g="0" b="0"/>
+      </a:effectRef>
+      <a:fontRef idx="minor"/>
+    </dgm:style>
+  </dgm:styleLbl>
+  <dgm:styleLbl name="solidAlignAcc1">
+    <dgm:scene3d>
+      <a:camera prst="orthographicFront"/>
+      <a:lightRig rig="threePt" dir="t"/>
+    </dgm:scene3d>
+    <dgm:sp3d/>
+    <dgm:txPr/>
+    <dgm:style>
+      <a:lnRef idx="2">
+        <a:scrgbClr r="0" g="0" b="0"/>
+      </a:lnRef>
+      <a:fillRef idx="1">
+        <a:scrgbClr r="0" g="0" b="0"/>
+      </a:fillRef>
+      <a:effectRef idx="0">
+        <a:scrgbClr r="0" g="0" b="0"/>
+      </a:effectRef>
+      <a:fontRef idx="minor"/>
+    </dgm:style>
+  </dgm:styleLbl>
+  <dgm:styleLbl name="solidBgAcc1">
+    <dgm:scene3d>
+      <a:camera prst="orthographicFront"/>
+      <a:lightRig rig="threePt" dir="t"/>
+    </dgm:scene3d>
+    <dgm:sp3d/>
+    <dgm:txPr/>
+    <dgm:style>
+      <a:lnRef idx="2">
+        <a:scrgbClr r="0" g="0" b="0"/>
+      </a:lnRef>
+      <a:fillRef idx="1">
+        <a:scrgbClr r="0" g="0" b="0"/>
+      </a:fillRef>
+      <a:effectRef idx="0">
+        <a:scrgbClr r="0" g="0" b="0"/>
+      </a:effectRef>
+      <a:fontRef idx="minor"/>
+    </dgm:style>
+  </dgm:styleLbl>
+  <dgm:styleLbl name="fgAccFollowNode1">
+    <dgm:scene3d>
+      <a:camera prst="orthographicFront"/>
+      <a:lightRig rig="threePt" dir="t"/>
+    </dgm:scene3d>
+    <dgm:sp3d/>
+    <dgm:txPr/>
+    <dgm:style>
+      <a:lnRef idx="2">
+        <a:scrgbClr r="0" g="0" b="0"/>
+      </a:lnRef>
+      <a:fillRef idx="1">
+        <a:scrgbClr r="0" g="0" b="0"/>
+      </a:fillRef>
+      <a:effectRef idx="0">
+        <a:scrgbClr r="0" g="0" b="0"/>
+      </a:effectRef>
+      <a:fontRef idx="minor"/>
+    </dgm:style>
+  </dgm:styleLbl>
+  <dgm:styleLbl name="alignAccFollowNode1">
+    <dgm:scene3d>
+      <a:camera prst="orthographicFront"/>
+      <a:lightRig rig="threePt" dir="t"/>
+    </dgm:scene3d>
+    <dgm:sp3d/>
+    <dgm:txPr/>
+    <dgm:style>
+      <a:lnRef idx="2">
+        <a:scrgbClr r="0" g="0" b="0"/>
+      </a:lnRef>
+      <a:fillRef idx="1">
+        <a:scrgbClr r="0" g="0" b="0"/>
+      </a:fillRef>
+      <a:effectRef idx="0">
+        <a:scrgbClr r="0" g="0" b="0"/>
+      </a:effectRef>
+      <a:fontRef idx="minor"/>
+    </dgm:style>
+  </dgm:styleLbl>
+  <dgm:styleLbl name="bgAccFollowNode1">
+    <dgm:scene3d>
+      <a:camera prst="orthographicFront"/>
+      <a:lightRig rig="threePt" dir="t"/>
+    </dgm:scene3d>
+    <dgm:sp3d/>
+    <dgm:txPr/>
+    <dgm:style>
+      <a:lnRef idx="2">
+        <a:scrgbClr r="0" g="0" b="0"/>
+      </a:lnRef>
+      <a:fillRef idx="1">
+        <a:scrgbClr r="0" g="0" b="0"/>
+      </a:fillRef>
+      <a:effectRef idx="0">
+        <a:scrgbClr r="0" g="0" b="0"/>
+      </a:effectRef>
+      <a:fontRef idx="minor"/>
+    </dgm:style>
+  </dgm:styleLbl>
+  <dgm:styleLbl name="fgAcc0">
+    <dgm:scene3d>
+      <a:camera prst="orthographicFront"/>
+      <a:lightRig rig="threePt" dir="t"/>
+    </dgm:scene3d>
+    <dgm:sp3d/>
+    <dgm:txPr/>
+    <dgm:style>
+      <a:lnRef idx="2">
+        <a:scrgbClr r="0" g="0" b="0"/>
+      </a:lnRef>
+      <a:fillRef idx="1">
+        <a:scrgbClr r="0" g="0" b="0"/>
+      </a:fillRef>
+      <a:effectRef idx="0">
+        <a:scrgbClr r="0" g="0" b="0"/>
+      </a:effectRef>
+      <a:fontRef idx="minor"/>
+    </dgm:style>
+  </dgm:styleLbl>
+  <dgm:styleLbl name="fgAcc2">
+    <dgm:scene3d>
+      <a:camera prst="orthographicFront"/>
+      <a:lightRig rig="threePt" dir="t"/>
+    </dgm:scene3d>
+    <dgm:sp3d/>
+    <dgm:txPr/>
+    <dgm:style>
+      <a:lnRef idx="2">
+        <a:scrgbClr r="0" g="0" b="0"/>
+      </a:lnRef>
+      <a:fillRef idx="1">
+        <a:scrgbClr r="0" g="0" b="0"/>
+      </a:fillRef>
+      <a:effectRef idx="0">
+        <a:scrgbClr r="0" g="0" b="0"/>
+      </a:effectRef>
+      <a:fontRef idx="minor"/>
+    </dgm:style>
+  </dgm:styleLbl>
+  <dgm:styleLbl name="fgAcc3">
+    <dgm:scene3d>
+      <a:camera prst="orthographicFront"/>
+      <a:lightRig rig="threePt" dir="t"/>
+    </dgm:scene3d>
+    <dgm:sp3d/>
+    <dgm:txPr/>
+    <dgm:style>
+      <a:lnRef idx="2">
+        <a:scrgbClr r="0" g="0" b="0"/>
+      </a:lnRef>
+      <a:fillRef idx="1">
+        <a:scrgbClr r="0" g="0" b="0"/>
+      </a:fillRef>
+      <a:effectRef idx="0">
+        <a:scrgbClr r="0" g="0" b="0"/>
+      </a:effectRef>
+      <a:fontRef idx="minor"/>
+    </dgm:style>
+  </dgm:styleLbl>
+  <dgm:styleLbl name="fgAcc4">
+    <dgm:scene3d>
+      <a:camera prst="orthographicFront"/>
+      <a:lightRig rig="threePt" dir="t"/>
+    </dgm:scene3d>
+    <dgm:sp3d/>
+    <dgm:txPr/>
+    <dgm:style>
+      <a:lnRef idx="2">
+        <a:scrgbClr r="0" g="0" b="0"/>
+      </a:lnRef>
+      <a:fillRef idx="1">
+        <a:scrgbClr r="0" g="0" b="0"/>
+      </a:fillRef>
+      <a:effectRef idx="0">
+        <a:scrgbClr r="0" g="0" b="0"/>
+      </a:effectRef>
+      <a:fontRef idx="minor"/>
+    </dgm:style>
+  </dgm:styleLbl>
+  <dgm:styleLbl name="bgShp">
+    <dgm:scene3d>
+      <a:camera prst="orthographicFront"/>
+      <a:lightRig rig="threePt" dir="t"/>
+    </dgm:scene3d>
+    <dgm:sp3d/>
+    <dgm:txPr/>
+    <dgm:style>
+      <a:lnRef idx="0">
+        <a:scrgbClr r="0" g="0" b="0"/>
+      </a:lnRef>
+      <a:fillRef idx="1">
+        <a:scrgbClr r="0" g="0" b="0"/>
+      </a:fillRef>
+      <a:effectRef idx="0">
+        <a:scrgbClr r="0" g="0" b="0"/>
+      </a:effectRef>
+      <a:fontRef idx="minor"/>
+    </dgm:style>
+  </dgm:styleLbl>
+  <dgm:styleLbl name="dkBgShp">
+    <dgm:scene3d>
+      <a:camera prst="orthographicFront"/>
+      <a:lightRig rig="threePt" dir="t"/>
+    </dgm:scene3d>
+    <dgm:sp3d/>
+    <dgm:txPr/>
+    <dgm:style>
+      <a:lnRef idx="0">
+        <a:scrgbClr r="0" g="0" b="0"/>
+      </a:lnRef>
+      <a:fillRef idx="1">
+        <a:scrgbClr r="0" g="0" b="0"/>
+      </a:fillRef>
+      <a:effectRef idx="0">
+        <a:scrgbClr r="0" g="0" b="0"/>
+      </a:effectRef>
+      <a:fontRef idx="minor"/>
+    </dgm:style>
+  </dgm:styleLbl>
+  <dgm:styleLbl name="trBgShp">
+    <dgm:scene3d>
+      <a:camera prst="orthographicFront"/>
+      <a:lightRig rig="threePt" dir="t"/>
+    </dgm:scene3d>
+    <dgm:sp3d/>
+    <dgm:txPr/>
+    <dgm:style>
+      <a:lnRef idx="0">
+        <a:scrgbClr r="0" g="0" b="0"/>
+      </a:lnRef>
+      <a:fillRef idx="1">
+        <a:scrgbClr r="0" g="0" b="0"/>
+      </a:fillRef>
+      <a:effectRef idx="0">
+        <a:scrgbClr r="0" g="0" b="0"/>
+      </a:effectRef>
+      <a:fontRef idx="minor"/>
+    </dgm:style>
+  </dgm:styleLbl>
+  <dgm:styleLbl name="fgShp">
+    <dgm:scene3d>
+      <a:camera prst="orthographicFront"/>
+      <a:lightRig rig="threePt" dir="t"/>
+    </dgm:scene3d>
+    <dgm:sp3d/>
+    <dgm:txPr/>
+    <dgm:style>
+      <a:lnRef idx="2">
+        <a:scrgbClr r="0" g="0" b="0"/>
+      </a:lnRef>
+      <a:fillRef idx="1">
+        <a:scrgbClr r="0" g="0" b="0"/>
+      </a:fillRef>
+      <a:effectRef idx="0">
+        <a:scrgbClr r="0" g="0" b="0"/>
+      </a:effectRef>
+      <a:fontRef idx="minor"/>
+    </dgm:style>
+  </dgm:styleLbl>
+  <dgm:styleLbl name="revTx">
+    <dgm:scene3d>
+      <a:camera prst="orthographicFront"/>
+      <a:lightRig rig="threePt" dir="t"/>
+    </dgm:scene3d>
+    <dgm:sp3d/>
+    <dgm:txPr/>
+    <dgm:style>
+      <a:lnRef idx="0">
+        <a:scrgbClr r="0" g="0" b="0"/>
+      </a:lnRef>
+      <a:fillRef idx="0">
+        <a:scrgbClr r="0" g="0" b="0"/>
+      </a:fillRef>
+      <a:effectRef idx="0">
+        <a:scrgbClr r="0" g="0" b="0"/>
+      </a:effectRef>
+      <a:fontRef idx="minor"/>
+    </dgm:style>
+  </dgm:styleLbl>
+</dgm:styleDef>
+</file>
+
+<file path=ppt/ink/ink1.xml><?xml version="1.0" encoding="utf-8"?>
+<inkml:ink xmlns:inkml="http://www.w3.org/2003/InkML">
+  <inkml:definitions>
+    <inkml:context xml:id="ctx0">
+      <inkml:inkSource xml:id="inkSrc0">
+        <inkml:traceFormat>
+          <inkml:channel name="X" type="integer" min="-2.14748E9" max="2.14748E9" units="cm"/>
+          <inkml:channel name="Y" type="integer" min="-2.14748E9" max="2.14748E9" units="cm"/>
+          <inkml:channel name="F" type="integer" max="32767" units="dev"/>
+        </inkml:traceFormat>
+        <inkml:channelProperties>
+          <inkml:channelProperty channel="X" name="resolution" value="1000" units="1/cm"/>
+          <inkml:channelProperty channel="Y" name="resolution" value="1000" units="1/cm"/>
+          <inkml:channelProperty channel="F" name="resolution" value="0" units="1/dev"/>
+        </inkml:channelProperties>
+      </inkml:inkSource>
+      <inkml:timestamp xml:id="ts0" timeString="2022-05-05T05:01:10.453"/>
+    </inkml:context>
+    <inkml:brush xml:id="br0">
+      <inkml:brushProperty name="width" value="0.05" units="cm"/>
+      <inkml:brushProperty name="height" value="0.05" units="cm"/>
+    </inkml:brush>
+  </inkml:definitions>
+  <inkml:trace contextRef="#ctx0" brushRef="#br0">0 0 24575,'1935'0'-1365,"-1915"0"-5461</inkml:trace>
+</inkml:ink>
+</file>
+
+<file path=ppt/ink/ink2.xml><?xml version="1.0" encoding="utf-8"?>
+<inkml:ink xmlns:inkml="http://www.w3.org/2003/InkML">
+  <inkml:definitions>
+    <inkml:context xml:id="ctx0">
+      <inkml:inkSource xml:id="inkSrc0">
+        <inkml:traceFormat>
+          <inkml:channel name="X" type="integer" min="-2.14748E9" max="2.14748E9" units="cm"/>
+          <inkml:channel name="Y" type="integer" min="-2.14748E9" max="2.14748E9" units="cm"/>
+          <inkml:channel name="F" type="integer" max="32767" units="dev"/>
+        </inkml:traceFormat>
+        <inkml:channelProperties>
+          <inkml:channelProperty channel="X" name="resolution" value="1000" units="1/cm"/>
+          <inkml:channelProperty channel="Y" name="resolution" value="1000" units="1/cm"/>
+          <inkml:channelProperty channel="F" name="resolution" value="0" units="1/dev"/>
+        </inkml:channelProperties>
+      </inkml:inkSource>
+      <inkml:timestamp xml:id="ts0" timeString="2022-05-05T05:01:13.945"/>
+    </inkml:context>
+    <inkml:brush xml:id="br0">
+      <inkml:brushProperty name="width" value="0.05" units="cm"/>
+      <inkml:brushProperty name="height" value="0.05" units="cm"/>
+    </inkml:brush>
+  </inkml:definitions>
+  <inkml:trace contextRef="#ctx0" brushRef="#br0">0 1 24575,'471'0'0,"-447"1"0,1 2 0,0 1 0,42 11 0,-42-8 0,1-1 0,-1-1 0,39 2 0,-15-7 0,-18-1 0,-1 2 0,1 1 0,44 8 0,-32-3 0,0-2 0,1-2 0,-1-2 0,45-5 0,12 1 0,-66 3 0,-1 1 0,1-1 0,-1-2 0,54-11 0,98-10 0,-56 9-1365,-109 9-5461</inkml:trace>
+</inkml:ink>
+</file>
+
+<file path=ppt/ink/ink3.xml><?xml version="1.0" encoding="utf-8"?>
+<inkml:ink xmlns:inkml="http://www.w3.org/2003/InkML">
+  <inkml:definitions>
+    <inkml:context xml:id="ctx0">
+      <inkml:inkSource xml:id="inkSrc0">
+        <inkml:traceFormat>
+          <inkml:channel name="X" type="integer" min="-2.14748E9" max="2.14748E9" units="cm"/>
+          <inkml:channel name="Y" type="integer" min="-2.14748E9" max="2.14748E9" units="cm"/>
+          <inkml:channel name="F" type="integer" max="32767" units="dev"/>
+        </inkml:traceFormat>
+        <inkml:channelProperties>
+          <inkml:channelProperty channel="X" name="resolution" value="1000" units="1/cm"/>
+          <inkml:channelProperty channel="Y" name="resolution" value="1000" units="1/cm"/>
+          <inkml:channelProperty channel="F" name="resolution" value="0" units="1/dev"/>
+        </inkml:channelProperties>
+      </inkml:inkSource>
+      <inkml:timestamp xml:id="ts0" timeString="2022-05-05T05:01:17.168"/>
+    </inkml:context>
+    <inkml:brush xml:id="br0">
+      <inkml:brushProperty name="width" value="0.05" units="cm"/>
+      <inkml:brushProperty name="height" value="0.05" units="cm"/>
+    </inkml:brush>
+  </inkml:definitions>
+  <inkml:trace contextRef="#ctx0" brushRef="#br0">1 0 24575,'514'0'0,"-478"2"0,51 9 0,-51-6 0,48 2 0,71-10 0,122 6 0,-208 8 0,-47-7 0,-1 0 0,30 0 0,509-5 0,-518-3-1365,-27-1-5461</inkml:trace>
+</inkml:ink>
+</file>
+
+<file path=ppt/ink/ink4.xml><?xml version="1.0" encoding="utf-8"?>
+<inkml:ink xmlns:inkml="http://www.w3.org/2003/InkML">
+  <inkml:definitions>
+    <inkml:context xml:id="ctx0">
+      <inkml:inkSource xml:id="inkSrc0">
+        <inkml:traceFormat>
+          <inkml:channel name="X" type="integer" min="-2.14748E9" max="2.14748E9" units="cm"/>
+          <inkml:channel name="Y" type="integer" min="-2.14748E9" max="2.14748E9" units="cm"/>
+          <inkml:channel name="F" type="integer" max="32767" units="dev"/>
+        </inkml:traceFormat>
+        <inkml:channelProperties>
+          <inkml:channelProperty channel="X" name="resolution" value="1000" units="1/cm"/>
+          <inkml:channelProperty channel="Y" name="resolution" value="1000" units="1/cm"/>
+          <inkml:channelProperty channel="F" name="resolution" value="0" units="1/dev"/>
+        </inkml:channelProperties>
+      </inkml:inkSource>
+      <inkml:timestamp xml:id="ts0" timeString="2022-05-05T05:01:19.296"/>
+    </inkml:context>
+    <inkml:brush xml:id="br0">
+      <inkml:brushProperty name="width" value="0.05" units="cm"/>
+      <inkml:brushProperty name="height" value="0.05" units="cm"/>
+    </inkml:brush>
+  </inkml:definitions>
+  <inkml:trace contextRef="#ctx0" brushRef="#br0">1909 26 24575,'0'-1'0,"-1"-1"0,1 1 0,-1 0 0,1 0 0,-1 1 0,1-1 0,-1 0 0,0 0 0,0 0 0,1 0 0,-1 0 0,0 1 0,0-1 0,0 0 0,0 1 0,0-1 0,0 0 0,0 1 0,0 0 0,0-1 0,0 1 0,0-1 0,0 1 0,0 0 0,0 0 0,0 0 0,-2 0 0,-37-5 0,36 5 0,-355-2 0,184 4 0,133 0 0,-47 8 0,-39 2 0,-899-13-1365,1007 1-5461</inkml:trace>
+</inkml:ink>
+</file>
+
+<file path=ppt/ink/ink5.xml><?xml version="1.0" encoding="utf-8"?>
+<inkml:ink xmlns:inkml="http://www.w3.org/2003/InkML">
+  <inkml:definitions>
+    <inkml:context xml:id="ctx0">
+      <inkml:inkSource xml:id="inkSrc0">
+        <inkml:traceFormat>
+          <inkml:channel name="X" type="integer" min="-2.14748E9" max="2.14748E9" units="cm"/>
+          <inkml:channel name="Y" type="integer" min="-2.14748E9" max="2.14748E9" units="cm"/>
+          <inkml:channel name="F" type="integer" max="32767" units="dev"/>
+        </inkml:traceFormat>
+        <inkml:channelProperties>
+          <inkml:channelProperty channel="X" name="resolution" value="1000" units="1/cm"/>
+          <inkml:channelProperty channel="Y" name="resolution" value="1000" units="1/cm"/>
+          <inkml:channelProperty channel="F" name="resolution" value="0" units="1/dev"/>
+        </inkml:channelProperties>
+      </inkml:inkSource>
+      <inkml:timestamp xml:id="ts0" timeString="2022-05-05T05:01:20.909"/>
+    </inkml:context>
+    <inkml:brush xml:id="br0">
+      <inkml:brushProperty name="width" value="0.05" units="cm"/>
+      <inkml:brushProperty name="height" value="0.05" units="cm"/>
+    </inkml:brush>
+  </inkml:definitions>
+  <inkml:trace contextRef="#ctx0" brushRef="#br0">1 29 24575,'304'14'0,"-241"-10"0,0-2 0,-1-3 0,1-3 0,120-23 0,-129 20 0,0 1 0,1 3 0,-1 2 0,64 7 0,17 17 0,-98-15 0,1-2 0,65 4 0,91 4 0,-94-4 0,-10 0 0,67 2 0,-79-12-1365,-57-1-5461</inkml:trace>
+</inkml:ink>
+</file>
+
+<file path=ppt/ink/ink6.xml><?xml version="1.0" encoding="utf-8"?>
+<inkml:ink xmlns:inkml="http://www.w3.org/2003/InkML">
+  <inkml:definitions>
+    <inkml:context xml:id="ctx0">
+      <inkml:inkSource xml:id="inkSrc0">
+        <inkml:traceFormat>
+          <inkml:channel name="X" type="integer" min="-2.14748E9" max="2.14748E9" units="cm"/>
+          <inkml:channel name="Y" type="integer" min="-2.14748E9" max="2.14748E9" units="cm"/>
+          <inkml:channel name="F" type="integer" max="32767" units="dev"/>
+        </inkml:traceFormat>
+        <inkml:channelProperties>
+          <inkml:channelProperty channel="X" name="resolution" value="1000" units="1/cm"/>
+          <inkml:channelProperty channel="Y" name="resolution" value="1000" units="1/cm"/>
+          <inkml:channelProperty channel="F" name="resolution" value="0" units="1/dev"/>
+        </inkml:channelProperties>
+      </inkml:inkSource>
+      <inkml:timestamp xml:id="ts0" timeString="2022-05-05T05:01:22.559"/>
+    </inkml:context>
+    <inkml:brush xml:id="br0">
+      <inkml:brushProperty name="width" value="0.05" units="cm"/>
+      <inkml:brushProperty name="height" value="0.05" units="cm"/>
+    </inkml:brush>
+  </inkml:definitions>
+  <inkml:trace contextRef="#ctx0" brushRef="#br0">2038 0 24575,'-50'2'0,"-75"13"0,113-13 0,-64 5 0,-1-3 0,-78-7 0,23 0 0,16 4 0,-125 16 0,151-10 0,-148-6 0,99-4 0,-448 3-1365</inkml:trace>
+</inkml:ink>
 </file>
 
 <file path=ppt/slideLayouts/slideLayout1.xml><?xml version="1.0" encoding="utf-8"?>
@@ -6757,10 +13764,10 @@
       </p:grpSpPr>
       <p:graphicFrame>
         <p:nvGraphicFramePr>
-          <p:cNvPr id="3" name="Object 2">
+          <p:cNvPr id="2" name="Object 1">
             <a:extLst>
               <a:ext uri="{FF2B5EF4-FFF2-40B4-BE49-F238E27FC236}">
-                <a16:creationId xmlns:a16="http://schemas.microsoft.com/office/drawing/2014/main" id="{297DF9BE-7BE6-BB5E-84F6-166637F0B069}"/>
+                <a16:creationId xmlns:a16="http://schemas.microsoft.com/office/drawing/2014/main" id="{1B0E44C4-B4EA-70AF-CC1F-CC976C575B1F}"/>
               </a:ext>
             </a:extLst>
           </p:cNvPr>
@@ -6770,20 +13777,20 @@
           <p:nvPr>
             <p:extLst>
               <p:ext uri="{D42A27DB-BD31-4B8C-83A1-F6EECF244321}">
-                <p14:modId xmlns:p14="http://schemas.microsoft.com/office/powerpoint/2010/main" val="330838674"/>
+                <p14:modId xmlns:p14="http://schemas.microsoft.com/office/powerpoint/2010/main" val="3588933710"/>
               </p:ext>
             </p:extLst>
           </p:nvPr>
         </p:nvGraphicFramePr>
         <p:xfrm>
-          <a:off x="2197100" y="1244600"/>
-          <a:ext cx="7987031" cy="4264588"/>
+          <a:off x="2516091" y="1107347"/>
+          <a:ext cx="7159818" cy="3892492"/>
         </p:xfrm>
         <a:graphic>
           <a:graphicData uri="http://schemas.openxmlformats.org/presentationml/2006/ole">
             <mc:AlternateContent xmlns:mc="http://schemas.openxmlformats.org/markup-compatibility/2006">
               <mc:Choice xmlns:v="urn:schemas-microsoft-com:vml" Requires="v">
-                <p:oleObj spid="_x0000_s18434" name="Document" r:id="rId3" imgW="5940848" imgH="3171460" progId="Word.Document.12">
+                <p:oleObj spid="_x0000_s18445" name="Document" r:id="rId3" imgW="5940848" imgH="3171460" progId="Word.Document.12">
                   <p:embed/>
                 </p:oleObj>
               </mc:Choice>
@@ -6804,8 +13811,8 @@
                     </p:blipFill>
                     <p:spPr>
                       <a:xfrm>
-                        <a:off x="2197100" y="1244600"/>
-                        <a:ext cx="7987031" cy="4264588"/>
+                        <a:off x="2516091" y="1107347"/>
+                        <a:ext cx="7159818" cy="3892492"/>
                       </a:xfrm>
                       <a:prstGeom prst="rect">
                         <a:avLst/>
@@ -6876,7 +13883,7 @@
           <a:graphicData uri="http://schemas.openxmlformats.org/presentationml/2006/ole">
             <mc:AlternateContent xmlns:mc="http://schemas.openxmlformats.org/markup-compatibility/2006">
               <mc:Choice xmlns:v="urn:schemas-microsoft-com:vml" Requires="v">
-                <p:oleObj spid="_x0000_s17414" name="Document" r:id="rId3" imgW="7311813" imgH="7813827" progId="Word.Document.12">
+                <p:oleObj spid="_x0000_s17423" name="Document" r:id="rId3" imgW="7311813" imgH="7813827" progId="Word.Document.12">
                   <p:embed/>
                 </p:oleObj>
               </mc:Choice>
@@ -6911,6 +13918,52 @@
           </a:graphicData>
         </a:graphic>
       </p:graphicFrame>
+      <p:sp>
+        <p:nvSpPr>
+          <p:cNvPr id="2" name="Rectangle 1">
+            <a:extLst>
+              <a:ext uri="{FF2B5EF4-FFF2-40B4-BE49-F238E27FC236}">
+                <a16:creationId xmlns:a16="http://schemas.microsoft.com/office/drawing/2014/main" id="{4970A58C-9549-5625-72FA-7BF6C09E14CC}"/>
+              </a:ext>
+            </a:extLst>
+          </p:cNvPr>
+          <p:cNvSpPr/>
+          <p:nvPr/>
+        </p:nvSpPr>
+        <p:spPr>
+          <a:xfrm>
+            <a:off x="7029974" y="4479721"/>
+            <a:ext cx="1023457" cy="112831"/>
+          </a:xfrm>
+          <a:prstGeom prst="rect">
+            <a:avLst/>
+          </a:prstGeom>
+        </p:spPr>
+        <p:style>
+          <a:lnRef idx="2">
+            <a:schemeClr val="dk1">
+              <a:shade val="50000"/>
+            </a:schemeClr>
+          </a:lnRef>
+          <a:fillRef idx="1">
+            <a:schemeClr val="dk1"/>
+          </a:fillRef>
+          <a:effectRef idx="0">
+            <a:schemeClr val="dk1"/>
+          </a:effectRef>
+          <a:fontRef idx="minor">
+            <a:schemeClr val="lt1"/>
+          </a:fontRef>
+        </p:style>
+        <p:txBody>
+          <a:bodyPr rtlCol="0" anchor="ctr"/>
+          <a:lstStyle/>
+          <a:p>
+            <a:pPr algn="ctr"/>
+            <a:endParaRPr lang="en-US"/>
+          </a:p>
+        </p:txBody>
+      </p:sp>
     </p:spTree>
     <p:extLst>
       <p:ext uri="{BB962C8B-B14F-4D97-AF65-F5344CB8AC3E}">
@@ -7067,17 +14120,562 @@
         </p:nvSpPr>
         <p:spPr>
           <a:xfrm>
-            <a:off x="1044204" y="2023962"/>
-            <a:ext cx="6697715" cy="3845131"/>
+            <a:off x="982306" y="1737360"/>
+            <a:ext cx="6697715" cy="4202046"/>
           </a:xfrm>
         </p:spPr>
         <p:txBody>
           <a:bodyPr>
-            <a:normAutofit/>
+            <a:normAutofit fontScale="25000" lnSpcReduction="20000"/>
           </a:bodyPr>
           <a:lstStyle/>
           <a:p>
-            <a:endParaRPr lang="en-US"/>
+            <a:pPr algn="l"/>
+            <a:r>
+              <a:rPr lang="en-US" sz="3200" b="0" i="1" dirty="0">
+                <a:solidFill>
+                  <a:srgbClr val="2D2D2D"/>
+                </a:solidFill>
+                <a:effectLst/>
+                <a:latin typeface="Noto Sans" panose="020B0502040504020204" pitchFamily="34"/>
+              </a:rPr>
+              <a:t>Jeffrey S. Walley</a:t>
+            </a:r>
+            <a:br>
+              <a:rPr lang="en-US" sz="3200" b="0" i="0" dirty="0">
+                <a:solidFill>
+                  <a:srgbClr val="2D2D2D"/>
+                </a:solidFill>
+                <a:effectLst/>
+                <a:latin typeface="Noto Sans" panose="020B0502040504020204" pitchFamily="34"/>
+              </a:rPr>
+            </a:br>
+            <a:r>
+              <a:rPr lang="en-US" sz="3200" b="0" i="1" dirty="0">
+                <a:solidFill>
+                  <a:srgbClr val="2D2D2D"/>
+                </a:solidFill>
+                <a:effectLst/>
+                <a:latin typeface="Noto Sans" panose="020B0502040504020204" pitchFamily="34"/>
+              </a:rPr>
+              <a:t>(225) 931-4152</a:t>
+            </a:r>
+            <a:br>
+              <a:rPr lang="en-US" sz="3200" b="0" i="0" dirty="0">
+                <a:solidFill>
+                  <a:srgbClr val="2D2D2D"/>
+                </a:solidFill>
+                <a:effectLst/>
+                <a:latin typeface="Noto Sans" panose="020B0502040504020204" pitchFamily="34"/>
+              </a:rPr>
+            </a:br>
+            <a:r>
+              <a:rPr lang="en-US" sz="3200" b="0" i="1" dirty="0">
+                <a:solidFill>
+                  <a:srgbClr val="2D2D2D"/>
+                </a:solidFill>
+                <a:effectLst/>
+                <a:latin typeface="Noto Sans" panose="020B0502040504020204" pitchFamily="34"/>
+              </a:rPr>
+              <a:t>Jeffreywalley@student.bpcc.edu</a:t>
+            </a:r>
+            <a:endParaRPr lang="en-US" sz="3200" b="0" i="0" dirty="0">
+              <a:solidFill>
+                <a:srgbClr val="2D2D2D"/>
+              </a:solidFill>
+              <a:effectLst/>
+              <a:latin typeface="Noto Sans" panose="020B0502040504020204" pitchFamily="34"/>
+            </a:endParaRPr>
+          </a:p>
+          <a:p>
+            <a:pPr algn="l"/>
+            <a:r>
+              <a:rPr lang="en-US" sz="3200" b="1" i="1" dirty="0">
+                <a:solidFill>
+                  <a:srgbClr val="2D2D2D"/>
+                </a:solidFill>
+                <a:effectLst/>
+                <a:latin typeface="Noto Sans" panose="020B0502040504020204" pitchFamily="34"/>
+              </a:rPr>
+              <a:t>Reference #1</a:t>
+            </a:r>
+            <a:br>
+              <a:rPr lang="en-US" sz="3200" b="0" i="0" dirty="0">
+                <a:solidFill>
+                  <a:srgbClr val="2D2D2D"/>
+                </a:solidFill>
+                <a:effectLst/>
+                <a:latin typeface="Noto Sans" panose="020B0502040504020204" pitchFamily="34"/>
+              </a:rPr>
+            </a:br>
+            <a:r>
+              <a:rPr lang="en-US" sz="3200" b="0" i="1" dirty="0">
+                <a:solidFill>
+                  <a:srgbClr val="2D2D2D"/>
+                </a:solidFill>
+                <a:effectLst/>
+                <a:latin typeface="Noto Sans" panose="020B0502040504020204" pitchFamily="34"/>
+              </a:rPr>
+              <a:t>Rachael Martin</a:t>
+            </a:r>
+            <a:br>
+              <a:rPr lang="en-US" sz="3200" b="0" i="0" dirty="0">
+                <a:solidFill>
+                  <a:srgbClr val="2D2D2D"/>
+                </a:solidFill>
+                <a:effectLst/>
+                <a:latin typeface="Noto Sans" panose="020B0502040504020204" pitchFamily="34"/>
+              </a:rPr>
+            </a:br>
+            <a:r>
+              <a:rPr lang="en-US" sz="3200" b="0" i="1" dirty="0">
+                <a:solidFill>
+                  <a:srgbClr val="2D2D2D"/>
+                </a:solidFill>
+                <a:effectLst/>
+                <a:latin typeface="Noto Sans" panose="020B0502040504020204" pitchFamily="34"/>
+              </a:rPr>
+              <a:t>Office Director</a:t>
+            </a:r>
+            <a:br>
+              <a:rPr lang="en-US" sz="3200" b="0" i="0" dirty="0">
+                <a:solidFill>
+                  <a:srgbClr val="2D2D2D"/>
+                </a:solidFill>
+                <a:effectLst/>
+                <a:latin typeface="Noto Sans" panose="020B0502040504020204" pitchFamily="34"/>
+              </a:rPr>
+            </a:br>
+            <a:r>
+              <a:rPr lang="en-US" sz="3200" i="1" dirty="0">
+                <a:solidFill>
+                  <a:srgbClr val="2D2D2D"/>
+                </a:solidFill>
+                <a:latin typeface="Noto Sans" panose="020B0502040504020204" pitchFamily="34"/>
+              </a:rPr>
+              <a:t>Acupuncture Shreveport </a:t>
+            </a:r>
+            <a:br>
+              <a:rPr lang="en-US" sz="3200" b="0" i="0" dirty="0">
+                <a:solidFill>
+                  <a:srgbClr val="2D2D2D"/>
+                </a:solidFill>
+                <a:effectLst/>
+                <a:latin typeface="Noto Sans" panose="020B0502040504020204" pitchFamily="34"/>
+              </a:rPr>
+            </a:br>
+            <a:r>
+              <a:rPr lang="en-US" sz="3200" i="1" dirty="0">
+                <a:solidFill>
+                  <a:srgbClr val="2D2D2D"/>
+                </a:solidFill>
+                <a:latin typeface="Noto Sans" panose="020B0502040504020204" pitchFamily="34"/>
+              </a:rPr>
+              <a:t>745 Olive St, Shreveport, LA 71104</a:t>
+            </a:r>
+            <a:br>
+              <a:rPr lang="en-US" sz="3200" b="0" i="0" dirty="0">
+                <a:solidFill>
+                  <a:srgbClr val="2D2D2D"/>
+                </a:solidFill>
+                <a:effectLst/>
+                <a:latin typeface="Noto Sans" panose="020B0502040504020204" pitchFamily="34"/>
+              </a:rPr>
+            </a:br>
+            <a:r>
+              <a:rPr lang="en-US" sz="3200" b="0" i="0" dirty="0">
+                <a:solidFill>
+                  <a:srgbClr val="2D2D2D"/>
+                </a:solidFill>
+                <a:effectLst/>
+                <a:latin typeface="Noto Sans" panose="020B0502040504020204" pitchFamily="34"/>
+              </a:rPr>
+              <a:t>(318) 221-0781</a:t>
+            </a:r>
+            <a:endParaRPr lang="en-US" sz="3200" i="1" dirty="0">
+              <a:solidFill>
+                <a:srgbClr val="2D2D2D"/>
+              </a:solidFill>
+              <a:latin typeface="Noto Sans" panose="020B0502040504020204" pitchFamily="34"/>
+            </a:endParaRPr>
+          </a:p>
+          <a:p>
+            <a:pPr algn="l"/>
+            <a:r>
+              <a:rPr lang="en-US" sz="3200" b="0" i="1" dirty="0">
+                <a:solidFill>
+                  <a:srgbClr val="2D2D2D"/>
+                </a:solidFill>
+                <a:effectLst/>
+                <a:latin typeface="Noto Sans" panose="020B0502040504020204" pitchFamily="34"/>
+              </a:rPr>
+              <a:t>Rachael worked with me as a manager at Grimaldi’s Pizzeria in St. Vincent Mall in Shreveport. We helped train employees for the restaurant.</a:t>
+            </a:r>
+            <a:endParaRPr lang="en-US" sz="3200" b="0" i="0" dirty="0">
+              <a:solidFill>
+                <a:srgbClr val="2D2D2D"/>
+              </a:solidFill>
+              <a:effectLst/>
+              <a:latin typeface="Noto Sans" panose="020B0502040504020204" pitchFamily="34"/>
+            </a:endParaRPr>
+          </a:p>
+          <a:p>
+            <a:pPr algn="l"/>
+            <a:r>
+              <a:rPr lang="en-US" sz="3200" b="1" i="1" dirty="0">
+                <a:solidFill>
+                  <a:srgbClr val="2D2D2D"/>
+                </a:solidFill>
+                <a:effectLst/>
+                <a:latin typeface="Noto Sans" panose="020B0502040504020204" pitchFamily="34"/>
+              </a:rPr>
+              <a:t>Reference #2</a:t>
+            </a:r>
+            <a:br>
+              <a:rPr lang="en-US" sz="3200" b="0" i="0" dirty="0">
+                <a:solidFill>
+                  <a:srgbClr val="2D2D2D"/>
+                </a:solidFill>
+                <a:effectLst/>
+                <a:latin typeface="Noto Sans" panose="020B0502040504020204" pitchFamily="34"/>
+              </a:rPr>
+            </a:br>
+            <a:r>
+              <a:rPr lang="en-US" sz="3200" i="1" dirty="0">
+                <a:solidFill>
+                  <a:srgbClr val="2D2D2D"/>
+                </a:solidFill>
+                <a:latin typeface="Noto Sans" panose="020B0502040504020204" pitchFamily="34"/>
+              </a:rPr>
+              <a:t>Matthew Dinkins</a:t>
+            </a:r>
+            <a:br>
+              <a:rPr lang="en-US" sz="3200" b="0" i="0" dirty="0">
+                <a:solidFill>
+                  <a:srgbClr val="2D2D2D"/>
+                </a:solidFill>
+                <a:effectLst/>
+                <a:latin typeface="Noto Sans" panose="020B0502040504020204" pitchFamily="34"/>
+              </a:rPr>
+            </a:br>
+            <a:r>
+              <a:rPr lang="en-US" sz="3200" i="1" dirty="0">
+                <a:solidFill>
+                  <a:srgbClr val="2D2D2D"/>
+                </a:solidFill>
+                <a:latin typeface="Noto Sans" panose="020B0502040504020204" pitchFamily="34"/>
+              </a:rPr>
+              <a:t>Senior Information Technologies Supervisor</a:t>
+            </a:r>
+            <a:br>
+              <a:rPr lang="en-US" sz="3200" b="0" i="0" dirty="0">
+                <a:solidFill>
+                  <a:srgbClr val="2D2D2D"/>
+                </a:solidFill>
+                <a:effectLst/>
+                <a:latin typeface="Noto Sans" panose="020B0502040504020204" pitchFamily="34"/>
+              </a:rPr>
+            </a:br>
+            <a:r>
+              <a:rPr lang="en-US" sz="3200" i="1" dirty="0" err="1">
+                <a:solidFill>
+                  <a:srgbClr val="2D2D2D"/>
+                </a:solidFill>
+                <a:latin typeface="Noto Sans" panose="020B0502040504020204" pitchFamily="34"/>
+              </a:rPr>
+              <a:t>Snapfish</a:t>
+            </a:r>
+            <a:br>
+              <a:rPr lang="en-US" sz="3200" b="0" i="0" dirty="0">
+                <a:solidFill>
+                  <a:srgbClr val="2D2D2D"/>
+                </a:solidFill>
+                <a:effectLst/>
+                <a:latin typeface="Noto Sans" panose="020B0502040504020204" pitchFamily="34"/>
+              </a:rPr>
+            </a:br>
+            <a:r>
+              <a:rPr lang="en-US" sz="3200" i="1" dirty="0">
+                <a:solidFill>
+                  <a:srgbClr val="2D2D2D"/>
+                </a:solidFill>
+                <a:latin typeface="Noto Sans" panose="020B0502040504020204" pitchFamily="34"/>
+              </a:rPr>
+              <a:t>100 Montgomery St, Suite 1430</a:t>
+            </a:r>
+            <a:br>
+              <a:rPr lang="en-US" sz="3200" b="0" i="0" dirty="0">
+                <a:solidFill>
+                  <a:srgbClr val="2D2D2D"/>
+                </a:solidFill>
+                <a:effectLst/>
+                <a:latin typeface="Noto Sans" panose="020B0502040504020204" pitchFamily="34"/>
+              </a:rPr>
+            </a:br>
+            <a:r>
+              <a:rPr lang="en-US" sz="3200" i="1" dirty="0">
+                <a:solidFill>
+                  <a:srgbClr val="2D2D2D"/>
+                </a:solidFill>
+                <a:latin typeface="Noto Sans" panose="020B0502040504020204" pitchFamily="34"/>
+              </a:rPr>
+              <a:t>San Francisco, CA 94104</a:t>
+            </a:r>
+            <a:br>
+              <a:rPr lang="en-US" sz="3200" b="0" i="0" dirty="0">
+                <a:solidFill>
+                  <a:srgbClr val="2D2D2D"/>
+                </a:solidFill>
+                <a:effectLst/>
+                <a:latin typeface="Noto Sans" panose="020B0502040504020204" pitchFamily="34"/>
+              </a:rPr>
+            </a:br>
+            <a:r>
+              <a:rPr lang="en-US" sz="3200" b="0" i="0" dirty="0">
+                <a:solidFill>
+                  <a:srgbClr val="2D2D2D"/>
+                </a:solidFill>
+                <a:effectLst/>
+                <a:latin typeface="Noto Sans" panose="020B0502040504020204" pitchFamily="34"/>
+              </a:rPr>
+              <a:t>(800)558-8224</a:t>
+            </a:r>
+          </a:p>
+          <a:p>
+            <a:pPr algn="l"/>
+            <a:r>
+              <a:rPr lang="en-US" sz="3200" b="0" i="1" dirty="0">
+                <a:solidFill>
+                  <a:srgbClr val="2D2D2D"/>
+                </a:solidFill>
+                <a:effectLst/>
+                <a:latin typeface="Noto Sans" panose="020B0502040504020204" pitchFamily="34"/>
+              </a:rPr>
+              <a:t>Matthew was my supervisor when we were both working Tech Support at </a:t>
+            </a:r>
+            <a:r>
+              <a:rPr lang="en-US" sz="3200" b="0" i="1" dirty="0" err="1">
+                <a:solidFill>
+                  <a:srgbClr val="2D2D2D"/>
+                </a:solidFill>
+                <a:effectLst/>
+                <a:latin typeface="Noto Sans" panose="020B0502040504020204" pitchFamily="34"/>
+              </a:rPr>
+              <a:t>Softdisk</a:t>
+            </a:r>
+            <a:r>
+              <a:rPr lang="en-US" sz="3200" b="0" i="1" dirty="0">
+                <a:solidFill>
+                  <a:srgbClr val="2D2D2D"/>
+                </a:solidFill>
+                <a:effectLst/>
+                <a:latin typeface="Noto Sans" panose="020B0502040504020204" pitchFamily="34"/>
+              </a:rPr>
+              <a:t> Internet Service Provider and Software publishing company.</a:t>
+            </a:r>
+            <a:endParaRPr lang="en-US" sz="3200" b="0" i="0" dirty="0">
+              <a:solidFill>
+                <a:srgbClr val="2D2D2D"/>
+              </a:solidFill>
+              <a:effectLst/>
+              <a:latin typeface="Noto Sans" panose="020B0502040504020204" pitchFamily="34"/>
+            </a:endParaRPr>
+          </a:p>
+          <a:p>
+            <a:pPr algn="l"/>
+            <a:r>
+              <a:rPr lang="en-US" sz="3200" b="1" i="1" dirty="0">
+                <a:solidFill>
+                  <a:srgbClr val="2D2D2D"/>
+                </a:solidFill>
+                <a:effectLst/>
+                <a:latin typeface="Noto Sans" panose="020B0502040504020204" pitchFamily="34"/>
+              </a:rPr>
+              <a:t>Reference #3</a:t>
+            </a:r>
+            <a:br>
+              <a:rPr lang="en-US" sz="3200" b="0" i="0" dirty="0">
+                <a:solidFill>
+                  <a:srgbClr val="2D2D2D"/>
+                </a:solidFill>
+                <a:effectLst/>
+                <a:latin typeface="Noto Sans" panose="020B0502040504020204" pitchFamily="34"/>
+              </a:rPr>
+            </a:br>
+            <a:r>
+              <a:rPr lang="en-US" sz="3200" b="0" i="0" dirty="0">
+                <a:solidFill>
+                  <a:srgbClr val="2D2D2D"/>
+                </a:solidFill>
+                <a:effectLst/>
+                <a:latin typeface="Noto Sans" panose="020B0502040504020204" pitchFamily="34"/>
+              </a:rPr>
+              <a:t>Ian Crooks</a:t>
+            </a:r>
+            <a:br>
+              <a:rPr lang="en-US" sz="3200" b="0" i="0" dirty="0">
+                <a:solidFill>
+                  <a:srgbClr val="2D2D2D"/>
+                </a:solidFill>
+                <a:effectLst/>
+                <a:latin typeface="Noto Sans" panose="020B0502040504020204" pitchFamily="34"/>
+              </a:rPr>
+            </a:br>
+            <a:r>
+              <a:rPr lang="en-US" sz="3200" i="1" dirty="0">
+                <a:solidFill>
+                  <a:srgbClr val="2D2D2D"/>
+                </a:solidFill>
+                <a:latin typeface="Noto Sans" panose="020B0502040504020204" pitchFamily="34"/>
+              </a:rPr>
+              <a:t>Plumbing and Irrigation Specialist</a:t>
+            </a:r>
+            <a:br>
+              <a:rPr lang="en-US" sz="3200" b="0" i="0" dirty="0">
+                <a:solidFill>
+                  <a:srgbClr val="2D2D2D"/>
+                </a:solidFill>
+                <a:effectLst/>
+                <a:latin typeface="Noto Sans" panose="020B0502040504020204" pitchFamily="34"/>
+              </a:rPr>
+            </a:br>
+            <a:r>
+              <a:rPr lang="en-US" sz="3200" i="1" dirty="0" err="1">
+                <a:solidFill>
+                  <a:srgbClr val="2D2D2D"/>
+                </a:solidFill>
+                <a:latin typeface="Noto Sans" panose="020B0502040504020204" pitchFamily="34"/>
+              </a:rPr>
+              <a:t>Conserva</a:t>
+            </a:r>
+            <a:r>
+              <a:rPr lang="en-US" sz="3200" i="1" dirty="0">
+                <a:solidFill>
+                  <a:srgbClr val="2D2D2D"/>
+                </a:solidFill>
+                <a:latin typeface="Noto Sans" panose="020B0502040504020204" pitchFamily="34"/>
+              </a:rPr>
+              <a:t> Irrigation</a:t>
+            </a:r>
+            <a:br>
+              <a:rPr lang="en-US" sz="3200" b="0" i="0" dirty="0">
+                <a:solidFill>
+                  <a:srgbClr val="2D2D2D"/>
+                </a:solidFill>
+                <a:effectLst/>
+                <a:latin typeface="Noto Sans" panose="020B0502040504020204" pitchFamily="34"/>
+              </a:rPr>
+            </a:br>
+            <a:r>
+              <a:rPr lang="en-US" sz="3200" i="1" dirty="0">
+                <a:solidFill>
+                  <a:srgbClr val="2D2D2D"/>
+                </a:solidFill>
+                <a:latin typeface="Noto Sans" panose="020B0502040504020204" pitchFamily="34"/>
+              </a:rPr>
+              <a:t>3050 </a:t>
+            </a:r>
+            <a:r>
+              <a:rPr lang="en-US" sz="3200" i="1" dirty="0" err="1">
+                <a:solidFill>
+                  <a:srgbClr val="2D2D2D"/>
+                </a:solidFill>
+                <a:latin typeface="Noto Sans" panose="020B0502040504020204" pitchFamily="34"/>
+              </a:rPr>
+              <a:t>Knolin</a:t>
+            </a:r>
+            <a:r>
+              <a:rPr lang="en-US" sz="3200" i="1" dirty="0">
+                <a:solidFill>
+                  <a:srgbClr val="2D2D2D"/>
+                </a:solidFill>
+                <a:latin typeface="Noto Sans" panose="020B0502040504020204" pitchFamily="34"/>
+              </a:rPr>
+              <a:t> Dr, Unit 3, Bossier City, LA 71112</a:t>
+            </a:r>
+            <a:br>
+              <a:rPr lang="en-US" sz="3200" b="0" i="0" dirty="0">
+                <a:solidFill>
+                  <a:srgbClr val="2D2D2D"/>
+                </a:solidFill>
+                <a:effectLst/>
+                <a:latin typeface="Noto Sans" panose="020B0502040504020204" pitchFamily="34"/>
+              </a:rPr>
+            </a:br>
+            <a:r>
+              <a:rPr lang="en-US" sz="3200" b="0" i="1" dirty="0">
+                <a:solidFill>
+                  <a:srgbClr val="2D2D2D"/>
+                </a:solidFill>
+                <a:effectLst/>
+                <a:latin typeface="Noto Sans" panose="020B0502040504020204" pitchFamily="34"/>
+              </a:rPr>
+              <a:t>(318) 741-4124</a:t>
+            </a:r>
+          </a:p>
+          <a:p>
+            <a:pPr algn="l"/>
+            <a:br>
+              <a:rPr lang="en-US" sz="3200" b="0" i="0" dirty="0">
+                <a:solidFill>
+                  <a:srgbClr val="2D2D2D"/>
+                </a:solidFill>
+                <a:effectLst/>
+                <a:latin typeface="Noto Sans" panose="020B0502040504020204" pitchFamily="34"/>
+              </a:rPr>
+            </a:br>
+            <a:r>
+              <a:rPr lang="en-US" sz="3200" b="0" i="0" dirty="0">
+                <a:solidFill>
+                  <a:srgbClr val="2D2D2D"/>
+                </a:solidFill>
+                <a:effectLst/>
+                <a:latin typeface="Noto Sans" panose="020B0502040504020204" pitchFamily="34"/>
+              </a:rPr>
+              <a:t>I worked as Ian’s supervisor at Grimaldi’s Pizza</a:t>
+            </a:r>
+            <a:r>
+              <a:rPr lang="en-US" sz="3200" b="0" i="1" dirty="0">
+                <a:solidFill>
+                  <a:srgbClr val="2D2D2D"/>
+                </a:solidFill>
+                <a:effectLst/>
+                <a:latin typeface="Noto Sans" panose="020B0502040504020204" pitchFamily="34"/>
+              </a:rPr>
+              <a:t>. Ian was later my supervisor at </a:t>
+            </a:r>
+            <a:r>
+              <a:rPr lang="en-US" sz="3200" b="0" i="1" dirty="0" err="1">
+                <a:solidFill>
+                  <a:srgbClr val="2D2D2D"/>
+                </a:solidFill>
+                <a:effectLst/>
+                <a:latin typeface="Noto Sans" panose="020B0502040504020204" pitchFamily="34"/>
+              </a:rPr>
+              <a:t>Conserva</a:t>
+            </a:r>
+            <a:r>
+              <a:rPr lang="en-US" sz="3200" i="1" dirty="0">
+                <a:solidFill>
+                  <a:srgbClr val="2D2D2D"/>
+                </a:solidFill>
+                <a:latin typeface="Noto Sans" panose="020B0502040504020204" pitchFamily="34"/>
+              </a:rPr>
+              <a:t>.</a:t>
+            </a:r>
+            <a:endParaRPr lang="en-US" sz="3200" b="0" i="0" dirty="0">
+              <a:solidFill>
+                <a:srgbClr val="2D2D2D"/>
+              </a:solidFill>
+              <a:effectLst/>
+              <a:latin typeface="Noto Sans" panose="020B0502040504020204" pitchFamily="34"/>
+            </a:endParaRPr>
+          </a:p>
+          <a:p>
+            <a:pPr marL="0" indent="0">
+              <a:buNone/>
+            </a:pPr>
+            <a:endParaRPr lang="en-US" dirty="0"/>
           </a:p>
         </p:txBody>
       </p:sp>
@@ -7190,6 +14788,52 @@
             <a:schemeClr val="lt1"/>
           </a:fontRef>
         </p:style>
+      </p:sp>
+      <p:sp>
+        <p:nvSpPr>
+          <p:cNvPr id="2" name="Rectangle 1">
+            <a:extLst>
+              <a:ext uri="{FF2B5EF4-FFF2-40B4-BE49-F238E27FC236}">
+                <a16:creationId xmlns:a16="http://schemas.microsoft.com/office/drawing/2014/main" id="{65750D01-F72C-4A5A-6684-15D0C713AD58}"/>
+              </a:ext>
+            </a:extLst>
+          </p:cNvPr>
+          <p:cNvSpPr/>
+          <p:nvPr/>
+        </p:nvSpPr>
+        <p:spPr>
+          <a:xfrm>
+            <a:off x="1098958" y="1904301"/>
+            <a:ext cx="1384183" cy="184558"/>
+          </a:xfrm>
+          <a:prstGeom prst="rect">
+            <a:avLst/>
+          </a:prstGeom>
+        </p:spPr>
+        <p:style>
+          <a:lnRef idx="2">
+            <a:schemeClr val="dk1">
+              <a:shade val="50000"/>
+            </a:schemeClr>
+          </a:lnRef>
+          <a:fillRef idx="1">
+            <a:schemeClr val="dk1"/>
+          </a:fillRef>
+          <a:effectRef idx="0">
+            <a:schemeClr val="dk1"/>
+          </a:effectRef>
+          <a:fontRef idx="minor">
+            <a:schemeClr val="lt1"/>
+          </a:fontRef>
+        </p:style>
+        <p:txBody>
+          <a:bodyPr rtlCol="0" anchor="ctr"/>
+          <a:lstStyle/>
+          <a:p>
+            <a:pPr algn="ctr"/>
+            <a:endParaRPr lang="en-US"/>
+          </a:p>
+        </p:txBody>
       </p:sp>
     </p:spTree>
     <p:extLst>
@@ -7411,7 +15055,60 @@
           </a:bodyPr>
           <a:lstStyle/>
           <a:p>
-            <a:endParaRPr lang="en-US" sz="2400"/>
+            <a:pPr marL="457200" indent="-457200">
+              <a:buFont typeface="+mj-lt"/>
+              <a:buAutoNum type="arabicPeriod"/>
+            </a:pPr>
+            <a:r>
+              <a:rPr lang="en-US" sz="1200" dirty="0"/>
+              <a:t>When Grimaldi’s closed all Louisiana stores, I was able to find a job as a worker at </a:t>
+            </a:r>
+            <a:r>
+              <a:rPr lang="en-US" sz="1200" dirty="0" err="1"/>
+              <a:t>HobbyTown</a:t>
+            </a:r>
+            <a:r>
+              <a:rPr lang="en-US" sz="1200" dirty="0"/>
+              <a:t>. I quickly learned to work on small electric and combustion engines that I had never experienced. I quickly became a manager at the Shreveport store,  allowing the owners to continue running the store for an additional 6 months from their home in Monroe.</a:t>
+            </a:r>
+          </a:p>
+          <a:p>
+            <a:pPr marL="457200" indent="-457200">
+              <a:buFont typeface="+mj-lt"/>
+              <a:buAutoNum type="arabicPeriod"/>
+            </a:pPr>
+            <a:r>
+              <a:rPr lang="en-US" sz="1200" dirty="0"/>
+              <a:t>While working at Grimaldi’s Pizzeria in Shreveport we were pleased with our amazing restaurant opening. The corporate office expected business of $5,000 per night for the opening weekend, but our team hit nearly 3 times that. We finished with $40,000 our opening and beat the Baton Rouge location in weekend sales.</a:t>
+            </a:r>
+          </a:p>
+          <a:p>
+            <a:pPr marL="457200" indent="-457200">
+              <a:buFont typeface="+mj-lt"/>
+              <a:buAutoNum type="arabicPeriod"/>
+            </a:pPr>
+            <a:r>
+              <a:rPr lang="en-US" sz="1200" dirty="0"/>
+              <a:t>After closing my own business, I was looking for a job. I got an opportunity to start as a morning line prep member at </a:t>
+            </a:r>
+            <a:r>
+              <a:rPr lang="en-US" sz="1200" dirty="0" err="1"/>
+              <a:t>Schlittz</a:t>
+            </a:r>
+            <a:r>
+              <a:rPr lang="en-US" sz="1200" dirty="0"/>
+              <a:t> and Giggles, a restaurant and bar in Baton Rouge. Through hard work I advanced to Manager of the restaurant, both front and back of the house. While working with Last In Concepts I was lucky to meet and be mentored by 3 amazing business minds: a friend and direct Supervisor Charles Kelly, CEO of Last In Concepts Brandon Landry, and Founder of Raising Cane’s Todd Graves. We worked hard to increase efficiency, decrease waste and labor hours, all while increasing quality of product and driving sales increases of over 11% per year in our first year.</a:t>
+            </a:r>
+          </a:p>
+          <a:p>
+            <a:pPr marL="457200" indent="-457200">
+              <a:buFont typeface="+mj-lt"/>
+              <a:buAutoNum type="arabicPeriod"/>
+            </a:pPr>
+            <a:r>
+              <a:rPr lang="en-US" sz="1200" dirty="0"/>
+              <a:t>I was lucky to find a position at a business that was opening in Baton Rouge when I first moved there in 2004. I worked very closely with the business owners for many years before they decided to close the shop for good. I made up my mind to take up their mantle and open the shop in a new location, across the street, and opened up Walley’s Pop Comics LLC. I ran the business by myself for 3 years. I researched and created my own LLC, started my own retail location, and was chosen as a Top 10 Comic Book Store Clerk in America by the Los Angeles times in 2010.      </a:t>
+            </a:r>
           </a:p>
         </p:txBody>
       </p:sp>
@@ -7433,9 +15130,32 @@
   <p:cSld>
     <p:bg>
       <p:bgPr>
-        <a:solidFill>
-          <a:schemeClr val="bg1"/>
-        </a:solidFill>
+        <a:gradFill rotWithShape="1">
+          <a:gsLst>
+            <a:gs pos="0">
+              <a:schemeClr val="bg1">
+                <a:tint val="96000"/>
+                <a:shade val="99000"/>
+                <a:satMod val="140000"/>
+              </a:schemeClr>
+            </a:gs>
+            <a:gs pos="65000">
+              <a:schemeClr val="bg1">
+                <a:tint val="100000"/>
+                <a:shade val="80000"/>
+                <a:satMod val="130000"/>
+              </a:schemeClr>
+            </a:gs>
+            <a:gs pos="100000">
+              <a:schemeClr val="bg1">
+                <a:tint val="100000"/>
+                <a:shade val="48000"/>
+                <a:satMod val="120000"/>
+              </a:schemeClr>
+            </a:gs>
+          </a:gsLst>
+          <a:lin ang="16200000" scaled="0"/>
+        </a:gradFill>
         <a:effectLst/>
       </p:bgPr>
     </p:bg>
@@ -7455,10 +15175,10 @@
       </p:grpSpPr>
       <p:sp useBgFill="1">
         <p:nvSpPr>
-          <p:cNvPr id="11" name="Rectangle 10">
+          <p:cNvPr id="19" name="Rectangle 18">
             <a:extLst>
               <a:ext uri="{FF2B5EF4-FFF2-40B4-BE49-F238E27FC236}">
-                <a16:creationId xmlns:a16="http://schemas.microsoft.com/office/drawing/2014/main" id="{3558DB37-9FEE-48A2-8578-ED0401573943}"/>
+                <a16:creationId xmlns:a16="http://schemas.microsoft.com/office/drawing/2014/main" id="{0F6F1E82-F603-49E4-9641-09EEA984A343}"/>
               </a:ext>
               <a:ext uri="{C183D7F6-B498-43B3-948B-1728B52AA6E4}">
                 <adec:decorative xmlns:adec="http://schemas.microsoft.com/office/drawing/2017/decorative" val="1"/>
@@ -7478,7 +15198,7 @@
         </p:nvSpPr>
         <p:spPr>
           <a:xfrm>
-            <a:off x="1507" y="0"/>
+            <a:off x="0" y="0"/>
             <a:ext cx="12192000" cy="6858000"/>
           </a:xfrm>
           <a:prstGeom prst="rect">
@@ -7515,61 +15235,6 @@
       </p:sp>
       <p:sp>
         <p:nvSpPr>
-          <p:cNvPr id="13" name="Rectangle 12">
-            <a:extLst>
-              <a:ext uri="{FF2B5EF4-FFF2-40B4-BE49-F238E27FC236}">
-                <a16:creationId xmlns:a16="http://schemas.microsoft.com/office/drawing/2014/main" id="{5F7FCCA6-00E2-4F74-A105-0D769872F243}"/>
-              </a:ext>
-              <a:ext uri="{C183D7F6-B498-43B3-948B-1728B52AA6E4}">
-                <adec:decorative xmlns:adec="http://schemas.microsoft.com/office/drawing/2017/decorative" val="1"/>
-              </a:ext>
-            </a:extLst>
-          </p:cNvPr>
-          <p:cNvSpPr>
-            <a:spLocks noGrp="1" noRot="1" noChangeAspect="1" noMove="1" noResize="1" noEditPoints="1" noAdjustHandles="1" noChangeArrowheads="1" noChangeShapeType="1" noTextEdit="1"/>
-          </p:cNvSpPr>
-          <p:nvPr>
-            <p:extLst>
-              <p:ext uri="{386F3935-93C4-4BCD-93E2-E3B085C9AB24}">
-                <p16:designElem xmlns:p16="http://schemas.microsoft.com/office/powerpoint/2015/main" val="1"/>
-              </p:ext>
-            </p:extLst>
-          </p:nvPr>
-        </p:nvSpPr>
-        <p:spPr bwMode="white">
-          <a:xfrm>
-            <a:off x="1507" y="0"/>
-            <a:ext cx="12188952" cy="1905000"/>
-          </a:xfrm>
-          <a:prstGeom prst="rect">
-            <a:avLst/>
-          </a:prstGeom>
-          <a:solidFill>
-            <a:schemeClr val="accent1"/>
-          </a:solidFill>
-          <a:ln>
-            <a:noFill/>
-          </a:ln>
-        </p:spPr>
-        <p:style>
-          <a:lnRef idx="2">
-            <a:schemeClr val="accent1">
-              <a:shade val="50000"/>
-            </a:schemeClr>
-          </a:lnRef>
-          <a:fillRef idx="1">
-            <a:schemeClr val="accent1"/>
-          </a:fillRef>
-          <a:effectRef idx="0">
-            <a:schemeClr val="accent1"/>
-          </a:effectRef>
-          <a:fontRef idx="minor">
-            <a:schemeClr val="lt1"/>
-          </a:fontRef>
-        </p:style>
-      </p:sp>
-      <p:sp>
-        <p:nvSpPr>
           <p:cNvPr id="4" name="Title 3">
             <a:extLst>
               <a:ext uri="{FF2B5EF4-FFF2-40B4-BE49-F238E27FC236}">
@@ -7591,60 +15256,79 @@
           </a:xfrm>
         </p:spPr>
         <p:txBody>
-          <a:bodyPr anchor="ctr">
+          <a:bodyPr>
             <a:normAutofit/>
           </a:bodyPr>
           <a:lstStyle/>
           <a:p>
             <a:r>
-              <a:rPr lang="en-US" dirty="0">
-                <a:solidFill>
-                  <a:srgbClr val="FFFFFF"/>
-                </a:solidFill>
-              </a:rPr>
+              <a:rPr lang="en-US"/>
               <a:t>Community Involvement</a:t>
             </a:r>
           </a:p>
         </p:txBody>
       </p:sp>
-      <p:sp>
-        <p:nvSpPr>
-          <p:cNvPr id="6" name="Content Placeholder 5">
+      <p:cxnSp>
+        <p:nvCxnSpPr>
+          <p:cNvPr id="21" name="Straight Connector 20">
             <a:extLst>
               <a:ext uri="{FF2B5EF4-FFF2-40B4-BE49-F238E27FC236}">
-                <a16:creationId xmlns:a16="http://schemas.microsoft.com/office/drawing/2014/main" id="{E78CFA0F-81C7-B01F-51EB-FF8E46AE490E}"/>
+                <a16:creationId xmlns:a16="http://schemas.microsoft.com/office/drawing/2014/main" id="{C81CFD00-FC30-4AFB-A61F-3127B2C90F71}"/>
+              </a:ext>
+              <a:ext uri="{C183D7F6-B498-43B3-948B-1728B52AA6E4}">
+                <adec:decorative xmlns:adec="http://schemas.microsoft.com/office/drawing/2017/decorative" val="1"/>
               </a:ext>
             </a:extLst>
           </p:cNvPr>
-          <p:cNvSpPr>
-            <a:spLocks noGrp="1"/>
-          </p:cNvSpPr>
+          <p:cNvCxnSpPr>
+            <a:cxnSpLocks noGrp="1" noRot="1" noChangeAspect="1" noMove="1" noResize="1" noEditPoints="1" noAdjustHandles="1" noChangeArrowheads="1" noChangeShapeType="1"/>
+          </p:cNvCxnSpPr>
           <p:nvPr>
-            <p:ph idx="1"/>
+            <p:extLst>
+              <p:ext uri="{386F3935-93C4-4BCD-93E2-E3B085C9AB24}">
+                <p16:designElem xmlns:p16="http://schemas.microsoft.com/office/powerpoint/2015/main" val="1"/>
+              </p:ext>
+            </p:extLst>
           </p:nvPr>
-        </p:nvSpPr>
+        </p:nvCxnSpPr>
         <p:spPr>
           <a:xfrm>
-            <a:off x="1096963" y="2675694"/>
-            <a:ext cx="10058400" cy="3193294"/>
+            <a:off x="1193532" y="1897380"/>
+            <a:ext cx="9966960" cy="0"/>
           </a:xfrm>
+          <a:prstGeom prst="line">
+            <a:avLst/>
+          </a:prstGeom>
+          <a:ln w="12700">
+            <a:solidFill>
+              <a:schemeClr val="tx1">
+                <a:lumMod val="75000"/>
+                <a:lumOff val="25000"/>
+              </a:schemeClr>
+            </a:solidFill>
+          </a:ln>
         </p:spPr>
-        <p:txBody>
-          <a:bodyPr>
-            <a:normAutofit/>
-          </a:bodyPr>
-          <a:lstStyle/>
-          <a:p>
-            <a:endParaRPr lang="en-US"/>
-          </a:p>
-        </p:txBody>
-      </p:sp>
+        <p:style>
+          <a:lnRef idx="1">
+            <a:schemeClr val="accent1"/>
+          </a:lnRef>
+          <a:fillRef idx="0">
+            <a:schemeClr val="accent1"/>
+          </a:fillRef>
+          <a:effectRef idx="0">
+            <a:schemeClr val="accent1"/>
+          </a:effectRef>
+          <a:fontRef idx="minor">
+            <a:schemeClr val="tx1"/>
+          </a:fontRef>
+        </p:style>
+      </p:cxnSp>
       <p:sp>
         <p:nvSpPr>
-          <p:cNvPr id="8" name="Rectangle 14">
+          <p:cNvPr id="23" name="Rectangle 22">
             <a:extLst>
               <a:ext uri="{FF2B5EF4-FFF2-40B4-BE49-F238E27FC236}">
-                <a16:creationId xmlns:a16="http://schemas.microsoft.com/office/drawing/2014/main" id="{9B834327-03F1-4931-8261-971373A5A694}"/>
+                <a16:creationId xmlns:a16="http://schemas.microsoft.com/office/drawing/2014/main" id="{9D1595AB-90F6-488F-B5E3-F8CFCC8FAA19}"/>
               </a:ext>
               <a:ext uri="{C183D7F6-B498-43B3-948B-1728B52AA6E4}">
                 <adec:decorative xmlns:adec="http://schemas.microsoft.com/office/drawing/2017/decorative" val="1"/>
@@ -7694,6 +15378,37 @@
           </a:fontRef>
         </p:style>
       </p:sp>
+      <p:graphicFrame>
+        <p:nvGraphicFramePr>
+          <p:cNvPr id="15" name="Content Placeholder 5">
+            <a:extLst>
+              <a:ext uri="{FF2B5EF4-FFF2-40B4-BE49-F238E27FC236}">
+                <a16:creationId xmlns:a16="http://schemas.microsoft.com/office/drawing/2014/main" id="{AECD8DC5-7670-FE9F-FBD2-73D606753AF3}"/>
+              </a:ext>
+            </a:extLst>
+          </p:cNvPr>
+          <p:cNvGraphicFramePr>
+            <a:graphicFrameLocks noGrp="1"/>
+          </p:cNvGraphicFramePr>
+          <p:nvPr>
+            <p:ph idx="1"/>
+            <p:extLst>
+              <p:ext uri="{D42A27DB-BD31-4B8C-83A1-F6EECF244321}">
+                <p14:modId xmlns:p14="http://schemas.microsoft.com/office/powerpoint/2010/main" val="124481283"/>
+              </p:ext>
+            </p:extLst>
+          </p:nvPr>
+        </p:nvGraphicFramePr>
+        <p:xfrm>
+          <a:off x="1096963" y="2098515"/>
+          <a:ext cx="10058400" cy="3786080"/>
+        </p:xfrm>
+        <a:graphic>
+          <a:graphicData uri="http://schemas.openxmlformats.org/drawingml/2006/diagram">
+            <dgm:relIds xmlns:dgm="http://schemas.openxmlformats.org/drawingml/2006/diagram" xmlns:r="http://schemas.openxmlformats.org/officeDocument/2006/relationships" r:dm="rId2" r:lo="rId3" r:qs="rId4" r:cs="rId5"/>
+          </a:graphicData>
+        </a:graphic>
+      </p:graphicFrame>
     </p:spTree>
     <p:extLst>
       <p:ext uri="{BB962C8B-B14F-4D97-AF65-F5344CB8AC3E}">
@@ -7702,7 +15417,7 @@
     </p:extLst>
   </p:cSld>
   <p:clrMapOvr>
-    <a:masterClrMapping/>
+    <a:overrideClrMapping bg1="dk1" tx1="lt1" bg2="dk2" tx2="lt2" accent1="accent1" accent2="accent2" accent3="accent3" accent4="accent4" accent5="accent5" accent6="accent6" hlink="hlink" folHlink="folHlink"/>
   </p:clrMapOvr>
 </p:sld>
 </file>
@@ -8292,7 +16007,7 @@
           <a:graphicData uri="http://schemas.openxmlformats.org/presentationml/2006/ole">
             <mc:AlternateContent xmlns:mc="http://schemas.openxmlformats.org/markup-compatibility/2006">
               <mc:Choice xmlns:v="urn:schemas-microsoft-com:vml" Requires="v">
-                <p:oleObj spid="_x0000_s13318" name="Document" r:id="rId4" imgW="6729243" imgH="8157038" progId="Word.Document.12">
+                <p:oleObj spid="_x0000_s13327" name="Document" r:id="rId4" imgW="6729243" imgH="8157038" progId="Word.Document.12">
                   <p:embed/>
                 </p:oleObj>
               </mc:Choice>
@@ -8333,6 +16048,52 @@
           </a:graphicData>
         </a:graphic>
       </p:graphicFrame>
+      <p:sp>
+        <p:nvSpPr>
+          <p:cNvPr id="4" name="Rectangle 3">
+            <a:extLst>
+              <a:ext uri="{FF2B5EF4-FFF2-40B4-BE49-F238E27FC236}">
+                <a16:creationId xmlns:a16="http://schemas.microsoft.com/office/drawing/2014/main" id="{54871AC3-7A16-A3B6-932E-DDEDFBE0C803}"/>
+              </a:ext>
+            </a:extLst>
+          </p:cNvPr>
+          <p:cNvSpPr/>
+          <p:nvPr/>
+        </p:nvSpPr>
+        <p:spPr>
+          <a:xfrm>
+            <a:off x="8313490" y="769720"/>
+            <a:ext cx="2424418" cy="278904"/>
+          </a:xfrm>
+          <a:prstGeom prst="rect">
+            <a:avLst/>
+          </a:prstGeom>
+        </p:spPr>
+        <p:style>
+          <a:lnRef idx="2">
+            <a:schemeClr val="dk1">
+              <a:shade val="50000"/>
+            </a:schemeClr>
+          </a:lnRef>
+          <a:fillRef idx="1">
+            <a:schemeClr val="dk1"/>
+          </a:fillRef>
+          <a:effectRef idx="0">
+            <a:schemeClr val="dk1"/>
+          </a:effectRef>
+          <a:fontRef idx="minor">
+            <a:schemeClr val="lt1"/>
+          </a:fontRef>
+        </p:style>
+        <p:txBody>
+          <a:bodyPr rtlCol="0" anchor="ctr"/>
+          <a:lstStyle/>
+          <a:p>
+            <a:pPr algn="ctr"/>
+            <a:endParaRPr lang="en-US"/>
+          </a:p>
+        </p:txBody>
+      </p:sp>
     </p:spTree>
     <p:extLst>
       <p:ext uri="{BB962C8B-B14F-4D97-AF65-F5344CB8AC3E}">
@@ -8642,20 +16403,20 @@
           <p:nvPr>
             <p:extLst>
               <p:ext uri="{D42A27DB-BD31-4B8C-83A1-F6EECF244321}">
-                <p14:modId xmlns:p14="http://schemas.microsoft.com/office/powerpoint/2010/main" val="2875717314"/>
+                <p14:modId xmlns:p14="http://schemas.microsoft.com/office/powerpoint/2010/main" val="1325882259"/>
               </p:ext>
             </p:extLst>
           </p:nvPr>
         </p:nvGraphicFramePr>
         <p:xfrm>
-          <a:off x="5570376" y="317241"/>
+          <a:off x="5586596" y="332187"/>
           <a:ext cx="5019965" cy="5896946"/>
         </p:xfrm>
         <a:graphic>
           <a:graphicData uri="http://schemas.openxmlformats.org/presentationml/2006/ole">
             <mc:AlternateContent xmlns:mc="http://schemas.openxmlformats.org/markup-compatibility/2006">
               <mc:Choice xmlns:v="urn:schemas-microsoft-com:vml" Requires="v">
-                <p:oleObj spid="_x0000_s14342" name="Document" r:id="rId3" imgW="6329468" imgH="6937412" progId="Word.Document.12">
+                <p:oleObj spid="_x0000_s14351" name="Document" r:id="rId3" imgW="6329468" imgH="6937412" progId="Word.Document.12">
                   <p:embed/>
                 </p:oleObj>
               </mc:Choice>
@@ -8676,7 +16437,7 @@
                     </p:blipFill>
                     <p:spPr>
                       <a:xfrm>
-                        <a:off x="5570376" y="317241"/>
+                        <a:off x="5586596" y="332187"/>
                         <a:ext cx="5019965" cy="5896946"/>
                       </a:xfrm>
                       <a:prstGeom prst="rect">
@@ -8693,6 +16454,471 @@
           </a:graphicData>
         </a:graphic>
       </p:graphicFrame>
+      <mc:AlternateContent xmlns:mc="http://schemas.openxmlformats.org/markup-compatibility/2006">
+        <mc:Choice xmlns:p14="http://schemas.microsoft.com/office/powerpoint/2010/main" Requires="p14">
+          <p:contentPart p14:bwMode="auto" r:id="rId5">
+            <p14:nvContentPartPr>
+              <p14:cNvPr id="3" name="Ink 2">
+                <a:extLst>
+                  <a:ext uri="{FF2B5EF4-FFF2-40B4-BE49-F238E27FC236}">
+                    <a16:creationId xmlns:a16="http://schemas.microsoft.com/office/drawing/2014/main" id="{8B4038FC-24CF-8F11-347A-31516BC48F2A}"/>
+                  </a:ext>
+                </a:extLst>
+              </p14:cNvPr>
+              <p14:cNvContentPartPr/>
+              <p14:nvPr/>
+            </p14:nvContentPartPr>
+            <p14:xfrm>
+              <a:off x="5603516" y="603667"/>
+              <a:ext cx="704160" cy="360"/>
+            </p14:xfrm>
+          </p:contentPart>
+        </mc:Choice>
+        <mc:Fallback>
+          <p:pic>
+            <p:nvPicPr>
+              <p:cNvPr id="3" name="Ink 2">
+                <a:extLst>
+                  <a:ext uri="{FF2B5EF4-FFF2-40B4-BE49-F238E27FC236}">
+                    <a16:creationId xmlns:a16="http://schemas.microsoft.com/office/drawing/2014/main" id="{8B4038FC-24CF-8F11-347A-31516BC48F2A}"/>
+                  </a:ext>
+                </a:extLst>
+              </p:cNvPr>
+              <p:cNvPicPr/>
+              <p:nvPr/>
+            </p:nvPicPr>
+            <p:blipFill>
+              <a:blip r:embed="rId6"/>
+              <a:stretch>
+                <a:fillRect/>
+              </a:stretch>
+            </p:blipFill>
+            <p:spPr>
+              <a:xfrm>
+                <a:off x="5594516" y="594667"/>
+                <a:ext cx="721800" cy="18000"/>
+              </a:xfrm>
+              <a:prstGeom prst="rect">
+                <a:avLst/>
+              </a:prstGeom>
+            </p:spPr>
+          </p:pic>
+        </mc:Fallback>
+      </mc:AlternateContent>
+      <mc:AlternateContent xmlns:mc="http://schemas.openxmlformats.org/markup-compatibility/2006">
+        <mc:Choice xmlns:p14="http://schemas.microsoft.com/office/powerpoint/2010/main" Requires="p14">
+          <p:contentPart p14:bwMode="auto" r:id="rId7">
+            <p14:nvContentPartPr>
+              <p14:cNvPr id="4" name="Ink 3">
+                <a:extLst>
+                  <a:ext uri="{FF2B5EF4-FFF2-40B4-BE49-F238E27FC236}">
+                    <a16:creationId xmlns:a16="http://schemas.microsoft.com/office/drawing/2014/main" id="{A9999090-DB99-594C-6B6E-CB336527FBD1}"/>
+                  </a:ext>
+                </a:extLst>
+              </p14:cNvPr>
+              <p14:cNvContentPartPr/>
+              <p14:nvPr/>
+            </p14:nvContentPartPr>
+            <p14:xfrm>
+              <a:off x="5620436" y="628867"/>
+              <a:ext cx="678600" cy="27720"/>
+            </p14:xfrm>
+          </p:contentPart>
+        </mc:Choice>
+        <mc:Fallback>
+          <p:pic>
+            <p:nvPicPr>
+              <p:cNvPr id="4" name="Ink 3">
+                <a:extLst>
+                  <a:ext uri="{FF2B5EF4-FFF2-40B4-BE49-F238E27FC236}">
+                    <a16:creationId xmlns:a16="http://schemas.microsoft.com/office/drawing/2014/main" id="{A9999090-DB99-594C-6B6E-CB336527FBD1}"/>
+                  </a:ext>
+                </a:extLst>
+              </p:cNvPr>
+              <p:cNvPicPr/>
+              <p:nvPr/>
+            </p:nvPicPr>
+            <p:blipFill>
+              <a:blip r:embed="rId8"/>
+              <a:stretch>
+                <a:fillRect/>
+              </a:stretch>
+            </p:blipFill>
+            <p:spPr>
+              <a:xfrm>
+                <a:off x="5611436" y="620227"/>
+                <a:ext cx="696240" cy="45360"/>
+              </a:xfrm>
+              <a:prstGeom prst="rect">
+                <a:avLst/>
+              </a:prstGeom>
+            </p:spPr>
+          </p:pic>
+        </mc:Fallback>
+      </mc:AlternateContent>
+      <p:grpSp>
+        <p:nvGrpSpPr>
+          <p:cNvPr id="10" name="Group 9">
+            <a:extLst>
+              <a:ext uri="{FF2B5EF4-FFF2-40B4-BE49-F238E27FC236}">
+                <a16:creationId xmlns:a16="http://schemas.microsoft.com/office/drawing/2014/main" id="{52582C5A-06C3-CF73-0D5B-1EC18EFA1C77}"/>
+              </a:ext>
+            </a:extLst>
+          </p:cNvPr>
+          <p:cNvGrpSpPr/>
+          <p:nvPr/>
+        </p:nvGrpSpPr>
+        <p:grpSpPr>
+          <a:xfrm>
+            <a:off x="5586596" y="568387"/>
+            <a:ext cx="739080" cy="103320"/>
+            <a:chOff x="5586596" y="568387"/>
+            <a:chExt cx="739080" cy="103320"/>
+          </a:xfrm>
+        </p:grpSpPr>
+        <mc:AlternateContent xmlns:mc="http://schemas.openxmlformats.org/markup-compatibility/2006">
+          <mc:Choice xmlns:p14="http://schemas.microsoft.com/office/powerpoint/2010/main" Requires="p14">
+            <p:contentPart p14:bwMode="auto" r:id="rId9">
+              <p14:nvContentPartPr>
+                <p14:cNvPr id="5" name="Ink 4">
+                  <a:extLst>
+                    <a:ext uri="{FF2B5EF4-FFF2-40B4-BE49-F238E27FC236}">
+                      <a16:creationId xmlns:a16="http://schemas.microsoft.com/office/drawing/2014/main" id="{385189B3-FB76-FC77-8E7F-4D8EB7773D28}"/>
+                    </a:ext>
+                  </a:extLst>
+                </p14:cNvPr>
+                <p14:cNvContentPartPr/>
+                <p14:nvPr/>
+              </p14:nvContentPartPr>
+              <p14:xfrm>
+                <a:off x="5586596" y="654067"/>
+                <a:ext cx="709200" cy="17640"/>
+              </p14:xfrm>
+            </p:contentPart>
+          </mc:Choice>
+          <mc:Fallback>
+            <p:pic>
+              <p:nvPicPr>
+                <p:cNvPr id="5" name="Ink 4">
+                  <a:extLst>
+                    <a:ext uri="{FF2B5EF4-FFF2-40B4-BE49-F238E27FC236}">
+                      <a16:creationId xmlns:a16="http://schemas.microsoft.com/office/drawing/2014/main" id="{385189B3-FB76-FC77-8E7F-4D8EB7773D28}"/>
+                    </a:ext>
+                  </a:extLst>
+                </p:cNvPr>
+                <p:cNvPicPr/>
+                <p:nvPr/>
+              </p:nvPicPr>
+              <p:blipFill>
+                <a:blip r:embed="rId10"/>
+                <a:stretch>
+                  <a:fillRect/>
+                </a:stretch>
+              </p:blipFill>
+              <p:spPr>
+                <a:xfrm>
+                  <a:off x="5577956" y="645067"/>
+                  <a:ext cx="726840" cy="35280"/>
+                </a:xfrm>
+                <a:prstGeom prst="rect">
+                  <a:avLst/>
+                </a:prstGeom>
+              </p:spPr>
+            </p:pic>
+          </mc:Fallback>
+        </mc:AlternateContent>
+        <mc:AlternateContent xmlns:mc="http://schemas.openxmlformats.org/markup-compatibility/2006">
+          <mc:Choice xmlns:p14="http://schemas.microsoft.com/office/powerpoint/2010/main" Requires="p14">
+            <p:contentPart p14:bwMode="auto" r:id="rId11">
+              <p14:nvContentPartPr>
+                <p14:cNvPr id="6" name="Ink 5">
+                  <a:extLst>
+                    <a:ext uri="{FF2B5EF4-FFF2-40B4-BE49-F238E27FC236}">
+                      <a16:creationId xmlns:a16="http://schemas.microsoft.com/office/drawing/2014/main" id="{550FF642-ED0F-5E3A-B941-9608584CC7F9}"/>
+                    </a:ext>
+                  </a:extLst>
+                </p14:cNvPr>
+                <p14:cNvContentPartPr/>
+                <p14:nvPr/>
+              </p14:nvContentPartPr>
+              <p14:xfrm>
+                <a:off x="5638076" y="628147"/>
+                <a:ext cx="687600" cy="9720"/>
+              </p14:xfrm>
+            </p:contentPart>
+          </mc:Choice>
+          <mc:Fallback>
+            <p:pic>
+              <p:nvPicPr>
+                <p:cNvPr id="6" name="Ink 5">
+                  <a:extLst>
+                    <a:ext uri="{FF2B5EF4-FFF2-40B4-BE49-F238E27FC236}">
+                      <a16:creationId xmlns:a16="http://schemas.microsoft.com/office/drawing/2014/main" id="{550FF642-ED0F-5E3A-B941-9608584CC7F9}"/>
+                    </a:ext>
+                  </a:extLst>
+                </p:cNvPr>
+                <p:cNvPicPr/>
+                <p:nvPr/>
+              </p:nvPicPr>
+              <p:blipFill>
+                <a:blip r:embed="rId12"/>
+                <a:stretch>
+                  <a:fillRect/>
+                </a:stretch>
+              </p:blipFill>
+              <p:spPr>
+                <a:xfrm>
+                  <a:off x="5629076" y="619507"/>
+                  <a:ext cx="705240" cy="27360"/>
+                </a:xfrm>
+                <a:prstGeom prst="rect">
+                  <a:avLst/>
+                </a:prstGeom>
+              </p:spPr>
+            </p:pic>
+          </mc:Fallback>
+        </mc:AlternateContent>
+        <mc:AlternateContent xmlns:mc="http://schemas.openxmlformats.org/markup-compatibility/2006">
+          <mc:Choice xmlns:p14="http://schemas.microsoft.com/office/powerpoint/2010/main" Requires="p14">
+            <p:contentPart p14:bwMode="auto" r:id="rId13">
+              <p14:nvContentPartPr>
+                <p14:cNvPr id="7" name="Ink 6">
+                  <a:extLst>
+                    <a:ext uri="{FF2B5EF4-FFF2-40B4-BE49-F238E27FC236}">
+                      <a16:creationId xmlns:a16="http://schemas.microsoft.com/office/drawing/2014/main" id="{1C004BED-DFAB-F61F-C265-0CE8FB720053}"/>
+                    </a:ext>
+                  </a:extLst>
+                </p14:cNvPr>
+                <p14:cNvContentPartPr/>
+                <p14:nvPr/>
+              </p14:nvContentPartPr>
+              <p14:xfrm>
+                <a:off x="5586596" y="568387"/>
+                <a:ext cx="729720" cy="36000"/>
+              </p14:xfrm>
+            </p:contentPart>
+          </mc:Choice>
+          <mc:Fallback>
+            <p:pic>
+              <p:nvPicPr>
+                <p:cNvPr id="7" name="Ink 6">
+                  <a:extLst>
+                    <a:ext uri="{FF2B5EF4-FFF2-40B4-BE49-F238E27FC236}">
+                      <a16:creationId xmlns:a16="http://schemas.microsoft.com/office/drawing/2014/main" id="{1C004BED-DFAB-F61F-C265-0CE8FB720053}"/>
+                    </a:ext>
+                  </a:extLst>
+                </p:cNvPr>
+                <p:cNvPicPr/>
+                <p:nvPr/>
+              </p:nvPicPr>
+              <p:blipFill>
+                <a:blip r:embed="rId14"/>
+                <a:stretch>
+                  <a:fillRect/>
+                </a:stretch>
+              </p:blipFill>
+              <p:spPr>
+                <a:xfrm>
+                  <a:off x="5577956" y="559387"/>
+                  <a:ext cx="747360" cy="53640"/>
+                </a:xfrm>
+                <a:prstGeom prst="rect">
+                  <a:avLst/>
+                </a:prstGeom>
+              </p:spPr>
+            </p:pic>
+          </mc:Fallback>
+        </mc:AlternateContent>
+        <mc:AlternateContent xmlns:mc="http://schemas.openxmlformats.org/markup-compatibility/2006">
+          <mc:Choice xmlns:p14="http://schemas.microsoft.com/office/powerpoint/2010/main" Requires="p14">
+            <p:contentPart p14:bwMode="auto" r:id="rId15">
+              <p14:nvContentPartPr>
+                <p14:cNvPr id="8" name="Ink 7">
+                  <a:extLst>
+                    <a:ext uri="{FF2B5EF4-FFF2-40B4-BE49-F238E27FC236}">
+                      <a16:creationId xmlns:a16="http://schemas.microsoft.com/office/drawing/2014/main" id="{D48F668C-3021-7CB0-8E7F-DE74C33BF7AA}"/>
+                    </a:ext>
+                  </a:extLst>
+                </p14:cNvPr>
+                <p14:cNvContentPartPr/>
+                <p14:nvPr/>
+              </p14:nvContentPartPr>
+              <p14:xfrm>
+                <a:off x="5591636" y="603667"/>
+                <a:ext cx="734040" cy="18000"/>
+              </p14:xfrm>
+            </p:contentPart>
+          </mc:Choice>
+          <mc:Fallback>
+            <p:pic>
+              <p:nvPicPr>
+                <p:cNvPr id="8" name="Ink 7">
+                  <a:extLst>
+                    <a:ext uri="{FF2B5EF4-FFF2-40B4-BE49-F238E27FC236}">
+                      <a16:creationId xmlns:a16="http://schemas.microsoft.com/office/drawing/2014/main" id="{D48F668C-3021-7CB0-8E7F-DE74C33BF7AA}"/>
+                    </a:ext>
+                  </a:extLst>
+                </p:cNvPr>
+                <p:cNvPicPr/>
+                <p:nvPr/>
+              </p:nvPicPr>
+              <p:blipFill>
+                <a:blip r:embed="rId16"/>
+                <a:stretch>
+                  <a:fillRect/>
+                </a:stretch>
+              </p:blipFill>
+              <p:spPr>
+                <a:xfrm>
+                  <a:off x="5582636" y="594667"/>
+                  <a:ext cx="751680" cy="35640"/>
+                </a:xfrm>
+                <a:prstGeom prst="rect">
+                  <a:avLst/>
+                </a:prstGeom>
+              </p:spPr>
+            </p:pic>
+          </mc:Fallback>
+        </mc:AlternateContent>
+      </p:grpSp>
+      <p:sp>
+        <p:nvSpPr>
+          <p:cNvPr id="11" name="Rectangle 10">
+            <a:extLst>
+              <a:ext uri="{FF2B5EF4-FFF2-40B4-BE49-F238E27FC236}">
+                <a16:creationId xmlns:a16="http://schemas.microsoft.com/office/drawing/2014/main" id="{84BD78B4-5E54-D9FF-2EB7-3523DAA8EFAA}"/>
+              </a:ext>
+            </a:extLst>
+          </p:cNvPr>
+          <p:cNvSpPr/>
+          <p:nvPr/>
+        </p:nvSpPr>
+        <p:spPr>
+          <a:xfrm>
+            <a:off x="5620436" y="813732"/>
+            <a:ext cx="1426316" cy="94361"/>
+          </a:xfrm>
+          <a:prstGeom prst="rect">
+            <a:avLst/>
+          </a:prstGeom>
+        </p:spPr>
+        <p:style>
+          <a:lnRef idx="2">
+            <a:schemeClr val="dk1">
+              <a:shade val="50000"/>
+            </a:schemeClr>
+          </a:lnRef>
+          <a:fillRef idx="1">
+            <a:schemeClr val="dk1"/>
+          </a:fillRef>
+          <a:effectRef idx="0">
+            <a:schemeClr val="dk1"/>
+          </a:effectRef>
+          <a:fontRef idx="minor">
+            <a:schemeClr val="lt1"/>
+          </a:fontRef>
+        </p:style>
+        <p:txBody>
+          <a:bodyPr rtlCol="0" anchor="ctr"/>
+          <a:lstStyle/>
+          <a:p>
+            <a:pPr algn="ctr"/>
+            <a:endParaRPr lang="en-US"/>
+          </a:p>
+        </p:txBody>
+      </p:sp>
+      <p:sp>
+        <p:nvSpPr>
+          <p:cNvPr id="12" name="Rectangle 11">
+            <a:extLst>
+              <a:ext uri="{FF2B5EF4-FFF2-40B4-BE49-F238E27FC236}">
+                <a16:creationId xmlns:a16="http://schemas.microsoft.com/office/drawing/2014/main" id="{0E2F0D9F-B371-1D42-D2B1-CC0018E83373}"/>
+              </a:ext>
+            </a:extLst>
+          </p:cNvPr>
+          <p:cNvSpPr/>
+          <p:nvPr/>
+        </p:nvSpPr>
+        <p:spPr>
+          <a:xfrm>
+            <a:off x="5620436" y="1073791"/>
+            <a:ext cx="1308870" cy="45719"/>
+          </a:xfrm>
+          <a:prstGeom prst="rect">
+            <a:avLst/>
+          </a:prstGeom>
+        </p:spPr>
+        <p:style>
+          <a:lnRef idx="2">
+            <a:schemeClr val="dk1">
+              <a:shade val="50000"/>
+            </a:schemeClr>
+          </a:lnRef>
+          <a:fillRef idx="1">
+            <a:schemeClr val="dk1"/>
+          </a:fillRef>
+          <a:effectRef idx="0">
+            <a:schemeClr val="dk1"/>
+          </a:effectRef>
+          <a:fontRef idx="minor">
+            <a:schemeClr val="lt1"/>
+          </a:fontRef>
+        </p:style>
+        <p:txBody>
+          <a:bodyPr rtlCol="0" anchor="ctr"/>
+          <a:lstStyle/>
+          <a:p>
+            <a:pPr algn="ctr"/>
+            <a:endParaRPr lang="en-US"/>
+          </a:p>
+        </p:txBody>
+      </p:sp>
+      <p:sp>
+        <p:nvSpPr>
+          <p:cNvPr id="13" name="Rectangle 12">
+            <a:extLst>
+              <a:ext uri="{FF2B5EF4-FFF2-40B4-BE49-F238E27FC236}">
+                <a16:creationId xmlns:a16="http://schemas.microsoft.com/office/drawing/2014/main" id="{223392F0-BF10-0AAF-F79A-69A84E3B9F58}"/>
+              </a:ext>
+            </a:extLst>
+          </p:cNvPr>
+          <p:cNvSpPr/>
+          <p:nvPr/>
+        </p:nvSpPr>
+        <p:spPr>
+          <a:xfrm>
+            <a:off x="7734650" y="5209563"/>
+            <a:ext cx="738231" cy="45719"/>
+          </a:xfrm>
+          <a:prstGeom prst="rect">
+            <a:avLst/>
+          </a:prstGeom>
+        </p:spPr>
+        <p:style>
+          <a:lnRef idx="2">
+            <a:schemeClr val="dk1">
+              <a:shade val="50000"/>
+            </a:schemeClr>
+          </a:lnRef>
+          <a:fillRef idx="1">
+            <a:schemeClr val="dk1"/>
+          </a:fillRef>
+          <a:effectRef idx="0">
+            <a:schemeClr val="dk1"/>
+          </a:effectRef>
+          <a:fontRef idx="minor">
+            <a:schemeClr val="lt1"/>
+          </a:fontRef>
+        </p:style>
+        <p:txBody>
+          <a:bodyPr rtlCol="0" anchor="ctr"/>
+          <a:lstStyle/>
+          <a:p>
+            <a:pPr algn="ctr"/>
+            <a:endParaRPr lang="en-US"/>
+          </a:p>
+        </p:txBody>
+      </p:sp>
     </p:spTree>
     <p:extLst>
       <p:ext uri="{BB962C8B-B14F-4D97-AF65-F5344CB8AC3E}">
@@ -9256,9 +17482,32 @@
   <p:cSld>
     <p:bg>
       <p:bgPr>
-        <a:solidFill>
-          <a:schemeClr val="bg1"/>
-        </a:solidFill>
+        <a:gradFill rotWithShape="1">
+          <a:gsLst>
+            <a:gs pos="0">
+              <a:schemeClr val="bg1">
+                <a:tint val="96000"/>
+                <a:shade val="99000"/>
+                <a:satMod val="140000"/>
+              </a:schemeClr>
+            </a:gs>
+            <a:gs pos="65000">
+              <a:schemeClr val="bg1">
+                <a:tint val="100000"/>
+                <a:shade val="80000"/>
+                <a:satMod val="130000"/>
+              </a:schemeClr>
+            </a:gs>
+            <a:gs pos="100000">
+              <a:schemeClr val="bg1">
+                <a:tint val="100000"/>
+                <a:shade val="48000"/>
+                <a:satMod val="120000"/>
+              </a:schemeClr>
+            </a:gs>
+          </a:gsLst>
+          <a:lin ang="16200000" scaled="0"/>
+        </a:gradFill>
         <a:effectLst/>
       </p:bgPr>
     </p:bg>
@@ -9276,12 +17525,12 @@
           <a:chExt cx="0" cy="0"/>
         </a:xfrm>
       </p:grpSpPr>
-      <p:sp>
+      <p:sp useBgFill="1">
         <p:nvSpPr>
-          <p:cNvPr id="16" name="Rectangle 11">
+          <p:cNvPr id="23" name="Rectangle 22">
             <a:extLst>
               <a:ext uri="{FF2B5EF4-FFF2-40B4-BE49-F238E27FC236}">
-                <a16:creationId xmlns:a16="http://schemas.microsoft.com/office/drawing/2014/main" id="{3558DB37-9FEE-48A2-8578-ED0401573943}"/>
+                <a16:creationId xmlns:a16="http://schemas.microsoft.com/office/drawing/2014/main" id="{0F6F1E82-F603-49E4-9641-09EEA984A343}"/>
               </a:ext>
               <a:ext uri="{C183D7F6-B498-43B3-948B-1728B52AA6E4}">
                 <adec:decorative xmlns:adec="http://schemas.microsoft.com/office/drawing/2017/decorative" val="1"/>
@@ -9301,15 +17550,12 @@
         </p:nvSpPr>
         <p:spPr>
           <a:xfrm>
-            <a:off x="1507" y="0"/>
+            <a:off x="0" y="0"/>
             <a:ext cx="12192000" cy="6858000"/>
           </a:xfrm>
           <a:prstGeom prst="rect">
             <a:avLst/>
           </a:prstGeom>
-          <a:solidFill>
-            <a:schemeClr val="accent1"/>
-          </a:solidFill>
           <a:ln>
             <a:noFill/>
           </a:ln>
@@ -9335,20 +17581,106 @@
           <a:lstStyle/>
           <a:p>
             <a:pPr algn="ctr"/>
-            <a:endParaRPr lang="en-US">
-              <a:solidFill>
-                <a:schemeClr val="accent1"/>
-              </a:solidFill>
-            </a:endParaRPr>
+            <a:endParaRPr lang="en-US"/>
           </a:p>
         </p:txBody>
       </p:sp>
       <p:sp>
         <p:nvSpPr>
-          <p:cNvPr id="17" name="Rectangle 13">
+          <p:cNvPr id="6" name="Title 5">
             <a:extLst>
               <a:ext uri="{FF2B5EF4-FFF2-40B4-BE49-F238E27FC236}">
-                <a16:creationId xmlns:a16="http://schemas.microsoft.com/office/drawing/2014/main" id="{5F7FCCA6-00E2-4F74-A105-0D769872F243}"/>
+                <a16:creationId xmlns:a16="http://schemas.microsoft.com/office/drawing/2014/main" id="{8BDF6C67-D8BB-897C-71D4-D21105D077A7}"/>
+              </a:ext>
+            </a:extLst>
+          </p:cNvPr>
+          <p:cNvSpPr>
+            <a:spLocks noGrp="1"/>
+          </p:cNvSpPr>
+          <p:nvPr>
+            <p:ph type="title"/>
+          </p:nvPr>
+        </p:nvSpPr>
+        <p:spPr>
+          <a:xfrm>
+            <a:off x="1097280" y="286603"/>
+            <a:ext cx="10058400" cy="1450757"/>
+          </a:xfrm>
+        </p:spPr>
+        <p:txBody>
+          <a:bodyPr>
+            <a:normAutofit/>
+          </a:bodyPr>
+          <a:lstStyle/>
+          <a:p>
+            <a:r>
+              <a:rPr lang="en-US"/>
+              <a:t>Statement of Professional Goals</a:t>
+            </a:r>
+          </a:p>
+        </p:txBody>
+      </p:sp>
+      <p:cxnSp>
+        <p:nvCxnSpPr>
+          <p:cNvPr id="25" name="Straight Connector 24">
+            <a:extLst>
+              <a:ext uri="{FF2B5EF4-FFF2-40B4-BE49-F238E27FC236}">
+                <a16:creationId xmlns:a16="http://schemas.microsoft.com/office/drawing/2014/main" id="{C81CFD00-FC30-4AFB-A61F-3127B2C90F71}"/>
+              </a:ext>
+              <a:ext uri="{C183D7F6-B498-43B3-948B-1728B52AA6E4}">
+                <adec:decorative xmlns:adec="http://schemas.microsoft.com/office/drawing/2017/decorative" val="1"/>
+              </a:ext>
+            </a:extLst>
+          </p:cNvPr>
+          <p:cNvCxnSpPr>
+            <a:cxnSpLocks noGrp="1" noRot="1" noChangeAspect="1" noMove="1" noResize="1" noEditPoints="1" noAdjustHandles="1" noChangeArrowheads="1" noChangeShapeType="1"/>
+          </p:cNvCxnSpPr>
+          <p:nvPr>
+            <p:extLst>
+              <p:ext uri="{386F3935-93C4-4BCD-93E2-E3B085C9AB24}">
+                <p16:designElem xmlns:p16="http://schemas.microsoft.com/office/powerpoint/2015/main" val="1"/>
+              </p:ext>
+            </p:extLst>
+          </p:nvPr>
+        </p:nvCxnSpPr>
+        <p:spPr>
+          <a:xfrm>
+            <a:off x="1193532" y="1897380"/>
+            <a:ext cx="9966960" cy="0"/>
+          </a:xfrm>
+          <a:prstGeom prst="line">
+            <a:avLst/>
+          </a:prstGeom>
+          <a:ln w="12700">
+            <a:solidFill>
+              <a:schemeClr val="tx1">
+                <a:lumMod val="75000"/>
+                <a:lumOff val="25000"/>
+              </a:schemeClr>
+            </a:solidFill>
+          </a:ln>
+        </p:spPr>
+        <p:style>
+          <a:lnRef idx="1">
+            <a:schemeClr val="accent1"/>
+          </a:lnRef>
+          <a:fillRef idx="0">
+            <a:schemeClr val="accent1"/>
+          </a:fillRef>
+          <a:effectRef idx="0">
+            <a:schemeClr val="accent1"/>
+          </a:effectRef>
+          <a:fontRef idx="minor">
+            <a:schemeClr val="tx1"/>
+          </a:fontRef>
+        </p:style>
+      </p:cxnSp>
+      <p:sp>
+        <p:nvSpPr>
+          <p:cNvPr id="27" name="Rectangle 26">
+            <a:extLst>
+              <a:ext uri="{FF2B5EF4-FFF2-40B4-BE49-F238E27FC236}">
+                <a16:creationId xmlns:a16="http://schemas.microsoft.com/office/drawing/2014/main" id="{9D1595AB-90F6-488F-B5E3-F8CFCC8FAA19}"/>
               </a:ext>
               <a:ext uri="{C183D7F6-B498-43B3-948B-1728B52AA6E4}">
                 <adec:decorative xmlns:adec="http://schemas.microsoft.com/office/drawing/2017/decorative" val="1"/>
@@ -9366,10 +17698,10 @@
             </p:extLst>
           </p:nvPr>
         </p:nvSpPr>
-        <p:spPr bwMode="white">
+        <p:spPr>
           <a:xfrm>
-            <a:off x="1507" y="4953000"/>
-            <a:ext cx="12188952" cy="1905000"/>
+            <a:off x="0" y="6400800"/>
+            <a:ext cx="12192000" cy="457200"/>
           </a:xfrm>
           <a:prstGeom prst="rect">
             <a:avLst/>
@@ -9398,82 +17730,37 @@
           </a:fontRef>
         </p:style>
       </p:sp>
-      <p:sp>
-        <p:nvSpPr>
-          <p:cNvPr id="6" name="Title 5">
+      <p:graphicFrame>
+        <p:nvGraphicFramePr>
+          <p:cNvPr id="19" name="Content Placeholder 6">
             <a:extLst>
               <a:ext uri="{FF2B5EF4-FFF2-40B4-BE49-F238E27FC236}">
-                <a16:creationId xmlns:a16="http://schemas.microsoft.com/office/drawing/2014/main" id="{8BDF6C67-D8BB-897C-71D4-D21105D077A7}"/>
+                <a16:creationId xmlns:a16="http://schemas.microsoft.com/office/drawing/2014/main" id="{8C64454C-CCE6-7F2B-4174-52011195605B}"/>
               </a:ext>
             </a:extLst>
           </p:cNvPr>
-          <p:cNvSpPr>
-            <a:spLocks noGrp="1"/>
-          </p:cNvSpPr>
-          <p:nvPr>
-            <p:ph type="title"/>
-          </p:nvPr>
-        </p:nvSpPr>
-        <p:spPr>
-          <a:xfrm>
-            <a:off x="1066800" y="5208104"/>
-            <a:ext cx="10058400" cy="1073547"/>
-          </a:xfrm>
-        </p:spPr>
-        <p:txBody>
-          <a:bodyPr anchor="ctr">
-            <a:normAutofit/>
-          </a:bodyPr>
-          <a:lstStyle/>
-          <a:p>
-            <a:pPr algn="ctr"/>
-            <a:r>
-              <a:rPr lang="en-US" dirty="0">
-                <a:solidFill>
-                  <a:srgbClr val="FFFFFF"/>
-                </a:solidFill>
-              </a:rPr>
-              <a:t>Statement of Professional Goals</a:t>
-            </a:r>
-          </a:p>
-        </p:txBody>
-      </p:sp>
-      <p:sp>
-        <p:nvSpPr>
-          <p:cNvPr id="7" name="Content Placeholder 6">
-            <a:extLst>
-              <a:ext uri="{FF2B5EF4-FFF2-40B4-BE49-F238E27FC236}">
-                <a16:creationId xmlns:a16="http://schemas.microsoft.com/office/drawing/2014/main" id="{B18DCD16-C791-6122-1762-085597B909D3}"/>
-              </a:ext>
-            </a:extLst>
-          </p:cNvPr>
-          <p:cNvSpPr>
-            <a:spLocks noGrp="1"/>
-          </p:cNvSpPr>
+          <p:cNvGraphicFramePr>
+            <a:graphicFrameLocks noGrp="1"/>
+          </p:cNvGraphicFramePr>
           <p:nvPr>
             <p:ph idx="1"/>
+            <p:extLst>
+              <p:ext uri="{D42A27DB-BD31-4B8C-83A1-F6EECF244321}">
+                <p14:modId xmlns:p14="http://schemas.microsoft.com/office/powerpoint/2010/main" val="1828152537"/>
+              </p:ext>
+            </p:extLst>
           </p:nvPr>
-        </p:nvSpPr>
-        <p:spPr>
-          <a:xfrm>
-            <a:off x="1097280" y="1086678"/>
-            <a:ext cx="10027920" cy="3471467"/>
-          </a:xfrm>
-        </p:spPr>
-        <p:txBody>
-          <a:bodyPr>
-            <a:normAutofit/>
-          </a:bodyPr>
-          <a:lstStyle/>
-          <a:p>
-            <a:endParaRPr lang="en-US">
-              <a:solidFill>
-                <a:srgbClr val="FFFFFF"/>
-              </a:solidFill>
-            </a:endParaRPr>
-          </a:p>
-        </p:txBody>
-      </p:sp>
+        </p:nvGraphicFramePr>
+        <p:xfrm>
+          <a:off x="1096963" y="2098515"/>
+          <a:ext cx="10058400" cy="3786080"/>
+        </p:xfrm>
+        <a:graphic>
+          <a:graphicData uri="http://schemas.openxmlformats.org/drawingml/2006/diagram">
+            <dgm:relIds xmlns:dgm="http://schemas.openxmlformats.org/drawingml/2006/diagram" xmlns:r="http://schemas.openxmlformats.org/officeDocument/2006/relationships" r:dm="rId2" r:lo="rId3" r:qs="rId4" r:cs="rId5"/>
+          </a:graphicData>
+        </a:graphic>
+      </p:graphicFrame>
     </p:spTree>
     <p:extLst>
       <p:ext uri="{BB962C8B-B14F-4D97-AF65-F5344CB8AC3E}">
@@ -9750,7 +18037,7 @@
           <a:graphicData uri="http://schemas.openxmlformats.org/presentationml/2006/ole">
             <mc:AlternateContent xmlns:mc="http://schemas.openxmlformats.org/markup-compatibility/2006">
               <mc:Choice xmlns:v="urn:schemas-microsoft-com:vml" Requires="v">
-                <p:oleObj spid="_x0000_s15366" name="Document" r:id="rId3" imgW="6329468" imgH="7019970" progId="Word.Document.12">
+                <p:oleObj spid="_x0000_s15375" name="Document" r:id="rId3" imgW="6329468" imgH="7019970" progId="Word.Document.12">
                   <p:embed/>
                 </p:oleObj>
               </mc:Choice>
@@ -10148,7 +18435,7 @@
           <a:graphicData uri="http://schemas.openxmlformats.org/presentationml/2006/ole">
             <mc:AlternateContent xmlns:mc="http://schemas.openxmlformats.org/markup-compatibility/2006">
               <mc:Choice xmlns:v="urn:schemas-microsoft-com:vml" Requires="v">
-                <p:oleObj spid="_x0000_s16390" name="Document" r:id="rId3" imgW="5940848" imgH="4805319" progId="Word.Document.12">
+                <p:oleObj spid="_x0000_s16399" name="Document" r:id="rId3" imgW="5940848" imgH="4805319" progId="Word.Document.12">
                   <p:embed/>
                 </p:oleObj>
               </mc:Choice>
@@ -10566,21 +18853,21 @@
 </file>
 
 <file path=customXml/item1.xml><?xml version="1.0" encoding="utf-8"?>
+<?mso-contentType ?>
+<FormTemplates xmlns="http://schemas.microsoft.com/sharepoint/v3/contenttype/forms">
+  <Display>DocumentLibraryForm</Display>
+  <Edit>DocumentLibraryForm</Edit>
+  <New>DocumentLibraryForm</New>
+</FormTemplates>
+</file>
+
+<file path=customXml/item2.xml><?xml version="1.0" encoding="utf-8"?>
 <p:properties xmlns:p="http://schemas.microsoft.com/office/2006/metadata/properties" xmlns:xsi="http://www.w3.org/2001/XMLSchema-instance" xmlns:pc="http://schemas.microsoft.com/office/infopath/2007/PartnerControls">
   <documentManagement>
     <Status xmlns="71af3243-3dd4-4a8d-8c0d-dd76da1f02a5">Not started</Status>
     <MediaServiceKeyPoints xmlns="71af3243-3dd4-4a8d-8c0d-dd76da1f02a5" xsi:nil="true"/>
   </documentManagement>
 </p:properties>
-</file>
-
-<file path=customXml/item2.xml><?xml version="1.0" encoding="utf-8"?>
-<?mso-contentType ?>
-<FormTemplates xmlns="http://schemas.microsoft.com/sharepoint/v3/contenttype/forms">
-  <Display>DocumentLibraryForm</Display>
-  <Edit>DocumentLibraryForm</Edit>
-  <New>DocumentLibraryForm</New>
-</FormTemplates>
 </file>
 
 <file path=customXml/item3.xml><?xml version="1.0" encoding="utf-8"?>
@@ -10805,19 +19092,19 @@
 </file>
 
 <file path=customXml/itemProps1.xml><?xml version="1.0" encoding="utf-8"?>
+<ds:datastoreItem xmlns:ds="http://schemas.openxmlformats.org/officeDocument/2006/customXml" ds:itemID="{638A3B04-B0F3-4C12-A722-52B5CF6D9723}">
+  <ds:schemaRefs>
+    <ds:schemaRef ds:uri="http://schemas.microsoft.com/sharepoint/v3/contenttype/forms"/>
+  </ds:schemaRefs>
+</ds:datastoreItem>
+</file>
+
+<file path=customXml/itemProps2.xml><?xml version="1.0" encoding="utf-8"?>
 <ds:datastoreItem xmlns:ds="http://schemas.openxmlformats.org/officeDocument/2006/customXml" ds:itemID="{4F5B1FD9-3BB6-4DA9-A089-3B68C2323D4F}">
   <ds:schemaRefs>
     <ds:schemaRef ds:uri="http://schemas.microsoft.com/office/2006/metadata/properties"/>
     <ds:schemaRef ds:uri="http://schemas.microsoft.com/office/infopath/2007/PartnerControls"/>
     <ds:schemaRef ds:uri="71af3243-3dd4-4a8d-8c0d-dd76da1f02a5"/>
-  </ds:schemaRefs>
-</ds:datastoreItem>
-</file>
-
-<file path=customXml/itemProps2.xml><?xml version="1.0" encoding="utf-8"?>
-<ds:datastoreItem xmlns:ds="http://schemas.openxmlformats.org/officeDocument/2006/customXml" ds:itemID="{638A3B04-B0F3-4C12-A722-52B5CF6D9723}">
-  <ds:schemaRefs>
-    <ds:schemaRef ds:uri="http://schemas.microsoft.com/sharepoint/v3/contenttype/forms"/>
   </ds:schemaRefs>
 </ds:datastoreItem>
 </file>
